--- a/작업일지 && 졸작자료/중간평가.pptx
+++ b/작업일지 && 졸작자료/중간평가.pptx
@@ -13,11 +13,13 @@
     <p:sldId id="281" r:id="rId7"/>
     <p:sldId id="285" r:id="rId8"/>
     <p:sldId id="287" r:id="rId9"/>
-    <p:sldId id="288" r:id="rId10"/>
-    <p:sldId id="289" r:id="rId11"/>
-    <p:sldId id="290" r:id="rId12"/>
-    <p:sldId id="286" r:id="rId13"/>
-    <p:sldId id="291" r:id="rId14"/>
+    <p:sldId id="292" r:id="rId10"/>
+    <p:sldId id="288" r:id="rId11"/>
+    <p:sldId id="293" r:id="rId12"/>
+    <p:sldId id="289" r:id="rId13"/>
+    <p:sldId id="290" r:id="rId14"/>
+    <p:sldId id="286" r:id="rId15"/>
+    <p:sldId id="291" r:id="rId16"/>
   </p:sldIdLst>
   <p:sldSz cx="12192000" cy="6858000"/>
   <p:notesSz cx="9144000" cy="6858000"/>
@@ -3753,7 +3755,7 @@
         <p:spPr>
           <a:xfrm>
             <a:off x="826566" y="186362"/>
-            <a:ext cx="4063990" cy="924212"/>
+            <a:ext cx="4632940" cy="924212"/>
           </a:xfrm>
           <a:prstGeom prst="rect">
             <a:avLst/>
@@ -3761,7 +3763,7 @@
         </p:spPr>
         <p:txBody>
           <a:bodyPr vert="horz" lIns="91440" tIns="45720" rIns="91440" bIns="45720" rtlCol="0" anchor="ctr">
-            <a:normAutofit/>
+            <a:normAutofit fontScale="92500"/>
           </a:bodyPr>
           <a:lstStyle>
             <a:lvl1pPr algn="l" defTabSz="914400" rtl="0" eaLnBrk="1" latinLnBrk="1" hangingPunct="1">
@@ -3789,6 +3791,20 @@
                 <a:ea typeface="a피라미드" panose="02020600000000000000" pitchFamily="18" charset="-127"/>
               </a:rPr>
               <a:t>개발 내용</a:t>
+            </a:r>
+            <a:r>
+              <a:rPr lang="en-US" altLang="ko-KR" sz="3600" spc="300" dirty="0">
+                <a:latin typeface="a피라미드" panose="02020600000000000000" pitchFamily="18" charset="-127"/>
+                <a:ea typeface="a피라미드" panose="02020600000000000000" pitchFamily="18" charset="-127"/>
+              </a:rPr>
+              <a:t>- </a:t>
+            </a:r>
+            <a:r>
+              <a:rPr lang="ko-KR" altLang="en-US" sz="3600" spc="300" dirty="0">
+                <a:latin typeface="a피라미드" panose="02020600000000000000" pitchFamily="18" charset="-127"/>
+                <a:ea typeface="a피라미드" panose="02020600000000000000" pitchFamily="18" charset="-127"/>
+              </a:rPr>
+              <a:t>총알구멍</a:t>
             </a:r>
             <a:endParaRPr lang="es-ES" sz="3600" spc="300" dirty="0">
               <a:latin typeface="a피라미드" panose="02020600000000000000" pitchFamily="18" charset="-127"/>
@@ -3853,10 +3869,82 @@
           </a:fontRef>
         </p:style>
       </p:cxnSp>
+      <p:pic>
+        <p:nvPicPr>
+          <p:cNvPr id="3" name="그림 2" descr="PC 게임, 스크린샷, 의류, 비디오 게임 소프트웨어이(가) 표시된 사진&#10;&#10;자동 생성된 설명">
+            <a:extLst>
+              <a:ext uri="{FF2B5EF4-FFF2-40B4-BE49-F238E27FC236}">
+                <a16:creationId xmlns:a16="http://schemas.microsoft.com/office/drawing/2014/main" id="{8386BE14-DD2E-3E29-0D76-AA9F1C605B1D}"/>
+              </a:ext>
+            </a:extLst>
+          </p:cNvPr>
+          <p:cNvPicPr>
+            <a:picLocks noChangeAspect="1"/>
+          </p:cNvPicPr>
+          <p:nvPr/>
+        </p:nvPicPr>
+        <p:blipFill>
+          <a:blip r:embed="rId2">
+            <a:extLst>
+              <a:ext uri="{28A0092B-C50C-407E-A947-70E740481C1C}">
+                <a14:useLocalDpi xmlns:a14="http://schemas.microsoft.com/office/drawing/2010/main" val="0"/>
+              </a:ext>
+            </a:extLst>
+          </a:blip>
+          <a:stretch>
+            <a:fillRect/>
+          </a:stretch>
+        </p:blipFill>
+        <p:spPr>
+          <a:xfrm>
+            <a:off x="826566" y="1877892"/>
+            <a:ext cx="5311140" cy="4023360"/>
+          </a:xfrm>
+          <a:prstGeom prst="rect">
+            <a:avLst/>
+          </a:prstGeom>
+        </p:spPr>
+      </p:pic>
+      <p:pic>
+        <p:nvPicPr>
+          <p:cNvPr id="5" name="그림 4" descr="PC 게임, 스크린샷, 비디오 게임 소프트웨어, 전략 비디오 게임이(가) 표시된 사진&#10;&#10;자동 생성된 설명">
+            <a:extLst>
+              <a:ext uri="{FF2B5EF4-FFF2-40B4-BE49-F238E27FC236}">
+                <a16:creationId xmlns:a16="http://schemas.microsoft.com/office/drawing/2014/main" id="{15DD7FF7-AEF3-5C38-D787-47CBAD739EC2}"/>
+              </a:ext>
+            </a:extLst>
+          </p:cNvPr>
+          <p:cNvPicPr>
+            <a:picLocks noChangeAspect="1"/>
+          </p:cNvPicPr>
+          <p:nvPr/>
+        </p:nvPicPr>
+        <p:blipFill>
+          <a:blip r:embed="rId3">
+            <a:extLst>
+              <a:ext uri="{28A0092B-C50C-407E-A947-70E740481C1C}">
+                <a14:useLocalDpi xmlns:a14="http://schemas.microsoft.com/office/drawing/2010/main" val="0"/>
+              </a:ext>
+            </a:extLst>
+          </a:blip>
+          <a:stretch>
+            <a:fillRect/>
+          </a:stretch>
+        </p:blipFill>
+        <p:spPr>
+          <a:xfrm>
+            <a:off x="6321929" y="1877892"/>
+            <a:ext cx="5311140" cy="4023360"/>
+          </a:xfrm>
+          <a:prstGeom prst="rect">
+            <a:avLst/>
+          </a:prstGeom>
+        </p:spPr>
+      </p:pic>
     </p:spTree>
     <p:extLst>
       <p:ext uri="{BB962C8B-B14F-4D97-AF65-F5344CB8AC3E}">
-        <p14:creationId xmlns:p14="http://schemas.microsoft.com/office/powerpoint/2010/main" val="4180226447"/>
+        <p14:creationId xmlns:p14="http://schemas.microsoft.com/office/powerpoint/2010/main" val="39809102"/>
       </p:ext>
     </p:extLst>
   </p:cSld>
@@ -4169,7 +4257,7 @@
         <p:spPr>
           <a:xfrm>
             <a:off x="826566" y="186362"/>
-            <a:ext cx="4704658" cy="924212"/>
+            <a:ext cx="4632940" cy="924212"/>
           </a:xfrm>
           <a:prstGeom prst="rect">
             <a:avLst/>
@@ -4204,23 +4292,23 @@
                 <a:latin typeface="a피라미드" panose="02020600000000000000" pitchFamily="18" charset="-127"/>
                 <a:ea typeface="a피라미드" panose="02020600000000000000" pitchFamily="18" charset="-127"/>
               </a:rPr>
-              <a:t>문제점 </a:t>
+              <a:t>개발 내용</a:t>
             </a:r>
             <a:r>
               <a:rPr lang="en-US" altLang="ko-KR" sz="3600" spc="300" dirty="0">
                 <a:latin typeface="a피라미드" panose="02020600000000000000" pitchFamily="18" charset="-127"/>
                 <a:ea typeface="a피라미드" panose="02020600000000000000" pitchFamily="18" charset="-127"/>
               </a:rPr>
-              <a:t>&amp;&amp; </a:t>
+              <a:t>- </a:t>
             </a:r>
             <a:r>
               <a:rPr lang="ko-KR" altLang="en-US" sz="3600" spc="300" dirty="0">
                 <a:latin typeface="a피라미드" panose="02020600000000000000" pitchFamily="18" charset="-127"/>
                 <a:ea typeface="a피라미드" panose="02020600000000000000" pitchFamily="18" charset="-127"/>
               </a:rPr>
-              <a:t>해결방안</a:t>
-            </a:r>
-            <a:endParaRPr lang="en-US" altLang="ko-KR" sz="3600" spc="300" dirty="0">
+              <a:t>총알구멍</a:t>
+            </a:r>
+            <a:endParaRPr lang="es-ES" sz="3600" spc="300" dirty="0">
               <a:latin typeface="a피라미드" panose="02020600000000000000" pitchFamily="18" charset="-127"/>
               <a:ea typeface="a피라미드" panose="02020600000000000000" pitchFamily="18" charset="-127"/>
             </a:endParaRPr>
@@ -4286,7 +4374,7 @@
     </p:spTree>
     <p:extLst>
       <p:ext uri="{BB962C8B-B14F-4D97-AF65-F5344CB8AC3E}">
-        <p14:creationId xmlns:p14="http://schemas.microsoft.com/office/powerpoint/2010/main" val="2520773249"/>
+        <p14:creationId xmlns:p14="http://schemas.microsoft.com/office/powerpoint/2010/main" val="1817521857"/>
       </p:ext>
     </p:extLst>
   </p:cSld>
@@ -4599,6 +4687,946 @@
         <p:spPr>
           <a:xfrm>
             <a:off x="826566" y="186362"/>
+            <a:ext cx="5269434" cy="924212"/>
+          </a:xfrm>
+          <a:prstGeom prst="rect">
+            <a:avLst/>
+          </a:prstGeom>
+        </p:spPr>
+        <p:txBody>
+          <a:bodyPr vert="horz" lIns="91440" tIns="45720" rIns="91440" bIns="45720" rtlCol="0" anchor="ctr">
+            <a:normAutofit fontScale="92500"/>
+          </a:bodyPr>
+          <a:lstStyle>
+            <a:lvl1pPr algn="l" defTabSz="914400" rtl="0" eaLnBrk="1" latinLnBrk="1" hangingPunct="1">
+              <a:lnSpc>
+                <a:spcPct val="90000"/>
+              </a:lnSpc>
+              <a:spcBef>
+                <a:spcPct val="0"/>
+              </a:spcBef>
+              <a:buNone/>
+              <a:defRPr sz="4400" kern="1200">
+                <a:solidFill>
+                  <a:schemeClr val="tx1"/>
+                </a:solidFill>
+                <a:latin typeface="+mj-lt"/>
+                <a:ea typeface="+mj-ea"/>
+                <a:cs typeface="+mj-cs"/>
+              </a:defRPr>
+            </a:lvl1pPr>
+          </a:lstStyle>
+          <a:p>
+            <a:r>
+              <a:rPr lang="ko-KR" altLang="en-US" sz="3600" spc="300" dirty="0">
+                <a:latin typeface="a피라미드" panose="02020600000000000000" pitchFamily="18" charset="-127"/>
+                <a:ea typeface="a피라미드" panose="02020600000000000000" pitchFamily="18" charset="-127"/>
+              </a:rPr>
+              <a:t>개발 내용 </a:t>
+            </a:r>
+            <a:r>
+              <a:rPr lang="en-US" altLang="ko-KR" sz="3600" spc="300" dirty="0">
+                <a:latin typeface="a피라미드" panose="02020600000000000000" pitchFamily="18" charset="-127"/>
+                <a:ea typeface="a피라미드" panose="02020600000000000000" pitchFamily="18" charset="-127"/>
+              </a:rPr>
+              <a:t>- </a:t>
+            </a:r>
+            <a:r>
+              <a:rPr lang="ko-KR" altLang="en-US" sz="3600" spc="300" dirty="0">
+                <a:latin typeface="a피라미드" panose="02020600000000000000" pitchFamily="18" charset="-127"/>
+                <a:ea typeface="a피라미드" panose="02020600000000000000" pitchFamily="18" charset="-127"/>
+              </a:rPr>
+              <a:t>멀티플레이</a:t>
+            </a:r>
+            <a:endParaRPr lang="es-ES" sz="3600" spc="300" dirty="0">
+              <a:latin typeface="a피라미드" panose="02020600000000000000" pitchFamily="18" charset="-127"/>
+              <a:ea typeface="a피라미드" panose="02020600000000000000" pitchFamily="18" charset="-127"/>
+            </a:endParaRPr>
+          </a:p>
+        </p:txBody>
+      </p:sp>
+      <p:cxnSp>
+        <p:nvCxnSpPr>
+          <p:cNvPr id="10" name="Conector recto 12">
+            <a:extLst>
+              <a:ext uri="{FF2B5EF4-FFF2-40B4-BE49-F238E27FC236}">
+                <a16:creationId xmlns:a16="http://schemas.microsoft.com/office/drawing/2014/main" id="{21A62DFE-F4DE-41DB-8242-F873BBD0D01C}"/>
+              </a:ext>
+            </a:extLst>
+          </p:cNvPr>
+          <p:cNvCxnSpPr>
+            <a:cxnSpLocks/>
+          </p:cNvCxnSpPr>
+          <p:nvPr/>
+        </p:nvCxnSpPr>
+        <p:spPr>
+          <a:xfrm flipV="1">
+            <a:off x="510134" y="387037"/>
+            <a:ext cx="0" cy="522862"/>
+          </a:xfrm>
+          <a:prstGeom prst="line">
+            <a:avLst/>
+          </a:prstGeom>
+          <a:ln w="66675" cmpd="dbl">
+            <a:solidFill>
+              <a:srgbClr val="00B0F0"/>
+            </a:solidFill>
+            <a:prstDash val="solid"/>
+          </a:ln>
+          <a:effectLst>
+            <a:glow rad="317500">
+              <a:srgbClr val="00B0F0">
+                <a:alpha val="36000"/>
+              </a:srgbClr>
+            </a:glow>
+            <a:outerShdw blurRad="914400" dist="838200" dir="8700000" sx="123000" sy="123000" algn="t" rotWithShape="0">
+              <a:srgbClr val="00B0F0">
+                <a:alpha val="0"/>
+              </a:srgbClr>
+            </a:outerShdw>
+          </a:effectLst>
+        </p:spPr>
+        <p:style>
+          <a:lnRef idx="1">
+            <a:schemeClr val="accent1"/>
+          </a:lnRef>
+          <a:fillRef idx="0">
+            <a:schemeClr val="accent1"/>
+          </a:fillRef>
+          <a:effectRef idx="0">
+            <a:schemeClr val="accent1"/>
+          </a:effectRef>
+          <a:fontRef idx="minor">
+            <a:schemeClr val="tx1"/>
+          </a:fontRef>
+        </p:style>
+      </p:cxnSp>
+    </p:spTree>
+    <p:extLst>
+      <p:ext uri="{BB962C8B-B14F-4D97-AF65-F5344CB8AC3E}">
+        <p14:creationId xmlns:p14="http://schemas.microsoft.com/office/powerpoint/2010/main" val="4180226447"/>
+      </p:ext>
+    </p:extLst>
+  </p:cSld>
+  <p:clrMapOvr>
+    <a:masterClrMapping/>
+  </p:clrMapOvr>
+</p:sld>
+</file>
+
+<file path=ppt/slides/slide13.xml><?xml version="1.0" encoding="utf-8"?>
+<p:sld xmlns:a="http://schemas.openxmlformats.org/drawingml/2006/main" xmlns:r="http://schemas.openxmlformats.org/officeDocument/2006/relationships" xmlns:p="http://schemas.openxmlformats.org/presentationml/2006/main">
+  <p:cSld>
+    <p:spTree>
+      <p:nvGrpSpPr>
+        <p:cNvPr id="1" name=""/>
+        <p:cNvGrpSpPr/>
+        <p:nvPr/>
+      </p:nvGrpSpPr>
+      <p:grpSpPr>
+        <a:xfrm>
+          <a:off x="0" y="0"/>
+          <a:ext cx="0" cy="0"/>
+          <a:chOff x="0" y="0"/>
+          <a:chExt cx="0" cy="0"/>
+        </a:xfrm>
+      </p:grpSpPr>
+      <p:sp>
+        <p:nvSpPr>
+          <p:cNvPr id="7" name="직사각형 6">
+            <a:extLst>
+              <a:ext uri="{FF2B5EF4-FFF2-40B4-BE49-F238E27FC236}">
+                <a16:creationId xmlns:a16="http://schemas.microsoft.com/office/drawing/2014/main" id="{39F9EAFD-1666-4ABD-B418-733F8A683880}"/>
+              </a:ext>
+            </a:extLst>
+          </p:cNvPr>
+          <p:cNvSpPr/>
+          <p:nvPr/>
+        </p:nvSpPr>
+        <p:spPr>
+          <a:xfrm rot="16200000">
+            <a:off x="2657633" y="-2667038"/>
+            <a:ext cx="6876736" cy="12192001"/>
+          </a:xfrm>
+          <a:prstGeom prst="rect">
+            <a:avLst/>
+          </a:prstGeom>
+          <a:gradFill flip="none" rotWithShape="1">
+            <a:gsLst>
+              <a:gs pos="0">
+                <a:srgbClr val="2D2941"/>
+              </a:gs>
+              <a:gs pos="100000">
+                <a:srgbClr val="121216"/>
+              </a:gs>
+            </a:gsLst>
+            <a:path path="circle">
+              <a:fillToRect l="50000" t="50000" r="50000" b="50000"/>
+            </a:path>
+            <a:tileRect/>
+          </a:gradFill>
+          <a:ln>
+            <a:noFill/>
+          </a:ln>
+        </p:spPr>
+        <p:style>
+          <a:lnRef idx="2">
+            <a:schemeClr val="accent1">
+              <a:shade val="50000"/>
+            </a:schemeClr>
+          </a:lnRef>
+          <a:fillRef idx="1">
+            <a:schemeClr val="accent1"/>
+          </a:fillRef>
+          <a:effectRef idx="0">
+            <a:schemeClr val="accent1"/>
+          </a:effectRef>
+          <a:fontRef idx="minor">
+            <a:schemeClr val="lt1"/>
+          </a:fontRef>
+        </p:style>
+        <p:txBody>
+          <a:bodyPr rtlCol="0" anchor="ctr"/>
+          <a:lstStyle/>
+          <a:p>
+            <a:pPr algn="ctr"/>
+            <a:endParaRPr lang="ko-KR" altLang="en-US" dirty="0"/>
+          </a:p>
+        </p:txBody>
+      </p:sp>
+      <p:sp>
+        <p:nvSpPr>
+          <p:cNvPr id="8" name="Marcador de contenido 2">
+            <a:extLst>
+              <a:ext uri="{FF2B5EF4-FFF2-40B4-BE49-F238E27FC236}">
+                <a16:creationId xmlns:a16="http://schemas.microsoft.com/office/drawing/2014/main" id="{F56F454A-F156-4605-9CDF-3516A548F791}"/>
+              </a:ext>
+            </a:extLst>
+          </p:cNvPr>
+          <p:cNvSpPr txBox="1">
+            <a:spLocks/>
+          </p:cNvSpPr>
+          <p:nvPr/>
+        </p:nvSpPr>
+        <p:spPr>
+          <a:xfrm>
+            <a:off x="403080" y="286553"/>
+            <a:ext cx="1379621" cy="1022781"/>
+          </a:xfrm>
+          <a:prstGeom prst="rect">
+            <a:avLst/>
+          </a:prstGeom>
+        </p:spPr>
+        <p:txBody>
+          <a:bodyPr vert="horz" lIns="91440" tIns="45720" rIns="91440" bIns="45720" rtlCol="0">
+            <a:normAutofit/>
+          </a:bodyPr>
+          <a:lstStyle>
+            <a:lvl1pPr marL="0" indent="0" algn="ctr" defTabSz="914400" rtl="0" eaLnBrk="1" latinLnBrk="0" hangingPunct="1">
+              <a:lnSpc>
+                <a:spcPct val="90000"/>
+              </a:lnSpc>
+              <a:spcBef>
+                <a:spcPts val="1000"/>
+              </a:spcBef>
+              <a:buFont typeface="Arial" panose="020B0604020202020204" pitchFamily="34" charset="0"/>
+              <a:buNone/>
+              <a:defRPr sz="2400" kern="1200">
+                <a:solidFill>
+                  <a:schemeClr val="bg1"/>
+                </a:solidFill>
+                <a:latin typeface="Source Code Pro" panose="020B0509030403020204" pitchFamily="49" charset="0"/>
+                <a:ea typeface="Source Code Pro" panose="020B0509030403020204" pitchFamily="49" charset="0"/>
+                <a:cs typeface="+mn-cs"/>
+              </a:defRPr>
+            </a:lvl1pPr>
+            <a:lvl2pPr marL="457200" indent="0" algn="ctr" defTabSz="914400" rtl="0" eaLnBrk="1" latinLnBrk="0" hangingPunct="1">
+              <a:lnSpc>
+                <a:spcPct val="90000"/>
+              </a:lnSpc>
+              <a:spcBef>
+                <a:spcPts val="500"/>
+              </a:spcBef>
+              <a:buFont typeface="Arial" panose="020B0604020202020204" pitchFamily="34" charset="0"/>
+              <a:buNone/>
+              <a:defRPr sz="2000" kern="1200">
+                <a:solidFill>
+                  <a:schemeClr val="bg1"/>
+                </a:solidFill>
+                <a:latin typeface="Source Code Pro" panose="020B0509030403020204" pitchFamily="49" charset="0"/>
+                <a:ea typeface="Source Code Pro" panose="020B0509030403020204" pitchFamily="49" charset="0"/>
+                <a:cs typeface="+mn-cs"/>
+              </a:defRPr>
+            </a:lvl2pPr>
+            <a:lvl3pPr marL="914400" indent="0" algn="ctr" defTabSz="914400" rtl="0" eaLnBrk="1" latinLnBrk="0" hangingPunct="1">
+              <a:lnSpc>
+                <a:spcPct val="90000"/>
+              </a:lnSpc>
+              <a:spcBef>
+                <a:spcPts val="500"/>
+              </a:spcBef>
+              <a:buFont typeface="Arial" panose="020B0604020202020204" pitchFamily="34" charset="0"/>
+              <a:buNone/>
+              <a:defRPr sz="1800" kern="1200">
+                <a:solidFill>
+                  <a:schemeClr val="bg1"/>
+                </a:solidFill>
+                <a:latin typeface="Source Code Pro" panose="020B0509030403020204" pitchFamily="49" charset="0"/>
+                <a:ea typeface="Source Code Pro" panose="020B0509030403020204" pitchFamily="49" charset="0"/>
+                <a:cs typeface="+mn-cs"/>
+              </a:defRPr>
+            </a:lvl3pPr>
+            <a:lvl4pPr marL="1371600" indent="0" algn="ctr" defTabSz="914400" rtl="0" eaLnBrk="1" latinLnBrk="0" hangingPunct="1">
+              <a:lnSpc>
+                <a:spcPct val="90000"/>
+              </a:lnSpc>
+              <a:spcBef>
+                <a:spcPts val="500"/>
+              </a:spcBef>
+              <a:buFont typeface="Arial" panose="020B0604020202020204" pitchFamily="34" charset="0"/>
+              <a:buNone/>
+              <a:defRPr sz="1600" kern="1200">
+                <a:solidFill>
+                  <a:schemeClr val="bg1"/>
+                </a:solidFill>
+                <a:latin typeface="Source Code Pro" panose="020B0509030403020204" pitchFamily="49" charset="0"/>
+                <a:ea typeface="Source Code Pro" panose="020B0509030403020204" pitchFamily="49" charset="0"/>
+                <a:cs typeface="+mn-cs"/>
+              </a:defRPr>
+            </a:lvl4pPr>
+            <a:lvl5pPr marL="1828800" indent="0" algn="ctr" defTabSz="914400" rtl="0" eaLnBrk="1" latinLnBrk="0" hangingPunct="1">
+              <a:lnSpc>
+                <a:spcPct val="90000"/>
+              </a:lnSpc>
+              <a:spcBef>
+                <a:spcPts val="500"/>
+              </a:spcBef>
+              <a:buFont typeface="Arial" panose="020B0604020202020204" pitchFamily="34" charset="0"/>
+              <a:buNone/>
+              <a:defRPr sz="1600" kern="1200">
+                <a:solidFill>
+                  <a:schemeClr val="bg1"/>
+                </a:solidFill>
+                <a:latin typeface="Source Code Pro" panose="020B0509030403020204" pitchFamily="49" charset="0"/>
+                <a:ea typeface="Source Code Pro" panose="020B0509030403020204" pitchFamily="49" charset="0"/>
+                <a:cs typeface="+mn-cs"/>
+              </a:defRPr>
+            </a:lvl5pPr>
+            <a:lvl6pPr marL="2286000" indent="0" algn="ctr" defTabSz="914400" rtl="0" eaLnBrk="1" latinLnBrk="0" hangingPunct="1">
+              <a:lnSpc>
+                <a:spcPct val="90000"/>
+              </a:lnSpc>
+              <a:spcBef>
+                <a:spcPts val="500"/>
+              </a:spcBef>
+              <a:buFont typeface="Arial" panose="020B0604020202020204" pitchFamily="34" charset="0"/>
+              <a:buNone/>
+              <a:defRPr sz="1600" kern="1200">
+                <a:solidFill>
+                  <a:schemeClr val="tx1"/>
+                </a:solidFill>
+                <a:latin typeface="+mn-lt"/>
+                <a:ea typeface="+mn-ea"/>
+                <a:cs typeface="+mn-cs"/>
+              </a:defRPr>
+            </a:lvl6pPr>
+            <a:lvl7pPr marL="2743200" indent="0" algn="ctr" defTabSz="914400" rtl="0" eaLnBrk="1" latinLnBrk="0" hangingPunct="1">
+              <a:lnSpc>
+                <a:spcPct val="90000"/>
+              </a:lnSpc>
+              <a:spcBef>
+                <a:spcPts val="500"/>
+              </a:spcBef>
+              <a:buFont typeface="Arial" panose="020B0604020202020204" pitchFamily="34" charset="0"/>
+              <a:buNone/>
+              <a:defRPr sz="1600" kern="1200">
+                <a:solidFill>
+                  <a:schemeClr val="tx1"/>
+                </a:solidFill>
+                <a:latin typeface="+mn-lt"/>
+                <a:ea typeface="+mn-ea"/>
+                <a:cs typeface="+mn-cs"/>
+              </a:defRPr>
+            </a:lvl7pPr>
+            <a:lvl8pPr marL="3200400" indent="0" algn="ctr" defTabSz="914400" rtl="0" eaLnBrk="1" latinLnBrk="0" hangingPunct="1">
+              <a:lnSpc>
+                <a:spcPct val="90000"/>
+              </a:lnSpc>
+              <a:spcBef>
+                <a:spcPts val="500"/>
+              </a:spcBef>
+              <a:buFont typeface="Arial" panose="020B0604020202020204" pitchFamily="34" charset="0"/>
+              <a:buNone/>
+              <a:defRPr sz="1600" kern="1200">
+                <a:solidFill>
+                  <a:schemeClr val="tx1"/>
+                </a:solidFill>
+                <a:latin typeface="+mn-lt"/>
+                <a:ea typeface="+mn-ea"/>
+                <a:cs typeface="+mn-cs"/>
+              </a:defRPr>
+            </a:lvl8pPr>
+            <a:lvl9pPr marL="3657600" indent="0" algn="ctr" defTabSz="914400" rtl="0" eaLnBrk="1" latinLnBrk="0" hangingPunct="1">
+              <a:lnSpc>
+                <a:spcPct val="90000"/>
+              </a:lnSpc>
+              <a:spcBef>
+                <a:spcPts val="500"/>
+              </a:spcBef>
+              <a:buFont typeface="Arial" panose="020B0604020202020204" pitchFamily="34" charset="0"/>
+              <a:buNone/>
+              <a:defRPr sz="1600" kern="1200">
+                <a:solidFill>
+                  <a:schemeClr val="tx1"/>
+                </a:solidFill>
+                <a:latin typeface="+mn-lt"/>
+                <a:ea typeface="+mn-ea"/>
+                <a:cs typeface="+mn-cs"/>
+              </a:defRPr>
+            </a:lvl9pPr>
+          </a:lstStyle>
+          <a:p>
+            <a:pPr algn="l">
+              <a:lnSpc>
+                <a:spcPct val="150000"/>
+              </a:lnSpc>
+            </a:pPr>
+            <a:endParaRPr lang="es-ES" sz="4000" dirty="0">
+              <a:solidFill>
+                <a:schemeClr val="tx1"/>
+              </a:solidFill>
+              <a:latin typeface="Orbitron" pitchFamily="2" charset="0"/>
+            </a:endParaRPr>
+          </a:p>
+        </p:txBody>
+      </p:sp>
+      <p:sp>
+        <p:nvSpPr>
+          <p:cNvPr id="9" name="Título 1">
+            <a:extLst>
+              <a:ext uri="{FF2B5EF4-FFF2-40B4-BE49-F238E27FC236}">
+                <a16:creationId xmlns:a16="http://schemas.microsoft.com/office/drawing/2014/main" id="{F2AD1A11-918B-487E-A8E7-2B8A13298E6D}"/>
+              </a:ext>
+            </a:extLst>
+          </p:cNvPr>
+          <p:cNvSpPr txBox="1">
+            <a:spLocks/>
+          </p:cNvSpPr>
+          <p:nvPr/>
+        </p:nvSpPr>
+        <p:spPr>
+          <a:xfrm>
+            <a:off x="826566" y="186362"/>
+            <a:ext cx="4704658" cy="924212"/>
+          </a:xfrm>
+          <a:prstGeom prst="rect">
+            <a:avLst/>
+          </a:prstGeom>
+        </p:spPr>
+        <p:txBody>
+          <a:bodyPr vert="horz" lIns="91440" tIns="45720" rIns="91440" bIns="45720" rtlCol="0" anchor="ctr">
+            <a:normAutofit fontScale="92500"/>
+          </a:bodyPr>
+          <a:lstStyle>
+            <a:lvl1pPr algn="l" defTabSz="914400" rtl="0" eaLnBrk="1" latinLnBrk="1" hangingPunct="1">
+              <a:lnSpc>
+                <a:spcPct val="90000"/>
+              </a:lnSpc>
+              <a:spcBef>
+                <a:spcPct val="0"/>
+              </a:spcBef>
+              <a:buNone/>
+              <a:defRPr sz="4400" kern="1200">
+                <a:solidFill>
+                  <a:schemeClr val="tx1"/>
+                </a:solidFill>
+                <a:latin typeface="+mj-lt"/>
+                <a:ea typeface="+mj-ea"/>
+                <a:cs typeface="+mj-cs"/>
+              </a:defRPr>
+            </a:lvl1pPr>
+          </a:lstStyle>
+          <a:p>
+            <a:r>
+              <a:rPr lang="ko-KR" altLang="en-US" sz="3600" spc="300" dirty="0">
+                <a:latin typeface="a피라미드" panose="02020600000000000000" pitchFamily="18" charset="-127"/>
+                <a:ea typeface="a피라미드" panose="02020600000000000000" pitchFamily="18" charset="-127"/>
+              </a:rPr>
+              <a:t>문제점 </a:t>
+            </a:r>
+            <a:r>
+              <a:rPr lang="en-US" altLang="ko-KR" sz="3600" spc="300" dirty="0">
+                <a:latin typeface="a피라미드" panose="02020600000000000000" pitchFamily="18" charset="-127"/>
+                <a:ea typeface="a피라미드" panose="02020600000000000000" pitchFamily="18" charset="-127"/>
+              </a:rPr>
+              <a:t>&amp;&amp; </a:t>
+            </a:r>
+            <a:r>
+              <a:rPr lang="ko-KR" altLang="en-US" sz="3600" spc="300" dirty="0">
+                <a:latin typeface="a피라미드" panose="02020600000000000000" pitchFamily="18" charset="-127"/>
+                <a:ea typeface="a피라미드" panose="02020600000000000000" pitchFamily="18" charset="-127"/>
+              </a:rPr>
+              <a:t>해결방안</a:t>
+            </a:r>
+            <a:endParaRPr lang="en-US" altLang="ko-KR" sz="3600" spc="300" dirty="0">
+              <a:latin typeface="a피라미드" panose="02020600000000000000" pitchFamily="18" charset="-127"/>
+              <a:ea typeface="a피라미드" panose="02020600000000000000" pitchFamily="18" charset="-127"/>
+            </a:endParaRPr>
+          </a:p>
+        </p:txBody>
+      </p:sp>
+      <p:cxnSp>
+        <p:nvCxnSpPr>
+          <p:cNvPr id="10" name="Conector recto 12">
+            <a:extLst>
+              <a:ext uri="{FF2B5EF4-FFF2-40B4-BE49-F238E27FC236}">
+                <a16:creationId xmlns:a16="http://schemas.microsoft.com/office/drawing/2014/main" id="{21A62DFE-F4DE-41DB-8242-F873BBD0D01C}"/>
+              </a:ext>
+            </a:extLst>
+          </p:cNvPr>
+          <p:cNvCxnSpPr>
+            <a:cxnSpLocks/>
+          </p:cNvCxnSpPr>
+          <p:nvPr/>
+        </p:nvCxnSpPr>
+        <p:spPr>
+          <a:xfrm flipV="1">
+            <a:off x="510134" y="387037"/>
+            <a:ext cx="0" cy="522862"/>
+          </a:xfrm>
+          <a:prstGeom prst="line">
+            <a:avLst/>
+          </a:prstGeom>
+          <a:ln w="66675" cmpd="dbl">
+            <a:solidFill>
+              <a:srgbClr val="00B0F0"/>
+            </a:solidFill>
+            <a:prstDash val="solid"/>
+          </a:ln>
+          <a:effectLst>
+            <a:glow rad="317500">
+              <a:srgbClr val="00B0F0">
+                <a:alpha val="36000"/>
+              </a:srgbClr>
+            </a:glow>
+            <a:outerShdw blurRad="914400" dist="838200" dir="8700000" sx="123000" sy="123000" algn="t" rotWithShape="0">
+              <a:srgbClr val="00B0F0">
+                <a:alpha val="0"/>
+              </a:srgbClr>
+            </a:outerShdw>
+          </a:effectLst>
+        </p:spPr>
+        <p:style>
+          <a:lnRef idx="1">
+            <a:schemeClr val="accent1"/>
+          </a:lnRef>
+          <a:fillRef idx="0">
+            <a:schemeClr val="accent1"/>
+          </a:fillRef>
+          <a:effectRef idx="0">
+            <a:schemeClr val="accent1"/>
+          </a:effectRef>
+          <a:fontRef idx="minor">
+            <a:schemeClr val="tx1"/>
+          </a:fontRef>
+        </p:style>
+      </p:cxnSp>
+      <p:sp>
+        <p:nvSpPr>
+          <p:cNvPr id="2" name="TextBox 1">
+            <a:extLst>
+              <a:ext uri="{FF2B5EF4-FFF2-40B4-BE49-F238E27FC236}">
+                <a16:creationId xmlns:a16="http://schemas.microsoft.com/office/drawing/2014/main" id="{8BECAB15-CF82-EE5D-040C-9F5948813AD6}"/>
+              </a:ext>
+            </a:extLst>
+          </p:cNvPr>
+          <p:cNvSpPr txBox="1"/>
+          <p:nvPr/>
+        </p:nvSpPr>
+        <p:spPr>
+          <a:xfrm>
+            <a:off x="1057836" y="2312894"/>
+            <a:ext cx="4563035" cy="1754326"/>
+          </a:xfrm>
+          <a:prstGeom prst="rect">
+            <a:avLst/>
+          </a:prstGeom>
+          <a:noFill/>
+        </p:spPr>
+        <p:txBody>
+          <a:bodyPr wrap="square" rtlCol="0">
+            <a:spAutoFit/>
+          </a:bodyPr>
+          <a:lstStyle/>
+          <a:p>
+            <a:pPr algn="ctr"/>
+            <a:r>
+              <a:rPr lang="ko-KR" altLang="en-US" dirty="0"/>
+              <a:t>게임의 전체적인 볼륨</a:t>
+            </a:r>
+            <a:endParaRPr lang="en-US" altLang="ko-KR" dirty="0"/>
+          </a:p>
+          <a:p>
+            <a:endParaRPr lang="en-US" altLang="ko-KR" dirty="0"/>
+          </a:p>
+          <a:p>
+            <a:r>
+              <a:rPr lang="ko-KR" altLang="en-US" dirty="0"/>
+              <a:t>문제점 </a:t>
+            </a:r>
+            <a:r>
+              <a:rPr lang="en-US" altLang="ko-KR" dirty="0"/>
+              <a:t>: </a:t>
+            </a:r>
+            <a:r>
+              <a:rPr lang="ko-KR" altLang="en-US" dirty="0"/>
+              <a:t>게임 플레이의 단조로움 </a:t>
+            </a:r>
+            <a:r>
+              <a:rPr lang="en-US" altLang="ko-KR" dirty="0"/>
+              <a:t>&amp;&amp; </a:t>
+            </a:r>
+            <a:r>
+              <a:rPr lang="ko-KR" altLang="en-US" dirty="0"/>
+              <a:t>심심함</a:t>
+            </a:r>
+            <a:endParaRPr lang="en-US" altLang="ko-KR" dirty="0"/>
+          </a:p>
+          <a:p>
+            <a:endParaRPr lang="en-US" altLang="ko-KR" dirty="0"/>
+          </a:p>
+          <a:p>
+            <a:r>
+              <a:rPr lang="ko-KR" altLang="en-US" dirty="0"/>
+              <a:t>보완책 </a:t>
+            </a:r>
+            <a:r>
+              <a:rPr lang="en-US" altLang="ko-KR" dirty="0"/>
+              <a:t>: </a:t>
+            </a:r>
+            <a:r>
+              <a:rPr lang="ko-KR" altLang="en-US" dirty="0"/>
+              <a:t>남은 기간동안 게임에 여러 상호작용 건물을 추가 </a:t>
+            </a:r>
+          </a:p>
+        </p:txBody>
+      </p:sp>
+    </p:spTree>
+    <p:extLst>
+      <p:ext uri="{BB962C8B-B14F-4D97-AF65-F5344CB8AC3E}">
+        <p14:creationId xmlns:p14="http://schemas.microsoft.com/office/powerpoint/2010/main" val="2520773249"/>
+      </p:ext>
+    </p:extLst>
+  </p:cSld>
+  <p:clrMapOvr>
+    <a:masterClrMapping/>
+  </p:clrMapOvr>
+</p:sld>
+</file>
+
+<file path=ppt/slides/slide14.xml><?xml version="1.0" encoding="utf-8"?>
+<p:sld xmlns:a="http://schemas.openxmlformats.org/drawingml/2006/main" xmlns:r="http://schemas.openxmlformats.org/officeDocument/2006/relationships" xmlns:p="http://schemas.openxmlformats.org/presentationml/2006/main">
+  <p:cSld>
+    <p:spTree>
+      <p:nvGrpSpPr>
+        <p:cNvPr id="1" name=""/>
+        <p:cNvGrpSpPr/>
+        <p:nvPr/>
+      </p:nvGrpSpPr>
+      <p:grpSpPr>
+        <a:xfrm>
+          <a:off x="0" y="0"/>
+          <a:ext cx="0" cy="0"/>
+          <a:chOff x="0" y="0"/>
+          <a:chExt cx="0" cy="0"/>
+        </a:xfrm>
+      </p:grpSpPr>
+      <p:sp>
+        <p:nvSpPr>
+          <p:cNvPr id="7" name="직사각형 6">
+            <a:extLst>
+              <a:ext uri="{FF2B5EF4-FFF2-40B4-BE49-F238E27FC236}">
+                <a16:creationId xmlns:a16="http://schemas.microsoft.com/office/drawing/2014/main" id="{39F9EAFD-1666-4ABD-B418-733F8A683880}"/>
+              </a:ext>
+            </a:extLst>
+          </p:cNvPr>
+          <p:cNvSpPr/>
+          <p:nvPr/>
+        </p:nvSpPr>
+        <p:spPr>
+          <a:xfrm rot="16200000">
+            <a:off x="2657633" y="-2667038"/>
+            <a:ext cx="6876736" cy="12192001"/>
+          </a:xfrm>
+          <a:prstGeom prst="rect">
+            <a:avLst/>
+          </a:prstGeom>
+          <a:gradFill flip="none" rotWithShape="1">
+            <a:gsLst>
+              <a:gs pos="0">
+                <a:srgbClr val="2D2941"/>
+              </a:gs>
+              <a:gs pos="100000">
+                <a:srgbClr val="121216"/>
+              </a:gs>
+            </a:gsLst>
+            <a:path path="circle">
+              <a:fillToRect l="50000" t="50000" r="50000" b="50000"/>
+            </a:path>
+            <a:tileRect/>
+          </a:gradFill>
+          <a:ln>
+            <a:noFill/>
+          </a:ln>
+        </p:spPr>
+        <p:style>
+          <a:lnRef idx="2">
+            <a:schemeClr val="accent1">
+              <a:shade val="50000"/>
+            </a:schemeClr>
+          </a:lnRef>
+          <a:fillRef idx="1">
+            <a:schemeClr val="accent1"/>
+          </a:fillRef>
+          <a:effectRef idx="0">
+            <a:schemeClr val="accent1"/>
+          </a:effectRef>
+          <a:fontRef idx="minor">
+            <a:schemeClr val="lt1"/>
+          </a:fontRef>
+        </p:style>
+        <p:txBody>
+          <a:bodyPr rtlCol="0" anchor="ctr"/>
+          <a:lstStyle/>
+          <a:p>
+            <a:pPr algn="ctr"/>
+            <a:endParaRPr lang="ko-KR" altLang="en-US" dirty="0"/>
+          </a:p>
+        </p:txBody>
+      </p:sp>
+      <p:sp>
+        <p:nvSpPr>
+          <p:cNvPr id="8" name="Marcador de contenido 2">
+            <a:extLst>
+              <a:ext uri="{FF2B5EF4-FFF2-40B4-BE49-F238E27FC236}">
+                <a16:creationId xmlns:a16="http://schemas.microsoft.com/office/drawing/2014/main" id="{F56F454A-F156-4605-9CDF-3516A548F791}"/>
+              </a:ext>
+            </a:extLst>
+          </p:cNvPr>
+          <p:cNvSpPr txBox="1">
+            <a:spLocks/>
+          </p:cNvSpPr>
+          <p:nvPr/>
+        </p:nvSpPr>
+        <p:spPr>
+          <a:xfrm>
+            <a:off x="403080" y="286553"/>
+            <a:ext cx="1379621" cy="1022781"/>
+          </a:xfrm>
+          <a:prstGeom prst="rect">
+            <a:avLst/>
+          </a:prstGeom>
+        </p:spPr>
+        <p:txBody>
+          <a:bodyPr vert="horz" lIns="91440" tIns="45720" rIns="91440" bIns="45720" rtlCol="0">
+            <a:normAutofit/>
+          </a:bodyPr>
+          <a:lstStyle>
+            <a:lvl1pPr marL="0" indent="0" algn="ctr" defTabSz="914400" rtl="0" eaLnBrk="1" latinLnBrk="0" hangingPunct="1">
+              <a:lnSpc>
+                <a:spcPct val="90000"/>
+              </a:lnSpc>
+              <a:spcBef>
+                <a:spcPts val="1000"/>
+              </a:spcBef>
+              <a:buFont typeface="Arial" panose="020B0604020202020204" pitchFamily="34" charset="0"/>
+              <a:buNone/>
+              <a:defRPr sz="2400" kern="1200">
+                <a:solidFill>
+                  <a:schemeClr val="bg1"/>
+                </a:solidFill>
+                <a:latin typeface="Source Code Pro" panose="020B0509030403020204" pitchFamily="49" charset="0"/>
+                <a:ea typeface="Source Code Pro" panose="020B0509030403020204" pitchFamily="49" charset="0"/>
+                <a:cs typeface="+mn-cs"/>
+              </a:defRPr>
+            </a:lvl1pPr>
+            <a:lvl2pPr marL="457200" indent="0" algn="ctr" defTabSz="914400" rtl="0" eaLnBrk="1" latinLnBrk="0" hangingPunct="1">
+              <a:lnSpc>
+                <a:spcPct val="90000"/>
+              </a:lnSpc>
+              <a:spcBef>
+                <a:spcPts val="500"/>
+              </a:spcBef>
+              <a:buFont typeface="Arial" panose="020B0604020202020204" pitchFamily="34" charset="0"/>
+              <a:buNone/>
+              <a:defRPr sz="2000" kern="1200">
+                <a:solidFill>
+                  <a:schemeClr val="bg1"/>
+                </a:solidFill>
+                <a:latin typeface="Source Code Pro" panose="020B0509030403020204" pitchFamily="49" charset="0"/>
+                <a:ea typeface="Source Code Pro" panose="020B0509030403020204" pitchFamily="49" charset="0"/>
+                <a:cs typeface="+mn-cs"/>
+              </a:defRPr>
+            </a:lvl2pPr>
+            <a:lvl3pPr marL="914400" indent="0" algn="ctr" defTabSz="914400" rtl="0" eaLnBrk="1" latinLnBrk="0" hangingPunct="1">
+              <a:lnSpc>
+                <a:spcPct val="90000"/>
+              </a:lnSpc>
+              <a:spcBef>
+                <a:spcPts val="500"/>
+              </a:spcBef>
+              <a:buFont typeface="Arial" panose="020B0604020202020204" pitchFamily="34" charset="0"/>
+              <a:buNone/>
+              <a:defRPr sz="1800" kern="1200">
+                <a:solidFill>
+                  <a:schemeClr val="bg1"/>
+                </a:solidFill>
+                <a:latin typeface="Source Code Pro" panose="020B0509030403020204" pitchFamily="49" charset="0"/>
+                <a:ea typeface="Source Code Pro" panose="020B0509030403020204" pitchFamily="49" charset="0"/>
+                <a:cs typeface="+mn-cs"/>
+              </a:defRPr>
+            </a:lvl3pPr>
+            <a:lvl4pPr marL="1371600" indent="0" algn="ctr" defTabSz="914400" rtl="0" eaLnBrk="1" latinLnBrk="0" hangingPunct="1">
+              <a:lnSpc>
+                <a:spcPct val="90000"/>
+              </a:lnSpc>
+              <a:spcBef>
+                <a:spcPts val="500"/>
+              </a:spcBef>
+              <a:buFont typeface="Arial" panose="020B0604020202020204" pitchFamily="34" charset="0"/>
+              <a:buNone/>
+              <a:defRPr sz="1600" kern="1200">
+                <a:solidFill>
+                  <a:schemeClr val="bg1"/>
+                </a:solidFill>
+                <a:latin typeface="Source Code Pro" panose="020B0509030403020204" pitchFamily="49" charset="0"/>
+                <a:ea typeface="Source Code Pro" panose="020B0509030403020204" pitchFamily="49" charset="0"/>
+                <a:cs typeface="+mn-cs"/>
+              </a:defRPr>
+            </a:lvl4pPr>
+            <a:lvl5pPr marL="1828800" indent="0" algn="ctr" defTabSz="914400" rtl="0" eaLnBrk="1" latinLnBrk="0" hangingPunct="1">
+              <a:lnSpc>
+                <a:spcPct val="90000"/>
+              </a:lnSpc>
+              <a:spcBef>
+                <a:spcPts val="500"/>
+              </a:spcBef>
+              <a:buFont typeface="Arial" panose="020B0604020202020204" pitchFamily="34" charset="0"/>
+              <a:buNone/>
+              <a:defRPr sz="1600" kern="1200">
+                <a:solidFill>
+                  <a:schemeClr val="bg1"/>
+                </a:solidFill>
+                <a:latin typeface="Source Code Pro" panose="020B0509030403020204" pitchFamily="49" charset="0"/>
+                <a:ea typeface="Source Code Pro" panose="020B0509030403020204" pitchFamily="49" charset="0"/>
+                <a:cs typeface="+mn-cs"/>
+              </a:defRPr>
+            </a:lvl5pPr>
+            <a:lvl6pPr marL="2286000" indent="0" algn="ctr" defTabSz="914400" rtl="0" eaLnBrk="1" latinLnBrk="0" hangingPunct="1">
+              <a:lnSpc>
+                <a:spcPct val="90000"/>
+              </a:lnSpc>
+              <a:spcBef>
+                <a:spcPts val="500"/>
+              </a:spcBef>
+              <a:buFont typeface="Arial" panose="020B0604020202020204" pitchFamily="34" charset="0"/>
+              <a:buNone/>
+              <a:defRPr sz="1600" kern="1200">
+                <a:solidFill>
+                  <a:schemeClr val="tx1"/>
+                </a:solidFill>
+                <a:latin typeface="+mn-lt"/>
+                <a:ea typeface="+mn-ea"/>
+                <a:cs typeface="+mn-cs"/>
+              </a:defRPr>
+            </a:lvl6pPr>
+            <a:lvl7pPr marL="2743200" indent="0" algn="ctr" defTabSz="914400" rtl="0" eaLnBrk="1" latinLnBrk="0" hangingPunct="1">
+              <a:lnSpc>
+                <a:spcPct val="90000"/>
+              </a:lnSpc>
+              <a:spcBef>
+                <a:spcPts val="500"/>
+              </a:spcBef>
+              <a:buFont typeface="Arial" panose="020B0604020202020204" pitchFamily="34" charset="0"/>
+              <a:buNone/>
+              <a:defRPr sz="1600" kern="1200">
+                <a:solidFill>
+                  <a:schemeClr val="tx1"/>
+                </a:solidFill>
+                <a:latin typeface="+mn-lt"/>
+                <a:ea typeface="+mn-ea"/>
+                <a:cs typeface="+mn-cs"/>
+              </a:defRPr>
+            </a:lvl7pPr>
+            <a:lvl8pPr marL="3200400" indent="0" algn="ctr" defTabSz="914400" rtl="0" eaLnBrk="1" latinLnBrk="0" hangingPunct="1">
+              <a:lnSpc>
+                <a:spcPct val="90000"/>
+              </a:lnSpc>
+              <a:spcBef>
+                <a:spcPts val="500"/>
+              </a:spcBef>
+              <a:buFont typeface="Arial" panose="020B0604020202020204" pitchFamily="34" charset="0"/>
+              <a:buNone/>
+              <a:defRPr sz="1600" kern="1200">
+                <a:solidFill>
+                  <a:schemeClr val="tx1"/>
+                </a:solidFill>
+                <a:latin typeface="+mn-lt"/>
+                <a:ea typeface="+mn-ea"/>
+                <a:cs typeface="+mn-cs"/>
+              </a:defRPr>
+            </a:lvl8pPr>
+            <a:lvl9pPr marL="3657600" indent="0" algn="ctr" defTabSz="914400" rtl="0" eaLnBrk="1" latinLnBrk="0" hangingPunct="1">
+              <a:lnSpc>
+                <a:spcPct val="90000"/>
+              </a:lnSpc>
+              <a:spcBef>
+                <a:spcPts val="500"/>
+              </a:spcBef>
+              <a:buFont typeface="Arial" panose="020B0604020202020204" pitchFamily="34" charset="0"/>
+              <a:buNone/>
+              <a:defRPr sz="1600" kern="1200">
+                <a:solidFill>
+                  <a:schemeClr val="tx1"/>
+                </a:solidFill>
+                <a:latin typeface="+mn-lt"/>
+                <a:ea typeface="+mn-ea"/>
+                <a:cs typeface="+mn-cs"/>
+              </a:defRPr>
+            </a:lvl9pPr>
+          </a:lstStyle>
+          <a:p>
+            <a:pPr algn="l">
+              <a:lnSpc>
+                <a:spcPct val="150000"/>
+              </a:lnSpc>
+            </a:pPr>
+            <a:endParaRPr lang="es-ES" sz="4000" dirty="0">
+              <a:solidFill>
+                <a:schemeClr val="tx1"/>
+              </a:solidFill>
+              <a:latin typeface="Orbitron" pitchFamily="2" charset="0"/>
+            </a:endParaRPr>
+          </a:p>
+        </p:txBody>
+      </p:sp>
+      <p:sp>
+        <p:nvSpPr>
+          <p:cNvPr id="9" name="Título 1">
+            <a:extLst>
+              <a:ext uri="{FF2B5EF4-FFF2-40B4-BE49-F238E27FC236}">
+                <a16:creationId xmlns:a16="http://schemas.microsoft.com/office/drawing/2014/main" id="{F2AD1A11-918B-487E-A8E7-2B8A13298E6D}"/>
+              </a:ext>
+            </a:extLst>
+          </p:cNvPr>
+          <p:cNvSpPr txBox="1">
+            <a:spLocks/>
+          </p:cNvSpPr>
+          <p:nvPr/>
+        </p:nvSpPr>
+        <p:spPr>
+          <a:xfrm>
+            <a:off x="826566" y="186362"/>
             <a:ext cx="4063990" cy="924212"/>
           </a:xfrm>
           <a:prstGeom prst="rect">
@@ -4701,10 +5729,10 @@
       </p:cxnSp>
       <p:graphicFrame>
         <p:nvGraphicFramePr>
-          <p:cNvPr id="18" name="표 1">
+          <p:cNvPr id="2" name="표 1">
             <a:extLst>
               <a:ext uri="{FF2B5EF4-FFF2-40B4-BE49-F238E27FC236}">
-                <a16:creationId xmlns:a16="http://schemas.microsoft.com/office/drawing/2014/main" id="{59D81A83-D719-4273-920E-510E419B4112}"/>
+                <a16:creationId xmlns:a16="http://schemas.microsoft.com/office/drawing/2014/main" id="{84B7F61F-58DA-6E19-2168-60B6808BEFBC}"/>
               </a:ext>
             </a:extLst>
           </p:cNvPr>
@@ -4714,14 +5742,14 @@
           <p:nvPr>
             <p:extLst>
               <p:ext uri="{D42A27DB-BD31-4B8C-83A1-F6EECF244321}">
-                <p14:modId xmlns:p14="http://schemas.microsoft.com/office/powerpoint/2010/main" val="329198469"/>
+                <p14:modId xmlns:p14="http://schemas.microsoft.com/office/powerpoint/2010/main" val="3351466391"/>
               </p:ext>
             </p:extLst>
           </p:nvPr>
         </p:nvGraphicFramePr>
         <p:xfrm>
-          <a:off x="785062" y="4937185"/>
-          <a:ext cx="1888990" cy="1478280"/>
+          <a:off x="2300940" y="2687282"/>
+          <a:ext cx="8128000" cy="1483360"/>
         </p:xfrm>
         <a:graphic>
           <a:graphicData uri="http://schemas.openxmlformats.org/drawingml/2006/table">
@@ -4730,152 +5758,104 @@
                 <a:tableStyleId>{5C22544A-7EE6-4342-B048-85BDC9FD1C3A}</a:tableStyleId>
               </a:tblPr>
               <a:tblGrid>
-                <a:gridCol w="921068">
+                <a:gridCol w="1625600">
                   <a:extLst>
                     <a:ext uri="{9D8B030D-6E8A-4147-A177-3AD203B41FA5}">
-                      <a16:colId xmlns:a16="http://schemas.microsoft.com/office/drawing/2014/main" val="20000"/>
+                      <a16:colId xmlns:a16="http://schemas.microsoft.com/office/drawing/2014/main" val="2713461468"/>
                     </a:ext>
                   </a:extLst>
                 </a:gridCol>
-                <a:gridCol w="967922">
+                <a:gridCol w="1625600">
                   <a:extLst>
                     <a:ext uri="{9D8B030D-6E8A-4147-A177-3AD203B41FA5}">
-                      <a16:colId xmlns:a16="http://schemas.microsoft.com/office/drawing/2014/main" val="20001"/>
+                      <a16:colId xmlns:a16="http://schemas.microsoft.com/office/drawing/2014/main" val="2314507904"/>
+                    </a:ext>
+                  </a:extLst>
+                </a:gridCol>
+                <a:gridCol w="1625600">
+                  <a:extLst>
+                    <a:ext uri="{9D8B030D-6E8A-4147-A177-3AD203B41FA5}">
+                      <a16:colId xmlns:a16="http://schemas.microsoft.com/office/drawing/2014/main" val="3753371228"/>
+                    </a:ext>
+                  </a:extLst>
+                </a:gridCol>
+                <a:gridCol w="1625600">
+                  <a:extLst>
+                    <a:ext uri="{9D8B030D-6E8A-4147-A177-3AD203B41FA5}">
+                      <a16:colId xmlns:a16="http://schemas.microsoft.com/office/drawing/2014/main" val="3245138495"/>
+                    </a:ext>
+                  </a:extLst>
+                </a:gridCol>
+                <a:gridCol w="1625600">
+                  <a:extLst>
+                    <a:ext uri="{9D8B030D-6E8A-4147-A177-3AD203B41FA5}">
+                      <a16:colId xmlns:a16="http://schemas.microsoft.com/office/drawing/2014/main" val="2639327170"/>
                     </a:ext>
                   </a:extLst>
                 </a:gridCol>
               </a:tblGrid>
-              <a:tr h="0">
+              <a:tr h="370840">
                 <a:tc>
                   <a:txBody>
                     <a:bodyPr/>
                     <a:lstStyle/>
                     <a:p>
-                      <a:pPr algn="ctr" latinLnBrk="1">
-                        <a:defRPr/>
-                      </a:pPr>
+                      <a:pPr latinLnBrk="1"/>
                       <a:r>
-                        <a:rPr lang="ko-KR" altLang="en-US" b="1" dirty="0">
-                          <a:solidFill>
-                            <a:schemeClr val="tx1"/>
-                          </a:solidFill>
-                        </a:rPr>
-                        <a:t>전태준</a:t>
+                        <a:rPr lang="ko-KR" altLang="en-US" dirty="0"/>
+                        <a:t>일정</a:t>
                       </a:r>
                     </a:p>
                   </a:txBody>
-                  <a:tcPr>
-                    <a:lnL w="12700" cap="flat" cmpd="sng" algn="ctr">
-                      <a:solidFill>
-                        <a:schemeClr val="tx1"/>
-                      </a:solidFill>
-                      <a:prstDash val="solid"/>
-                      <a:round/>
-                      <a:headEnd type="none" w="med" len="med"/>
-                      <a:tailEnd type="none" w="med" len="med"/>
-                    </a:lnL>
-                    <a:lnR w="12700" cap="flat" cmpd="sng" algn="ctr">
-                      <a:solidFill>
-                        <a:schemeClr val="tx1"/>
-                      </a:solidFill>
-                      <a:prstDash val="solid"/>
-                      <a:round/>
-                      <a:headEnd type="none" w="med" len="med"/>
-                      <a:tailEnd type="none" w="med" len="med"/>
-                    </a:lnR>
-                    <a:lnT w="12700" cap="flat" cmpd="sng" algn="ctr">
-                      <a:solidFill>
-                        <a:schemeClr val="tx1"/>
-                      </a:solidFill>
-                      <a:prstDash val="solid"/>
-                      <a:round/>
-                      <a:headEnd type="none" w="med" len="med"/>
-                      <a:tailEnd type="none" w="med" len="med"/>
-                    </a:lnT>
-                    <a:lnB w="12700" cap="flat" cmpd="sng" algn="ctr">
-                      <a:solidFill>
-                        <a:schemeClr val="tx1"/>
-                      </a:solidFill>
-                      <a:prstDash val="solid"/>
-                      <a:round/>
-                      <a:headEnd type="none" w="med" len="med"/>
-                      <a:tailEnd type="none" w="med" len="med"/>
-                    </a:lnB>
-                    <a:lnTlToBr w="12700" cmpd="sng">
-                      <a:noFill/>
-                      <a:prstDash val="solid"/>
-                    </a:lnTlToBr>
-                    <a:lnBlToTr w="12700" cmpd="sng">
-                      <a:noFill/>
-                      <a:prstDash val="solid"/>
-                    </a:lnBlToTr>
-                    <a:noFill/>
-                  </a:tcPr>
+                  <a:tcPr/>
                 </a:tc>
                 <a:tc>
                   <a:txBody>
                     <a:bodyPr/>
                     <a:lstStyle/>
                     <a:p>
-                      <a:pPr latinLnBrk="1">
-                        <a:defRPr/>
-                      </a:pPr>
+                      <a:pPr latinLnBrk="1"/>
                       <a:endParaRPr lang="ko-KR" altLang="en-US" dirty="0"/>
                     </a:p>
                   </a:txBody>
-                  <a:tcPr>
-                    <a:lnL w="12700" cap="flat" cmpd="sng" algn="ctr">
-                      <a:solidFill>
-                        <a:schemeClr val="tx1"/>
-                      </a:solidFill>
-                      <a:prstDash val="solid"/>
-                      <a:round/>
-                      <a:headEnd type="none" w="med" len="med"/>
-                      <a:tailEnd type="none" w="med" len="med"/>
-                    </a:lnL>
-                    <a:lnR w="12700" cap="flat" cmpd="sng" algn="ctr">
-                      <a:solidFill>
-                        <a:schemeClr val="tx1"/>
-                      </a:solidFill>
-                      <a:prstDash val="solid"/>
-                      <a:round/>
-                      <a:headEnd type="none" w="med" len="med"/>
-                      <a:tailEnd type="none" w="med" len="med"/>
-                    </a:lnR>
-                    <a:lnT w="12700" cap="flat" cmpd="sng" algn="ctr">
-                      <a:solidFill>
-                        <a:schemeClr val="tx1"/>
-                      </a:solidFill>
-                      <a:prstDash val="solid"/>
-                      <a:round/>
-                      <a:headEnd type="none" w="med" len="med"/>
-                      <a:tailEnd type="none" w="med" len="med"/>
-                    </a:lnT>
-                    <a:lnB w="12700" cap="flat" cmpd="sng" algn="ctr">
-                      <a:solidFill>
-                        <a:schemeClr val="tx1"/>
-                      </a:solidFill>
-                      <a:prstDash val="solid"/>
-                      <a:round/>
-                      <a:headEnd type="none" w="med" len="med"/>
-                      <a:tailEnd type="none" w="med" len="med"/>
-                    </a:lnB>
-                    <a:lnTlToBr w="12700" cmpd="sng">
-                      <a:noFill/>
-                      <a:prstDash val="solid"/>
-                    </a:lnTlToBr>
-                    <a:lnBlToTr w="12700" cmpd="sng">
-                      <a:noFill/>
-                      <a:prstDash val="solid"/>
-                    </a:lnBlToTr>
-                    <a:solidFill>
-                      <a:srgbClr val="6182D6"/>
-                    </a:solidFill>
-                  </a:tcPr>
+                  <a:tcPr/>
+                </a:tc>
+                <a:tc>
+                  <a:txBody>
+                    <a:bodyPr/>
+                    <a:lstStyle/>
+                    <a:p>
+                      <a:pPr latinLnBrk="1"/>
+                      <a:endParaRPr lang="ko-KR" altLang="en-US"/>
+                    </a:p>
+                  </a:txBody>
+                  <a:tcPr/>
+                </a:tc>
+                <a:tc>
+                  <a:txBody>
+                    <a:bodyPr/>
+                    <a:lstStyle/>
+                    <a:p>
+                      <a:pPr latinLnBrk="1"/>
+                      <a:endParaRPr lang="ko-KR" altLang="en-US"/>
+                    </a:p>
+                  </a:txBody>
+                  <a:tcPr/>
+                </a:tc>
+                <a:tc>
+                  <a:txBody>
+                    <a:bodyPr/>
+                    <a:lstStyle/>
+                    <a:p>
+                      <a:pPr latinLnBrk="1"/>
+                      <a:endParaRPr lang="ko-KR" altLang="en-US"/>
+                    </a:p>
+                  </a:txBody>
+                  <a:tcPr/>
                 </a:tc>
                 <a:extLst>
                   <a:ext uri="{0D108BD9-81ED-4DB2-BD59-A6C34878D82A}">
-                    <a16:rowId xmlns:a16="http://schemas.microsoft.com/office/drawing/2014/main" val="10000"/>
+                    <a16:rowId xmlns:a16="http://schemas.microsoft.com/office/drawing/2014/main" val="436949289"/>
                   </a:ext>
                 </a:extLst>
               </a:tr>
@@ -4885,131 +5865,66 @@
                     <a:bodyPr/>
                     <a:lstStyle/>
                     <a:p>
-                      <a:pPr algn="ctr" latinLnBrk="1">
-                        <a:defRPr/>
-                      </a:pPr>
+                      <a:pPr latinLnBrk="1"/>
                       <a:r>
-                        <a:rPr lang="ko-KR" altLang="en-US" b="1" dirty="0">
-                          <a:solidFill>
-                            <a:schemeClr val="tx1"/>
-                          </a:solidFill>
-                        </a:rPr>
-                        <a:t>권세진</a:t>
+                        <a:rPr lang="en-US" altLang="ko-KR" dirty="0"/>
+                        <a:t>5</a:t>
+                      </a:r>
+                      <a:r>
+                        <a:rPr lang="ko-KR" altLang="en-US" dirty="0"/>
+                        <a:t>월</a:t>
                       </a:r>
                     </a:p>
                   </a:txBody>
-                  <a:tcPr>
-                    <a:lnL w="12700" cap="flat" cmpd="sng" algn="ctr">
-                      <a:solidFill>
-                        <a:schemeClr val="tx1"/>
-                      </a:solidFill>
-                      <a:prstDash val="solid"/>
-                      <a:round/>
-                      <a:headEnd type="none" w="med" len="med"/>
-                      <a:tailEnd type="none" w="med" len="med"/>
-                    </a:lnL>
-                    <a:lnR w="12700" cap="flat" cmpd="sng" algn="ctr">
-                      <a:solidFill>
-                        <a:schemeClr val="tx1"/>
-                      </a:solidFill>
-                      <a:prstDash val="solid"/>
-                      <a:round/>
-                      <a:headEnd type="none" w="med" len="med"/>
-                      <a:tailEnd type="none" w="med" len="med"/>
-                    </a:lnR>
-                    <a:lnT w="12700" cap="flat" cmpd="sng" algn="ctr">
-                      <a:solidFill>
-                        <a:schemeClr val="tx1"/>
-                      </a:solidFill>
-                      <a:prstDash val="solid"/>
-                      <a:round/>
-                      <a:headEnd type="none" w="med" len="med"/>
-                      <a:tailEnd type="none" w="med" len="med"/>
-                    </a:lnT>
-                    <a:lnB w="12700" cap="flat" cmpd="sng" algn="ctr">
-                      <a:solidFill>
-                        <a:schemeClr val="tx1"/>
-                      </a:solidFill>
-                      <a:prstDash val="solid"/>
-                      <a:round/>
-                      <a:headEnd type="none" w="med" len="med"/>
-                      <a:tailEnd type="none" w="med" len="med"/>
-                    </a:lnB>
-                    <a:lnTlToBr w="12700" cmpd="sng">
-                      <a:noFill/>
-                      <a:prstDash val="solid"/>
-                    </a:lnTlToBr>
-                    <a:lnBlToTr w="12700" cmpd="sng">
-                      <a:noFill/>
-                      <a:prstDash val="solid"/>
-                    </a:lnBlToTr>
-                    <a:noFill/>
-                  </a:tcPr>
+                  <a:tcPr/>
                 </a:tc>
                 <a:tc>
                   <a:txBody>
                     <a:bodyPr/>
                     <a:lstStyle/>
                     <a:p>
-                      <a:pPr latinLnBrk="1">
-                        <a:defRPr/>
-                      </a:pPr>
+                      <a:pPr latinLnBrk="1"/>
                       <a:endParaRPr lang="ko-KR" altLang="en-US" dirty="0"/>
                     </a:p>
                   </a:txBody>
-                  <a:tcPr>
-                    <a:lnL w="12700" cap="flat" cmpd="sng" algn="ctr">
-                      <a:solidFill>
-                        <a:schemeClr val="tx1"/>
-                      </a:solidFill>
-                      <a:prstDash val="solid"/>
-                      <a:round/>
-                      <a:headEnd type="none" w="med" len="med"/>
-                      <a:tailEnd type="none" w="med" len="med"/>
-                    </a:lnL>
-                    <a:lnR w="12700" cap="flat" cmpd="sng" algn="ctr">
-                      <a:solidFill>
-                        <a:schemeClr val="tx1"/>
-                      </a:solidFill>
-                      <a:prstDash val="solid"/>
-                      <a:round/>
-                      <a:headEnd type="none" w="med" len="med"/>
-                      <a:tailEnd type="none" w="med" len="med"/>
-                    </a:lnR>
-                    <a:lnT w="12700" cap="flat" cmpd="sng" algn="ctr">
-                      <a:solidFill>
-                        <a:schemeClr val="tx1"/>
-                      </a:solidFill>
-                      <a:prstDash val="solid"/>
-                      <a:round/>
-                      <a:headEnd type="none" w="med" len="med"/>
-                      <a:tailEnd type="none" w="med" len="med"/>
-                    </a:lnT>
-                    <a:lnB w="12700" cap="flat" cmpd="sng" algn="ctr">
-                      <a:solidFill>
-                        <a:schemeClr val="tx1"/>
-                      </a:solidFill>
-                      <a:prstDash val="solid"/>
-                      <a:round/>
-                      <a:headEnd type="none" w="med" len="med"/>
-                      <a:tailEnd type="none" w="med" len="med"/>
-                    </a:lnB>
-                    <a:lnTlToBr w="12700" cmpd="sng">
-                      <a:noFill/>
-                      <a:prstDash val="solid"/>
-                    </a:lnTlToBr>
-                    <a:lnBlToTr w="12700" cmpd="sng">
-                      <a:noFill/>
-                      <a:prstDash val="solid"/>
-                    </a:lnBlToTr>
-                    <a:solidFill>
-                      <a:srgbClr val="FF0000"/>
-                    </a:solidFill>
-                  </a:tcPr>
+                  <a:tcPr/>
+                </a:tc>
+                <a:tc>
+                  <a:txBody>
+                    <a:bodyPr/>
+                    <a:lstStyle/>
+                    <a:p>
+                      <a:pPr latinLnBrk="1"/>
+                      <a:endParaRPr lang="ko-KR" altLang="en-US"/>
+                    </a:p>
+                  </a:txBody>
+                  <a:tcPr/>
+                </a:tc>
+                <a:tc>
+                  <a:txBody>
+                    <a:bodyPr/>
+                    <a:lstStyle/>
+                    <a:p>
+                      <a:pPr latinLnBrk="1"/>
+                      <a:endParaRPr lang="ko-KR" altLang="en-US"/>
+                    </a:p>
+                  </a:txBody>
+                  <a:tcPr/>
+                </a:tc>
+                <a:tc>
+                  <a:txBody>
+                    <a:bodyPr/>
+                    <a:lstStyle/>
+                    <a:p>
+                      <a:pPr latinLnBrk="1"/>
+                      <a:endParaRPr lang="ko-KR" altLang="en-US"/>
+                    </a:p>
+                  </a:txBody>
+                  <a:tcPr/>
                 </a:tc>
                 <a:extLst>
                   <a:ext uri="{0D108BD9-81ED-4DB2-BD59-A6C34878D82A}">
-                    <a16:rowId xmlns:a16="http://schemas.microsoft.com/office/drawing/2014/main" val="10001"/>
+                    <a16:rowId xmlns:a16="http://schemas.microsoft.com/office/drawing/2014/main" val="680886889"/>
                   </a:ext>
                 </a:extLst>
               </a:tr>
@@ -5019,131 +5934,66 @@
                     <a:bodyPr/>
                     <a:lstStyle/>
                     <a:p>
-                      <a:pPr algn="ctr" latinLnBrk="1">
-                        <a:defRPr/>
-                      </a:pPr>
+                      <a:pPr latinLnBrk="1"/>
                       <a:r>
-                        <a:rPr lang="ko-KR" altLang="en-US" b="1" dirty="0">
-                          <a:solidFill>
-                            <a:schemeClr val="tx1"/>
-                          </a:solidFill>
-                        </a:rPr>
-                        <a:t>김준현</a:t>
+                        <a:rPr lang="en-US" altLang="ko-KR" dirty="0"/>
+                        <a:t>6</a:t>
+                      </a:r>
+                      <a:r>
+                        <a:rPr lang="ko-KR" altLang="en-US" dirty="0"/>
+                        <a:t>월</a:t>
                       </a:r>
                     </a:p>
                   </a:txBody>
-                  <a:tcPr>
-                    <a:lnL w="12700" cap="flat" cmpd="sng" algn="ctr">
-                      <a:solidFill>
-                        <a:schemeClr val="tx1"/>
-                      </a:solidFill>
-                      <a:prstDash val="solid"/>
-                      <a:round/>
-                      <a:headEnd type="none" w="med" len="med"/>
-                      <a:tailEnd type="none" w="med" len="med"/>
-                    </a:lnL>
-                    <a:lnR w="12700" cap="flat" cmpd="sng" algn="ctr">
-                      <a:solidFill>
-                        <a:schemeClr val="tx1"/>
-                      </a:solidFill>
-                      <a:prstDash val="solid"/>
-                      <a:round/>
-                      <a:headEnd type="none" w="med" len="med"/>
-                      <a:tailEnd type="none" w="med" len="med"/>
-                    </a:lnR>
-                    <a:lnT w="12700" cap="flat" cmpd="sng" algn="ctr">
-                      <a:solidFill>
-                        <a:schemeClr val="tx1"/>
-                      </a:solidFill>
-                      <a:prstDash val="solid"/>
-                      <a:round/>
-                      <a:headEnd type="none" w="med" len="med"/>
-                      <a:tailEnd type="none" w="med" len="med"/>
-                    </a:lnT>
-                    <a:lnB w="12700" cap="flat" cmpd="sng" algn="ctr">
-                      <a:solidFill>
-                        <a:schemeClr val="tx1"/>
-                      </a:solidFill>
-                      <a:prstDash val="solid"/>
-                      <a:round/>
-                      <a:headEnd type="none" w="med" len="med"/>
-                      <a:tailEnd type="none" w="med" len="med"/>
-                    </a:lnB>
-                    <a:lnTlToBr w="12700" cmpd="sng">
-                      <a:noFill/>
-                      <a:prstDash val="solid"/>
-                    </a:lnTlToBr>
-                    <a:lnBlToTr w="12700" cmpd="sng">
-                      <a:noFill/>
-                      <a:prstDash val="solid"/>
-                    </a:lnBlToTr>
-                    <a:noFill/>
-                  </a:tcPr>
+                  <a:tcPr/>
                 </a:tc>
                 <a:tc>
                   <a:txBody>
                     <a:bodyPr/>
                     <a:lstStyle/>
                     <a:p>
-                      <a:pPr latinLnBrk="1">
-                        <a:defRPr/>
-                      </a:pPr>
+                      <a:pPr latinLnBrk="1"/>
                       <a:endParaRPr lang="ko-KR" altLang="en-US" dirty="0"/>
                     </a:p>
                   </a:txBody>
-                  <a:tcPr>
-                    <a:lnL w="12700" cap="flat" cmpd="sng" algn="ctr">
-                      <a:solidFill>
-                        <a:schemeClr val="tx1"/>
-                      </a:solidFill>
-                      <a:prstDash val="solid"/>
-                      <a:round/>
-                      <a:headEnd type="none" w="med" len="med"/>
-                      <a:tailEnd type="none" w="med" len="med"/>
-                    </a:lnL>
-                    <a:lnR w="12700" cap="flat" cmpd="sng" algn="ctr">
-                      <a:solidFill>
-                        <a:schemeClr val="tx1"/>
-                      </a:solidFill>
-                      <a:prstDash val="solid"/>
-                      <a:round/>
-                      <a:headEnd type="none" w="med" len="med"/>
-                      <a:tailEnd type="none" w="med" len="med"/>
-                    </a:lnR>
-                    <a:lnT w="12700" cap="flat" cmpd="sng" algn="ctr">
-                      <a:solidFill>
-                        <a:schemeClr val="tx1"/>
-                      </a:solidFill>
-                      <a:prstDash val="solid"/>
-                      <a:round/>
-                      <a:headEnd type="none" w="med" len="med"/>
-                      <a:tailEnd type="none" w="med" len="med"/>
-                    </a:lnT>
-                    <a:lnB w="12700" cap="flat" cmpd="sng" algn="ctr">
-                      <a:solidFill>
-                        <a:schemeClr val="tx1"/>
-                      </a:solidFill>
-                      <a:prstDash val="solid"/>
-                      <a:round/>
-                      <a:headEnd type="none" w="med" len="med"/>
-                      <a:tailEnd type="none" w="med" len="med"/>
-                    </a:lnB>
-                    <a:lnTlToBr w="12700" cmpd="sng">
-                      <a:noFill/>
-                      <a:prstDash val="solid"/>
-                    </a:lnTlToBr>
-                    <a:lnBlToTr w="12700" cmpd="sng">
-                      <a:noFill/>
-                      <a:prstDash val="solid"/>
-                    </a:lnBlToTr>
-                    <a:solidFill>
-                      <a:srgbClr val="70AD47"/>
-                    </a:solidFill>
-                  </a:tcPr>
+                  <a:tcPr/>
+                </a:tc>
+                <a:tc>
+                  <a:txBody>
+                    <a:bodyPr/>
+                    <a:lstStyle/>
+                    <a:p>
+                      <a:pPr latinLnBrk="1"/>
+                      <a:endParaRPr lang="ko-KR" altLang="en-US"/>
+                    </a:p>
+                  </a:txBody>
+                  <a:tcPr/>
+                </a:tc>
+                <a:tc>
+                  <a:txBody>
+                    <a:bodyPr/>
+                    <a:lstStyle/>
+                    <a:p>
+                      <a:pPr latinLnBrk="1"/>
+                      <a:endParaRPr lang="ko-KR" altLang="en-US"/>
+                    </a:p>
+                  </a:txBody>
+                  <a:tcPr/>
+                </a:tc>
+                <a:tc>
+                  <a:txBody>
+                    <a:bodyPr/>
+                    <a:lstStyle/>
+                    <a:p>
+                      <a:pPr latinLnBrk="1"/>
+                      <a:endParaRPr lang="ko-KR" altLang="en-US"/>
+                    </a:p>
+                  </a:txBody>
+                  <a:tcPr/>
                 </a:tc>
                 <a:extLst>
                   <a:ext uri="{0D108BD9-81ED-4DB2-BD59-A6C34878D82A}">
-                    <a16:rowId xmlns:a16="http://schemas.microsoft.com/office/drawing/2014/main" val="10002"/>
+                    <a16:rowId xmlns:a16="http://schemas.microsoft.com/office/drawing/2014/main" val="1383885912"/>
                   </a:ext>
                 </a:extLst>
               </a:tr>
@@ -5153,131 +6003,66 @@
                     <a:bodyPr/>
                     <a:lstStyle/>
                     <a:p>
-                      <a:pPr algn="ctr" latinLnBrk="1">
-                        <a:defRPr/>
-                      </a:pPr>
+                      <a:pPr latinLnBrk="1"/>
                       <a:r>
-                        <a:rPr lang="ko-KR" altLang="en-US" b="1" dirty="0">
-                          <a:solidFill>
-                            <a:schemeClr val="tx1"/>
-                          </a:solidFill>
-                        </a:rPr>
-                        <a:t>공통</a:t>
+                        <a:rPr lang="en-US" altLang="ko-KR" dirty="0"/>
+                        <a:t>7</a:t>
+                      </a:r>
+                      <a:r>
+                        <a:rPr lang="ko-KR" altLang="en-US" dirty="0"/>
+                        <a:t>월</a:t>
                       </a:r>
                     </a:p>
                   </a:txBody>
-                  <a:tcPr>
-                    <a:lnL w="12700" cap="flat" cmpd="sng" algn="ctr">
-                      <a:solidFill>
-                        <a:schemeClr val="tx1"/>
-                      </a:solidFill>
-                      <a:prstDash val="solid"/>
-                      <a:round/>
-                      <a:headEnd type="none" w="med" len="med"/>
-                      <a:tailEnd type="none" w="med" len="med"/>
-                    </a:lnL>
-                    <a:lnR w="12700" cap="flat" cmpd="sng" algn="ctr">
-                      <a:solidFill>
-                        <a:schemeClr val="tx1"/>
-                      </a:solidFill>
-                      <a:prstDash val="solid"/>
-                      <a:round/>
-                      <a:headEnd type="none" w="med" len="med"/>
-                      <a:tailEnd type="none" w="med" len="med"/>
-                    </a:lnR>
-                    <a:lnT w="12700" cap="flat" cmpd="sng" algn="ctr">
-                      <a:solidFill>
-                        <a:schemeClr val="tx1"/>
-                      </a:solidFill>
-                      <a:prstDash val="solid"/>
-                      <a:round/>
-                      <a:headEnd type="none" w="med" len="med"/>
-                      <a:tailEnd type="none" w="med" len="med"/>
-                    </a:lnT>
-                    <a:lnB w="12700" cap="flat" cmpd="sng" algn="ctr">
-                      <a:solidFill>
-                        <a:schemeClr val="tx1"/>
-                      </a:solidFill>
-                      <a:prstDash val="solid"/>
-                      <a:round/>
-                      <a:headEnd type="none" w="med" len="med"/>
-                      <a:tailEnd type="none" w="med" len="med"/>
-                    </a:lnB>
-                    <a:lnTlToBr w="12700" cmpd="sng">
-                      <a:noFill/>
-                      <a:prstDash val="solid"/>
-                    </a:lnTlToBr>
-                    <a:lnBlToTr w="12700" cmpd="sng">
-                      <a:noFill/>
-                      <a:prstDash val="solid"/>
-                    </a:lnBlToTr>
-                    <a:noFill/>
-                  </a:tcPr>
+                  <a:tcPr/>
                 </a:tc>
                 <a:tc>
                   <a:txBody>
                     <a:bodyPr/>
                     <a:lstStyle/>
                     <a:p>
-                      <a:pPr latinLnBrk="1">
-                        <a:defRPr/>
-                      </a:pPr>
+                      <a:pPr latinLnBrk="1"/>
                       <a:endParaRPr lang="ko-KR" altLang="en-US" dirty="0"/>
                     </a:p>
                   </a:txBody>
-                  <a:tcPr>
-                    <a:lnL w="12700" cap="flat" cmpd="sng" algn="ctr">
-                      <a:solidFill>
-                        <a:schemeClr val="tx1"/>
-                      </a:solidFill>
-                      <a:prstDash val="solid"/>
-                      <a:round/>
-                      <a:headEnd type="none" w="med" len="med"/>
-                      <a:tailEnd type="none" w="med" len="med"/>
-                    </a:lnL>
-                    <a:lnR w="12700" cap="flat" cmpd="sng" algn="ctr">
-                      <a:solidFill>
-                        <a:schemeClr val="tx1"/>
-                      </a:solidFill>
-                      <a:prstDash val="solid"/>
-                      <a:round/>
-                      <a:headEnd type="none" w="med" len="med"/>
-                      <a:tailEnd type="none" w="med" len="med"/>
-                    </a:lnR>
-                    <a:lnT w="12700" cap="flat" cmpd="sng" algn="ctr">
-                      <a:solidFill>
-                        <a:schemeClr val="tx1"/>
-                      </a:solidFill>
-                      <a:prstDash val="solid"/>
-                      <a:round/>
-                      <a:headEnd type="none" w="med" len="med"/>
-                      <a:tailEnd type="none" w="med" len="med"/>
-                    </a:lnT>
-                    <a:lnB w="12700" cap="flat" cmpd="sng" algn="ctr">
-                      <a:solidFill>
-                        <a:schemeClr val="tx1"/>
-                      </a:solidFill>
-                      <a:prstDash val="solid"/>
-                      <a:round/>
-                      <a:headEnd type="none" w="med" len="med"/>
-                      <a:tailEnd type="none" w="med" len="med"/>
-                    </a:lnB>
-                    <a:lnTlToBr w="12700" cmpd="sng">
-                      <a:noFill/>
-                      <a:prstDash val="solid"/>
-                    </a:lnTlToBr>
-                    <a:lnBlToTr w="12700" cmpd="sng">
-                      <a:noFill/>
-                      <a:prstDash val="solid"/>
-                    </a:lnBlToTr>
-                    <a:solidFill>
-                      <a:srgbClr val="FFD700"/>
-                    </a:solidFill>
-                  </a:tcPr>
+                  <a:tcPr/>
+                </a:tc>
+                <a:tc>
+                  <a:txBody>
+                    <a:bodyPr/>
+                    <a:lstStyle/>
+                    <a:p>
+                      <a:pPr latinLnBrk="1"/>
+                      <a:endParaRPr lang="ko-KR" altLang="en-US"/>
+                    </a:p>
+                  </a:txBody>
+                  <a:tcPr/>
+                </a:tc>
+                <a:tc>
+                  <a:txBody>
+                    <a:bodyPr/>
+                    <a:lstStyle/>
+                    <a:p>
+                      <a:pPr latinLnBrk="1"/>
+                      <a:endParaRPr lang="ko-KR" altLang="en-US"/>
+                    </a:p>
+                  </a:txBody>
+                  <a:tcPr/>
+                </a:tc>
+                <a:tc>
+                  <a:txBody>
+                    <a:bodyPr/>
+                    <a:lstStyle/>
+                    <a:p>
+                      <a:pPr latinLnBrk="1"/>
+                      <a:endParaRPr lang="ko-KR" altLang="en-US" dirty="0"/>
+                    </a:p>
+                  </a:txBody>
+                  <a:tcPr/>
                 </a:tc>
                 <a:extLst>
                   <a:ext uri="{0D108BD9-81ED-4DB2-BD59-A6C34878D82A}">
-                    <a16:rowId xmlns:a16="http://schemas.microsoft.com/office/drawing/2014/main" val="10003"/>
+                    <a16:rowId xmlns:a16="http://schemas.microsoft.com/office/drawing/2014/main" val="1725183095"/>
                   </a:ext>
                 </a:extLst>
               </a:tr>
@@ -5298,7 +6083,7 @@
 </p:sld>
 </file>
 
-<file path=ppt/slides/slide13.xml><?xml version="1.0" encoding="utf-8"?>
+<file path=ppt/slides/slide15.xml><?xml version="1.0" encoding="utf-8"?>
 <p:sld xmlns:a="http://schemas.openxmlformats.org/drawingml/2006/main" xmlns:r="http://schemas.openxmlformats.org/officeDocument/2006/relationships" xmlns:p="http://schemas.openxmlformats.org/presentationml/2006/main">
   <p:cSld>
     <p:spTree>
@@ -10989,115 +11774,6 @@
           </a:fontRef>
         </p:style>
       </p:cxnSp>
-      <p:pic>
-        <p:nvPicPr>
-          <p:cNvPr id="11" name="그림 10">
-            <a:extLst>
-              <a:ext uri="{FF2B5EF4-FFF2-40B4-BE49-F238E27FC236}">
-                <a16:creationId xmlns:a16="http://schemas.microsoft.com/office/drawing/2014/main" id="{5C1A91E2-1657-4802-AA3A-10553E0CB4D6}"/>
-              </a:ext>
-            </a:extLst>
-          </p:cNvPr>
-          <p:cNvPicPr>
-            <a:picLocks noChangeAspect="1"/>
-          </p:cNvPicPr>
-          <p:nvPr/>
-        </p:nvPicPr>
-        <p:blipFill>
-          <a:blip r:embed="rId2"/>
-          <a:stretch>
-            <a:fillRect/>
-          </a:stretch>
-        </p:blipFill>
-        <p:spPr>
-          <a:xfrm>
-            <a:off x="916806" y="1781793"/>
-            <a:ext cx="7517661" cy="2255298"/>
-          </a:xfrm>
-          <a:prstGeom prst="rect">
-            <a:avLst/>
-          </a:prstGeom>
-          <a:effectLst>
-            <a:outerShdw blurRad="50800" dist="38100" dir="5400000" algn="t" rotWithShape="0">
-              <a:prstClr val="black">
-                <a:alpha val="40000"/>
-              </a:prstClr>
-            </a:outerShdw>
-          </a:effectLst>
-        </p:spPr>
-      </p:pic>
-      <p:pic>
-        <p:nvPicPr>
-          <p:cNvPr id="2056" name="Picture 8" descr="무선마우스 추천 순위 모음 10 - TOP 10 매니아">
-            <a:extLst>
-              <a:ext uri="{FF2B5EF4-FFF2-40B4-BE49-F238E27FC236}">
-                <a16:creationId xmlns:a16="http://schemas.microsoft.com/office/drawing/2014/main" id="{1D4A5514-C2D2-47AC-9E40-8D1359FEA0FE}"/>
-              </a:ext>
-            </a:extLst>
-          </p:cNvPr>
-          <p:cNvPicPr>
-            <a:picLocks noChangeAspect="1" noChangeArrowheads="1"/>
-          </p:cNvPicPr>
-          <p:nvPr/>
-        </p:nvPicPr>
-        <p:blipFill>
-          <a:blip r:embed="rId3">
-            <a:extLst>
-              <a:ext uri="{BEBA8EAE-BF5A-486C-A8C5-ECC9F3942E4B}">
-                <a14:imgProps xmlns:a14="http://schemas.microsoft.com/office/drawing/2010/main">
-                  <a14:imgLayer r:embed="rId4">
-                    <a14:imgEffect>
-                      <a14:backgroundRemoval t="3000" b="98100" l="10000" r="90000">
-                        <a14:foregroundMark x1="38400" y1="6600" x2="47600" y2="6400"/>
-                        <a14:foregroundMark x1="47600" y1="6400" x2="66100" y2="8400"/>
-                        <a14:foregroundMark x1="44300" y1="3000" x2="57000" y2="3000"/>
-                        <a14:foregroundMark x1="57000" y1="3000" x2="58300" y2="3200"/>
-                        <a14:foregroundMark x1="37900" y1="93300" x2="46300" y2="95700"/>
-                        <a14:foregroundMark x1="46300" y1="95700" x2="57800" y2="92300"/>
-                        <a14:foregroundMark x1="57800" y1="92300" x2="61700" y2="89500"/>
-                        <a14:foregroundMark x1="51900" y1="97400" x2="42800" y2="98100"/>
-                      </a14:backgroundRemoval>
-                    </a14:imgEffect>
-                  </a14:imgLayer>
-                </a14:imgProps>
-              </a:ext>
-              <a:ext uri="{28A0092B-C50C-407E-A947-70E740481C1C}">
-                <a14:useLocalDpi xmlns:a14="http://schemas.microsoft.com/office/drawing/2010/main" val="0"/>
-              </a:ext>
-            </a:extLst>
-          </a:blip>
-          <a:srcRect/>
-          <a:stretch>
-            <a:fillRect/>
-          </a:stretch>
-        </p:blipFill>
-        <p:spPr bwMode="auto">
-          <a:xfrm>
-            <a:off x="9409576" y="2089279"/>
-            <a:ext cx="1640325" cy="1640325"/>
-          </a:xfrm>
-          <a:prstGeom prst="rect">
-            <a:avLst/>
-          </a:prstGeom>
-          <a:noFill/>
-          <a:effectLst>
-            <a:outerShdw blurRad="50800" dist="38100" dir="5400000" algn="t" rotWithShape="0">
-              <a:prstClr val="black">
-                <a:alpha val="40000"/>
-              </a:prstClr>
-            </a:outerShdw>
-          </a:effectLst>
-          <a:extLst>
-            <a:ext uri="{909E8E84-426E-40DD-AFC4-6F175D3DCCD1}">
-              <a14:hiddenFill xmlns:a14="http://schemas.microsoft.com/office/drawing/2010/main">
-                <a:solidFill>
-                  <a:srgbClr val="FFFFFF"/>
-                </a:solidFill>
-              </a14:hiddenFill>
-            </a:ext>
-          </a:extLst>
-        </p:spPr>
-      </p:pic>
       <p:sp>
         <p:nvSpPr>
           <p:cNvPr id="15" name="TextBox 7">
@@ -11112,7 +11788,7 @@
         </p:nvSpPr>
         <p:spPr>
           <a:xfrm>
-            <a:off x="1128154" y="4311564"/>
+            <a:off x="2338388" y="2772739"/>
             <a:ext cx="2547754" cy="369332"/>
           </a:xfrm>
           <a:prstGeom prst="rect">
@@ -11166,7 +11842,7 @@
         </p:nvSpPr>
         <p:spPr>
           <a:xfrm>
-            <a:off x="1121080" y="4759317"/>
+            <a:off x="2331314" y="3220492"/>
             <a:ext cx="3035434" cy="369332"/>
           </a:xfrm>
           <a:prstGeom prst="rect">
@@ -11220,8 +11896,8 @@
         </p:nvSpPr>
         <p:spPr>
           <a:xfrm>
-            <a:off x="1142064" y="5577785"/>
-            <a:ext cx="2692818" cy="369332"/>
+            <a:off x="2352297" y="4038960"/>
+            <a:ext cx="3304431" cy="369332"/>
           </a:xfrm>
           <a:prstGeom prst="rect">
             <a:avLst/>
@@ -11245,7 +11921,7 @@
                 <a:latin typeface="a라이트" panose="02020600000000000000" pitchFamily="18" charset="-127"/>
                 <a:ea typeface="a라이트" panose="02020600000000000000" pitchFamily="18" charset="-127"/>
               </a:rPr>
-              <a:t>R		  -	 </a:t>
+              <a:t>E		  -	 </a:t>
             </a:r>
             <a:r>
               <a:rPr lang="ko-KR" altLang="en-US" b="1" dirty="0">
@@ -11255,7 +11931,7 @@
                 <a:latin typeface="a라이트" panose="02020600000000000000" pitchFamily="18" charset="-127"/>
                 <a:ea typeface="a라이트" panose="02020600000000000000" pitchFamily="18" charset="-127"/>
               </a:rPr>
-              <a:t>스킬 사용</a:t>
+              <a:t>보조무기 사용</a:t>
             </a:r>
           </a:p>
         </p:txBody>
@@ -11274,7 +11950,7 @@
         </p:nvSpPr>
         <p:spPr>
           <a:xfrm>
-            <a:off x="1135568" y="5987019"/>
+            <a:off x="7252815" y="3179981"/>
             <a:ext cx="2699314" cy="369332"/>
           </a:xfrm>
           <a:prstGeom prst="rect">
@@ -11328,7 +12004,7 @@
         </p:nvSpPr>
         <p:spPr>
           <a:xfrm>
-            <a:off x="8704136" y="4851497"/>
+            <a:off x="7234517" y="2745790"/>
             <a:ext cx="2763186" cy="369332"/>
           </a:xfrm>
           <a:prstGeom prst="rect">
@@ -11388,200 +12064,6 @@
           </a:p>
         </p:txBody>
       </p:sp>
-      <p:sp>
-        <p:nvSpPr>
-          <p:cNvPr id="20" name="TextBox 7">
-            <a:extLst>
-              <a:ext uri="{FF2B5EF4-FFF2-40B4-BE49-F238E27FC236}">
-                <a16:creationId xmlns:a16="http://schemas.microsoft.com/office/drawing/2014/main" id="{B10174DA-CA37-45C6-AC3A-194E97D7357C}"/>
-              </a:ext>
-            </a:extLst>
-          </p:cNvPr>
-          <p:cNvSpPr txBox="1"/>
-          <p:nvPr/>
-        </p:nvSpPr>
-        <p:spPr>
-          <a:xfrm>
-            <a:off x="8704136" y="5353292"/>
-            <a:ext cx="2996452" cy="369332"/>
-          </a:xfrm>
-          <a:prstGeom prst="rect">
-            <a:avLst/>
-          </a:prstGeom>
-          <a:noFill/>
-        </p:spPr>
-        <p:txBody>
-          <a:bodyPr wrap="square">
-            <a:spAutoFit/>
-          </a:bodyPr>
-          <a:lstStyle/>
-          <a:p>
-            <a:pPr>
-              <a:defRPr/>
-            </a:pPr>
-            <a:r>
-              <a:rPr lang="en-US" altLang="ko-KR" b="1" dirty="0">
-                <a:solidFill>
-                  <a:schemeClr val="lt1"/>
-                </a:solidFill>
-                <a:latin typeface="a라이트" panose="02020600000000000000" pitchFamily="18" charset="-127"/>
-                <a:ea typeface="a라이트" panose="02020600000000000000" pitchFamily="18" charset="-127"/>
-              </a:rPr>
-              <a:t>Mouse</a:t>
-            </a:r>
-            <a:r>
-              <a:rPr lang="ko-KR" altLang="en-US" b="1" dirty="0">
-                <a:solidFill>
-                  <a:schemeClr val="lt1"/>
-                </a:solidFill>
-                <a:latin typeface="a라이트" panose="02020600000000000000" pitchFamily="18" charset="-127"/>
-                <a:ea typeface="a라이트" panose="02020600000000000000" pitchFamily="18" charset="-127"/>
-              </a:rPr>
-              <a:t> </a:t>
-            </a:r>
-            <a:r>
-              <a:rPr lang="en-US" altLang="ko-KR" b="1" dirty="0">
-                <a:solidFill>
-                  <a:schemeClr val="lt1"/>
-                </a:solidFill>
-                <a:latin typeface="a라이트" panose="02020600000000000000" pitchFamily="18" charset="-127"/>
-                <a:ea typeface="a라이트" panose="02020600000000000000" pitchFamily="18" charset="-127"/>
-              </a:rPr>
-              <a:t>Right    -   </a:t>
-            </a:r>
-            <a:r>
-              <a:rPr lang="ko-KR" altLang="en-US" b="1" dirty="0">
-                <a:solidFill>
-                  <a:schemeClr val="lt1"/>
-                </a:solidFill>
-                <a:latin typeface="a라이트" panose="02020600000000000000" pitchFamily="18" charset="-127"/>
-                <a:ea typeface="a라이트" panose="02020600000000000000" pitchFamily="18" charset="-127"/>
-              </a:rPr>
-              <a:t>조준</a:t>
-            </a:r>
-          </a:p>
-        </p:txBody>
-      </p:sp>
-      <p:pic>
-        <p:nvPicPr>
-          <p:cNvPr id="13" name="그림 12">
-            <a:extLst>
-              <a:ext uri="{FF2B5EF4-FFF2-40B4-BE49-F238E27FC236}">
-                <a16:creationId xmlns:a16="http://schemas.microsoft.com/office/drawing/2014/main" id="{421A6D4D-2A9A-4987-B6D8-FF6F3687378D}"/>
-              </a:ext>
-            </a:extLst>
-          </p:cNvPr>
-          <p:cNvPicPr>
-            <a:picLocks noChangeAspect="1"/>
-          </p:cNvPicPr>
-          <p:nvPr/>
-        </p:nvPicPr>
-        <p:blipFill>
-          <a:blip r:embed="rId5"/>
-          <a:stretch>
-            <a:fillRect/>
-          </a:stretch>
-        </p:blipFill>
-        <p:spPr>
-          <a:xfrm>
-            <a:off x="1797683" y="2662443"/>
-            <a:ext cx="318772" cy="337185"/>
-          </a:xfrm>
-          <a:prstGeom prst="rect">
-            <a:avLst/>
-          </a:prstGeom>
-        </p:spPr>
-      </p:pic>
-      <p:pic>
-        <p:nvPicPr>
-          <p:cNvPr id="28" name="그림 27">
-            <a:extLst>
-              <a:ext uri="{FF2B5EF4-FFF2-40B4-BE49-F238E27FC236}">
-                <a16:creationId xmlns:a16="http://schemas.microsoft.com/office/drawing/2014/main" id="{69242AE1-66EA-4C67-B66F-80BF428A7FFC}"/>
-              </a:ext>
-            </a:extLst>
-          </p:cNvPr>
-          <p:cNvPicPr>
-            <a:picLocks noChangeAspect="1"/>
-          </p:cNvPicPr>
-          <p:nvPr/>
-        </p:nvPicPr>
-        <p:blipFill>
-          <a:blip r:embed="rId5"/>
-          <a:stretch>
-            <a:fillRect/>
-          </a:stretch>
-        </p:blipFill>
-        <p:spPr>
-          <a:xfrm>
-            <a:off x="1557653" y="2999628"/>
-            <a:ext cx="318772" cy="337185"/>
-          </a:xfrm>
-          <a:prstGeom prst="rect">
-            <a:avLst/>
-          </a:prstGeom>
-        </p:spPr>
-      </p:pic>
-      <p:pic>
-        <p:nvPicPr>
-          <p:cNvPr id="29" name="그림 28">
-            <a:extLst>
-              <a:ext uri="{FF2B5EF4-FFF2-40B4-BE49-F238E27FC236}">
-                <a16:creationId xmlns:a16="http://schemas.microsoft.com/office/drawing/2014/main" id="{50A057E4-1BB9-48CC-A538-F62B968CAB3A}"/>
-              </a:ext>
-            </a:extLst>
-          </p:cNvPr>
-          <p:cNvPicPr>
-            <a:picLocks noChangeAspect="1"/>
-          </p:cNvPicPr>
-          <p:nvPr/>
-        </p:nvPicPr>
-        <p:blipFill>
-          <a:blip r:embed="rId5"/>
-          <a:stretch>
-            <a:fillRect/>
-          </a:stretch>
-        </p:blipFill>
-        <p:spPr>
-          <a:xfrm>
-            <a:off x="1885821" y="2997382"/>
-            <a:ext cx="318772" cy="337185"/>
-          </a:xfrm>
-          <a:prstGeom prst="rect">
-            <a:avLst/>
-          </a:prstGeom>
-        </p:spPr>
-      </p:pic>
-      <p:pic>
-        <p:nvPicPr>
-          <p:cNvPr id="30" name="그림 29">
-            <a:extLst>
-              <a:ext uri="{FF2B5EF4-FFF2-40B4-BE49-F238E27FC236}">
-                <a16:creationId xmlns:a16="http://schemas.microsoft.com/office/drawing/2014/main" id="{06D5D995-4A39-424D-A5FE-CAF39EE16087}"/>
-              </a:ext>
-            </a:extLst>
-          </p:cNvPr>
-          <p:cNvPicPr>
-            <a:picLocks noChangeAspect="1"/>
-          </p:cNvPicPr>
-          <p:nvPr/>
-        </p:nvPicPr>
-        <p:blipFill>
-          <a:blip r:embed="rId5"/>
-          <a:stretch>
-            <a:fillRect/>
-          </a:stretch>
-        </p:blipFill>
-        <p:spPr>
-          <a:xfrm>
-            <a:off x="2213989" y="2995136"/>
-            <a:ext cx="318772" cy="337185"/>
-          </a:xfrm>
-          <a:prstGeom prst="rect">
-            <a:avLst/>
-          </a:prstGeom>
-        </p:spPr>
-      </p:pic>
       <p:sp>
         <p:nvSpPr>
           <p:cNvPr id="14" name="직사각형 13">
@@ -11596,7 +12078,7 @@
         </p:nvSpPr>
         <p:spPr>
           <a:xfrm>
-            <a:off x="954298" y="4318055"/>
+            <a:off x="2164532" y="2779230"/>
             <a:ext cx="173854" cy="359664"/>
           </a:xfrm>
           <a:prstGeom prst="rect">
@@ -11648,7 +12130,7 @@
         </p:nvSpPr>
         <p:spPr>
           <a:xfrm>
-            <a:off x="954298" y="4756140"/>
+            <a:off x="2164532" y="3217315"/>
             <a:ext cx="173854" cy="359664"/>
           </a:xfrm>
           <a:prstGeom prst="rect">
@@ -11700,7 +12182,7 @@
         </p:nvSpPr>
         <p:spPr>
           <a:xfrm>
-            <a:off x="1121080" y="5168551"/>
+            <a:off x="2331314" y="3629726"/>
             <a:ext cx="3035434" cy="369332"/>
           </a:xfrm>
           <a:prstGeom prst="rect">
@@ -11737,60 +12219,6 @@
               </a:rPr>
               <a:t>점프</a:t>
             </a:r>
-          </a:p>
-        </p:txBody>
-      </p:sp>
-      <p:sp>
-        <p:nvSpPr>
-          <p:cNvPr id="35" name="직사각형 34">
-            <a:extLst>
-              <a:ext uri="{FF2B5EF4-FFF2-40B4-BE49-F238E27FC236}">
-                <a16:creationId xmlns:a16="http://schemas.microsoft.com/office/drawing/2014/main" id="{4573E45F-EE25-4C20-953D-DD4E0981A5BD}"/>
-              </a:ext>
-            </a:extLst>
-          </p:cNvPr>
-          <p:cNvSpPr/>
-          <p:nvPr/>
-        </p:nvSpPr>
-        <p:spPr>
-          <a:xfrm>
-            <a:off x="966722" y="3319574"/>
-            <a:ext cx="750317" cy="337185"/>
-          </a:xfrm>
-          <a:prstGeom prst="rect">
-            <a:avLst/>
-          </a:prstGeom>
-          <a:solidFill>
-            <a:srgbClr val="92D050">
-              <a:alpha val="55000"/>
-            </a:srgbClr>
-          </a:solidFill>
-          <a:ln>
-            <a:noFill/>
-          </a:ln>
-        </p:spPr>
-        <p:style>
-          <a:lnRef idx="2">
-            <a:schemeClr val="accent1">
-              <a:shade val="50000"/>
-            </a:schemeClr>
-          </a:lnRef>
-          <a:fillRef idx="1">
-            <a:schemeClr val="accent1"/>
-          </a:fillRef>
-          <a:effectRef idx="0">
-            <a:schemeClr val="accent1"/>
-          </a:effectRef>
-          <a:fontRef idx="minor">
-            <a:schemeClr val="lt1"/>
-          </a:fontRef>
-        </p:style>
-        <p:txBody>
-          <a:bodyPr rtlCol="0" anchor="ctr"/>
-          <a:lstStyle/>
-          <a:p>
-            <a:pPr algn="ctr"/>
-            <a:endParaRPr lang="ko-KR" altLang="en-US"/>
           </a:p>
         </p:txBody>
       </p:sp>
@@ -11808,7 +12236,7 @@
         </p:nvSpPr>
         <p:spPr>
           <a:xfrm>
-            <a:off x="950590" y="5185261"/>
+            <a:off x="2160824" y="3646436"/>
             <a:ext cx="181270" cy="359664"/>
           </a:xfrm>
           <a:prstGeom prst="rect">
@@ -11860,7 +12288,7 @@
         </p:nvSpPr>
         <p:spPr>
           <a:xfrm>
-            <a:off x="946882" y="5614383"/>
+            <a:off x="2157116" y="4075558"/>
             <a:ext cx="181270" cy="359664"/>
           </a:xfrm>
           <a:prstGeom prst="rect">
@@ -11912,7 +12340,7 @@
         </p:nvSpPr>
         <p:spPr>
           <a:xfrm>
-            <a:off x="943416" y="6044614"/>
+            <a:off x="7060663" y="3237576"/>
             <a:ext cx="181270" cy="359664"/>
           </a:xfrm>
           <a:prstGeom prst="rect">
@@ -11952,168 +12380,6 @@
       </p:sp>
       <p:sp>
         <p:nvSpPr>
-          <p:cNvPr id="39" name="직사각형 38">
-            <a:extLst>
-              <a:ext uri="{FF2B5EF4-FFF2-40B4-BE49-F238E27FC236}">
-                <a16:creationId xmlns:a16="http://schemas.microsoft.com/office/drawing/2014/main" id="{8EB45313-9931-493D-8FB8-CA72B79EA496}"/>
-              </a:ext>
-            </a:extLst>
-          </p:cNvPr>
-          <p:cNvSpPr/>
-          <p:nvPr/>
-        </p:nvSpPr>
-        <p:spPr>
-          <a:xfrm>
-            <a:off x="2213989" y="3656759"/>
-            <a:ext cx="2048131" cy="297488"/>
-          </a:xfrm>
-          <a:prstGeom prst="rect">
-            <a:avLst/>
-          </a:prstGeom>
-          <a:solidFill>
-            <a:srgbClr val="FFFF00">
-              <a:alpha val="40000"/>
-            </a:srgbClr>
-          </a:solidFill>
-          <a:ln>
-            <a:noFill/>
-          </a:ln>
-        </p:spPr>
-        <p:style>
-          <a:lnRef idx="2">
-            <a:schemeClr val="accent1">
-              <a:shade val="50000"/>
-            </a:schemeClr>
-          </a:lnRef>
-          <a:fillRef idx="1">
-            <a:schemeClr val="accent1"/>
-          </a:fillRef>
-          <a:effectRef idx="0">
-            <a:schemeClr val="accent1"/>
-          </a:effectRef>
-          <a:fontRef idx="minor">
-            <a:schemeClr val="lt1"/>
-          </a:fontRef>
-        </p:style>
-        <p:txBody>
-          <a:bodyPr rtlCol="0" anchor="b"/>
-          <a:lstStyle/>
-          <a:p>
-            <a:pPr algn="dist"/>
-            <a:endParaRPr lang="ko-KR" altLang="en-US"/>
-          </a:p>
-        </p:txBody>
-      </p:sp>
-      <p:sp>
-        <p:nvSpPr>
-          <p:cNvPr id="40" name="직사각형 39">
-            <a:extLst>
-              <a:ext uri="{FF2B5EF4-FFF2-40B4-BE49-F238E27FC236}">
-                <a16:creationId xmlns:a16="http://schemas.microsoft.com/office/drawing/2014/main" id="{DB1CFEA5-AFFA-4934-8B5A-0391815A4058}"/>
-              </a:ext>
-            </a:extLst>
-          </p:cNvPr>
-          <p:cNvSpPr/>
-          <p:nvPr/>
-        </p:nvSpPr>
-        <p:spPr>
-          <a:xfrm>
-            <a:off x="2451522" y="2662443"/>
-            <a:ext cx="345018" cy="332693"/>
-          </a:xfrm>
-          <a:prstGeom prst="rect">
-            <a:avLst/>
-          </a:prstGeom>
-          <a:solidFill>
-            <a:srgbClr val="FFC000">
-              <a:alpha val="47000"/>
-            </a:srgbClr>
-          </a:solidFill>
-          <a:ln>
-            <a:noFill/>
-          </a:ln>
-        </p:spPr>
-        <p:style>
-          <a:lnRef idx="2">
-            <a:schemeClr val="accent1">
-              <a:shade val="50000"/>
-            </a:schemeClr>
-          </a:lnRef>
-          <a:fillRef idx="1">
-            <a:schemeClr val="accent1"/>
-          </a:fillRef>
-          <a:effectRef idx="0">
-            <a:schemeClr val="accent1"/>
-          </a:effectRef>
-          <a:fontRef idx="minor">
-            <a:schemeClr val="lt1"/>
-          </a:fontRef>
-        </p:style>
-        <p:txBody>
-          <a:bodyPr rtlCol="0" anchor="b"/>
-          <a:lstStyle/>
-          <a:p>
-            <a:pPr algn="dist"/>
-            <a:endParaRPr lang="ko-KR" altLang="en-US"/>
-          </a:p>
-        </p:txBody>
-      </p:sp>
-      <p:sp>
-        <p:nvSpPr>
-          <p:cNvPr id="41" name="직사각형 40">
-            <a:extLst>
-              <a:ext uri="{FF2B5EF4-FFF2-40B4-BE49-F238E27FC236}">
-                <a16:creationId xmlns:a16="http://schemas.microsoft.com/office/drawing/2014/main" id="{55D93C63-F2C1-4816-8657-2F78D44FA840}"/>
-              </a:ext>
-            </a:extLst>
-          </p:cNvPr>
-          <p:cNvSpPr/>
-          <p:nvPr/>
-        </p:nvSpPr>
-        <p:spPr>
-          <a:xfrm>
-            <a:off x="2533396" y="2994041"/>
-            <a:ext cx="332648" cy="332693"/>
-          </a:xfrm>
-          <a:prstGeom prst="rect">
-            <a:avLst/>
-          </a:prstGeom>
-          <a:solidFill>
-            <a:srgbClr val="7030A0">
-              <a:alpha val="42000"/>
-            </a:srgbClr>
-          </a:solidFill>
-          <a:ln>
-            <a:noFill/>
-          </a:ln>
-        </p:spPr>
-        <p:style>
-          <a:lnRef idx="2">
-            <a:schemeClr val="accent1">
-              <a:shade val="50000"/>
-            </a:schemeClr>
-          </a:lnRef>
-          <a:fillRef idx="1">
-            <a:schemeClr val="accent1"/>
-          </a:fillRef>
-          <a:effectRef idx="0">
-            <a:schemeClr val="accent1"/>
-          </a:effectRef>
-          <a:fontRef idx="minor">
-            <a:schemeClr val="lt1"/>
-          </a:fontRef>
-        </p:style>
-        <p:txBody>
-          <a:bodyPr rtlCol="0" anchor="b"/>
-          <a:lstStyle/>
-          <a:p>
-            <a:pPr algn="dist"/>
-            <a:endParaRPr lang="ko-KR" altLang="en-US"/>
-          </a:p>
-        </p:txBody>
-      </p:sp>
-      <p:sp>
-        <p:nvSpPr>
           <p:cNvPr id="42" name="직사각형 41">
             <a:extLst>
               <a:ext uri="{FF2B5EF4-FFF2-40B4-BE49-F238E27FC236}">
@@ -12126,7 +12392,7 @@
         </p:nvSpPr>
         <p:spPr>
           <a:xfrm>
-            <a:off x="8530282" y="4861165"/>
+            <a:off x="7060663" y="2755458"/>
             <a:ext cx="173854" cy="359664"/>
           </a:xfrm>
           <a:prstGeom prst="rect">
@@ -12166,10 +12432,64 @@
       </p:sp>
       <p:sp>
         <p:nvSpPr>
-          <p:cNvPr id="43" name="직사각형 42">
+          <p:cNvPr id="2" name="TextBox 7">
             <a:extLst>
               <a:ext uri="{FF2B5EF4-FFF2-40B4-BE49-F238E27FC236}">
-                <a16:creationId xmlns:a16="http://schemas.microsoft.com/office/drawing/2014/main" id="{4A60A883-2711-4442-BE3F-A41BCBFF5516}"/>
+                <a16:creationId xmlns:a16="http://schemas.microsoft.com/office/drawing/2014/main" id="{48DAAD13-65EA-C834-3927-7D1C01FAFC11}"/>
+              </a:ext>
+            </a:extLst>
+          </p:cNvPr>
+          <p:cNvSpPr txBox="1"/>
+          <p:nvPr/>
+        </p:nvSpPr>
+        <p:spPr>
+          <a:xfrm>
+            <a:off x="7252815" y="3629726"/>
+            <a:ext cx="2699314" cy="369332"/>
+          </a:xfrm>
+          <a:prstGeom prst="rect">
+            <a:avLst/>
+          </a:prstGeom>
+          <a:noFill/>
+        </p:spPr>
+        <p:txBody>
+          <a:bodyPr wrap="square">
+            <a:spAutoFit/>
+          </a:bodyPr>
+          <a:lstStyle/>
+          <a:p>
+            <a:pPr>
+              <a:defRPr/>
+            </a:pPr>
+            <a:r>
+              <a:rPr lang="en-US" altLang="ko-KR" b="1" dirty="0">
+                <a:solidFill>
+                  <a:schemeClr val="lt1"/>
+                </a:solidFill>
+                <a:latin typeface="a라이트" panose="02020600000000000000" pitchFamily="18" charset="-127"/>
+                <a:ea typeface="a라이트" panose="02020600000000000000" pitchFamily="18" charset="-127"/>
+              </a:rPr>
+              <a:t>Q		  -    </a:t>
+            </a:r>
+            <a:r>
+              <a:rPr lang="ko-KR" altLang="en-US" b="1" dirty="0">
+                <a:solidFill>
+                  <a:schemeClr val="lt1"/>
+                </a:solidFill>
+                <a:latin typeface="a라이트" panose="02020600000000000000" pitchFamily="18" charset="-127"/>
+                <a:ea typeface="a라이트" panose="02020600000000000000" pitchFamily="18" charset="-127"/>
+              </a:rPr>
+              <a:t>탐지</a:t>
+            </a:r>
+          </a:p>
+        </p:txBody>
+      </p:sp>
+      <p:sp>
+        <p:nvSpPr>
+          <p:cNvPr id="3" name="직사각형 2">
+            <a:extLst>
+              <a:ext uri="{FF2B5EF4-FFF2-40B4-BE49-F238E27FC236}">
+                <a16:creationId xmlns:a16="http://schemas.microsoft.com/office/drawing/2014/main" id="{7E76BD57-4610-B799-8D8A-119B66BA4B33}"/>
               </a:ext>
             </a:extLst>
           </p:cNvPr>
@@ -12178,14 +12498,14 @@
         </p:nvSpPr>
         <p:spPr>
           <a:xfrm>
-            <a:off x="8530282" y="5353217"/>
-            <a:ext cx="173854" cy="359664"/>
+            <a:off x="7060663" y="3687321"/>
+            <a:ext cx="181270" cy="359664"/>
           </a:xfrm>
           <a:prstGeom prst="rect">
             <a:avLst/>
           </a:prstGeom>
           <a:solidFill>
-            <a:srgbClr val="0070C0"/>
+            <a:srgbClr val="7030A0"/>
           </a:solidFill>
           <a:ln>
             <a:noFill/>
@@ -12218,10 +12538,64 @@
       </p:sp>
       <p:sp>
         <p:nvSpPr>
-          <p:cNvPr id="25" name="타원 24">
+          <p:cNvPr id="4" name="TextBox 7">
             <a:extLst>
               <a:ext uri="{FF2B5EF4-FFF2-40B4-BE49-F238E27FC236}">
-                <a16:creationId xmlns:a16="http://schemas.microsoft.com/office/drawing/2014/main" id="{4C0B4B7D-55E4-4101-86FB-5CE485103802}"/>
+                <a16:creationId xmlns:a16="http://schemas.microsoft.com/office/drawing/2014/main" id="{1872F4B9-F6EC-1EAF-CD74-6A944D5BF233}"/>
+              </a:ext>
+            </a:extLst>
+          </p:cNvPr>
+          <p:cNvSpPr txBox="1"/>
+          <p:nvPr/>
+        </p:nvSpPr>
+        <p:spPr>
+          <a:xfrm>
+            <a:off x="7259989" y="4085598"/>
+            <a:ext cx="2699314" cy="369332"/>
+          </a:xfrm>
+          <a:prstGeom prst="rect">
+            <a:avLst/>
+          </a:prstGeom>
+          <a:noFill/>
+        </p:spPr>
+        <p:txBody>
+          <a:bodyPr wrap="square">
+            <a:spAutoFit/>
+          </a:bodyPr>
+          <a:lstStyle/>
+          <a:p>
+            <a:pPr>
+              <a:defRPr/>
+            </a:pPr>
+            <a:r>
+              <a:rPr lang="en-US" altLang="ko-KR" b="1" dirty="0">
+                <a:solidFill>
+                  <a:schemeClr val="lt1"/>
+                </a:solidFill>
+                <a:latin typeface="a라이트" panose="02020600000000000000" pitchFamily="18" charset="-127"/>
+                <a:ea typeface="a라이트" panose="02020600000000000000" pitchFamily="18" charset="-127"/>
+              </a:rPr>
+              <a:t>G		  -    </a:t>
+            </a:r>
+            <a:r>
+              <a:rPr lang="ko-KR" altLang="en-US" b="1" dirty="0">
+                <a:solidFill>
+                  <a:schemeClr val="lt1"/>
+                </a:solidFill>
+                <a:latin typeface="a라이트" panose="02020600000000000000" pitchFamily="18" charset="-127"/>
+                <a:ea typeface="a라이트" panose="02020600000000000000" pitchFamily="18" charset="-127"/>
+              </a:rPr>
+              <a:t>스킬 사용</a:t>
+            </a:r>
+          </a:p>
+        </p:txBody>
+      </p:sp>
+      <p:sp>
+        <p:nvSpPr>
+          <p:cNvPr id="5" name="직사각형 4">
+            <a:extLst>
+              <a:ext uri="{FF2B5EF4-FFF2-40B4-BE49-F238E27FC236}">
+                <a16:creationId xmlns:a16="http://schemas.microsoft.com/office/drawing/2014/main" id="{BAED2C7D-806E-B3A7-423E-C0AB10A89737}"/>
               </a:ext>
             </a:extLst>
           </p:cNvPr>
@@ -12230,16 +12604,14 @@
         </p:nvSpPr>
         <p:spPr>
           <a:xfrm>
-            <a:off x="9806109" y="2278470"/>
-            <a:ext cx="335349" cy="335349"/>
+            <a:off x="7067837" y="4143193"/>
+            <a:ext cx="181270" cy="359664"/>
           </a:xfrm>
-          <a:prstGeom prst="ellipse">
+          <a:prstGeom prst="rect">
             <a:avLst/>
           </a:prstGeom>
           <a:solidFill>
-            <a:srgbClr val="FF0000">
-              <a:alpha val="51000"/>
-            </a:srgbClr>
+            <a:srgbClr val="7030A0"/>
           </a:solidFill>
           <a:ln>
             <a:noFill/>
@@ -12262,65 +12634,11 @@
           </a:fontRef>
         </p:style>
         <p:txBody>
-          <a:bodyPr rtlCol="0" anchor="ctr"/>
+          <a:bodyPr rtlCol="0" anchor="b"/>
           <a:lstStyle/>
           <a:p>
-            <a:pPr algn="ctr"/>
-            <a:endParaRPr lang="ko-KR" altLang="en-US" dirty="0"/>
-          </a:p>
-        </p:txBody>
-      </p:sp>
-      <p:sp>
-        <p:nvSpPr>
-          <p:cNvPr id="46" name="타원 45">
-            <a:extLst>
-              <a:ext uri="{FF2B5EF4-FFF2-40B4-BE49-F238E27FC236}">
-                <a16:creationId xmlns:a16="http://schemas.microsoft.com/office/drawing/2014/main" id="{44F047CD-5AA3-42D5-9A8E-A889EC6CF812}"/>
-              </a:ext>
-            </a:extLst>
-          </p:cNvPr>
-          <p:cNvSpPr/>
-          <p:nvPr/>
-        </p:nvSpPr>
-        <p:spPr>
-          <a:xfrm>
-            <a:off x="10342476" y="2278470"/>
-            <a:ext cx="335349" cy="335349"/>
-          </a:xfrm>
-          <a:prstGeom prst="ellipse">
-            <a:avLst/>
-          </a:prstGeom>
-          <a:solidFill>
-            <a:srgbClr val="0070C0">
-              <a:alpha val="59000"/>
-            </a:srgbClr>
-          </a:solidFill>
-          <a:ln>
-            <a:noFill/>
-          </a:ln>
-        </p:spPr>
-        <p:style>
-          <a:lnRef idx="2">
-            <a:schemeClr val="accent1">
-              <a:shade val="50000"/>
-            </a:schemeClr>
-          </a:lnRef>
-          <a:fillRef idx="1">
-            <a:schemeClr val="accent1"/>
-          </a:fillRef>
-          <a:effectRef idx="0">
-            <a:schemeClr val="accent1"/>
-          </a:effectRef>
-          <a:fontRef idx="minor">
-            <a:schemeClr val="lt1"/>
-          </a:fontRef>
-        </p:style>
-        <p:txBody>
-          <a:bodyPr rtlCol="0" anchor="ctr"/>
-          <a:lstStyle/>
-          <a:p>
-            <a:pPr algn="ctr"/>
-            <a:endParaRPr lang="ko-KR" altLang="en-US" dirty="0"/>
+            <a:pPr algn="dist"/>
+            <a:endParaRPr lang="ko-KR" altLang="en-US"/>
           </a:p>
         </p:txBody>
       </p:sp>
@@ -12754,7 +13072,7 @@
         </p:nvSpPr>
         <p:spPr>
           <a:xfrm>
-            <a:off x="4148370" y="2147032"/>
+            <a:off x="1853405" y="1950155"/>
             <a:ext cx="2011352" cy="400110"/>
           </a:xfrm>
           <a:prstGeom prst="rect">
@@ -12798,7 +13116,7 @@
         </p:nvSpPr>
         <p:spPr>
           <a:xfrm>
-            <a:off x="3519551" y="2711205"/>
+            <a:off x="1224586" y="2514328"/>
             <a:ext cx="3132583" cy="584775"/>
           </a:xfrm>
           <a:prstGeom prst="rect">
@@ -12903,7 +13221,7 @@
         </p:nvSpPr>
         <p:spPr>
           <a:xfrm>
-            <a:off x="4011965" y="4507735"/>
+            <a:off x="8190838" y="1703130"/>
             <a:ext cx="2147757" cy="707886"/>
           </a:xfrm>
           <a:prstGeom prst="rect">
@@ -12977,7 +13295,7 @@
         </p:nvSpPr>
         <p:spPr>
           <a:xfrm>
-            <a:off x="3519552" y="5402608"/>
+            <a:off x="7698425" y="2598003"/>
             <a:ext cx="3132583" cy="830997"/>
           </a:xfrm>
           <a:prstGeom prst="rect">
@@ -13089,7 +13407,7 @@
         </p:nvSpPr>
         <p:spPr>
           <a:xfrm>
-            <a:off x="8672450" y="3228945"/>
+            <a:off x="4890556" y="4502857"/>
             <a:ext cx="1665868" cy="400110"/>
           </a:xfrm>
           <a:prstGeom prst="rect">
@@ -13133,7 +13451,7 @@
         </p:nvSpPr>
         <p:spPr>
           <a:xfrm>
-            <a:off x="7700088" y="3850574"/>
+            <a:off x="3918194" y="5124486"/>
             <a:ext cx="3664597" cy="1077218"/>
           </a:xfrm>
           <a:prstGeom prst="rect">
@@ -13209,78 +13527,6 @@
           </a:p>
         </p:txBody>
       </p:sp>
-      <p:pic>
-        <p:nvPicPr>
-          <p:cNvPr id="19" name="그림 18">
-            <a:extLst>
-              <a:ext uri="{FF2B5EF4-FFF2-40B4-BE49-F238E27FC236}">
-                <a16:creationId xmlns:a16="http://schemas.microsoft.com/office/drawing/2014/main" id="{F70DE05D-B8CF-420B-A8B4-BBB69652A58F}"/>
-              </a:ext>
-            </a:extLst>
-          </p:cNvPr>
-          <p:cNvPicPr>
-            <a:picLocks noChangeAspect="1"/>
-          </p:cNvPicPr>
-          <p:nvPr/>
-        </p:nvPicPr>
-        <p:blipFill rotWithShape="1">
-          <a:blip r:embed="rId2"/>
-          <a:stretch>
-            <a:fillRect/>
-          </a:stretch>
-        </p:blipFill>
-        <p:spPr>
-          <a:xfrm>
-            <a:off x="843397" y="1888983"/>
-            <a:ext cx="2405731" cy="1771378"/>
-          </a:xfrm>
-          <a:prstGeom prst="rect">
-            <a:avLst/>
-          </a:prstGeom>
-        </p:spPr>
-      </p:pic>
-      <p:pic>
-        <p:nvPicPr>
-          <p:cNvPr id="20" name="그림 19">
-            <a:extLst>
-              <a:ext uri="{FF2B5EF4-FFF2-40B4-BE49-F238E27FC236}">
-                <a16:creationId xmlns:a16="http://schemas.microsoft.com/office/drawing/2014/main" id="{B44593C2-25BD-4514-90CE-2F2D422446DB}"/>
-              </a:ext>
-            </a:extLst>
-          </p:cNvPr>
-          <p:cNvPicPr>
-            <a:picLocks noChangeAspect="1"/>
-          </p:cNvPicPr>
-          <p:nvPr/>
-        </p:nvPicPr>
-        <p:blipFill rotWithShape="1">
-          <a:blip r:embed="rId3">
-            <a:extLst>
-              <a:ext uri="{BEBA8EAE-BF5A-486C-A8C5-ECC9F3942E4B}">
-                <a14:imgProps xmlns:a14="http://schemas.microsoft.com/office/drawing/2010/main">
-                  <a14:imgLayer r:embed="rId4">
-                    <a14:imgEffect>
-                      <a14:backgroundRemoval t="10000" b="90000" l="10000" r="90000"/>
-                    </a14:imgEffect>
-                  </a14:imgLayer>
-                </a14:imgProps>
-              </a:ext>
-            </a:extLst>
-          </a:blip>
-          <a:stretch>
-            <a:fillRect/>
-          </a:stretch>
-        </p:blipFill>
-        <p:spPr>
-          <a:xfrm>
-            <a:off x="510134" y="4264211"/>
-            <a:ext cx="3009418" cy="1969394"/>
-          </a:xfrm>
-          <a:prstGeom prst="rect">
-            <a:avLst/>
-          </a:prstGeom>
-        </p:spPr>
-      </p:pic>
     </p:spTree>
     <p:extLst>
       <p:ext uri="{BB962C8B-B14F-4D97-AF65-F5344CB8AC3E}">
@@ -14459,7 +14705,21 @@
                 <a:latin typeface="a피라미드" panose="02020600000000000000" pitchFamily="18" charset="-127"/>
                 <a:ea typeface="a피라미드" panose="02020600000000000000" pitchFamily="18" charset="-127"/>
               </a:rPr>
-              <a:t>개발 내용</a:t>
+              <a:t>개발 내용 </a:t>
+            </a:r>
+            <a:r>
+              <a:rPr lang="en-US" altLang="ko-KR" sz="3600" spc="300" dirty="0">
+                <a:latin typeface="a피라미드" panose="02020600000000000000" pitchFamily="18" charset="-127"/>
+                <a:ea typeface="a피라미드" panose="02020600000000000000" pitchFamily="18" charset="-127"/>
+              </a:rPr>
+              <a:t>- </a:t>
+            </a:r>
+            <a:r>
+              <a:rPr lang="ko-KR" altLang="en-US" sz="3600" spc="300" dirty="0" err="1">
+                <a:latin typeface="a피라미드" panose="02020600000000000000" pitchFamily="18" charset="-127"/>
+                <a:ea typeface="a피라미드" panose="02020600000000000000" pitchFamily="18" charset="-127"/>
+              </a:rPr>
+              <a:t>모핑</a:t>
             </a:r>
             <a:endParaRPr lang="es-ES" sz="3600" spc="300" dirty="0">
               <a:latin typeface="a피라미드" panose="02020600000000000000" pitchFamily="18" charset="-127"/>
@@ -14524,6 +14784,251 @@
           </a:fontRef>
         </p:style>
       </p:cxnSp>
+      <p:pic>
+        <p:nvPicPr>
+          <p:cNvPr id="2" name="그림 1">
+            <a:extLst>
+              <a:ext uri="{FF2B5EF4-FFF2-40B4-BE49-F238E27FC236}">
+                <a16:creationId xmlns:a16="http://schemas.microsoft.com/office/drawing/2014/main" id="{F49EF9C2-6346-2518-69C7-1035E63F98C6}"/>
+              </a:ext>
+            </a:extLst>
+          </p:cNvPr>
+          <p:cNvPicPr>
+            <a:picLocks noChangeAspect="1"/>
+          </p:cNvPicPr>
+          <p:nvPr/>
+        </p:nvPicPr>
+        <p:blipFill>
+          <a:blip r:embed="rId2">
+            <a:extLst>
+              <a:ext uri="{28A0092B-C50C-407E-A947-70E740481C1C}">
+                <a14:useLocalDpi xmlns:a14="http://schemas.microsoft.com/office/drawing/2010/main" val="0"/>
+              </a:ext>
+            </a:extLst>
+          </a:blip>
+          <a:srcRect l="7563" r="7563"/>
+          <a:stretch/>
+        </p:blipFill>
+        <p:spPr>
+          <a:xfrm>
+            <a:off x="3998069" y="700391"/>
+            <a:ext cx="5019472" cy="5233481"/>
+          </a:xfrm>
+          <a:custGeom>
+            <a:avLst/>
+            <a:gdLst/>
+            <a:ahLst/>
+            <a:cxnLst/>
+            <a:rect l="l" t="t" r="r" b="b"/>
+            <a:pathLst>
+              <a:path w="4627646" h="4627648">
+                <a:moveTo>
+                  <a:pt x="2313823" y="0"/>
+                </a:moveTo>
+                <a:cubicBezTo>
+                  <a:pt x="3591712" y="0"/>
+                  <a:pt x="4627646" y="1035934"/>
+                  <a:pt x="4627646" y="2313824"/>
+                </a:cubicBezTo>
+                <a:cubicBezTo>
+                  <a:pt x="4627646" y="3591714"/>
+                  <a:pt x="3591712" y="4627648"/>
+                  <a:pt x="2313823" y="4627648"/>
+                </a:cubicBezTo>
+                <a:cubicBezTo>
+                  <a:pt x="1035934" y="4627648"/>
+                  <a:pt x="0" y="3591714"/>
+                  <a:pt x="0" y="2313824"/>
+                </a:cubicBezTo>
+                <a:cubicBezTo>
+                  <a:pt x="0" y="1035934"/>
+                  <a:pt x="1035934" y="0"/>
+                  <a:pt x="2313823" y="0"/>
+                </a:cubicBezTo>
+                <a:close/>
+              </a:path>
+            </a:pathLst>
+          </a:custGeom>
+        </p:spPr>
+      </p:pic>
+      <p:pic>
+        <p:nvPicPr>
+          <p:cNvPr id="3" name="그림 2">
+            <a:extLst>
+              <a:ext uri="{FF2B5EF4-FFF2-40B4-BE49-F238E27FC236}">
+                <a16:creationId xmlns:a16="http://schemas.microsoft.com/office/drawing/2014/main" id="{18DF92CF-84F4-A6D3-B956-FD6D939338A7}"/>
+              </a:ext>
+            </a:extLst>
+          </p:cNvPr>
+          <p:cNvPicPr>
+            <a:picLocks noChangeAspect="1"/>
+          </p:cNvPicPr>
+          <p:nvPr/>
+        </p:nvPicPr>
+        <p:blipFill>
+          <a:blip r:embed="rId3">
+            <a:extLst>
+              <a:ext uri="{28A0092B-C50C-407E-A947-70E740481C1C}">
+                <a14:useLocalDpi xmlns:a14="http://schemas.microsoft.com/office/drawing/2010/main" val="0"/>
+              </a:ext>
+            </a:extLst>
+          </a:blip>
+          <a:srcRect l="2755" r="2755"/>
+          <a:stretch/>
+        </p:blipFill>
+        <p:spPr>
+          <a:xfrm>
+            <a:off x="359923" y="1484189"/>
+            <a:ext cx="3806458" cy="3889622"/>
+          </a:xfrm>
+          <a:custGeom>
+            <a:avLst/>
+            <a:gdLst/>
+            <a:ahLst/>
+            <a:cxnLst/>
+            <a:rect l="l" t="t" r="r" b="b"/>
+            <a:pathLst>
+              <a:path w="2590737" h="2926956">
+                <a:moveTo>
+                  <a:pt x="1463478" y="0"/>
+                </a:moveTo>
+                <a:cubicBezTo>
+                  <a:pt x="1867606" y="0"/>
+                  <a:pt x="2233476" y="163805"/>
+                  <a:pt x="2498313" y="428643"/>
+                </a:cubicBezTo>
+                <a:lnTo>
+                  <a:pt x="2501029" y="431631"/>
+                </a:lnTo>
+                <a:lnTo>
+                  <a:pt x="2445696" y="582811"/>
+                </a:lnTo>
+                <a:cubicBezTo>
+                  <a:pt x="2374039" y="813196"/>
+                  <a:pt x="2335437" y="1058145"/>
+                  <a:pt x="2335437" y="1312109"/>
+                </a:cubicBezTo>
+                <a:cubicBezTo>
+                  <a:pt x="2335437" y="1650728"/>
+                  <a:pt x="2404063" y="1973319"/>
+                  <a:pt x="2528166" y="2266732"/>
+                </a:cubicBezTo>
+                <a:lnTo>
+                  <a:pt x="2590737" y="2396622"/>
+                </a:lnTo>
+                <a:lnTo>
+                  <a:pt x="2498313" y="2498313"/>
+                </a:lnTo>
+                <a:cubicBezTo>
+                  <a:pt x="2233476" y="2763151"/>
+                  <a:pt x="1867606" y="2926956"/>
+                  <a:pt x="1463478" y="2926956"/>
+                </a:cubicBezTo>
+                <a:cubicBezTo>
+                  <a:pt x="655221" y="2926956"/>
+                  <a:pt x="0" y="2271735"/>
+                  <a:pt x="0" y="1463478"/>
+                </a:cubicBezTo>
+                <a:cubicBezTo>
+                  <a:pt x="0" y="655221"/>
+                  <a:pt x="655221" y="0"/>
+                  <a:pt x="1463478" y="0"/>
+                </a:cubicBezTo>
+                <a:close/>
+              </a:path>
+            </a:pathLst>
+          </a:custGeom>
+        </p:spPr>
+      </p:pic>
+      <p:pic>
+        <p:nvPicPr>
+          <p:cNvPr id="4" name="그림 3">
+            <a:extLst>
+              <a:ext uri="{FF2B5EF4-FFF2-40B4-BE49-F238E27FC236}">
+                <a16:creationId xmlns:a16="http://schemas.microsoft.com/office/drawing/2014/main" id="{2B5B61E0-9CD6-D787-F31A-D20D7EDA5A70}"/>
+              </a:ext>
+            </a:extLst>
+          </p:cNvPr>
+          <p:cNvPicPr>
+            <a:picLocks noChangeAspect="1"/>
+          </p:cNvPicPr>
+          <p:nvPr/>
+        </p:nvPicPr>
+        <p:blipFill rotWithShape="1">
+          <a:blip r:embed="rId4">
+            <a:extLst>
+              <a:ext uri="{28A0092B-C50C-407E-A947-70E740481C1C}">
+                <a14:useLocalDpi xmlns:a14="http://schemas.microsoft.com/office/drawing/2010/main" val="0"/>
+              </a:ext>
+            </a:extLst>
+          </a:blip>
+          <a:srcRect l="10966" r="6932" b="-5"/>
+          <a:stretch/>
+        </p:blipFill>
+        <p:spPr>
+          <a:xfrm>
+            <a:off x="8940020" y="1484189"/>
+            <a:ext cx="3034729" cy="3889622"/>
+          </a:xfrm>
+          <a:custGeom>
+            <a:avLst/>
+            <a:gdLst/>
+            <a:ahLst/>
+            <a:cxnLst/>
+            <a:rect l="l" t="t" r="r" b="b"/>
+            <a:pathLst>
+              <a:path w="2577829" h="2926956">
+                <a:moveTo>
+                  <a:pt x="1114351" y="0"/>
+                </a:moveTo>
+                <a:cubicBezTo>
+                  <a:pt x="1922608" y="0"/>
+                  <a:pt x="2577829" y="655221"/>
+                  <a:pt x="2577829" y="1463478"/>
+                </a:cubicBezTo>
+                <a:cubicBezTo>
+                  <a:pt x="2577829" y="2271735"/>
+                  <a:pt x="1922608" y="2926956"/>
+                  <a:pt x="1114351" y="2926956"/>
+                </a:cubicBezTo>
+                <a:cubicBezTo>
+                  <a:pt x="710223" y="2926956"/>
+                  <a:pt x="344353" y="2763151"/>
+                  <a:pt x="79516" y="2498313"/>
+                </a:cubicBezTo>
+                <a:lnTo>
+                  <a:pt x="0" y="2410824"/>
+                </a:lnTo>
+                <a:lnTo>
+                  <a:pt x="69413" y="2266732"/>
+                </a:lnTo>
+                <a:cubicBezTo>
+                  <a:pt x="193516" y="1973319"/>
+                  <a:pt x="262142" y="1650728"/>
+                  <a:pt x="262142" y="1312109"/>
+                </a:cubicBezTo>
+                <a:cubicBezTo>
+                  <a:pt x="262142" y="1058145"/>
+                  <a:pt x="223540" y="813196"/>
+                  <a:pt x="151883" y="582811"/>
+                </a:cubicBezTo>
+                <a:lnTo>
+                  <a:pt x="91478" y="417771"/>
+                </a:lnTo>
+                <a:lnTo>
+                  <a:pt x="183443" y="334187"/>
+                </a:lnTo>
+                <a:cubicBezTo>
+                  <a:pt x="436418" y="125413"/>
+                  <a:pt x="760739" y="0"/>
+                  <a:pt x="1114351" y="0"/>
+                </a:cubicBezTo>
+                <a:close/>
+              </a:path>
+            </a:pathLst>
+          </a:custGeom>
+        </p:spPr>
+      </p:pic>
     </p:spTree>
     <p:extLst>
       <p:ext uri="{BB962C8B-B14F-4D97-AF65-F5344CB8AC3E}">
@@ -14875,7 +15380,21 @@
                 <a:latin typeface="a피라미드" panose="02020600000000000000" pitchFamily="18" charset="-127"/>
                 <a:ea typeface="a피라미드" panose="02020600000000000000" pitchFamily="18" charset="-127"/>
               </a:rPr>
-              <a:t>개발 내용</a:t>
+              <a:t>개발 내용 </a:t>
+            </a:r>
+            <a:r>
+              <a:rPr lang="en-US" altLang="ko-KR" sz="3600" spc="300" dirty="0">
+                <a:latin typeface="a피라미드" panose="02020600000000000000" pitchFamily="18" charset="-127"/>
+                <a:ea typeface="a피라미드" panose="02020600000000000000" pitchFamily="18" charset="-127"/>
+              </a:rPr>
+              <a:t>- </a:t>
+            </a:r>
+            <a:r>
+              <a:rPr lang="ko-KR" altLang="en-US" sz="3600" spc="300" dirty="0" err="1">
+                <a:latin typeface="a피라미드" panose="02020600000000000000" pitchFamily="18" charset="-127"/>
+                <a:ea typeface="a피라미드" panose="02020600000000000000" pitchFamily="18" charset="-127"/>
+              </a:rPr>
+              <a:t>모핑</a:t>
             </a:r>
             <a:endParaRPr lang="es-ES" sz="3600" spc="300" dirty="0">
               <a:latin typeface="a피라미드" panose="02020600000000000000" pitchFamily="18" charset="-127"/>
@@ -14940,10 +15459,504 @@
           </a:fontRef>
         </p:style>
       </p:cxnSp>
+      <p:sp>
+        <p:nvSpPr>
+          <p:cNvPr id="5" name="TextBox 4">
+            <a:extLst>
+              <a:ext uri="{FF2B5EF4-FFF2-40B4-BE49-F238E27FC236}">
+                <a16:creationId xmlns:a16="http://schemas.microsoft.com/office/drawing/2014/main" id="{E12F4179-5A70-0717-75B3-A6D346A46380}"/>
+              </a:ext>
+            </a:extLst>
+          </p:cNvPr>
+          <p:cNvSpPr txBox="1"/>
+          <p:nvPr/>
+        </p:nvSpPr>
+        <p:spPr>
+          <a:xfrm>
+            <a:off x="666161" y="1210765"/>
+            <a:ext cx="10859678" cy="5355312"/>
+          </a:xfrm>
+          <a:prstGeom prst="rect">
+            <a:avLst/>
+          </a:prstGeom>
+          <a:noFill/>
+        </p:spPr>
+        <p:txBody>
+          <a:bodyPr wrap="square" rtlCol="0">
+            <a:spAutoFit/>
+          </a:bodyPr>
+          <a:lstStyle/>
+          <a:p>
+            <a:r>
+              <a:rPr lang="ko-KR" altLang="en-US" dirty="0"/>
+              <a:t>처음 결과는 생각과 달랐다</a:t>
+            </a:r>
+            <a:r>
+              <a:rPr lang="en-US" altLang="ko-KR" dirty="0"/>
+              <a:t>.</a:t>
+            </a:r>
+          </a:p>
+          <a:p>
+            <a:endParaRPr lang="en-US" altLang="ko-KR" dirty="0"/>
+          </a:p>
+          <a:p>
+            <a:r>
+              <a:rPr lang="ko-KR" altLang="en-US" dirty="0"/>
+              <a:t>일단 삼각형을 이루는 </a:t>
+            </a:r>
+            <a:r>
+              <a:rPr lang="ko-KR" altLang="en-US" dirty="0" err="1"/>
+              <a:t>버텍스들이</a:t>
+            </a:r>
+            <a:r>
+              <a:rPr lang="ko-KR" altLang="en-US" dirty="0"/>
+              <a:t> 서로 매칭이 </a:t>
+            </a:r>
+            <a:r>
+              <a:rPr lang="ko-KR" altLang="en-US" dirty="0" err="1"/>
+              <a:t>잘안된</a:t>
+            </a:r>
+            <a:r>
+              <a:rPr lang="ko-KR" altLang="en-US" dirty="0"/>
+              <a:t> </a:t>
+            </a:r>
+            <a:r>
+              <a:rPr lang="ko-KR" altLang="en-US" dirty="0" err="1"/>
+              <a:t>상태고</a:t>
+            </a:r>
+            <a:r>
+              <a:rPr lang="en-US" altLang="ko-KR" dirty="0"/>
+              <a:t>,</a:t>
+            </a:r>
+          </a:p>
+          <a:p>
+            <a:r>
+              <a:rPr lang="ko-KR" altLang="en-US" dirty="0"/>
+              <a:t>기본적으로 두개의 정보는 </a:t>
+            </a:r>
+            <a:r>
+              <a:rPr lang="ko-KR" altLang="en-US" dirty="0" err="1"/>
+              <a:t>버텍스가</a:t>
+            </a:r>
+            <a:r>
+              <a:rPr lang="ko-KR" altLang="en-US" dirty="0"/>
+              <a:t> 달랐다</a:t>
+            </a:r>
+            <a:r>
+              <a:rPr lang="en-US" altLang="ko-KR" dirty="0"/>
+              <a:t>.</a:t>
+            </a:r>
+          </a:p>
+          <a:p>
+            <a:endParaRPr lang="en-US" altLang="ko-KR" dirty="0"/>
+          </a:p>
+          <a:p>
+            <a:r>
+              <a:rPr lang="ko-KR" altLang="en-US" dirty="0"/>
+              <a:t>해결방안은 우선</a:t>
+            </a:r>
+            <a:endParaRPr lang="en-US" altLang="ko-KR" dirty="0"/>
+          </a:p>
+          <a:p>
+            <a:endParaRPr lang="en-US" altLang="ko-KR" dirty="0"/>
+          </a:p>
+          <a:p>
+            <a:pPr marL="342900" indent="-342900">
+              <a:buAutoNum type="arabicPeriod"/>
+            </a:pPr>
+            <a:r>
+              <a:rPr lang="en-US" altLang="ko-KR" dirty="0"/>
+              <a:t>Tri(</a:t>
+            </a:r>
+            <a:r>
+              <a:rPr lang="en-US" altLang="ko-KR" b="0" i="0" dirty="0">
+                <a:effectLst/>
+                <a:latin typeface="나눔고딕" pitchFamily="2" charset="-127"/>
+                <a:ea typeface="나눔고딕" pitchFamily="2" charset="-127"/>
+              </a:rPr>
+              <a:t>indices)</a:t>
+            </a:r>
+            <a:r>
+              <a:rPr lang="ko-KR" altLang="en-US" b="0" i="0" dirty="0">
+                <a:effectLst/>
+                <a:latin typeface="나눔고딕" pitchFamily="2" charset="-127"/>
+                <a:ea typeface="나눔고딕" pitchFamily="2" charset="-127"/>
+              </a:rPr>
+              <a:t>의</a:t>
+            </a:r>
+            <a:r>
+              <a:rPr lang="en-US" altLang="ko-KR" b="0" i="0" dirty="0">
+                <a:effectLst/>
+                <a:latin typeface="나눔고딕" pitchFamily="2" charset="-127"/>
+                <a:ea typeface="나눔고딕" pitchFamily="2" charset="-127"/>
+              </a:rPr>
+              <a:t> </a:t>
+            </a:r>
+            <a:r>
+              <a:rPr lang="ko-KR" altLang="en-US" b="0" i="0" dirty="0">
+                <a:effectLst/>
+                <a:latin typeface="나눔고딕" pitchFamily="2" charset="-127"/>
+                <a:ea typeface="나눔고딕" pitchFamily="2" charset="-127"/>
+              </a:rPr>
+              <a:t>정보를 기준으로 나머지 정보들을 통일 시켜주는 방법을 선택했다</a:t>
+            </a:r>
+            <a:r>
+              <a:rPr lang="en-US" altLang="ko-KR" b="0" i="0" dirty="0">
+                <a:effectLst/>
+                <a:latin typeface="나눔고딕" pitchFamily="2" charset="-127"/>
+                <a:ea typeface="나눔고딕" pitchFamily="2" charset="-127"/>
+              </a:rPr>
+              <a:t>. </a:t>
+            </a:r>
+            <a:r>
+              <a:rPr lang="ko-KR" altLang="en-US" b="0" i="0" dirty="0">
+                <a:effectLst/>
+                <a:latin typeface="나눔고딕" pitchFamily="2" charset="-127"/>
+                <a:ea typeface="나눔고딕" pitchFamily="2" charset="-127"/>
+              </a:rPr>
+              <a:t>이러면 </a:t>
+            </a:r>
+            <a:r>
+              <a:rPr lang="en-US" altLang="ko-KR" b="0" i="0" dirty="0">
+                <a:effectLst/>
+                <a:latin typeface="나눔고딕" pitchFamily="2" charset="-127"/>
+                <a:ea typeface="나눔고딕" pitchFamily="2" charset="-127"/>
+              </a:rPr>
+              <a:t>vertex, </a:t>
+            </a:r>
+            <a:r>
+              <a:rPr lang="en-US" altLang="ko-KR" b="0" i="0" dirty="0" err="1">
+                <a:effectLst/>
+                <a:latin typeface="나눔고딕" pitchFamily="2" charset="-127"/>
+                <a:ea typeface="나눔고딕" pitchFamily="2" charset="-127"/>
+              </a:rPr>
+              <a:t>nomal,uvs</a:t>
+            </a:r>
+            <a:r>
+              <a:rPr lang="en-US" altLang="ko-KR" b="0" i="0" dirty="0">
+                <a:effectLst/>
+                <a:latin typeface="나눔고딕" pitchFamily="2" charset="-127"/>
+                <a:ea typeface="나눔고딕" pitchFamily="2" charset="-127"/>
+              </a:rPr>
+              <a:t> </a:t>
+            </a:r>
+            <a:r>
+              <a:rPr lang="ko-KR" altLang="en-US" b="0" i="0" dirty="0">
+                <a:effectLst/>
+                <a:latin typeface="나눔고딕" pitchFamily="2" charset="-127"/>
+                <a:ea typeface="나눔고딕" pitchFamily="2" charset="-127"/>
+              </a:rPr>
+              <a:t>등등 정보들이 중복된 정보가 배열 또 들어가서 개수가 해당 </a:t>
+            </a:r>
+            <a:r>
+              <a:rPr lang="ko-KR" altLang="en-US" b="0" i="0" dirty="0" err="1">
+                <a:effectLst/>
+                <a:latin typeface="나눔고딕" pitchFamily="2" charset="-127"/>
+                <a:ea typeface="나눔고딕" pitchFamily="2" charset="-127"/>
+              </a:rPr>
+              <a:t>메쉬의</a:t>
+            </a:r>
+            <a:r>
+              <a:rPr lang="ko-KR" altLang="en-US" b="0" i="0" dirty="0">
+                <a:effectLst/>
+                <a:latin typeface="나눔고딕" pitchFamily="2" charset="-127"/>
+                <a:ea typeface="나눔고딕" pitchFamily="2" charset="-127"/>
+              </a:rPr>
+              <a:t> </a:t>
+            </a:r>
+            <a:r>
+              <a:rPr lang="ko-KR" altLang="en-US" b="0" i="0" dirty="0" err="1">
+                <a:effectLst/>
+                <a:latin typeface="나눔고딕" pitchFamily="2" charset="-127"/>
+                <a:ea typeface="나눔고딕" pitchFamily="2" charset="-127"/>
+              </a:rPr>
+              <a:t>삼격형수</a:t>
+            </a:r>
+            <a:r>
+              <a:rPr lang="en-US" altLang="ko-KR" b="0" i="0" dirty="0">
+                <a:effectLst/>
+                <a:latin typeface="나눔고딕" pitchFamily="2" charset="-127"/>
+                <a:ea typeface="나눔고딕" pitchFamily="2" charset="-127"/>
+              </a:rPr>
+              <a:t>X3</a:t>
+            </a:r>
+            <a:r>
+              <a:rPr lang="ko-KR" altLang="en-US" b="0" i="0" dirty="0">
+                <a:effectLst/>
+                <a:latin typeface="나눔고딕" pitchFamily="2" charset="-127"/>
+                <a:ea typeface="나눔고딕" pitchFamily="2" charset="-127"/>
+              </a:rPr>
+              <a:t>으로 늘어나지만 </a:t>
+            </a:r>
+            <a:r>
+              <a:rPr lang="en-US" altLang="ko-KR" b="0" i="0" dirty="0">
+                <a:effectLst/>
+                <a:latin typeface="나눔고딕" pitchFamily="2" charset="-127"/>
+                <a:ea typeface="나눔고딕" pitchFamily="2" charset="-127"/>
+              </a:rPr>
+              <a:t>2</a:t>
+            </a:r>
+            <a:r>
+              <a:rPr lang="ko-KR" altLang="en-US" b="0" i="0" dirty="0">
+                <a:effectLst/>
+                <a:latin typeface="나눔고딕" pitchFamily="2" charset="-127"/>
+                <a:ea typeface="나눔고딕" pitchFamily="2" charset="-127"/>
+              </a:rPr>
+              <a:t>개의 </a:t>
+            </a:r>
+            <a:r>
+              <a:rPr lang="ko-KR" altLang="en-US" b="0" i="0" dirty="0" err="1">
+                <a:effectLst/>
+                <a:latin typeface="나눔고딕" pitchFamily="2" charset="-127"/>
+                <a:ea typeface="나눔고딕" pitchFamily="2" charset="-127"/>
+              </a:rPr>
+              <a:t>메쉬의</a:t>
+            </a:r>
+            <a:r>
+              <a:rPr lang="ko-KR" altLang="en-US" b="0" i="0" dirty="0">
+                <a:effectLst/>
+                <a:latin typeface="나눔고딕" pitchFamily="2" charset="-127"/>
+                <a:ea typeface="나눔고딕" pitchFamily="2" charset="-127"/>
+              </a:rPr>
+              <a:t> 각 정보들은 </a:t>
+            </a:r>
+            <a:r>
+              <a:rPr lang="en-US" altLang="ko-KR" dirty="0"/>
+              <a:t>Tri(</a:t>
+            </a:r>
+            <a:r>
+              <a:rPr lang="en-US" altLang="ko-KR" b="0" i="0" dirty="0">
+                <a:effectLst/>
+                <a:latin typeface="나눔고딕" pitchFamily="2" charset="-127"/>
+                <a:ea typeface="나눔고딕" pitchFamily="2" charset="-127"/>
+              </a:rPr>
+              <a:t>indices)</a:t>
+            </a:r>
+            <a:r>
+              <a:rPr lang="ko-KR" altLang="en-US" b="0" i="0" dirty="0">
+                <a:effectLst/>
+                <a:latin typeface="나눔고딕" pitchFamily="2" charset="-127"/>
+                <a:ea typeface="나눔고딕" pitchFamily="2" charset="-127"/>
+              </a:rPr>
+              <a:t>의 정보를 기준으로 배열에 들어가 있기때문에 서로 잘 매칭되어서 보간 작업이 </a:t>
+            </a:r>
+            <a:r>
+              <a:rPr lang="ko-KR" altLang="en-US" b="0" i="0" dirty="0" err="1">
+                <a:effectLst/>
+                <a:latin typeface="나눔고딕" pitchFamily="2" charset="-127"/>
+                <a:ea typeface="나눔고딕" pitchFamily="2" charset="-127"/>
+              </a:rPr>
+              <a:t>이루어질수</a:t>
+            </a:r>
+            <a:r>
+              <a:rPr lang="ko-KR" altLang="en-US" b="0" i="0" dirty="0">
+                <a:effectLst/>
+                <a:latin typeface="나눔고딕" pitchFamily="2" charset="-127"/>
+                <a:ea typeface="나눔고딕" pitchFamily="2" charset="-127"/>
+              </a:rPr>
+              <a:t> 있었다</a:t>
+            </a:r>
+            <a:r>
+              <a:rPr lang="en-US" altLang="ko-KR" b="0" i="0" dirty="0">
+                <a:effectLst/>
+                <a:latin typeface="나눔고딕" pitchFamily="2" charset="-127"/>
+                <a:ea typeface="나눔고딕" pitchFamily="2" charset="-127"/>
+              </a:rPr>
+              <a:t>.</a:t>
+            </a:r>
+          </a:p>
+          <a:p>
+            <a:pPr marL="342900" indent="-342900">
+              <a:buAutoNum type="arabicPeriod"/>
+            </a:pPr>
+            <a:endParaRPr lang="en-US" altLang="ko-KR" dirty="0">
+              <a:latin typeface="나눔고딕" pitchFamily="2" charset="-127"/>
+              <a:ea typeface="나눔고딕" pitchFamily="2" charset="-127"/>
+            </a:endParaRPr>
+          </a:p>
+          <a:p>
+            <a:pPr marL="342900" indent="-342900">
+              <a:buAutoNum type="arabicPeriod"/>
+            </a:pPr>
+            <a:r>
+              <a:rPr lang="ko-KR" altLang="en-US" b="0" i="0" dirty="0">
+                <a:effectLst/>
+                <a:latin typeface="나눔고딕" pitchFamily="2" charset="-127"/>
+                <a:ea typeface="나눔고딕" pitchFamily="2" charset="-127"/>
+              </a:rPr>
+              <a:t>그리고 기본적으로 두개의 정보의 개수가 다른 부분은 위 작업을 </a:t>
+            </a:r>
+            <a:r>
+              <a:rPr lang="ko-KR" altLang="en-US" b="0" i="0" dirty="0" err="1">
+                <a:effectLst/>
+                <a:latin typeface="나눔고딕" pitchFamily="2" charset="-127"/>
+                <a:ea typeface="나눔고딕" pitchFamily="2" charset="-127"/>
+              </a:rPr>
+              <a:t>마친후</a:t>
+            </a:r>
+            <a:r>
+              <a:rPr lang="ko-KR" altLang="en-US" b="0" i="0" dirty="0">
+                <a:effectLst/>
+                <a:latin typeface="나눔고딕" pitchFamily="2" charset="-127"/>
+                <a:ea typeface="나눔고딕" pitchFamily="2" charset="-127"/>
+              </a:rPr>
+              <a:t> </a:t>
+            </a:r>
+            <a:r>
+              <a:rPr lang="en-US" altLang="ko-KR" b="0" i="0" dirty="0">
+                <a:effectLst/>
+                <a:latin typeface="나눔고딕" pitchFamily="2" charset="-127"/>
+                <a:ea typeface="나눔고딕" pitchFamily="2" charset="-127"/>
+              </a:rPr>
+              <a:t>2</a:t>
+            </a:r>
+            <a:r>
+              <a:rPr lang="ko-KR" altLang="en-US" b="0" i="0" dirty="0">
+                <a:effectLst/>
+                <a:latin typeface="나눔고딕" pitchFamily="2" charset="-127"/>
+                <a:ea typeface="나눔고딕" pitchFamily="2" charset="-127"/>
+              </a:rPr>
+              <a:t>개의 </a:t>
+            </a:r>
+            <a:r>
+              <a:rPr lang="en-US" altLang="ko-KR" b="0" i="0" dirty="0">
+                <a:effectLst/>
+                <a:latin typeface="나눔고딕" pitchFamily="2" charset="-127"/>
+                <a:ea typeface="나눔고딕" pitchFamily="2" charset="-127"/>
+              </a:rPr>
+              <a:t>vertex</a:t>
+            </a:r>
+            <a:r>
+              <a:rPr lang="ko-KR" altLang="en-US" b="0" i="0" dirty="0" err="1">
+                <a:effectLst/>
+                <a:latin typeface="나눔고딕" pitchFamily="2" charset="-127"/>
+                <a:ea typeface="나눔고딕" pitchFamily="2" charset="-127"/>
+              </a:rPr>
+              <a:t>갯수를</a:t>
+            </a:r>
+            <a:r>
+              <a:rPr lang="ko-KR" altLang="en-US" b="0" i="0" dirty="0">
+                <a:effectLst/>
+                <a:latin typeface="나눔고딕" pitchFamily="2" charset="-127"/>
+                <a:ea typeface="나눔고딕" pitchFamily="2" charset="-127"/>
+              </a:rPr>
+              <a:t> 비교하여서 더 </a:t>
+            </a:r>
+            <a:r>
+              <a:rPr lang="ko-KR" altLang="en-US" b="0" i="0" dirty="0" err="1">
+                <a:effectLst/>
+                <a:latin typeface="나눔고딕" pitchFamily="2" charset="-127"/>
+                <a:ea typeface="나눔고딕" pitchFamily="2" charset="-127"/>
+              </a:rPr>
+              <a:t>적은쪽의</a:t>
+            </a:r>
+            <a:r>
+              <a:rPr lang="ko-KR" altLang="en-US" b="0" i="0" dirty="0">
+                <a:effectLst/>
+                <a:latin typeface="나눔고딕" pitchFamily="2" charset="-127"/>
+                <a:ea typeface="나눔고딕" pitchFamily="2" charset="-127"/>
+              </a:rPr>
+              <a:t> 정보에 각 정보들을 하나씩 더해주어서 똑같은 개수를 가지도록 만들어줬다</a:t>
+            </a:r>
+            <a:r>
+              <a:rPr lang="en-US" altLang="ko-KR" b="0" i="0" dirty="0">
+                <a:effectLst/>
+                <a:latin typeface="나눔고딕" pitchFamily="2" charset="-127"/>
+                <a:ea typeface="나눔고딕" pitchFamily="2" charset="-127"/>
+              </a:rPr>
+              <a:t>. </a:t>
+            </a:r>
+            <a:r>
+              <a:rPr lang="ko-KR" altLang="en-US" b="0" i="0" dirty="0">
+                <a:effectLst/>
+                <a:latin typeface="나눔고딕" pitchFamily="2" charset="-127"/>
+                <a:ea typeface="나눔고딕" pitchFamily="2" charset="-127"/>
+              </a:rPr>
+              <a:t>이때 정보는 아무거나 상관없어서 </a:t>
+            </a:r>
+            <a:r>
+              <a:rPr lang="en-US" altLang="ko-KR" b="0" i="0" dirty="0">
+                <a:effectLst/>
+                <a:latin typeface="나눔고딕" pitchFamily="2" charset="-127"/>
+                <a:ea typeface="나눔고딕" pitchFamily="2" charset="-127"/>
+              </a:rPr>
+              <a:t>vertex</a:t>
+            </a:r>
+            <a:r>
+              <a:rPr lang="ko-KR" altLang="en-US" b="0" i="0" dirty="0">
+                <a:effectLst/>
+                <a:latin typeface="나눔고딕" pitchFamily="2" charset="-127"/>
+                <a:ea typeface="나눔고딕" pitchFamily="2" charset="-127"/>
+              </a:rPr>
+              <a:t>에는 기존 가지고 있는 </a:t>
+            </a:r>
+            <a:r>
+              <a:rPr lang="ko-KR" altLang="en-US" b="0" i="0" dirty="0" err="1">
+                <a:effectLst/>
+                <a:latin typeface="나눔고딕" pitchFamily="2" charset="-127"/>
+                <a:ea typeface="나눔고딕" pitchFamily="2" charset="-127"/>
+              </a:rPr>
+              <a:t>버텍스</a:t>
+            </a:r>
+            <a:r>
+              <a:rPr lang="ko-KR" altLang="en-US" b="0" i="0" dirty="0">
+                <a:effectLst/>
+                <a:latin typeface="나눔고딕" pitchFamily="2" charset="-127"/>
+                <a:ea typeface="나눔고딕" pitchFamily="2" charset="-127"/>
+              </a:rPr>
+              <a:t> 중에 랜덤으로 선택해서 값을 넣어주고 나머지는 </a:t>
+            </a:r>
+            <a:r>
+              <a:rPr lang="en-US" altLang="ko-KR" b="0" i="0" dirty="0">
+                <a:effectLst/>
+                <a:latin typeface="나눔고딕" pitchFamily="2" charset="-127"/>
+                <a:ea typeface="나눔고딕" pitchFamily="2" charset="-127"/>
+              </a:rPr>
+              <a:t>0.f</a:t>
+            </a:r>
+            <a:r>
+              <a:rPr lang="ko-KR" altLang="en-US" b="0" i="0" dirty="0">
+                <a:effectLst/>
+                <a:latin typeface="나눔고딕" pitchFamily="2" charset="-127"/>
+                <a:ea typeface="나눔고딕" pitchFamily="2" charset="-127"/>
+              </a:rPr>
+              <a:t>값을 다 넣어주었다</a:t>
+            </a:r>
+            <a:r>
+              <a:rPr lang="en-US" altLang="ko-KR" b="0" i="0" dirty="0">
+                <a:effectLst/>
+                <a:latin typeface="나눔고딕" pitchFamily="2" charset="-127"/>
+                <a:ea typeface="나눔고딕" pitchFamily="2" charset="-127"/>
+              </a:rPr>
+              <a:t>.</a:t>
+            </a:r>
+          </a:p>
+          <a:p>
+            <a:pPr marL="342900" indent="-342900">
+              <a:buAutoNum type="arabicPeriod"/>
+            </a:pPr>
+            <a:endParaRPr lang="en-US" altLang="ko-KR" dirty="0"/>
+          </a:p>
+          <a:p>
+            <a:endParaRPr lang="en-US" altLang="ko-KR" dirty="0"/>
+          </a:p>
+          <a:p>
+            <a:r>
+              <a:rPr lang="ko-KR" altLang="en-US" dirty="0"/>
+              <a:t>해당 과정들을 통해서 원하는 느낌으로 완성되었다</a:t>
+            </a:r>
+            <a:r>
+              <a:rPr lang="en-US" altLang="ko-KR" dirty="0"/>
+              <a:t>.</a:t>
+            </a:r>
+            <a:endParaRPr lang="ko-KR" altLang="en-US" dirty="0"/>
+          </a:p>
+        </p:txBody>
+      </p:sp>
     </p:spTree>
     <p:extLst>
       <p:ext uri="{BB962C8B-B14F-4D97-AF65-F5344CB8AC3E}">
-        <p14:creationId xmlns:p14="http://schemas.microsoft.com/office/powerpoint/2010/main" val="39809102"/>
+        <p14:creationId xmlns:p14="http://schemas.microsoft.com/office/powerpoint/2010/main" val="994154779"/>
       </p:ext>
     </p:extLst>
   </p:cSld>

--- a/작업일지 && 졸작자료/중간평가.pptx
+++ b/작업일지 && 졸작자료/중간평가.pptx
@@ -5742,7 +5742,7 @@
           <p:nvPr>
             <p:extLst>
               <p:ext uri="{D42A27DB-BD31-4B8C-83A1-F6EECF244321}">
-                <p14:modId xmlns:p14="http://schemas.microsoft.com/office/powerpoint/2010/main" val="3351466391"/>
+                <p14:modId xmlns:p14="http://schemas.microsoft.com/office/powerpoint/2010/main" val="1272873767"/>
               </p:ext>
             </p:extLst>
           </p:nvPr>
@@ -5755,7 +5755,7 @@
           <a:graphicData uri="http://schemas.openxmlformats.org/drawingml/2006/table">
             <a:tbl>
               <a:tblPr firstRow="1" bandRow="1">
-                <a:tableStyleId>{5C22544A-7EE6-4342-B048-85BDC9FD1C3A}</a:tableStyleId>
+                <a:tableStyleId>{2D5ABB26-0587-4C30-8999-92F81FD0307C}</a:tableStyleId>
               </a:tblPr>
               <a:tblGrid>
                 <a:gridCol w="1625600">
@@ -5807,7 +5807,52 @@
                       </a:r>
                     </a:p>
                   </a:txBody>
-                  <a:tcPr/>
+                  <a:tcPr>
+                    <a:lnL w="12700" cap="flat" cmpd="sng" algn="ctr">
+                      <a:solidFill>
+                        <a:schemeClr val="tx1"/>
+                      </a:solidFill>
+                      <a:prstDash val="solid"/>
+                      <a:round/>
+                      <a:headEnd type="none" w="med" len="med"/>
+                      <a:tailEnd type="none" w="med" len="med"/>
+                    </a:lnL>
+                    <a:lnR w="12700" cap="flat" cmpd="sng" algn="ctr">
+                      <a:solidFill>
+                        <a:schemeClr val="tx1"/>
+                      </a:solidFill>
+                      <a:prstDash val="solid"/>
+                      <a:round/>
+                      <a:headEnd type="none" w="med" len="med"/>
+                      <a:tailEnd type="none" w="med" len="med"/>
+                    </a:lnR>
+                    <a:lnT w="12700" cap="flat" cmpd="sng" algn="ctr">
+                      <a:solidFill>
+                        <a:schemeClr val="tx1"/>
+                      </a:solidFill>
+                      <a:prstDash val="solid"/>
+                      <a:round/>
+                      <a:headEnd type="none" w="med" len="med"/>
+                      <a:tailEnd type="none" w="med" len="med"/>
+                    </a:lnT>
+                    <a:lnB w="12700" cap="flat" cmpd="sng" algn="ctr">
+                      <a:solidFill>
+                        <a:schemeClr val="tx1"/>
+                      </a:solidFill>
+                      <a:prstDash val="solid"/>
+                      <a:round/>
+                      <a:headEnd type="none" w="med" len="med"/>
+                      <a:tailEnd type="none" w="med" len="med"/>
+                    </a:lnB>
+                    <a:lnTlToBr w="12700" cmpd="sng">
+                      <a:noFill/>
+                      <a:prstDash val="solid"/>
+                    </a:lnTlToBr>
+                    <a:lnBlToTr w="12700" cmpd="sng">
+                      <a:noFill/>
+                      <a:prstDash val="solid"/>
+                    </a:lnBlToTr>
+                  </a:tcPr>
                 </a:tc>
                 <a:tc>
                   <a:txBody>
@@ -5818,7 +5863,108 @@
                       <a:endParaRPr lang="ko-KR" altLang="en-US" dirty="0"/>
                     </a:p>
                   </a:txBody>
-                  <a:tcPr/>
+                  <a:tcPr>
+                    <a:lnL w="12700" cap="flat" cmpd="sng" algn="ctr">
+                      <a:solidFill>
+                        <a:schemeClr val="tx1"/>
+                      </a:solidFill>
+                      <a:prstDash val="solid"/>
+                      <a:round/>
+                      <a:headEnd type="none" w="med" len="med"/>
+                      <a:tailEnd type="none" w="med" len="med"/>
+                    </a:lnL>
+                    <a:lnR w="12700" cap="flat" cmpd="sng" algn="ctr">
+                      <a:solidFill>
+                        <a:schemeClr val="tx1"/>
+                      </a:solidFill>
+                      <a:prstDash val="solid"/>
+                      <a:round/>
+                      <a:headEnd type="none" w="med" len="med"/>
+                      <a:tailEnd type="none" w="med" len="med"/>
+                    </a:lnR>
+                    <a:lnT w="12700" cap="flat" cmpd="sng" algn="ctr">
+                      <a:solidFill>
+                        <a:schemeClr val="tx1"/>
+                      </a:solidFill>
+                      <a:prstDash val="solid"/>
+                      <a:round/>
+                      <a:headEnd type="none" w="med" len="med"/>
+                      <a:tailEnd type="none" w="med" len="med"/>
+                    </a:lnT>
+                    <a:lnB w="12700" cap="flat" cmpd="sng" algn="ctr">
+                      <a:solidFill>
+                        <a:schemeClr val="tx1"/>
+                      </a:solidFill>
+                      <a:prstDash val="solid"/>
+                      <a:round/>
+                      <a:headEnd type="none" w="med" len="med"/>
+                      <a:tailEnd type="none" w="med" len="med"/>
+                    </a:lnB>
+                    <a:lnTlToBr w="12700" cmpd="sng">
+                      <a:noFill/>
+                      <a:prstDash val="solid"/>
+                    </a:lnTlToBr>
+                    <a:lnBlToTr w="12700" cmpd="sng">
+                      <a:noFill/>
+                      <a:prstDash val="solid"/>
+                    </a:lnBlToTr>
+                  </a:tcPr>
+                </a:tc>
+                <a:tc>
+                  <a:txBody>
+                    <a:bodyPr/>
+                    <a:lstStyle/>
+                    <a:p>
+                      <a:pPr latinLnBrk="1"/>
+                      <a:endParaRPr lang="ko-KR" altLang="en-US" dirty="0"/>
+                    </a:p>
+                  </a:txBody>
+                  <a:tcPr>
+                    <a:lnL w="12700" cap="flat" cmpd="sng" algn="ctr">
+                      <a:solidFill>
+                        <a:schemeClr val="tx1"/>
+                      </a:solidFill>
+                      <a:prstDash val="solid"/>
+                      <a:round/>
+                      <a:headEnd type="none" w="med" len="med"/>
+                      <a:tailEnd type="none" w="med" len="med"/>
+                    </a:lnL>
+                    <a:lnR w="12700" cap="flat" cmpd="sng" algn="ctr">
+                      <a:solidFill>
+                        <a:schemeClr val="tx1"/>
+                      </a:solidFill>
+                      <a:prstDash val="solid"/>
+                      <a:round/>
+                      <a:headEnd type="none" w="med" len="med"/>
+                      <a:tailEnd type="none" w="med" len="med"/>
+                    </a:lnR>
+                    <a:lnT w="12700" cap="flat" cmpd="sng" algn="ctr">
+                      <a:solidFill>
+                        <a:schemeClr val="tx1"/>
+                      </a:solidFill>
+                      <a:prstDash val="solid"/>
+                      <a:round/>
+                      <a:headEnd type="none" w="med" len="med"/>
+                      <a:tailEnd type="none" w="med" len="med"/>
+                    </a:lnT>
+                    <a:lnB w="12700" cap="flat" cmpd="sng" algn="ctr">
+                      <a:solidFill>
+                        <a:schemeClr val="tx1"/>
+                      </a:solidFill>
+                      <a:prstDash val="solid"/>
+                      <a:round/>
+                      <a:headEnd type="none" w="med" len="med"/>
+                      <a:tailEnd type="none" w="med" len="med"/>
+                    </a:lnB>
+                    <a:lnTlToBr w="12700" cmpd="sng">
+                      <a:noFill/>
+                      <a:prstDash val="solid"/>
+                    </a:lnTlToBr>
+                    <a:lnBlToTr w="12700" cmpd="sng">
+                      <a:noFill/>
+                      <a:prstDash val="solid"/>
+                    </a:lnBlToTr>
+                  </a:tcPr>
                 </a:tc>
                 <a:tc>
                   <a:txBody>
@@ -5829,7 +5975,52 @@
                       <a:endParaRPr lang="ko-KR" altLang="en-US"/>
                     </a:p>
                   </a:txBody>
-                  <a:tcPr/>
+                  <a:tcPr>
+                    <a:lnL w="12700" cap="flat" cmpd="sng" algn="ctr">
+                      <a:solidFill>
+                        <a:schemeClr val="tx1"/>
+                      </a:solidFill>
+                      <a:prstDash val="solid"/>
+                      <a:round/>
+                      <a:headEnd type="none" w="med" len="med"/>
+                      <a:tailEnd type="none" w="med" len="med"/>
+                    </a:lnL>
+                    <a:lnR w="12700" cap="flat" cmpd="sng" algn="ctr">
+                      <a:solidFill>
+                        <a:schemeClr val="tx1"/>
+                      </a:solidFill>
+                      <a:prstDash val="solid"/>
+                      <a:round/>
+                      <a:headEnd type="none" w="med" len="med"/>
+                      <a:tailEnd type="none" w="med" len="med"/>
+                    </a:lnR>
+                    <a:lnT w="12700" cap="flat" cmpd="sng" algn="ctr">
+                      <a:solidFill>
+                        <a:schemeClr val="tx1"/>
+                      </a:solidFill>
+                      <a:prstDash val="solid"/>
+                      <a:round/>
+                      <a:headEnd type="none" w="med" len="med"/>
+                      <a:tailEnd type="none" w="med" len="med"/>
+                    </a:lnT>
+                    <a:lnB w="12700" cap="flat" cmpd="sng" algn="ctr">
+                      <a:solidFill>
+                        <a:schemeClr val="tx1"/>
+                      </a:solidFill>
+                      <a:prstDash val="solid"/>
+                      <a:round/>
+                      <a:headEnd type="none" w="med" len="med"/>
+                      <a:tailEnd type="none" w="med" len="med"/>
+                    </a:lnB>
+                    <a:lnTlToBr w="12700" cmpd="sng">
+                      <a:noFill/>
+                      <a:prstDash val="solid"/>
+                    </a:lnTlToBr>
+                    <a:lnBlToTr w="12700" cmpd="sng">
+                      <a:noFill/>
+                      <a:prstDash val="solid"/>
+                    </a:lnBlToTr>
+                  </a:tcPr>
                 </a:tc>
                 <a:tc>
                   <a:txBody>
@@ -5840,18 +6031,52 @@
                       <a:endParaRPr lang="ko-KR" altLang="en-US"/>
                     </a:p>
                   </a:txBody>
-                  <a:tcPr/>
-                </a:tc>
-                <a:tc>
-                  <a:txBody>
-                    <a:bodyPr/>
-                    <a:lstStyle/>
-                    <a:p>
-                      <a:pPr latinLnBrk="1"/>
-                      <a:endParaRPr lang="ko-KR" altLang="en-US"/>
-                    </a:p>
-                  </a:txBody>
-                  <a:tcPr/>
+                  <a:tcPr>
+                    <a:lnL w="12700" cap="flat" cmpd="sng" algn="ctr">
+                      <a:solidFill>
+                        <a:schemeClr val="tx1"/>
+                      </a:solidFill>
+                      <a:prstDash val="solid"/>
+                      <a:round/>
+                      <a:headEnd type="none" w="med" len="med"/>
+                      <a:tailEnd type="none" w="med" len="med"/>
+                    </a:lnL>
+                    <a:lnR w="12700" cap="flat" cmpd="sng" algn="ctr">
+                      <a:solidFill>
+                        <a:schemeClr val="tx1"/>
+                      </a:solidFill>
+                      <a:prstDash val="solid"/>
+                      <a:round/>
+                      <a:headEnd type="none" w="med" len="med"/>
+                      <a:tailEnd type="none" w="med" len="med"/>
+                    </a:lnR>
+                    <a:lnT w="12700" cap="flat" cmpd="sng" algn="ctr">
+                      <a:solidFill>
+                        <a:schemeClr val="tx1"/>
+                      </a:solidFill>
+                      <a:prstDash val="solid"/>
+                      <a:round/>
+                      <a:headEnd type="none" w="med" len="med"/>
+                      <a:tailEnd type="none" w="med" len="med"/>
+                    </a:lnT>
+                    <a:lnB w="12700" cap="flat" cmpd="sng" algn="ctr">
+                      <a:solidFill>
+                        <a:schemeClr val="tx1"/>
+                      </a:solidFill>
+                      <a:prstDash val="solid"/>
+                      <a:round/>
+                      <a:headEnd type="none" w="med" len="med"/>
+                      <a:tailEnd type="none" w="med" len="med"/>
+                    </a:lnB>
+                    <a:lnTlToBr w="12700" cmpd="sng">
+                      <a:noFill/>
+                      <a:prstDash val="solid"/>
+                    </a:lnTlToBr>
+                    <a:lnBlToTr w="12700" cmpd="sng">
+                      <a:noFill/>
+                      <a:prstDash val="solid"/>
+                    </a:lnBlToTr>
+                  </a:tcPr>
                 </a:tc>
                 <a:extLst>
                   <a:ext uri="{0D108BD9-81ED-4DB2-BD59-A6C34878D82A}">
@@ -5876,7 +6101,52 @@
                       </a:r>
                     </a:p>
                   </a:txBody>
-                  <a:tcPr/>
+                  <a:tcPr>
+                    <a:lnL w="12700" cap="flat" cmpd="sng" algn="ctr">
+                      <a:solidFill>
+                        <a:schemeClr val="tx1"/>
+                      </a:solidFill>
+                      <a:prstDash val="solid"/>
+                      <a:round/>
+                      <a:headEnd type="none" w="med" len="med"/>
+                      <a:tailEnd type="none" w="med" len="med"/>
+                    </a:lnL>
+                    <a:lnR w="12700" cap="flat" cmpd="sng" algn="ctr">
+                      <a:solidFill>
+                        <a:schemeClr val="tx1"/>
+                      </a:solidFill>
+                      <a:prstDash val="solid"/>
+                      <a:round/>
+                      <a:headEnd type="none" w="med" len="med"/>
+                      <a:tailEnd type="none" w="med" len="med"/>
+                    </a:lnR>
+                    <a:lnT w="12700" cap="flat" cmpd="sng" algn="ctr">
+                      <a:solidFill>
+                        <a:schemeClr val="tx1"/>
+                      </a:solidFill>
+                      <a:prstDash val="solid"/>
+                      <a:round/>
+                      <a:headEnd type="none" w="med" len="med"/>
+                      <a:tailEnd type="none" w="med" len="med"/>
+                    </a:lnT>
+                    <a:lnB w="12700" cap="flat" cmpd="sng" algn="ctr">
+                      <a:solidFill>
+                        <a:schemeClr val="tx1"/>
+                      </a:solidFill>
+                      <a:prstDash val="solid"/>
+                      <a:round/>
+                      <a:headEnd type="none" w="med" len="med"/>
+                      <a:tailEnd type="none" w="med" len="med"/>
+                    </a:lnB>
+                    <a:lnTlToBr w="12700" cmpd="sng">
+                      <a:noFill/>
+                      <a:prstDash val="solid"/>
+                    </a:lnTlToBr>
+                    <a:lnBlToTr w="12700" cmpd="sng">
+                      <a:noFill/>
+                      <a:prstDash val="solid"/>
+                    </a:lnBlToTr>
+                  </a:tcPr>
                 </a:tc>
                 <a:tc>
                   <a:txBody>
@@ -5887,7 +6157,52 @@
                       <a:endParaRPr lang="ko-KR" altLang="en-US" dirty="0"/>
                     </a:p>
                   </a:txBody>
-                  <a:tcPr/>
+                  <a:tcPr>
+                    <a:lnL w="12700" cap="flat" cmpd="sng" algn="ctr">
+                      <a:solidFill>
+                        <a:schemeClr val="tx1"/>
+                      </a:solidFill>
+                      <a:prstDash val="solid"/>
+                      <a:round/>
+                      <a:headEnd type="none" w="med" len="med"/>
+                      <a:tailEnd type="none" w="med" len="med"/>
+                    </a:lnL>
+                    <a:lnR w="12700" cap="flat" cmpd="sng" algn="ctr">
+                      <a:solidFill>
+                        <a:schemeClr val="tx1"/>
+                      </a:solidFill>
+                      <a:prstDash val="solid"/>
+                      <a:round/>
+                      <a:headEnd type="none" w="med" len="med"/>
+                      <a:tailEnd type="none" w="med" len="med"/>
+                    </a:lnR>
+                    <a:lnT w="12700" cap="flat" cmpd="sng" algn="ctr">
+                      <a:solidFill>
+                        <a:schemeClr val="tx1"/>
+                      </a:solidFill>
+                      <a:prstDash val="solid"/>
+                      <a:round/>
+                      <a:headEnd type="none" w="med" len="med"/>
+                      <a:tailEnd type="none" w="med" len="med"/>
+                    </a:lnT>
+                    <a:lnB w="12700" cap="flat" cmpd="sng" algn="ctr">
+                      <a:solidFill>
+                        <a:schemeClr val="tx1"/>
+                      </a:solidFill>
+                      <a:prstDash val="solid"/>
+                      <a:round/>
+                      <a:headEnd type="none" w="med" len="med"/>
+                      <a:tailEnd type="none" w="med" len="med"/>
+                    </a:lnB>
+                    <a:lnTlToBr w="12700" cmpd="sng">
+                      <a:noFill/>
+                      <a:prstDash val="solid"/>
+                    </a:lnTlToBr>
+                    <a:lnBlToTr w="12700" cmpd="sng">
+                      <a:noFill/>
+                      <a:prstDash val="solid"/>
+                    </a:lnBlToTr>
+                  </a:tcPr>
                 </a:tc>
                 <a:tc>
                   <a:txBody>
@@ -5898,7 +6213,52 @@
                       <a:endParaRPr lang="ko-KR" altLang="en-US"/>
                     </a:p>
                   </a:txBody>
-                  <a:tcPr/>
+                  <a:tcPr>
+                    <a:lnL w="12700" cap="flat" cmpd="sng" algn="ctr">
+                      <a:solidFill>
+                        <a:schemeClr val="tx1"/>
+                      </a:solidFill>
+                      <a:prstDash val="solid"/>
+                      <a:round/>
+                      <a:headEnd type="none" w="med" len="med"/>
+                      <a:tailEnd type="none" w="med" len="med"/>
+                    </a:lnL>
+                    <a:lnR w="12700" cap="flat" cmpd="sng" algn="ctr">
+                      <a:solidFill>
+                        <a:schemeClr val="tx1"/>
+                      </a:solidFill>
+                      <a:prstDash val="solid"/>
+                      <a:round/>
+                      <a:headEnd type="none" w="med" len="med"/>
+                      <a:tailEnd type="none" w="med" len="med"/>
+                    </a:lnR>
+                    <a:lnT w="12700" cap="flat" cmpd="sng" algn="ctr">
+                      <a:solidFill>
+                        <a:schemeClr val="tx1"/>
+                      </a:solidFill>
+                      <a:prstDash val="solid"/>
+                      <a:round/>
+                      <a:headEnd type="none" w="med" len="med"/>
+                      <a:tailEnd type="none" w="med" len="med"/>
+                    </a:lnT>
+                    <a:lnB w="12700" cap="flat" cmpd="sng" algn="ctr">
+                      <a:solidFill>
+                        <a:schemeClr val="tx1"/>
+                      </a:solidFill>
+                      <a:prstDash val="solid"/>
+                      <a:round/>
+                      <a:headEnd type="none" w="med" len="med"/>
+                      <a:tailEnd type="none" w="med" len="med"/>
+                    </a:lnB>
+                    <a:lnTlToBr w="12700" cmpd="sng">
+                      <a:noFill/>
+                      <a:prstDash val="solid"/>
+                    </a:lnTlToBr>
+                    <a:lnBlToTr w="12700" cmpd="sng">
+                      <a:noFill/>
+                      <a:prstDash val="solid"/>
+                    </a:lnBlToTr>
+                  </a:tcPr>
                 </a:tc>
                 <a:tc>
                   <a:txBody>
@@ -5909,7 +6269,52 @@
                       <a:endParaRPr lang="ko-KR" altLang="en-US"/>
                     </a:p>
                   </a:txBody>
-                  <a:tcPr/>
+                  <a:tcPr>
+                    <a:lnL w="12700" cap="flat" cmpd="sng" algn="ctr">
+                      <a:solidFill>
+                        <a:schemeClr val="tx1"/>
+                      </a:solidFill>
+                      <a:prstDash val="solid"/>
+                      <a:round/>
+                      <a:headEnd type="none" w="med" len="med"/>
+                      <a:tailEnd type="none" w="med" len="med"/>
+                    </a:lnL>
+                    <a:lnR w="12700" cap="flat" cmpd="sng" algn="ctr">
+                      <a:solidFill>
+                        <a:schemeClr val="tx1"/>
+                      </a:solidFill>
+                      <a:prstDash val="solid"/>
+                      <a:round/>
+                      <a:headEnd type="none" w="med" len="med"/>
+                      <a:tailEnd type="none" w="med" len="med"/>
+                    </a:lnR>
+                    <a:lnT w="12700" cap="flat" cmpd="sng" algn="ctr">
+                      <a:solidFill>
+                        <a:schemeClr val="tx1"/>
+                      </a:solidFill>
+                      <a:prstDash val="solid"/>
+                      <a:round/>
+                      <a:headEnd type="none" w="med" len="med"/>
+                      <a:tailEnd type="none" w="med" len="med"/>
+                    </a:lnT>
+                    <a:lnB w="12700" cap="flat" cmpd="sng" algn="ctr">
+                      <a:solidFill>
+                        <a:schemeClr val="tx1"/>
+                      </a:solidFill>
+                      <a:prstDash val="solid"/>
+                      <a:round/>
+                      <a:headEnd type="none" w="med" len="med"/>
+                      <a:tailEnd type="none" w="med" len="med"/>
+                    </a:lnB>
+                    <a:lnTlToBr w="12700" cmpd="sng">
+                      <a:noFill/>
+                      <a:prstDash val="solid"/>
+                    </a:lnTlToBr>
+                    <a:lnBlToTr w="12700" cmpd="sng">
+                      <a:noFill/>
+                      <a:prstDash val="solid"/>
+                    </a:lnBlToTr>
+                  </a:tcPr>
                 </a:tc>
                 <a:tc>
                   <a:txBody>
@@ -5920,7 +6325,52 @@
                       <a:endParaRPr lang="ko-KR" altLang="en-US"/>
                     </a:p>
                   </a:txBody>
-                  <a:tcPr/>
+                  <a:tcPr>
+                    <a:lnL w="12700" cap="flat" cmpd="sng" algn="ctr">
+                      <a:solidFill>
+                        <a:schemeClr val="tx1"/>
+                      </a:solidFill>
+                      <a:prstDash val="solid"/>
+                      <a:round/>
+                      <a:headEnd type="none" w="med" len="med"/>
+                      <a:tailEnd type="none" w="med" len="med"/>
+                    </a:lnL>
+                    <a:lnR w="12700" cap="flat" cmpd="sng" algn="ctr">
+                      <a:solidFill>
+                        <a:schemeClr val="tx1"/>
+                      </a:solidFill>
+                      <a:prstDash val="solid"/>
+                      <a:round/>
+                      <a:headEnd type="none" w="med" len="med"/>
+                      <a:tailEnd type="none" w="med" len="med"/>
+                    </a:lnR>
+                    <a:lnT w="12700" cap="flat" cmpd="sng" algn="ctr">
+                      <a:solidFill>
+                        <a:schemeClr val="tx1"/>
+                      </a:solidFill>
+                      <a:prstDash val="solid"/>
+                      <a:round/>
+                      <a:headEnd type="none" w="med" len="med"/>
+                      <a:tailEnd type="none" w="med" len="med"/>
+                    </a:lnT>
+                    <a:lnB w="12700" cap="flat" cmpd="sng" algn="ctr">
+                      <a:solidFill>
+                        <a:schemeClr val="tx1"/>
+                      </a:solidFill>
+                      <a:prstDash val="solid"/>
+                      <a:round/>
+                      <a:headEnd type="none" w="med" len="med"/>
+                      <a:tailEnd type="none" w="med" len="med"/>
+                    </a:lnB>
+                    <a:lnTlToBr w="12700" cmpd="sng">
+                      <a:noFill/>
+                      <a:prstDash val="solid"/>
+                    </a:lnTlToBr>
+                    <a:lnBlToTr w="12700" cmpd="sng">
+                      <a:noFill/>
+                      <a:prstDash val="solid"/>
+                    </a:lnBlToTr>
+                  </a:tcPr>
                 </a:tc>
                 <a:extLst>
                   <a:ext uri="{0D108BD9-81ED-4DB2-BD59-A6C34878D82A}">
@@ -5945,7 +6395,52 @@
                       </a:r>
                     </a:p>
                   </a:txBody>
-                  <a:tcPr/>
+                  <a:tcPr>
+                    <a:lnL w="12700" cap="flat" cmpd="sng" algn="ctr">
+                      <a:solidFill>
+                        <a:schemeClr val="tx1"/>
+                      </a:solidFill>
+                      <a:prstDash val="solid"/>
+                      <a:round/>
+                      <a:headEnd type="none" w="med" len="med"/>
+                      <a:tailEnd type="none" w="med" len="med"/>
+                    </a:lnL>
+                    <a:lnR w="12700" cap="flat" cmpd="sng" algn="ctr">
+                      <a:solidFill>
+                        <a:schemeClr val="tx1"/>
+                      </a:solidFill>
+                      <a:prstDash val="solid"/>
+                      <a:round/>
+                      <a:headEnd type="none" w="med" len="med"/>
+                      <a:tailEnd type="none" w="med" len="med"/>
+                    </a:lnR>
+                    <a:lnT w="12700" cap="flat" cmpd="sng" algn="ctr">
+                      <a:solidFill>
+                        <a:schemeClr val="tx1"/>
+                      </a:solidFill>
+                      <a:prstDash val="solid"/>
+                      <a:round/>
+                      <a:headEnd type="none" w="med" len="med"/>
+                      <a:tailEnd type="none" w="med" len="med"/>
+                    </a:lnT>
+                    <a:lnB w="12700" cap="flat" cmpd="sng" algn="ctr">
+                      <a:solidFill>
+                        <a:schemeClr val="tx1"/>
+                      </a:solidFill>
+                      <a:prstDash val="solid"/>
+                      <a:round/>
+                      <a:headEnd type="none" w="med" len="med"/>
+                      <a:tailEnd type="none" w="med" len="med"/>
+                    </a:lnB>
+                    <a:lnTlToBr w="12700" cmpd="sng">
+                      <a:noFill/>
+                      <a:prstDash val="solid"/>
+                    </a:lnTlToBr>
+                    <a:lnBlToTr w="12700" cmpd="sng">
+                      <a:noFill/>
+                      <a:prstDash val="solid"/>
+                    </a:lnBlToTr>
+                  </a:tcPr>
                 </a:tc>
                 <a:tc>
                   <a:txBody>
@@ -5956,7 +6451,52 @@
                       <a:endParaRPr lang="ko-KR" altLang="en-US" dirty="0"/>
                     </a:p>
                   </a:txBody>
-                  <a:tcPr/>
+                  <a:tcPr>
+                    <a:lnL w="12700" cap="flat" cmpd="sng" algn="ctr">
+                      <a:solidFill>
+                        <a:schemeClr val="tx1"/>
+                      </a:solidFill>
+                      <a:prstDash val="solid"/>
+                      <a:round/>
+                      <a:headEnd type="none" w="med" len="med"/>
+                      <a:tailEnd type="none" w="med" len="med"/>
+                    </a:lnL>
+                    <a:lnR w="12700" cap="flat" cmpd="sng" algn="ctr">
+                      <a:solidFill>
+                        <a:schemeClr val="tx1"/>
+                      </a:solidFill>
+                      <a:prstDash val="solid"/>
+                      <a:round/>
+                      <a:headEnd type="none" w="med" len="med"/>
+                      <a:tailEnd type="none" w="med" len="med"/>
+                    </a:lnR>
+                    <a:lnT w="12700" cap="flat" cmpd="sng" algn="ctr">
+                      <a:solidFill>
+                        <a:schemeClr val="tx1"/>
+                      </a:solidFill>
+                      <a:prstDash val="solid"/>
+                      <a:round/>
+                      <a:headEnd type="none" w="med" len="med"/>
+                      <a:tailEnd type="none" w="med" len="med"/>
+                    </a:lnT>
+                    <a:lnB w="12700" cap="flat" cmpd="sng" algn="ctr">
+                      <a:solidFill>
+                        <a:schemeClr val="tx1"/>
+                      </a:solidFill>
+                      <a:prstDash val="solid"/>
+                      <a:round/>
+                      <a:headEnd type="none" w="med" len="med"/>
+                      <a:tailEnd type="none" w="med" len="med"/>
+                    </a:lnB>
+                    <a:lnTlToBr w="12700" cmpd="sng">
+                      <a:noFill/>
+                      <a:prstDash val="solid"/>
+                    </a:lnTlToBr>
+                    <a:lnBlToTr w="12700" cmpd="sng">
+                      <a:noFill/>
+                      <a:prstDash val="solid"/>
+                    </a:lnBlToTr>
+                  </a:tcPr>
                 </a:tc>
                 <a:tc>
                   <a:txBody>
@@ -5967,7 +6507,52 @@
                       <a:endParaRPr lang="ko-KR" altLang="en-US"/>
                     </a:p>
                   </a:txBody>
-                  <a:tcPr/>
+                  <a:tcPr>
+                    <a:lnL w="12700" cap="flat" cmpd="sng" algn="ctr">
+                      <a:solidFill>
+                        <a:schemeClr val="tx1"/>
+                      </a:solidFill>
+                      <a:prstDash val="solid"/>
+                      <a:round/>
+                      <a:headEnd type="none" w="med" len="med"/>
+                      <a:tailEnd type="none" w="med" len="med"/>
+                    </a:lnL>
+                    <a:lnR w="12700" cap="flat" cmpd="sng" algn="ctr">
+                      <a:solidFill>
+                        <a:schemeClr val="tx1"/>
+                      </a:solidFill>
+                      <a:prstDash val="solid"/>
+                      <a:round/>
+                      <a:headEnd type="none" w="med" len="med"/>
+                      <a:tailEnd type="none" w="med" len="med"/>
+                    </a:lnR>
+                    <a:lnT w="12700" cap="flat" cmpd="sng" algn="ctr">
+                      <a:solidFill>
+                        <a:schemeClr val="tx1"/>
+                      </a:solidFill>
+                      <a:prstDash val="solid"/>
+                      <a:round/>
+                      <a:headEnd type="none" w="med" len="med"/>
+                      <a:tailEnd type="none" w="med" len="med"/>
+                    </a:lnT>
+                    <a:lnB w="12700" cap="flat" cmpd="sng" algn="ctr">
+                      <a:solidFill>
+                        <a:schemeClr val="tx1"/>
+                      </a:solidFill>
+                      <a:prstDash val="solid"/>
+                      <a:round/>
+                      <a:headEnd type="none" w="med" len="med"/>
+                      <a:tailEnd type="none" w="med" len="med"/>
+                    </a:lnB>
+                    <a:lnTlToBr w="12700" cmpd="sng">
+                      <a:noFill/>
+                      <a:prstDash val="solid"/>
+                    </a:lnTlToBr>
+                    <a:lnBlToTr w="12700" cmpd="sng">
+                      <a:noFill/>
+                      <a:prstDash val="solid"/>
+                    </a:lnBlToTr>
+                  </a:tcPr>
                 </a:tc>
                 <a:tc>
                   <a:txBody>
@@ -5978,7 +6563,52 @@
                       <a:endParaRPr lang="ko-KR" altLang="en-US"/>
                     </a:p>
                   </a:txBody>
-                  <a:tcPr/>
+                  <a:tcPr>
+                    <a:lnL w="12700" cap="flat" cmpd="sng" algn="ctr">
+                      <a:solidFill>
+                        <a:schemeClr val="tx1"/>
+                      </a:solidFill>
+                      <a:prstDash val="solid"/>
+                      <a:round/>
+                      <a:headEnd type="none" w="med" len="med"/>
+                      <a:tailEnd type="none" w="med" len="med"/>
+                    </a:lnL>
+                    <a:lnR w="12700" cap="flat" cmpd="sng" algn="ctr">
+                      <a:solidFill>
+                        <a:schemeClr val="tx1"/>
+                      </a:solidFill>
+                      <a:prstDash val="solid"/>
+                      <a:round/>
+                      <a:headEnd type="none" w="med" len="med"/>
+                      <a:tailEnd type="none" w="med" len="med"/>
+                    </a:lnR>
+                    <a:lnT w="12700" cap="flat" cmpd="sng" algn="ctr">
+                      <a:solidFill>
+                        <a:schemeClr val="tx1"/>
+                      </a:solidFill>
+                      <a:prstDash val="solid"/>
+                      <a:round/>
+                      <a:headEnd type="none" w="med" len="med"/>
+                      <a:tailEnd type="none" w="med" len="med"/>
+                    </a:lnT>
+                    <a:lnB w="12700" cap="flat" cmpd="sng" algn="ctr">
+                      <a:solidFill>
+                        <a:schemeClr val="tx1"/>
+                      </a:solidFill>
+                      <a:prstDash val="solid"/>
+                      <a:round/>
+                      <a:headEnd type="none" w="med" len="med"/>
+                      <a:tailEnd type="none" w="med" len="med"/>
+                    </a:lnB>
+                    <a:lnTlToBr w="12700" cmpd="sng">
+                      <a:noFill/>
+                      <a:prstDash val="solid"/>
+                    </a:lnTlToBr>
+                    <a:lnBlToTr w="12700" cmpd="sng">
+                      <a:noFill/>
+                      <a:prstDash val="solid"/>
+                    </a:lnBlToTr>
+                  </a:tcPr>
                 </a:tc>
                 <a:tc>
                   <a:txBody>
@@ -5989,7 +6619,52 @@
                       <a:endParaRPr lang="ko-KR" altLang="en-US"/>
                     </a:p>
                   </a:txBody>
-                  <a:tcPr/>
+                  <a:tcPr>
+                    <a:lnL w="12700" cap="flat" cmpd="sng" algn="ctr">
+                      <a:solidFill>
+                        <a:schemeClr val="tx1"/>
+                      </a:solidFill>
+                      <a:prstDash val="solid"/>
+                      <a:round/>
+                      <a:headEnd type="none" w="med" len="med"/>
+                      <a:tailEnd type="none" w="med" len="med"/>
+                    </a:lnL>
+                    <a:lnR w="12700" cap="flat" cmpd="sng" algn="ctr">
+                      <a:solidFill>
+                        <a:schemeClr val="tx1"/>
+                      </a:solidFill>
+                      <a:prstDash val="solid"/>
+                      <a:round/>
+                      <a:headEnd type="none" w="med" len="med"/>
+                      <a:tailEnd type="none" w="med" len="med"/>
+                    </a:lnR>
+                    <a:lnT w="12700" cap="flat" cmpd="sng" algn="ctr">
+                      <a:solidFill>
+                        <a:schemeClr val="tx1"/>
+                      </a:solidFill>
+                      <a:prstDash val="solid"/>
+                      <a:round/>
+                      <a:headEnd type="none" w="med" len="med"/>
+                      <a:tailEnd type="none" w="med" len="med"/>
+                    </a:lnT>
+                    <a:lnB w="12700" cap="flat" cmpd="sng" algn="ctr">
+                      <a:solidFill>
+                        <a:schemeClr val="tx1"/>
+                      </a:solidFill>
+                      <a:prstDash val="solid"/>
+                      <a:round/>
+                      <a:headEnd type="none" w="med" len="med"/>
+                      <a:tailEnd type="none" w="med" len="med"/>
+                    </a:lnB>
+                    <a:lnTlToBr w="12700" cmpd="sng">
+                      <a:noFill/>
+                      <a:prstDash val="solid"/>
+                    </a:lnTlToBr>
+                    <a:lnBlToTr w="12700" cmpd="sng">
+                      <a:noFill/>
+                      <a:prstDash val="solid"/>
+                    </a:lnBlToTr>
+                  </a:tcPr>
                 </a:tc>
                 <a:extLst>
                   <a:ext uri="{0D108BD9-81ED-4DB2-BD59-A6C34878D82A}">
@@ -6014,7 +6689,52 @@
                       </a:r>
                     </a:p>
                   </a:txBody>
-                  <a:tcPr/>
+                  <a:tcPr>
+                    <a:lnL w="12700" cap="flat" cmpd="sng" algn="ctr">
+                      <a:solidFill>
+                        <a:schemeClr val="tx1"/>
+                      </a:solidFill>
+                      <a:prstDash val="solid"/>
+                      <a:round/>
+                      <a:headEnd type="none" w="med" len="med"/>
+                      <a:tailEnd type="none" w="med" len="med"/>
+                    </a:lnL>
+                    <a:lnR w="12700" cap="flat" cmpd="sng" algn="ctr">
+                      <a:solidFill>
+                        <a:schemeClr val="tx1"/>
+                      </a:solidFill>
+                      <a:prstDash val="solid"/>
+                      <a:round/>
+                      <a:headEnd type="none" w="med" len="med"/>
+                      <a:tailEnd type="none" w="med" len="med"/>
+                    </a:lnR>
+                    <a:lnT w="12700" cap="flat" cmpd="sng" algn="ctr">
+                      <a:solidFill>
+                        <a:schemeClr val="tx1"/>
+                      </a:solidFill>
+                      <a:prstDash val="solid"/>
+                      <a:round/>
+                      <a:headEnd type="none" w="med" len="med"/>
+                      <a:tailEnd type="none" w="med" len="med"/>
+                    </a:lnT>
+                    <a:lnB w="12700" cap="flat" cmpd="sng" algn="ctr">
+                      <a:solidFill>
+                        <a:schemeClr val="tx1"/>
+                      </a:solidFill>
+                      <a:prstDash val="solid"/>
+                      <a:round/>
+                      <a:headEnd type="none" w="med" len="med"/>
+                      <a:tailEnd type="none" w="med" len="med"/>
+                    </a:lnB>
+                    <a:lnTlToBr w="12700" cmpd="sng">
+                      <a:noFill/>
+                      <a:prstDash val="solid"/>
+                    </a:lnTlToBr>
+                    <a:lnBlToTr w="12700" cmpd="sng">
+                      <a:noFill/>
+                      <a:prstDash val="solid"/>
+                    </a:lnBlToTr>
+                  </a:tcPr>
                 </a:tc>
                 <a:tc>
                   <a:txBody>
@@ -6025,7 +6745,52 @@
                       <a:endParaRPr lang="ko-KR" altLang="en-US" dirty="0"/>
                     </a:p>
                   </a:txBody>
-                  <a:tcPr/>
+                  <a:tcPr>
+                    <a:lnL w="12700" cap="flat" cmpd="sng" algn="ctr">
+                      <a:solidFill>
+                        <a:schemeClr val="tx1"/>
+                      </a:solidFill>
+                      <a:prstDash val="solid"/>
+                      <a:round/>
+                      <a:headEnd type="none" w="med" len="med"/>
+                      <a:tailEnd type="none" w="med" len="med"/>
+                    </a:lnL>
+                    <a:lnR w="12700" cap="flat" cmpd="sng" algn="ctr">
+                      <a:solidFill>
+                        <a:schemeClr val="tx1"/>
+                      </a:solidFill>
+                      <a:prstDash val="solid"/>
+                      <a:round/>
+                      <a:headEnd type="none" w="med" len="med"/>
+                      <a:tailEnd type="none" w="med" len="med"/>
+                    </a:lnR>
+                    <a:lnT w="12700" cap="flat" cmpd="sng" algn="ctr">
+                      <a:solidFill>
+                        <a:schemeClr val="tx1"/>
+                      </a:solidFill>
+                      <a:prstDash val="solid"/>
+                      <a:round/>
+                      <a:headEnd type="none" w="med" len="med"/>
+                      <a:tailEnd type="none" w="med" len="med"/>
+                    </a:lnT>
+                    <a:lnB w="12700" cap="flat" cmpd="sng" algn="ctr">
+                      <a:solidFill>
+                        <a:schemeClr val="tx1"/>
+                      </a:solidFill>
+                      <a:prstDash val="solid"/>
+                      <a:round/>
+                      <a:headEnd type="none" w="med" len="med"/>
+                      <a:tailEnd type="none" w="med" len="med"/>
+                    </a:lnB>
+                    <a:lnTlToBr w="12700" cmpd="sng">
+                      <a:noFill/>
+                      <a:prstDash val="solid"/>
+                    </a:lnTlToBr>
+                    <a:lnBlToTr w="12700" cmpd="sng">
+                      <a:noFill/>
+                      <a:prstDash val="solid"/>
+                    </a:lnBlToTr>
+                  </a:tcPr>
                 </a:tc>
                 <a:tc>
                   <a:txBody>
@@ -6036,7 +6801,52 @@
                       <a:endParaRPr lang="ko-KR" altLang="en-US"/>
                     </a:p>
                   </a:txBody>
-                  <a:tcPr/>
+                  <a:tcPr>
+                    <a:lnL w="12700" cap="flat" cmpd="sng" algn="ctr">
+                      <a:solidFill>
+                        <a:schemeClr val="tx1"/>
+                      </a:solidFill>
+                      <a:prstDash val="solid"/>
+                      <a:round/>
+                      <a:headEnd type="none" w="med" len="med"/>
+                      <a:tailEnd type="none" w="med" len="med"/>
+                    </a:lnL>
+                    <a:lnR w="12700" cap="flat" cmpd="sng" algn="ctr">
+                      <a:solidFill>
+                        <a:schemeClr val="tx1"/>
+                      </a:solidFill>
+                      <a:prstDash val="solid"/>
+                      <a:round/>
+                      <a:headEnd type="none" w="med" len="med"/>
+                      <a:tailEnd type="none" w="med" len="med"/>
+                    </a:lnR>
+                    <a:lnT w="12700" cap="flat" cmpd="sng" algn="ctr">
+                      <a:solidFill>
+                        <a:schemeClr val="tx1"/>
+                      </a:solidFill>
+                      <a:prstDash val="solid"/>
+                      <a:round/>
+                      <a:headEnd type="none" w="med" len="med"/>
+                      <a:tailEnd type="none" w="med" len="med"/>
+                    </a:lnT>
+                    <a:lnB w="12700" cap="flat" cmpd="sng" algn="ctr">
+                      <a:solidFill>
+                        <a:schemeClr val="tx1"/>
+                      </a:solidFill>
+                      <a:prstDash val="solid"/>
+                      <a:round/>
+                      <a:headEnd type="none" w="med" len="med"/>
+                      <a:tailEnd type="none" w="med" len="med"/>
+                    </a:lnB>
+                    <a:lnTlToBr w="12700" cmpd="sng">
+                      <a:noFill/>
+                      <a:prstDash val="solid"/>
+                    </a:lnTlToBr>
+                    <a:lnBlToTr w="12700" cmpd="sng">
+                      <a:noFill/>
+                      <a:prstDash val="solid"/>
+                    </a:lnBlToTr>
+                  </a:tcPr>
                 </a:tc>
                 <a:tc>
                   <a:txBody>
@@ -6047,7 +6857,52 @@
                       <a:endParaRPr lang="ko-KR" altLang="en-US"/>
                     </a:p>
                   </a:txBody>
-                  <a:tcPr/>
+                  <a:tcPr>
+                    <a:lnL w="12700" cap="flat" cmpd="sng" algn="ctr">
+                      <a:solidFill>
+                        <a:schemeClr val="tx1"/>
+                      </a:solidFill>
+                      <a:prstDash val="solid"/>
+                      <a:round/>
+                      <a:headEnd type="none" w="med" len="med"/>
+                      <a:tailEnd type="none" w="med" len="med"/>
+                    </a:lnL>
+                    <a:lnR w="12700" cap="flat" cmpd="sng" algn="ctr">
+                      <a:solidFill>
+                        <a:schemeClr val="tx1"/>
+                      </a:solidFill>
+                      <a:prstDash val="solid"/>
+                      <a:round/>
+                      <a:headEnd type="none" w="med" len="med"/>
+                      <a:tailEnd type="none" w="med" len="med"/>
+                    </a:lnR>
+                    <a:lnT w="12700" cap="flat" cmpd="sng" algn="ctr">
+                      <a:solidFill>
+                        <a:schemeClr val="tx1"/>
+                      </a:solidFill>
+                      <a:prstDash val="solid"/>
+                      <a:round/>
+                      <a:headEnd type="none" w="med" len="med"/>
+                      <a:tailEnd type="none" w="med" len="med"/>
+                    </a:lnT>
+                    <a:lnB w="12700" cap="flat" cmpd="sng" algn="ctr">
+                      <a:solidFill>
+                        <a:schemeClr val="tx1"/>
+                      </a:solidFill>
+                      <a:prstDash val="solid"/>
+                      <a:round/>
+                      <a:headEnd type="none" w="med" len="med"/>
+                      <a:tailEnd type="none" w="med" len="med"/>
+                    </a:lnB>
+                    <a:lnTlToBr w="12700" cmpd="sng">
+                      <a:noFill/>
+                      <a:prstDash val="solid"/>
+                    </a:lnTlToBr>
+                    <a:lnBlToTr w="12700" cmpd="sng">
+                      <a:noFill/>
+                      <a:prstDash val="solid"/>
+                    </a:lnBlToTr>
+                  </a:tcPr>
                 </a:tc>
                 <a:tc>
                   <a:txBody>
@@ -6058,7 +6913,52 @@
                       <a:endParaRPr lang="ko-KR" altLang="en-US" dirty="0"/>
                     </a:p>
                   </a:txBody>
-                  <a:tcPr/>
+                  <a:tcPr>
+                    <a:lnL w="12700" cap="flat" cmpd="sng" algn="ctr">
+                      <a:solidFill>
+                        <a:schemeClr val="tx1"/>
+                      </a:solidFill>
+                      <a:prstDash val="solid"/>
+                      <a:round/>
+                      <a:headEnd type="none" w="med" len="med"/>
+                      <a:tailEnd type="none" w="med" len="med"/>
+                    </a:lnL>
+                    <a:lnR w="12700" cap="flat" cmpd="sng" algn="ctr">
+                      <a:solidFill>
+                        <a:schemeClr val="tx1"/>
+                      </a:solidFill>
+                      <a:prstDash val="solid"/>
+                      <a:round/>
+                      <a:headEnd type="none" w="med" len="med"/>
+                      <a:tailEnd type="none" w="med" len="med"/>
+                    </a:lnR>
+                    <a:lnT w="12700" cap="flat" cmpd="sng" algn="ctr">
+                      <a:solidFill>
+                        <a:schemeClr val="tx1"/>
+                      </a:solidFill>
+                      <a:prstDash val="solid"/>
+                      <a:round/>
+                      <a:headEnd type="none" w="med" len="med"/>
+                      <a:tailEnd type="none" w="med" len="med"/>
+                    </a:lnT>
+                    <a:lnB w="12700" cap="flat" cmpd="sng" algn="ctr">
+                      <a:solidFill>
+                        <a:schemeClr val="tx1"/>
+                      </a:solidFill>
+                      <a:prstDash val="solid"/>
+                      <a:round/>
+                      <a:headEnd type="none" w="med" len="med"/>
+                      <a:tailEnd type="none" w="med" len="med"/>
+                    </a:lnB>
+                    <a:lnTlToBr w="12700" cmpd="sng">
+                      <a:noFill/>
+                      <a:prstDash val="solid"/>
+                    </a:lnTlToBr>
+                    <a:lnBlToTr w="12700" cmpd="sng">
+                      <a:noFill/>
+                      <a:prstDash val="solid"/>
+                    </a:lnBlToTr>
+                  </a:tcPr>
                 </a:tc>
                 <a:extLst>
                   <a:ext uri="{0D108BD9-81ED-4DB2-BD59-A6C34878D82A}">

--- a/작업일지 && 졸작자료/중간평가.pptx
+++ b/작업일지 && 졸작자료/중간평가.pptx
@@ -4845,7 +4845,7 @@
         </p:nvSpPr>
         <p:spPr>
           <a:xfrm rot="16200000">
-            <a:off x="2657633" y="-2667038"/>
+            <a:off x="2657631" y="-2676369"/>
             <a:ext cx="6876736" cy="12192001"/>
           </a:xfrm>
           <a:prstGeom prst="rect">
@@ -5306,7 +5306,7 @@
             </a:r>
             <a:r>
               <a:rPr lang="ko-KR" altLang="en-US" dirty="0"/>
-              <a:t>남은 기간동안 게임에 여러 상호작용 건물을 추가 </a:t>
+              <a:t>남은 기간동안 게임에 여러 상호작용 오브젝트 추가  </a:t>
             </a:r>
           </a:p>
         </p:txBody>
@@ -5355,7 +5355,7 @@
         </p:nvSpPr>
         <p:spPr>
           <a:xfrm rot="16200000">
-            <a:off x="2657633" y="-2667038"/>
+            <a:off x="2657631" y="-2657632"/>
             <a:ext cx="6876736" cy="12192001"/>
           </a:xfrm>
           <a:prstGeom prst="rect">
@@ -5737,19 +5737,19 @@
             </a:extLst>
           </p:cNvPr>
           <p:cNvGraphicFramePr>
-            <a:graphicFrameLocks noGrp="1"/>
+            <a:graphicFrameLocks noGrp="1" noChangeAspect="1"/>
           </p:cNvGraphicFramePr>
           <p:nvPr>
             <p:extLst>
               <p:ext uri="{D42A27DB-BD31-4B8C-83A1-F6EECF244321}">
-                <p14:modId xmlns:p14="http://schemas.microsoft.com/office/powerpoint/2010/main" val="1272873767"/>
+                <p14:modId xmlns:p14="http://schemas.microsoft.com/office/powerpoint/2010/main" val="2153445394"/>
               </p:ext>
             </p:extLst>
           </p:nvPr>
         </p:nvGraphicFramePr>
         <p:xfrm>
-          <a:off x="2300940" y="2687282"/>
-          <a:ext cx="8128000" cy="1483360"/>
+          <a:off x="719665" y="1482097"/>
+          <a:ext cx="10449077" cy="2834640"/>
         </p:xfrm>
         <a:graphic>
           <a:graphicData uri="http://schemas.openxmlformats.org/drawingml/2006/table">
@@ -5758,35 +5758,35 @@
                 <a:tableStyleId>{2D5ABB26-0587-4C30-8999-92F81FD0307C}</a:tableStyleId>
               </a:tblPr>
               <a:tblGrid>
-                <a:gridCol w="1625600">
+                <a:gridCol w="2760653">
                   <a:extLst>
                     <a:ext uri="{9D8B030D-6E8A-4147-A177-3AD203B41FA5}">
                       <a16:colId xmlns:a16="http://schemas.microsoft.com/office/drawing/2014/main" val="2713461468"/>
                     </a:ext>
                   </a:extLst>
                 </a:gridCol>
-                <a:gridCol w="1625600">
+                <a:gridCol w="1922106">
                   <a:extLst>
                     <a:ext uri="{9D8B030D-6E8A-4147-A177-3AD203B41FA5}">
                       <a16:colId xmlns:a16="http://schemas.microsoft.com/office/drawing/2014/main" val="2314507904"/>
                     </a:ext>
                   </a:extLst>
                 </a:gridCol>
-                <a:gridCol w="1625600">
+                <a:gridCol w="1922106">
                   <a:extLst>
                     <a:ext uri="{9D8B030D-6E8A-4147-A177-3AD203B41FA5}">
                       <a16:colId xmlns:a16="http://schemas.microsoft.com/office/drawing/2014/main" val="3753371228"/>
                     </a:ext>
                   </a:extLst>
                 </a:gridCol>
-                <a:gridCol w="1625600">
+                <a:gridCol w="1922106">
                   <a:extLst>
                     <a:ext uri="{9D8B030D-6E8A-4147-A177-3AD203B41FA5}">
                       <a16:colId xmlns:a16="http://schemas.microsoft.com/office/drawing/2014/main" val="3245138495"/>
                     </a:ext>
                   </a:extLst>
                 </a:gridCol>
-                <a:gridCol w="1625600">
+                <a:gridCol w="1922106">
                   <a:extLst>
                     <a:ext uri="{9D8B030D-6E8A-4147-A177-3AD203B41FA5}">
                       <a16:colId xmlns:a16="http://schemas.microsoft.com/office/drawing/2014/main" val="2639327170"/>
@@ -5794,7 +5794,7 @@
                   </a:extLst>
                 </a:gridCol>
               </a:tblGrid>
-              <a:tr h="370840">
+              <a:tr h="424787">
                 <a:tc>
                   <a:txBody>
                     <a:bodyPr/>
@@ -5859,8 +5859,326 @@
                     <a:bodyPr/>
                     <a:lstStyle/>
                     <a:p>
+                      <a:pPr marL="0" marR="0" lvl="0" indent="0" algn="l" defTabSz="914400" rtl="0" eaLnBrk="1" fontAlgn="auto" latinLnBrk="1" hangingPunct="1">
+                        <a:lnSpc>
+                          <a:spcPct val="100000"/>
+                        </a:lnSpc>
+                        <a:spcBef>
+                          <a:spcPts val="0"/>
+                        </a:spcBef>
+                        <a:spcAft>
+                          <a:spcPts val="0"/>
+                        </a:spcAft>
+                        <a:buClrTx/>
+                        <a:buSzTx/>
+                        <a:buFontTx/>
+                        <a:buNone/>
+                        <a:tabLst/>
+                        <a:defRPr/>
+                      </a:pPr>
+                      <a:r>
+                        <a:rPr lang="en-US" altLang="ko-KR" dirty="0"/>
+                        <a:t>5</a:t>
+                      </a:r>
+                      <a:r>
+                        <a:rPr lang="ko-KR" altLang="en-US" dirty="0"/>
+                        <a:t>월</a:t>
+                      </a:r>
+                    </a:p>
+                  </a:txBody>
+                  <a:tcPr>
+                    <a:lnL w="12700" cap="flat" cmpd="sng" algn="ctr">
+                      <a:solidFill>
+                        <a:schemeClr val="tx1"/>
+                      </a:solidFill>
+                      <a:prstDash val="solid"/>
+                      <a:round/>
+                      <a:headEnd type="none" w="med" len="med"/>
+                      <a:tailEnd type="none" w="med" len="med"/>
+                    </a:lnL>
+                    <a:lnR w="12700" cap="flat" cmpd="sng" algn="ctr">
+                      <a:solidFill>
+                        <a:schemeClr val="tx1"/>
+                      </a:solidFill>
+                      <a:prstDash val="solid"/>
+                      <a:round/>
+                      <a:headEnd type="none" w="med" len="med"/>
+                      <a:tailEnd type="none" w="med" len="med"/>
+                    </a:lnR>
+                    <a:lnT w="12700" cap="flat" cmpd="sng" algn="ctr">
+                      <a:solidFill>
+                        <a:schemeClr val="tx1"/>
+                      </a:solidFill>
+                      <a:prstDash val="solid"/>
+                      <a:round/>
+                      <a:headEnd type="none" w="med" len="med"/>
+                      <a:tailEnd type="none" w="med" len="med"/>
+                    </a:lnT>
+                    <a:lnB w="12700" cap="flat" cmpd="sng" algn="ctr">
+                      <a:solidFill>
+                        <a:schemeClr val="tx1"/>
+                      </a:solidFill>
+                      <a:prstDash val="solid"/>
+                      <a:round/>
+                      <a:headEnd type="none" w="med" len="med"/>
+                      <a:tailEnd type="none" w="med" len="med"/>
+                    </a:lnB>
+                    <a:lnTlToBr w="12700" cmpd="sng">
+                      <a:noFill/>
+                      <a:prstDash val="solid"/>
+                    </a:lnTlToBr>
+                    <a:lnBlToTr w="12700" cmpd="sng">
+                      <a:noFill/>
+                      <a:prstDash val="solid"/>
+                    </a:lnBlToTr>
+                  </a:tcPr>
+                </a:tc>
+                <a:tc>
+                  <a:txBody>
+                    <a:bodyPr/>
+                    <a:lstStyle/>
+                    <a:p>
+                      <a:pPr marL="0" marR="0" lvl="0" indent="0" algn="l" defTabSz="914400" rtl="0" eaLnBrk="1" fontAlgn="auto" latinLnBrk="1" hangingPunct="1">
+                        <a:lnSpc>
+                          <a:spcPct val="100000"/>
+                        </a:lnSpc>
+                        <a:spcBef>
+                          <a:spcPts val="0"/>
+                        </a:spcBef>
+                        <a:spcAft>
+                          <a:spcPts val="0"/>
+                        </a:spcAft>
+                        <a:buClrTx/>
+                        <a:buSzTx/>
+                        <a:buFontTx/>
+                        <a:buNone/>
+                        <a:tabLst/>
+                        <a:defRPr/>
+                      </a:pPr>
+                      <a:r>
+                        <a:rPr lang="en-US" altLang="ko-KR" dirty="0"/>
+                        <a:t>6</a:t>
+                      </a:r>
+                      <a:r>
+                        <a:rPr lang="ko-KR" altLang="en-US" dirty="0"/>
+                        <a:t>월</a:t>
+                      </a:r>
+                    </a:p>
+                    <a:p>
+                      <a:pPr algn="l" latinLnBrk="1"/>
+                      <a:endParaRPr lang="ko-KR" altLang="en-US" dirty="0"/>
+                    </a:p>
+                  </a:txBody>
+                  <a:tcPr>
+                    <a:lnL w="12700" cap="flat" cmpd="sng" algn="ctr">
+                      <a:solidFill>
+                        <a:schemeClr val="tx1"/>
+                      </a:solidFill>
+                      <a:prstDash val="solid"/>
+                      <a:round/>
+                      <a:headEnd type="none" w="med" len="med"/>
+                      <a:tailEnd type="none" w="med" len="med"/>
+                    </a:lnL>
+                    <a:lnR w="12700" cap="flat" cmpd="sng" algn="ctr">
+                      <a:solidFill>
+                        <a:schemeClr val="tx1"/>
+                      </a:solidFill>
+                      <a:prstDash val="solid"/>
+                      <a:round/>
+                      <a:headEnd type="none" w="med" len="med"/>
+                      <a:tailEnd type="none" w="med" len="med"/>
+                    </a:lnR>
+                    <a:lnT w="12700" cap="flat" cmpd="sng" algn="ctr">
+                      <a:solidFill>
+                        <a:schemeClr val="tx1"/>
+                      </a:solidFill>
+                      <a:prstDash val="solid"/>
+                      <a:round/>
+                      <a:headEnd type="none" w="med" len="med"/>
+                      <a:tailEnd type="none" w="med" len="med"/>
+                    </a:lnT>
+                    <a:lnB w="12700" cap="flat" cmpd="sng" algn="ctr">
+                      <a:solidFill>
+                        <a:schemeClr val="tx1"/>
+                      </a:solidFill>
+                      <a:prstDash val="solid"/>
+                      <a:round/>
+                      <a:headEnd type="none" w="med" len="med"/>
+                      <a:tailEnd type="none" w="med" len="med"/>
+                    </a:lnB>
+                    <a:lnTlToBr w="12700" cmpd="sng">
+                      <a:noFill/>
+                      <a:prstDash val="solid"/>
+                    </a:lnTlToBr>
+                    <a:lnBlToTr w="12700" cmpd="sng">
+                      <a:noFill/>
+                      <a:prstDash val="solid"/>
+                    </a:lnBlToTr>
+                  </a:tcPr>
+                </a:tc>
+                <a:tc>
+                  <a:txBody>
+                    <a:bodyPr/>
+                    <a:lstStyle/>
+                    <a:p>
+                      <a:pPr marL="0" marR="0" lvl="0" indent="0" algn="l" defTabSz="914400" rtl="0" eaLnBrk="1" fontAlgn="auto" latinLnBrk="1" hangingPunct="1">
+                        <a:lnSpc>
+                          <a:spcPct val="100000"/>
+                        </a:lnSpc>
+                        <a:spcBef>
+                          <a:spcPts val="0"/>
+                        </a:spcBef>
+                        <a:spcAft>
+                          <a:spcPts val="0"/>
+                        </a:spcAft>
+                        <a:buClrTx/>
+                        <a:buSzTx/>
+                        <a:buFontTx/>
+                        <a:buNone/>
+                        <a:tabLst/>
+                        <a:defRPr/>
+                      </a:pPr>
+                      <a:r>
+                        <a:rPr lang="en-US" altLang="ko-KR" dirty="0"/>
+                        <a:t>7</a:t>
+                      </a:r>
+                      <a:r>
+                        <a:rPr lang="ko-KR" altLang="en-US" dirty="0"/>
+                        <a:t>월</a:t>
+                      </a:r>
+                    </a:p>
+                    <a:p>
+                      <a:pPr algn="l" latinLnBrk="1"/>
+                      <a:endParaRPr lang="ko-KR" altLang="en-US" dirty="0"/>
+                    </a:p>
+                  </a:txBody>
+                  <a:tcPr>
+                    <a:lnL w="12700" cap="flat" cmpd="sng" algn="ctr">
+                      <a:solidFill>
+                        <a:schemeClr val="tx1"/>
+                      </a:solidFill>
+                      <a:prstDash val="solid"/>
+                      <a:round/>
+                      <a:headEnd type="none" w="med" len="med"/>
+                      <a:tailEnd type="none" w="med" len="med"/>
+                    </a:lnL>
+                    <a:lnR w="12700" cap="flat" cmpd="sng" algn="ctr">
+                      <a:solidFill>
+                        <a:schemeClr val="tx1"/>
+                      </a:solidFill>
+                      <a:prstDash val="solid"/>
+                      <a:round/>
+                      <a:headEnd type="none" w="med" len="med"/>
+                      <a:tailEnd type="none" w="med" len="med"/>
+                    </a:lnR>
+                    <a:lnT w="12700" cap="flat" cmpd="sng" algn="ctr">
+                      <a:solidFill>
+                        <a:schemeClr val="tx1"/>
+                      </a:solidFill>
+                      <a:prstDash val="solid"/>
+                      <a:round/>
+                      <a:headEnd type="none" w="med" len="med"/>
+                      <a:tailEnd type="none" w="med" len="med"/>
+                    </a:lnT>
+                    <a:lnB w="12700" cap="flat" cmpd="sng" algn="ctr">
+                      <a:solidFill>
+                        <a:schemeClr val="tx1"/>
+                      </a:solidFill>
+                      <a:prstDash val="solid"/>
+                      <a:round/>
+                      <a:headEnd type="none" w="med" len="med"/>
+                      <a:tailEnd type="none" w="med" len="med"/>
+                    </a:lnB>
+                    <a:lnTlToBr w="12700" cmpd="sng">
+                      <a:noFill/>
+                      <a:prstDash val="solid"/>
+                    </a:lnTlToBr>
+                    <a:lnBlToTr w="12700" cmpd="sng">
+                      <a:noFill/>
+                      <a:prstDash val="solid"/>
+                    </a:lnBlToTr>
+                  </a:tcPr>
+                </a:tc>
+                <a:tc>
+                  <a:txBody>
+                    <a:bodyPr/>
+                    <a:lstStyle/>
+                    <a:p>
+                      <a:pPr algn="l" latinLnBrk="1"/>
+                      <a:r>
+                        <a:rPr lang="en-US" altLang="ko-KR" dirty="0"/>
+                        <a:t>8</a:t>
+                      </a:r>
+                      <a:r>
+                        <a:rPr lang="ko-KR" altLang="en-US" dirty="0"/>
+                        <a:t>월</a:t>
+                      </a:r>
+                    </a:p>
+                  </a:txBody>
+                  <a:tcPr>
+                    <a:lnL w="12700" cap="flat" cmpd="sng" algn="ctr">
+                      <a:solidFill>
+                        <a:schemeClr val="tx1"/>
+                      </a:solidFill>
+                      <a:prstDash val="solid"/>
+                      <a:round/>
+                      <a:headEnd type="none" w="med" len="med"/>
+                      <a:tailEnd type="none" w="med" len="med"/>
+                    </a:lnL>
+                    <a:lnR w="12700" cap="flat" cmpd="sng" algn="ctr">
+                      <a:solidFill>
+                        <a:schemeClr val="tx1"/>
+                      </a:solidFill>
+                      <a:prstDash val="solid"/>
+                      <a:round/>
+                      <a:headEnd type="none" w="med" len="med"/>
+                      <a:tailEnd type="none" w="med" len="med"/>
+                    </a:lnR>
+                    <a:lnT w="12700" cap="flat" cmpd="sng" algn="ctr">
+                      <a:solidFill>
+                        <a:schemeClr val="tx1"/>
+                      </a:solidFill>
+                      <a:prstDash val="solid"/>
+                      <a:round/>
+                      <a:headEnd type="none" w="med" len="med"/>
+                      <a:tailEnd type="none" w="med" len="med"/>
+                    </a:lnT>
+                    <a:lnB w="12700" cap="flat" cmpd="sng" algn="ctr">
+                      <a:solidFill>
+                        <a:schemeClr val="tx1"/>
+                      </a:solidFill>
+                      <a:prstDash val="solid"/>
+                      <a:round/>
+                      <a:headEnd type="none" w="med" len="med"/>
+                      <a:tailEnd type="none" w="med" len="med"/>
+                    </a:lnB>
+                    <a:lnTlToBr w="12700" cmpd="sng">
+                      <a:noFill/>
+                      <a:prstDash val="solid"/>
+                    </a:lnTlToBr>
+                    <a:lnBlToTr w="12700" cmpd="sng">
+                      <a:noFill/>
+                      <a:prstDash val="solid"/>
+                    </a:lnBlToTr>
+                  </a:tcPr>
+                </a:tc>
+                <a:extLst>
+                  <a:ext uri="{0D108BD9-81ED-4DB2-BD59-A6C34878D82A}">
+                    <a16:rowId xmlns:a16="http://schemas.microsoft.com/office/drawing/2014/main" val="436949289"/>
+                  </a:ext>
+                </a:extLst>
+              </a:tr>
+              <a:tr h="242735">
+                <a:tc>
+                  <a:txBody>
+                    <a:bodyPr/>
+                    <a:lstStyle/>
+                    <a:p>
                       <a:pPr latinLnBrk="1"/>
-                      <a:endParaRPr lang="ko-KR" altLang="en-US" dirty="0"/>
+                      <a:r>
+                        <a:rPr lang="ko-KR" altLang="en-US" dirty="0"/>
+                        <a:t>데이터베이스 연동</a:t>
+                      </a:r>
                     </a:p>
                   </a:txBody>
                   <a:tcPr>
@@ -5964,6 +6282,9 @@
                       <a:noFill/>
                       <a:prstDash val="solid"/>
                     </a:lnBlToTr>
+                    <a:solidFill>
+                      <a:srgbClr val="FF0000"/>
+                    </a:solidFill>
                   </a:tcPr>
                 </a:tc>
                 <a:tc>
@@ -5972,7 +6293,7 @@
                     <a:lstStyle/>
                     <a:p>
                       <a:pPr latinLnBrk="1"/>
-                      <a:endParaRPr lang="ko-KR" altLang="en-US"/>
+                      <a:endParaRPr lang="ko-KR" altLang="en-US" dirty="0"/>
                     </a:p>
                   </a:txBody>
                   <a:tcPr>
@@ -6078,13 +6399,69 @@
                     </a:lnBlToTr>
                   </a:tcPr>
                 </a:tc>
+                <a:tc>
+                  <a:txBody>
+                    <a:bodyPr/>
+                    <a:lstStyle/>
+                    <a:p>
+                      <a:pPr latinLnBrk="1"/>
+                      <a:endParaRPr lang="ko-KR" altLang="en-US"/>
+                    </a:p>
+                  </a:txBody>
+                  <a:tcPr>
+                    <a:lnL w="12700" cap="flat" cmpd="sng" algn="ctr">
+                      <a:solidFill>
+                        <a:schemeClr val="tx1"/>
+                      </a:solidFill>
+                      <a:prstDash val="solid"/>
+                      <a:round/>
+                      <a:headEnd type="none" w="med" len="med"/>
+                      <a:tailEnd type="none" w="med" len="med"/>
+                    </a:lnL>
+                    <a:lnR w="12700" cap="flat" cmpd="sng" algn="ctr">
+                      <a:solidFill>
+                        <a:schemeClr val="tx1"/>
+                      </a:solidFill>
+                      <a:prstDash val="solid"/>
+                      <a:round/>
+                      <a:headEnd type="none" w="med" len="med"/>
+                      <a:tailEnd type="none" w="med" len="med"/>
+                    </a:lnR>
+                    <a:lnT w="12700" cap="flat" cmpd="sng" algn="ctr">
+                      <a:solidFill>
+                        <a:schemeClr val="tx1"/>
+                      </a:solidFill>
+                      <a:prstDash val="solid"/>
+                      <a:round/>
+                      <a:headEnd type="none" w="med" len="med"/>
+                      <a:tailEnd type="none" w="med" len="med"/>
+                    </a:lnT>
+                    <a:lnB w="12700" cap="flat" cmpd="sng" algn="ctr">
+                      <a:solidFill>
+                        <a:schemeClr val="tx1"/>
+                      </a:solidFill>
+                      <a:prstDash val="solid"/>
+                      <a:round/>
+                      <a:headEnd type="none" w="med" len="med"/>
+                      <a:tailEnd type="none" w="med" len="med"/>
+                    </a:lnB>
+                    <a:lnTlToBr w="12700" cmpd="sng">
+                      <a:noFill/>
+                      <a:prstDash val="solid"/>
+                    </a:lnTlToBr>
+                    <a:lnBlToTr w="12700" cmpd="sng">
+                      <a:noFill/>
+                      <a:prstDash val="solid"/>
+                    </a:lnBlToTr>
+                  </a:tcPr>
+                </a:tc>
                 <a:extLst>
                   <a:ext uri="{0D108BD9-81ED-4DB2-BD59-A6C34878D82A}">
-                    <a16:rowId xmlns:a16="http://schemas.microsoft.com/office/drawing/2014/main" val="436949289"/>
+                    <a16:rowId xmlns:a16="http://schemas.microsoft.com/office/drawing/2014/main" val="680886889"/>
                   </a:ext>
                 </a:extLst>
               </a:tr>
-              <a:tr h="370840">
+              <a:tr h="242735">
                 <a:tc>
                   <a:txBody>
                     <a:bodyPr/>
@@ -6092,12 +6469,8 @@
                     <a:p>
                       <a:pPr latinLnBrk="1"/>
                       <a:r>
-                        <a:rPr lang="en-US" altLang="ko-KR" dirty="0"/>
-                        <a:t>5</a:t>
-                      </a:r>
-                      <a:r>
                         <a:rPr lang="ko-KR" altLang="en-US" dirty="0"/>
-                        <a:t>월</a:t>
+                        <a:t>게임 재시작 </a:t>
                       </a:r>
                     </a:p>
                   </a:txBody>
@@ -6202,6 +6575,9 @@
                       <a:noFill/>
                       <a:prstDash val="solid"/>
                     </a:lnBlToTr>
+                    <a:solidFill>
+                      <a:srgbClr val="FF0000"/>
+                    </a:solidFill>
                   </a:tcPr>
                 </a:tc>
                 <a:tc>
@@ -6210,7 +6586,64 @@
                     <a:lstStyle/>
                     <a:p>
                       <a:pPr latinLnBrk="1"/>
-                      <a:endParaRPr lang="ko-KR" altLang="en-US"/>
+                      <a:endParaRPr lang="ko-KR" altLang="en-US" dirty="0"/>
+                    </a:p>
+                  </a:txBody>
+                  <a:tcPr>
+                    <a:lnL w="12700" cap="flat" cmpd="sng" algn="ctr">
+                      <a:solidFill>
+                        <a:schemeClr val="tx1"/>
+                      </a:solidFill>
+                      <a:prstDash val="solid"/>
+                      <a:round/>
+                      <a:headEnd type="none" w="med" len="med"/>
+                      <a:tailEnd type="none" w="med" len="med"/>
+                    </a:lnL>
+                    <a:lnR w="12700" cap="flat" cmpd="sng" algn="ctr">
+                      <a:solidFill>
+                        <a:schemeClr val="tx1"/>
+                      </a:solidFill>
+                      <a:prstDash val="solid"/>
+                      <a:round/>
+                      <a:headEnd type="none" w="med" len="med"/>
+                      <a:tailEnd type="none" w="med" len="med"/>
+                    </a:lnR>
+                    <a:lnT w="12700" cap="flat" cmpd="sng" algn="ctr">
+                      <a:solidFill>
+                        <a:schemeClr val="tx1"/>
+                      </a:solidFill>
+                      <a:prstDash val="solid"/>
+                      <a:round/>
+                      <a:headEnd type="none" w="med" len="med"/>
+                      <a:tailEnd type="none" w="med" len="med"/>
+                    </a:lnT>
+                    <a:lnB w="12700" cap="flat" cmpd="sng" algn="ctr">
+                      <a:solidFill>
+                        <a:schemeClr val="tx1"/>
+                      </a:solidFill>
+                      <a:prstDash val="solid"/>
+                      <a:round/>
+                      <a:headEnd type="none" w="med" len="med"/>
+                      <a:tailEnd type="none" w="med" len="med"/>
+                    </a:lnB>
+                    <a:lnTlToBr w="12700" cmpd="sng">
+                      <a:noFill/>
+                      <a:prstDash val="solid"/>
+                    </a:lnTlToBr>
+                    <a:lnBlToTr w="12700" cmpd="sng">
+                      <a:noFill/>
+                      <a:prstDash val="solid"/>
+                    </a:lnBlToTr>
+                    <a:noFill/>
+                  </a:tcPr>
+                </a:tc>
+                <a:tc>
+                  <a:txBody>
+                    <a:bodyPr/>
+                    <a:lstStyle/>
+                    <a:p>
+                      <a:pPr latinLnBrk="1"/>
+                      <a:endParaRPr lang="ko-KR" altLang="en-US" dirty="0"/>
                     </a:p>
                   </a:txBody>
                   <a:tcPr>
@@ -6316,69 +6749,13 @@
                     </a:lnBlToTr>
                   </a:tcPr>
                 </a:tc>
-                <a:tc>
-                  <a:txBody>
-                    <a:bodyPr/>
-                    <a:lstStyle/>
-                    <a:p>
-                      <a:pPr latinLnBrk="1"/>
-                      <a:endParaRPr lang="ko-KR" altLang="en-US"/>
-                    </a:p>
-                  </a:txBody>
-                  <a:tcPr>
-                    <a:lnL w="12700" cap="flat" cmpd="sng" algn="ctr">
-                      <a:solidFill>
-                        <a:schemeClr val="tx1"/>
-                      </a:solidFill>
-                      <a:prstDash val="solid"/>
-                      <a:round/>
-                      <a:headEnd type="none" w="med" len="med"/>
-                      <a:tailEnd type="none" w="med" len="med"/>
-                    </a:lnL>
-                    <a:lnR w="12700" cap="flat" cmpd="sng" algn="ctr">
-                      <a:solidFill>
-                        <a:schemeClr val="tx1"/>
-                      </a:solidFill>
-                      <a:prstDash val="solid"/>
-                      <a:round/>
-                      <a:headEnd type="none" w="med" len="med"/>
-                      <a:tailEnd type="none" w="med" len="med"/>
-                    </a:lnR>
-                    <a:lnT w="12700" cap="flat" cmpd="sng" algn="ctr">
-                      <a:solidFill>
-                        <a:schemeClr val="tx1"/>
-                      </a:solidFill>
-                      <a:prstDash val="solid"/>
-                      <a:round/>
-                      <a:headEnd type="none" w="med" len="med"/>
-                      <a:tailEnd type="none" w="med" len="med"/>
-                    </a:lnT>
-                    <a:lnB w="12700" cap="flat" cmpd="sng" algn="ctr">
-                      <a:solidFill>
-                        <a:schemeClr val="tx1"/>
-                      </a:solidFill>
-                      <a:prstDash val="solid"/>
-                      <a:round/>
-                      <a:headEnd type="none" w="med" len="med"/>
-                      <a:tailEnd type="none" w="med" len="med"/>
-                    </a:lnB>
-                    <a:lnTlToBr w="12700" cmpd="sng">
-                      <a:noFill/>
-                      <a:prstDash val="solid"/>
-                    </a:lnTlToBr>
-                    <a:lnBlToTr w="12700" cmpd="sng">
-                      <a:noFill/>
-                      <a:prstDash val="solid"/>
-                    </a:lnBlToTr>
-                  </a:tcPr>
-                </a:tc>
                 <a:extLst>
                   <a:ext uri="{0D108BD9-81ED-4DB2-BD59-A6C34878D82A}">
-                    <a16:rowId xmlns:a16="http://schemas.microsoft.com/office/drawing/2014/main" val="680886889"/>
+                    <a16:rowId xmlns:a16="http://schemas.microsoft.com/office/drawing/2014/main" val="1383885912"/>
                   </a:ext>
                 </a:extLst>
               </a:tr>
-              <a:tr h="370840">
+              <a:tr h="242735">
                 <a:tc>
                   <a:txBody>
                     <a:bodyPr/>
@@ -6386,12 +6763,8 @@
                     <a:p>
                       <a:pPr latinLnBrk="1"/>
                       <a:r>
-                        <a:rPr lang="en-US" altLang="ko-KR" dirty="0"/>
-                        <a:t>6</a:t>
-                      </a:r>
-                      <a:r>
                         <a:rPr lang="ko-KR" altLang="en-US" dirty="0"/>
-                        <a:t>월</a:t>
+                        <a:t>게임 룸 설계</a:t>
                       </a:r>
                     </a:p>
                   </a:txBody>
@@ -6504,7 +6877,7 @@
                     <a:lstStyle/>
                     <a:p>
                       <a:pPr latinLnBrk="1"/>
-                      <a:endParaRPr lang="ko-KR" altLang="en-US"/>
+                      <a:endParaRPr lang="ko-KR" altLang="en-US" dirty="0"/>
                     </a:p>
                   </a:txBody>
                   <a:tcPr>
@@ -6552,6 +6925,9 @@
                       <a:noFill/>
                       <a:prstDash val="solid"/>
                     </a:lnBlToTr>
+                    <a:solidFill>
+                      <a:srgbClr val="FF0000"/>
+                    </a:solidFill>
                   </a:tcPr>
                 </a:tc>
                 <a:tc>
@@ -6560,7 +6936,7 @@
                     <a:lstStyle/>
                     <a:p>
                       <a:pPr latinLnBrk="1"/>
-                      <a:endParaRPr lang="ko-KR" altLang="en-US"/>
+                      <a:endParaRPr lang="ko-KR" altLang="en-US" dirty="0"/>
                     </a:p>
                   </a:txBody>
                   <a:tcPr>
@@ -6608,6 +6984,9 @@
                       <a:noFill/>
                       <a:prstDash val="solid"/>
                     </a:lnBlToTr>
+                    <a:solidFill>
+                      <a:srgbClr val="FF0000"/>
+                    </a:solidFill>
                   </a:tcPr>
                 </a:tc>
                 <a:tc>
@@ -6616,7 +6995,7 @@
                     <a:lstStyle/>
                     <a:p>
                       <a:pPr latinLnBrk="1"/>
-                      <a:endParaRPr lang="ko-KR" altLang="en-US"/>
+                      <a:endParaRPr lang="ko-KR" altLang="en-US" dirty="0"/>
                     </a:p>
                   </a:txBody>
                   <a:tcPr>
@@ -6668,11 +7047,11 @@
                 </a:tc>
                 <a:extLst>
                   <a:ext uri="{0D108BD9-81ED-4DB2-BD59-A6C34878D82A}">
-                    <a16:rowId xmlns:a16="http://schemas.microsoft.com/office/drawing/2014/main" val="1383885912"/>
+                    <a16:rowId xmlns:a16="http://schemas.microsoft.com/office/drawing/2014/main" val="1725183095"/>
                   </a:ext>
                 </a:extLst>
               </a:tr>
-              <a:tr h="370840">
+              <a:tr h="242735">
                 <a:tc>
                   <a:txBody>
                     <a:bodyPr/>
@@ -6680,12 +7059,8 @@
                     <a:p>
                       <a:pPr latinLnBrk="1"/>
                       <a:r>
-                        <a:rPr lang="en-US" altLang="ko-KR" dirty="0"/>
-                        <a:t>7</a:t>
-                      </a:r>
-                      <a:r>
                         <a:rPr lang="ko-KR" altLang="en-US" dirty="0"/>
-                        <a:t>월</a:t>
+                        <a:t>다중 접속 처리</a:t>
                       </a:r>
                     </a:p>
                   </a:txBody>
@@ -6798,7 +7173,7 @@
                     <a:lstStyle/>
                     <a:p>
                       <a:pPr latinLnBrk="1"/>
-                      <a:endParaRPr lang="ko-KR" altLang="en-US"/>
+                      <a:endParaRPr lang="ko-KR" altLang="en-US" dirty="0"/>
                     </a:p>
                   </a:txBody>
                   <a:tcPr>
@@ -6846,6 +7221,9 @@
                       <a:noFill/>
                       <a:prstDash val="solid"/>
                     </a:lnBlToTr>
+                    <a:solidFill>
+                      <a:srgbClr val="FF0000"/>
+                    </a:solidFill>
                   </a:tcPr>
                 </a:tc>
                 <a:tc>
@@ -6854,7 +7232,135 @@
                     <a:lstStyle/>
                     <a:p>
                       <a:pPr latinLnBrk="1"/>
-                      <a:endParaRPr lang="ko-KR" altLang="en-US"/>
+                      <a:endParaRPr lang="ko-KR" altLang="en-US" dirty="0"/>
+                    </a:p>
+                  </a:txBody>
+                  <a:tcPr>
+                    <a:lnL w="12700" cap="flat" cmpd="sng" algn="ctr">
+                      <a:solidFill>
+                        <a:schemeClr val="tx1"/>
+                      </a:solidFill>
+                      <a:prstDash val="solid"/>
+                      <a:round/>
+                      <a:headEnd type="none" w="med" len="med"/>
+                      <a:tailEnd type="none" w="med" len="med"/>
+                    </a:lnL>
+                    <a:lnR w="12700" cap="flat" cmpd="sng" algn="ctr">
+                      <a:solidFill>
+                        <a:schemeClr val="tx1"/>
+                      </a:solidFill>
+                      <a:prstDash val="solid"/>
+                      <a:round/>
+                      <a:headEnd type="none" w="med" len="med"/>
+                      <a:tailEnd type="none" w="med" len="med"/>
+                    </a:lnR>
+                    <a:lnT w="12700" cap="flat" cmpd="sng" algn="ctr">
+                      <a:solidFill>
+                        <a:schemeClr val="tx1"/>
+                      </a:solidFill>
+                      <a:prstDash val="solid"/>
+                      <a:round/>
+                      <a:headEnd type="none" w="med" len="med"/>
+                      <a:tailEnd type="none" w="med" len="med"/>
+                    </a:lnT>
+                    <a:lnB w="12700" cap="flat" cmpd="sng" algn="ctr">
+                      <a:solidFill>
+                        <a:schemeClr val="tx1"/>
+                      </a:solidFill>
+                      <a:prstDash val="solid"/>
+                      <a:round/>
+                      <a:headEnd type="none" w="med" len="med"/>
+                      <a:tailEnd type="none" w="med" len="med"/>
+                    </a:lnB>
+                    <a:lnTlToBr w="12700" cmpd="sng">
+                      <a:noFill/>
+                      <a:prstDash val="solid"/>
+                    </a:lnTlToBr>
+                    <a:lnBlToTr w="12700" cmpd="sng">
+                      <a:noFill/>
+                      <a:prstDash val="solid"/>
+                    </a:lnBlToTr>
+                    <a:solidFill>
+                      <a:srgbClr val="FF0000"/>
+                    </a:solidFill>
+                  </a:tcPr>
+                </a:tc>
+                <a:tc>
+                  <a:txBody>
+                    <a:bodyPr/>
+                    <a:lstStyle/>
+                    <a:p>
+                      <a:pPr latinLnBrk="1"/>
+                      <a:endParaRPr lang="ko-KR" altLang="en-US" dirty="0"/>
+                    </a:p>
+                  </a:txBody>
+                  <a:tcPr>
+                    <a:lnL w="12700" cap="flat" cmpd="sng" algn="ctr">
+                      <a:solidFill>
+                        <a:schemeClr val="tx1"/>
+                      </a:solidFill>
+                      <a:prstDash val="solid"/>
+                      <a:round/>
+                      <a:headEnd type="none" w="med" len="med"/>
+                      <a:tailEnd type="none" w="med" len="med"/>
+                    </a:lnL>
+                    <a:lnR w="12700" cap="flat" cmpd="sng" algn="ctr">
+                      <a:solidFill>
+                        <a:schemeClr val="tx1"/>
+                      </a:solidFill>
+                      <a:prstDash val="solid"/>
+                      <a:round/>
+                      <a:headEnd type="none" w="med" len="med"/>
+                      <a:tailEnd type="none" w="med" len="med"/>
+                    </a:lnR>
+                    <a:lnT w="12700" cap="flat" cmpd="sng" algn="ctr">
+                      <a:solidFill>
+                        <a:schemeClr val="tx1"/>
+                      </a:solidFill>
+                      <a:prstDash val="solid"/>
+                      <a:round/>
+                      <a:headEnd type="none" w="med" len="med"/>
+                      <a:tailEnd type="none" w="med" len="med"/>
+                    </a:lnT>
+                    <a:lnB w="12700" cap="flat" cmpd="sng" algn="ctr">
+                      <a:solidFill>
+                        <a:schemeClr val="tx1"/>
+                      </a:solidFill>
+                      <a:prstDash val="solid"/>
+                      <a:round/>
+                      <a:headEnd type="none" w="med" len="med"/>
+                      <a:tailEnd type="none" w="med" len="med"/>
+                    </a:lnB>
+                    <a:lnTlToBr w="12700" cmpd="sng">
+                      <a:noFill/>
+                      <a:prstDash val="solid"/>
+                    </a:lnTlToBr>
+                    <a:lnBlToTr w="12700" cmpd="sng">
+                      <a:noFill/>
+                      <a:prstDash val="solid"/>
+                    </a:lnBlToTr>
+                    <a:solidFill>
+                      <a:srgbClr val="FF0000"/>
+                    </a:solidFill>
+                  </a:tcPr>
+                </a:tc>
+                <a:extLst>
+                  <a:ext uri="{0D108BD9-81ED-4DB2-BD59-A6C34878D82A}">
+                    <a16:rowId xmlns:a16="http://schemas.microsoft.com/office/drawing/2014/main" val="3698495862"/>
+                  </a:ext>
+                </a:extLst>
+              </a:tr>
+              <a:tr h="242735">
+                <a:tc>
+                  <a:txBody>
+                    <a:bodyPr/>
+                    <a:lstStyle/>
+                    <a:p>
+                      <a:pPr latinLnBrk="1"/>
+                      <a:r>
+                        <a:rPr lang="ko-KR" altLang="en-US" dirty="0"/>
+                        <a:t>상호작용 오브젝트 구현 </a:t>
+                      </a:r>
                     </a:p>
                   </a:txBody>
                   <a:tcPr>
@@ -6958,11 +7464,496 @@
                       <a:noFill/>
                       <a:prstDash val="solid"/>
                     </a:lnBlToTr>
+                    <a:solidFill>
+                      <a:srgbClr val="0070C0"/>
+                    </a:solidFill>
+                  </a:tcPr>
+                </a:tc>
+                <a:tc>
+                  <a:txBody>
+                    <a:bodyPr/>
+                    <a:lstStyle/>
+                    <a:p>
+                      <a:pPr latinLnBrk="1"/>
+                      <a:endParaRPr lang="ko-KR" altLang="en-US" dirty="0"/>
+                    </a:p>
+                  </a:txBody>
+                  <a:tcPr>
+                    <a:lnL w="12700" cap="flat" cmpd="sng" algn="ctr">
+                      <a:solidFill>
+                        <a:schemeClr val="tx1"/>
+                      </a:solidFill>
+                      <a:prstDash val="solid"/>
+                      <a:round/>
+                      <a:headEnd type="none" w="med" len="med"/>
+                      <a:tailEnd type="none" w="med" len="med"/>
+                    </a:lnL>
+                    <a:lnR w="12700" cap="flat" cmpd="sng" algn="ctr">
+                      <a:solidFill>
+                        <a:schemeClr val="tx1"/>
+                      </a:solidFill>
+                      <a:prstDash val="solid"/>
+                      <a:round/>
+                      <a:headEnd type="none" w="med" len="med"/>
+                      <a:tailEnd type="none" w="med" len="med"/>
+                    </a:lnR>
+                    <a:lnT w="12700" cap="flat" cmpd="sng" algn="ctr">
+                      <a:solidFill>
+                        <a:schemeClr val="tx1"/>
+                      </a:solidFill>
+                      <a:prstDash val="solid"/>
+                      <a:round/>
+                      <a:headEnd type="none" w="med" len="med"/>
+                      <a:tailEnd type="none" w="med" len="med"/>
+                    </a:lnT>
+                    <a:lnB w="12700" cap="flat" cmpd="sng" algn="ctr">
+                      <a:solidFill>
+                        <a:schemeClr val="tx1"/>
+                      </a:solidFill>
+                      <a:prstDash val="solid"/>
+                      <a:round/>
+                      <a:headEnd type="none" w="med" len="med"/>
+                      <a:tailEnd type="none" w="med" len="med"/>
+                    </a:lnB>
+                    <a:lnTlToBr w="12700" cmpd="sng">
+                      <a:noFill/>
+                      <a:prstDash val="solid"/>
+                    </a:lnTlToBr>
+                    <a:lnBlToTr w="12700" cmpd="sng">
+                      <a:noFill/>
+                      <a:prstDash val="solid"/>
+                    </a:lnBlToTr>
+                    <a:solidFill>
+                      <a:srgbClr val="0070C0"/>
+                    </a:solidFill>
+                  </a:tcPr>
+                </a:tc>
+                <a:tc>
+                  <a:txBody>
+                    <a:bodyPr/>
+                    <a:lstStyle/>
+                    <a:p>
+                      <a:pPr latinLnBrk="1"/>
+                      <a:endParaRPr lang="ko-KR" altLang="en-US" dirty="0"/>
+                    </a:p>
+                  </a:txBody>
+                  <a:tcPr>
+                    <a:lnL w="12700" cap="flat" cmpd="sng" algn="ctr">
+                      <a:solidFill>
+                        <a:schemeClr val="tx1"/>
+                      </a:solidFill>
+                      <a:prstDash val="solid"/>
+                      <a:round/>
+                      <a:headEnd type="none" w="med" len="med"/>
+                      <a:tailEnd type="none" w="med" len="med"/>
+                    </a:lnL>
+                    <a:lnR w="12700" cap="flat" cmpd="sng" algn="ctr">
+                      <a:solidFill>
+                        <a:schemeClr val="tx1"/>
+                      </a:solidFill>
+                      <a:prstDash val="solid"/>
+                      <a:round/>
+                      <a:headEnd type="none" w="med" len="med"/>
+                      <a:tailEnd type="none" w="med" len="med"/>
+                    </a:lnR>
+                    <a:lnT w="12700" cap="flat" cmpd="sng" algn="ctr">
+                      <a:solidFill>
+                        <a:schemeClr val="tx1"/>
+                      </a:solidFill>
+                      <a:prstDash val="solid"/>
+                      <a:round/>
+                      <a:headEnd type="none" w="med" len="med"/>
+                      <a:tailEnd type="none" w="med" len="med"/>
+                    </a:lnT>
+                    <a:lnB w="12700" cap="flat" cmpd="sng" algn="ctr">
+                      <a:solidFill>
+                        <a:schemeClr val="tx1"/>
+                      </a:solidFill>
+                      <a:prstDash val="solid"/>
+                      <a:round/>
+                      <a:headEnd type="none" w="med" len="med"/>
+                      <a:tailEnd type="none" w="med" len="med"/>
+                    </a:lnB>
+                    <a:lnTlToBr w="12700" cmpd="sng">
+                      <a:noFill/>
+                      <a:prstDash val="solid"/>
+                    </a:lnTlToBr>
+                    <a:lnBlToTr w="12700" cmpd="sng">
+                      <a:noFill/>
+                      <a:prstDash val="solid"/>
+                    </a:lnBlToTr>
+                    <a:solidFill>
+                      <a:srgbClr val="0070C0"/>
+                    </a:solidFill>
+                  </a:tcPr>
+                </a:tc>
+                <a:tc>
+                  <a:txBody>
+                    <a:bodyPr/>
+                    <a:lstStyle/>
+                    <a:p>
+                      <a:pPr latinLnBrk="1"/>
+                      <a:endParaRPr lang="ko-KR" altLang="en-US" dirty="0"/>
+                    </a:p>
+                  </a:txBody>
+                  <a:tcPr>
+                    <a:lnL w="12700" cap="flat" cmpd="sng" algn="ctr">
+                      <a:solidFill>
+                        <a:schemeClr val="tx1"/>
+                      </a:solidFill>
+                      <a:prstDash val="solid"/>
+                      <a:round/>
+                      <a:headEnd type="none" w="med" len="med"/>
+                      <a:tailEnd type="none" w="med" len="med"/>
+                    </a:lnL>
+                    <a:lnR w="12700" cap="flat" cmpd="sng" algn="ctr">
+                      <a:solidFill>
+                        <a:schemeClr val="tx1"/>
+                      </a:solidFill>
+                      <a:prstDash val="solid"/>
+                      <a:round/>
+                      <a:headEnd type="none" w="med" len="med"/>
+                      <a:tailEnd type="none" w="med" len="med"/>
+                    </a:lnR>
+                    <a:lnT w="12700" cap="flat" cmpd="sng" algn="ctr">
+                      <a:solidFill>
+                        <a:schemeClr val="tx1"/>
+                      </a:solidFill>
+                      <a:prstDash val="solid"/>
+                      <a:round/>
+                      <a:headEnd type="none" w="med" len="med"/>
+                      <a:tailEnd type="none" w="med" len="med"/>
+                    </a:lnT>
+                    <a:lnB w="12700" cap="flat" cmpd="sng" algn="ctr">
+                      <a:solidFill>
+                        <a:schemeClr val="tx1"/>
+                      </a:solidFill>
+                      <a:prstDash val="solid"/>
+                      <a:round/>
+                      <a:headEnd type="none" w="med" len="med"/>
+                      <a:tailEnd type="none" w="med" len="med"/>
+                    </a:lnB>
+                    <a:lnTlToBr w="12700" cmpd="sng">
+                      <a:noFill/>
+                      <a:prstDash val="solid"/>
+                    </a:lnTlToBr>
+                    <a:lnBlToTr w="12700" cmpd="sng">
+                      <a:noFill/>
+                      <a:prstDash val="solid"/>
+                    </a:lnBlToTr>
+                    <a:noFill/>
                   </a:tcPr>
                 </a:tc>
                 <a:extLst>
                   <a:ext uri="{0D108BD9-81ED-4DB2-BD59-A6C34878D82A}">
-                    <a16:rowId xmlns:a16="http://schemas.microsoft.com/office/drawing/2014/main" val="1725183095"/>
+                    <a16:rowId xmlns:a16="http://schemas.microsoft.com/office/drawing/2014/main" val="831063194"/>
+                  </a:ext>
+                </a:extLst>
+              </a:tr>
+              <a:tr h="308440">
+                <a:tc>
+                  <a:txBody>
+                    <a:bodyPr/>
+                    <a:lstStyle/>
+                    <a:p>
+                      <a:pPr latinLnBrk="1"/>
+                      <a:r>
+                        <a:rPr lang="ko-KR" altLang="en-US" dirty="0"/>
+                        <a:t>버그 수정 및 코드 정리 </a:t>
+                      </a:r>
+                      <a:endParaRPr lang="en-US" altLang="ko-KR" dirty="0"/>
+                    </a:p>
+                  </a:txBody>
+                  <a:tcPr>
+                    <a:lnL w="12700" cap="flat" cmpd="sng" algn="ctr">
+                      <a:solidFill>
+                        <a:schemeClr val="tx1"/>
+                      </a:solidFill>
+                      <a:prstDash val="solid"/>
+                      <a:round/>
+                      <a:headEnd type="none" w="med" len="med"/>
+                      <a:tailEnd type="none" w="med" len="med"/>
+                    </a:lnL>
+                    <a:lnR w="12700" cap="flat" cmpd="sng" algn="ctr">
+                      <a:solidFill>
+                        <a:schemeClr val="tx1"/>
+                      </a:solidFill>
+                      <a:prstDash val="solid"/>
+                      <a:round/>
+                      <a:headEnd type="none" w="med" len="med"/>
+                      <a:tailEnd type="none" w="med" len="med"/>
+                    </a:lnR>
+                    <a:lnT w="12700" cap="flat" cmpd="sng" algn="ctr">
+                      <a:solidFill>
+                        <a:schemeClr val="tx1"/>
+                      </a:solidFill>
+                      <a:prstDash val="solid"/>
+                      <a:round/>
+                      <a:headEnd type="none" w="med" len="med"/>
+                      <a:tailEnd type="none" w="med" len="med"/>
+                    </a:lnT>
+                    <a:lnB w="12700" cap="flat" cmpd="sng" algn="ctr">
+                      <a:solidFill>
+                        <a:schemeClr val="tx1"/>
+                      </a:solidFill>
+                      <a:prstDash val="solid"/>
+                      <a:round/>
+                      <a:headEnd type="none" w="med" len="med"/>
+                      <a:tailEnd type="none" w="med" len="med"/>
+                    </a:lnB>
+                    <a:lnTlToBr w="12700" cmpd="sng">
+                      <a:noFill/>
+                      <a:prstDash val="solid"/>
+                    </a:lnTlToBr>
+                    <a:lnBlToTr w="12700" cmpd="sng">
+                      <a:noFill/>
+                      <a:prstDash val="solid"/>
+                    </a:lnBlToTr>
+                  </a:tcPr>
+                </a:tc>
+                <a:tc>
+                  <a:txBody>
+                    <a:bodyPr/>
+                    <a:lstStyle/>
+                    <a:p>
+                      <a:pPr latinLnBrk="1"/>
+                      <a:endParaRPr lang="ko-KR" altLang="en-US" dirty="0"/>
+                    </a:p>
+                  </a:txBody>
+                  <a:tcPr>
+                    <a:lnL w="12700" cap="flat" cmpd="sng" algn="ctr">
+                      <a:solidFill>
+                        <a:schemeClr val="tx1"/>
+                      </a:solidFill>
+                      <a:prstDash val="solid"/>
+                      <a:round/>
+                      <a:headEnd type="none" w="med" len="med"/>
+                      <a:tailEnd type="none" w="med" len="med"/>
+                    </a:lnL>
+                    <a:lnR w="12700" cap="flat" cmpd="sng" algn="ctr">
+                      <a:solidFill>
+                        <a:schemeClr val="tx1"/>
+                      </a:solidFill>
+                      <a:prstDash val="solid"/>
+                      <a:round/>
+                      <a:headEnd type="none" w="med" len="med"/>
+                      <a:tailEnd type="none" w="med" len="med"/>
+                    </a:lnR>
+                    <a:lnT w="12700" cap="flat" cmpd="sng" algn="ctr">
+                      <a:solidFill>
+                        <a:schemeClr val="tx1"/>
+                      </a:solidFill>
+                      <a:prstDash val="solid"/>
+                      <a:round/>
+                      <a:headEnd type="none" w="med" len="med"/>
+                      <a:tailEnd type="none" w="med" len="med"/>
+                    </a:lnT>
+                    <a:lnB w="12700" cap="flat" cmpd="sng" algn="ctr">
+                      <a:solidFill>
+                        <a:schemeClr val="tx1"/>
+                      </a:solidFill>
+                      <a:prstDash val="solid"/>
+                      <a:round/>
+                      <a:headEnd type="none" w="med" len="med"/>
+                      <a:tailEnd type="none" w="med" len="med"/>
+                    </a:lnB>
+                    <a:lnTlToBr w="12700" cmpd="sng">
+                      <a:noFill/>
+                      <a:prstDash val="solid"/>
+                    </a:lnTlToBr>
+                    <a:lnBlToTr w="12700" cmpd="sng">
+                      <a:noFill/>
+                      <a:prstDash val="solid"/>
+                    </a:lnBlToTr>
+                    <a:noFill/>
+                  </a:tcPr>
+                </a:tc>
+                <a:tc>
+                  <a:txBody>
+                    <a:bodyPr/>
+                    <a:lstStyle/>
+                    <a:p>
+                      <a:pPr latinLnBrk="1"/>
+                      <a:endParaRPr lang="ko-KR" altLang="en-US" dirty="0"/>
+                    </a:p>
+                  </a:txBody>
+                  <a:tcPr>
+                    <a:lnL w="12700" cap="flat" cmpd="sng" algn="ctr">
+                      <a:solidFill>
+                        <a:schemeClr val="tx1"/>
+                      </a:solidFill>
+                      <a:prstDash val="solid"/>
+                      <a:round/>
+                      <a:headEnd type="none" w="med" len="med"/>
+                      <a:tailEnd type="none" w="med" len="med"/>
+                    </a:lnL>
+                    <a:lnR w="12700" cap="flat" cmpd="sng" algn="ctr">
+                      <a:solidFill>
+                        <a:schemeClr val="tx1"/>
+                      </a:solidFill>
+                      <a:prstDash val="solid"/>
+                      <a:round/>
+                      <a:headEnd type="none" w="med" len="med"/>
+                      <a:tailEnd type="none" w="med" len="med"/>
+                    </a:lnR>
+                    <a:lnT w="12700" cap="flat" cmpd="sng" algn="ctr">
+                      <a:solidFill>
+                        <a:schemeClr val="tx1"/>
+                      </a:solidFill>
+                      <a:prstDash val="solid"/>
+                      <a:round/>
+                      <a:headEnd type="none" w="med" len="med"/>
+                      <a:tailEnd type="none" w="med" len="med"/>
+                    </a:lnT>
+                    <a:lnB w="12700" cap="flat" cmpd="sng" algn="ctr">
+                      <a:solidFill>
+                        <a:schemeClr val="tx1"/>
+                      </a:solidFill>
+                      <a:prstDash val="solid"/>
+                      <a:round/>
+                      <a:headEnd type="none" w="med" len="med"/>
+                      <a:tailEnd type="none" w="med" len="med"/>
+                    </a:lnB>
+                    <a:lnTlToBr w="12700" cmpd="sng">
+                      <a:noFill/>
+                      <a:prstDash val="solid"/>
+                    </a:lnTlToBr>
+                    <a:lnBlToTr w="12700" cmpd="sng">
+                      <a:noFill/>
+                      <a:prstDash val="solid"/>
+                    </a:lnBlToTr>
+                    <a:noFill/>
+                  </a:tcPr>
+                </a:tc>
+                <a:tc>
+                  <a:txBody>
+                    <a:bodyPr/>
+                    <a:lstStyle/>
+                    <a:p>
+                      <a:pPr latinLnBrk="1"/>
+                      <a:endParaRPr lang="ko-KR" altLang="en-US" dirty="0">
+                        <a:highlight>
+                          <a:srgbClr val="0070C0"/>
+                        </a:highlight>
+                      </a:endParaRPr>
+                    </a:p>
+                  </a:txBody>
+                  <a:tcPr>
+                    <a:lnL w="12700" cap="flat" cmpd="sng" algn="ctr">
+                      <a:solidFill>
+                        <a:schemeClr val="tx1"/>
+                      </a:solidFill>
+                      <a:prstDash val="solid"/>
+                      <a:round/>
+                      <a:headEnd type="none" w="med" len="med"/>
+                      <a:tailEnd type="none" w="med" len="med"/>
+                    </a:lnL>
+                    <a:lnR w="12700" cap="flat" cmpd="sng" algn="ctr">
+                      <a:solidFill>
+                        <a:schemeClr val="tx1"/>
+                      </a:solidFill>
+                      <a:prstDash val="solid"/>
+                      <a:round/>
+                      <a:headEnd type="none" w="med" len="med"/>
+                      <a:tailEnd type="none" w="med" len="med"/>
+                    </a:lnR>
+                    <a:lnT w="12700" cap="flat" cmpd="sng" algn="ctr">
+                      <a:solidFill>
+                        <a:schemeClr val="tx1"/>
+                      </a:solidFill>
+                      <a:prstDash val="solid"/>
+                      <a:round/>
+                      <a:headEnd type="none" w="med" len="med"/>
+                      <a:tailEnd type="none" w="med" len="med"/>
+                    </a:lnT>
+                    <a:lnB w="12700" cap="flat" cmpd="sng" algn="ctr">
+                      <a:solidFill>
+                        <a:schemeClr val="tx1"/>
+                      </a:solidFill>
+                      <a:prstDash val="solid"/>
+                      <a:round/>
+                      <a:headEnd type="none" w="med" len="med"/>
+                      <a:tailEnd type="none" w="med" len="med"/>
+                    </a:lnB>
+                    <a:lnTlToBr w="12700" cmpd="sng">
+                      <a:noFill/>
+                      <a:prstDash val="solid"/>
+                    </a:lnTlToBr>
+                    <a:lnBlToTr w="12700" cmpd="sng">
+                      <a:noFill/>
+                      <a:prstDash val="solid"/>
+                    </a:lnBlToTr>
+                    <a:solidFill>
+                      <a:srgbClr val="0070C0"/>
+                    </a:solidFill>
+                  </a:tcPr>
+                </a:tc>
+                <a:tc>
+                  <a:txBody>
+                    <a:bodyPr/>
+                    <a:lstStyle/>
+                    <a:p>
+                      <a:pPr latinLnBrk="1"/>
+                      <a:endParaRPr lang="ko-KR" altLang="en-US" dirty="0">
+                        <a:highlight>
+                          <a:srgbClr val="0070C0"/>
+                        </a:highlight>
+                      </a:endParaRPr>
+                    </a:p>
+                  </a:txBody>
+                  <a:tcPr>
+                    <a:lnL w="12700" cap="flat" cmpd="sng" algn="ctr">
+                      <a:solidFill>
+                        <a:schemeClr val="tx1"/>
+                      </a:solidFill>
+                      <a:prstDash val="solid"/>
+                      <a:round/>
+                      <a:headEnd type="none" w="med" len="med"/>
+                      <a:tailEnd type="none" w="med" len="med"/>
+                    </a:lnL>
+                    <a:lnR w="12700" cap="flat" cmpd="sng" algn="ctr">
+                      <a:solidFill>
+                        <a:schemeClr val="tx1"/>
+                      </a:solidFill>
+                      <a:prstDash val="solid"/>
+                      <a:round/>
+                      <a:headEnd type="none" w="med" len="med"/>
+                      <a:tailEnd type="none" w="med" len="med"/>
+                    </a:lnR>
+                    <a:lnT w="12700" cap="flat" cmpd="sng" algn="ctr">
+                      <a:solidFill>
+                        <a:schemeClr val="tx1"/>
+                      </a:solidFill>
+                      <a:prstDash val="solid"/>
+                      <a:round/>
+                      <a:headEnd type="none" w="med" len="med"/>
+                      <a:tailEnd type="none" w="med" len="med"/>
+                    </a:lnT>
+                    <a:lnB w="12700" cap="flat" cmpd="sng" algn="ctr">
+                      <a:solidFill>
+                        <a:schemeClr val="tx1"/>
+                      </a:solidFill>
+                      <a:prstDash val="solid"/>
+                      <a:round/>
+                      <a:headEnd type="none" w="med" len="med"/>
+                      <a:tailEnd type="none" w="med" len="med"/>
+                    </a:lnB>
+                    <a:lnTlToBr w="12700" cmpd="sng">
+                      <a:noFill/>
+                      <a:prstDash val="solid"/>
+                    </a:lnTlToBr>
+                    <a:lnBlToTr w="12700" cmpd="sng">
+                      <a:noFill/>
+                      <a:prstDash val="solid"/>
+                    </a:lnBlToTr>
+                    <a:solidFill>
+                      <a:srgbClr val="0070C0"/>
+                    </a:solidFill>
+                  </a:tcPr>
+                </a:tc>
+                <a:extLst>
+                  <a:ext uri="{0D108BD9-81ED-4DB2-BD59-A6C34878D82A}">
+                    <a16:rowId xmlns:a16="http://schemas.microsoft.com/office/drawing/2014/main" val="3128062375"/>
                   </a:ext>
                 </a:extLst>
               </a:tr>
@@ -16530,7 +17521,7 @@
                 <a:latin typeface="나눔고딕" pitchFamily="2" charset="-127"/>
                 <a:ea typeface="나눔고딕" pitchFamily="2" charset="-127"/>
               </a:rPr>
-              <a:t>nomal,uvs</a:t>
+              <a:t>normal,uvs</a:t>
             </a:r>
             <a:r>
               <a:rPr lang="en-US" altLang="ko-KR" b="0" i="0" dirty="0">
@@ -16638,23 +17629,7 @@
                 <a:latin typeface="나눔고딕" pitchFamily="2" charset="-127"/>
                 <a:ea typeface="나눔고딕" pitchFamily="2" charset="-127"/>
               </a:rPr>
-              <a:t>의 정보를 기준으로 배열에 들어가 있기때문에 서로 잘 매칭되어서 보간 작업이 </a:t>
-            </a:r>
-            <a:r>
-              <a:rPr lang="ko-KR" altLang="en-US" b="0" i="0" dirty="0" err="1">
-                <a:effectLst/>
-                <a:latin typeface="나눔고딕" pitchFamily="2" charset="-127"/>
-                <a:ea typeface="나눔고딕" pitchFamily="2" charset="-127"/>
-              </a:rPr>
-              <a:t>이루어질수</a:t>
-            </a:r>
-            <a:r>
-              <a:rPr lang="ko-KR" altLang="en-US" b="0" i="0" dirty="0">
-                <a:effectLst/>
-                <a:latin typeface="나눔고딕" pitchFamily="2" charset="-127"/>
-                <a:ea typeface="나눔고딕" pitchFamily="2" charset="-127"/>
-              </a:rPr>
-              <a:t> 있었다</a:t>
+              <a:t>의 정보를 기준으로 배열에 들어가 있기때문에 서로 잘 매칭되어서 보간 작업이 이루어질 수 있었다</a:t>
             </a:r>
             <a:r>
               <a:rPr lang="en-US" altLang="ko-KR" b="0" i="0" dirty="0">
@@ -16684,15 +17659,15 @@
                 <a:latin typeface="나눔고딕" pitchFamily="2" charset="-127"/>
                 <a:ea typeface="나눔고딕" pitchFamily="2" charset="-127"/>
               </a:rPr>
-              <a:t>그리고 기본적으로 두개의 정보의 개수가 다른 부분은 위 작업을 </a:t>
-            </a:r>
-            <a:r>
-              <a:rPr lang="ko-KR" altLang="en-US" b="0" i="0" dirty="0" err="1">
+              <a:t>그리고 기본적으로 두개의 정보의 개수가 다른 부분은 위 작업을 마친 후 </a:t>
+            </a:r>
+            <a:r>
+              <a:rPr lang="en-US" altLang="ko-KR" b="0" i="0" dirty="0">
                 <a:effectLst/>
                 <a:latin typeface="나눔고딕" pitchFamily="2" charset="-127"/>
                 <a:ea typeface="나눔고딕" pitchFamily="2" charset="-127"/>
               </a:rPr>
-              <a:t>마친후</a:t>
+              <a:t>2</a:t>
             </a:r>
             <a:r>
               <a:rPr lang="ko-KR" altLang="en-US" b="0" i="0" dirty="0">
@@ -16700,7 +17675,7 @@
                 <a:latin typeface="나눔고딕" pitchFamily="2" charset="-127"/>
                 <a:ea typeface="나눔고딕" pitchFamily="2" charset="-127"/>
               </a:rPr>
-              <a:t> </a:t>
+              <a:t>개의 </a:t>
             </a:r>
             <a:r>
               <a:rPr lang="en-US" altLang="ko-KR" b="0" i="0" dirty="0">
@@ -16708,7 +17683,7 @@
                 <a:latin typeface="나눔고딕" pitchFamily="2" charset="-127"/>
                 <a:ea typeface="나눔고딕" pitchFamily="2" charset="-127"/>
               </a:rPr>
-              <a:t>2</a:t>
+              <a:t>vertex </a:t>
             </a:r>
             <a:r>
               <a:rPr lang="ko-KR" altLang="en-US" b="0" i="0" dirty="0">
@@ -16716,31 +17691,7 @@
                 <a:latin typeface="나눔고딕" pitchFamily="2" charset="-127"/>
                 <a:ea typeface="나눔고딕" pitchFamily="2" charset="-127"/>
               </a:rPr>
-              <a:t>개의 </a:t>
-            </a:r>
-            <a:r>
-              <a:rPr lang="en-US" altLang="ko-KR" b="0" i="0" dirty="0">
-                <a:effectLst/>
-                <a:latin typeface="나눔고딕" pitchFamily="2" charset="-127"/>
-                <a:ea typeface="나눔고딕" pitchFamily="2" charset="-127"/>
-              </a:rPr>
-              <a:t>vertex</a:t>
-            </a:r>
-            <a:r>
-              <a:rPr lang="ko-KR" altLang="en-US" b="0" i="0" dirty="0" err="1">
-                <a:effectLst/>
-                <a:latin typeface="나눔고딕" pitchFamily="2" charset="-127"/>
-                <a:ea typeface="나눔고딕" pitchFamily="2" charset="-127"/>
-              </a:rPr>
-              <a:t>갯수를</a:t>
-            </a:r>
-            <a:r>
-              <a:rPr lang="ko-KR" altLang="en-US" b="0" i="0" dirty="0">
-                <a:effectLst/>
-                <a:latin typeface="나눔고딕" pitchFamily="2" charset="-127"/>
-                <a:ea typeface="나눔고딕" pitchFamily="2" charset="-127"/>
-              </a:rPr>
-              <a:t> 비교하여서 더 </a:t>
+              <a:t>개수를 비교하여서 더 </a:t>
             </a:r>
             <a:r>
               <a:rPr lang="ko-KR" altLang="en-US" b="0" i="0" dirty="0" err="1">

--- a/작업일지 && 졸작자료/중간평가.pptx
+++ b/작업일지 && 졸작자료/중간평가.pptx
@@ -17,9 +17,10 @@
     <p:sldId id="288" r:id="rId11"/>
     <p:sldId id="293" r:id="rId12"/>
     <p:sldId id="289" r:id="rId13"/>
-    <p:sldId id="290" r:id="rId14"/>
-    <p:sldId id="286" r:id="rId15"/>
-    <p:sldId id="291" r:id="rId16"/>
+    <p:sldId id="294" r:id="rId14"/>
+    <p:sldId id="290" r:id="rId15"/>
+    <p:sldId id="286" r:id="rId16"/>
+    <p:sldId id="291" r:id="rId17"/>
   </p:sldIdLst>
   <p:sldSz cx="12192000" cy="6858000"/>
   <p:notesSz cx="9144000" cy="6858000"/>
@@ -257,7 +258,7 @@
           <a:p>
             <a:fld id="{C46B1875-E175-407C-8E9E-4E3B5D817DF0}" type="datetimeFigureOut">
               <a:rPr lang="ko-KR" altLang="en-US" smtClean="0"/>
-              <a:t>2024-05-02</a:t>
+              <a:t>2024-05-06</a:t>
             </a:fld>
             <a:endParaRPr lang="ko-KR" altLang="en-US"/>
           </a:p>
@@ -427,7 +428,7 @@
           <a:p>
             <a:fld id="{C46B1875-E175-407C-8E9E-4E3B5D817DF0}" type="datetimeFigureOut">
               <a:rPr lang="ko-KR" altLang="en-US" smtClean="0"/>
-              <a:t>2024-05-02</a:t>
+              <a:t>2024-05-06</a:t>
             </a:fld>
             <a:endParaRPr lang="ko-KR" altLang="en-US"/>
           </a:p>
@@ -607,7 +608,7 @@
           <a:p>
             <a:fld id="{C46B1875-E175-407C-8E9E-4E3B5D817DF0}" type="datetimeFigureOut">
               <a:rPr lang="ko-KR" altLang="en-US" smtClean="0"/>
-              <a:t>2024-05-02</a:t>
+              <a:t>2024-05-06</a:t>
             </a:fld>
             <a:endParaRPr lang="ko-KR" altLang="en-US"/>
           </a:p>
@@ -777,7 +778,7 @@
           <a:p>
             <a:fld id="{C46B1875-E175-407C-8E9E-4E3B5D817DF0}" type="datetimeFigureOut">
               <a:rPr lang="ko-KR" altLang="en-US" smtClean="0"/>
-              <a:t>2024-05-02</a:t>
+              <a:t>2024-05-06</a:t>
             </a:fld>
             <a:endParaRPr lang="ko-KR" altLang="en-US"/>
           </a:p>
@@ -1023,7 +1024,7 @@
           <a:p>
             <a:fld id="{C46B1875-E175-407C-8E9E-4E3B5D817DF0}" type="datetimeFigureOut">
               <a:rPr lang="ko-KR" altLang="en-US" smtClean="0"/>
-              <a:t>2024-05-02</a:t>
+              <a:t>2024-05-06</a:t>
             </a:fld>
             <a:endParaRPr lang="ko-KR" altLang="en-US"/>
           </a:p>
@@ -1255,7 +1256,7 @@
           <a:p>
             <a:fld id="{C46B1875-E175-407C-8E9E-4E3B5D817DF0}" type="datetimeFigureOut">
               <a:rPr lang="ko-KR" altLang="en-US" smtClean="0"/>
-              <a:t>2024-05-02</a:t>
+              <a:t>2024-05-06</a:t>
             </a:fld>
             <a:endParaRPr lang="ko-KR" altLang="en-US"/>
           </a:p>
@@ -1622,7 +1623,7 @@
           <a:p>
             <a:fld id="{C46B1875-E175-407C-8E9E-4E3B5D817DF0}" type="datetimeFigureOut">
               <a:rPr lang="ko-KR" altLang="en-US" smtClean="0"/>
-              <a:t>2024-05-02</a:t>
+              <a:t>2024-05-06</a:t>
             </a:fld>
             <a:endParaRPr lang="ko-KR" altLang="en-US"/>
           </a:p>
@@ -1740,7 +1741,7 @@
           <a:p>
             <a:fld id="{C46B1875-E175-407C-8E9E-4E3B5D817DF0}" type="datetimeFigureOut">
               <a:rPr lang="ko-KR" altLang="en-US" smtClean="0"/>
-              <a:t>2024-05-02</a:t>
+              <a:t>2024-05-06</a:t>
             </a:fld>
             <a:endParaRPr lang="ko-KR" altLang="en-US"/>
           </a:p>
@@ -1835,7 +1836,7 @@
           <a:p>
             <a:fld id="{C46B1875-E175-407C-8E9E-4E3B5D817DF0}" type="datetimeFigureOut">
               <a:rPr lang="ko-KR" altLang="en-US" smtClean="0"/>
-              <a:t>2024-05-02</a:t>
+              <a:t>2024-05-06</a:t>
             </a:fld>
             <a:endParaRPr lang="ko-KR" altLang="en-US"/>
           </a:p>
@@ -2112,7 +2113,7 @@
           <a:p>
             <a:fld id="{C46B1875-E175-407C-8E9E-4E3B5D817DF0}" type="datetimeFigureOut">
               <a:rPr lang="ko-KR" altLang="en-US" smtClean="0"/>
-              <a:t>2024-05-02</a:t>
+              <a:t>2024-05-06</a:t>
             </a:fld>
             <a:endParaRPr lang="ko-KR" altLang="en-US"/>
           </a:p>
@@ -2369,7 +2370,7 @@
           <a:p>
             <a:fld id="{C46B1875-E175-407C-8E9E-4E3B5D817DF0}" type="datetimeFigureOut">
               <a:rPr lang="ko-KR" altLang="en-US" smtClean="0"/>
-              <a:t>2024-05-02</a:t>
+              <a:t>2024-05-06</a:t>
             </a:fld>
             <a:endParaRPr lang="ko-KR" altLang="en-US"/>
           </a:p>
@@ -2582,7 +2583,7 @@
           <a:p>
             <a:fld id="{C46B1875-E175-407C-8E9E-4E3B5D817DF0}" type="datetimeFigureOut">
               <a:rPr lang="ko-KR" altLang="en-US" smtClean="0"/>
-              <a:t>2024-05-02</a:t>
+              <a:t>2024-05-06</a:t>
             </a:fld>
             <a:endParaRPr lang="ko-KR" altLang="en-US"/>
           </a:p>
@@ -4415,7 +4416,7 @@
         </p:nvSpPr>
         <p:spPr>
           <a:xfrm rot="16200000">
-            <a:off x="2657633" y="-2667038"/>
+            <a:off x="2657633" y="-2657632"/>
             <a:ext cx="6876736" cy="12192001"/>
           </a:xfrm>
           <a:prstGeom prst="rect">
@@ -4801,6 +4802,183 @@
           </a:fontRef>
         </p:style>
       </p:cxnSp>
+      <p:sp>
+        <p:nvSpPr>
+          <p:cNvPr id="3" name="TextBox 2">
+            <a:extLst>
+              <a:ext uri="{FF2B5EF4-FFF2-40B4-BE49-F238E27FC236}">
+                <a16:creationId xmlns:a16="http://schemas.microsoft.com/office/drawing/2014/main" id="{25812461-92CF-3095-48EA-1A8A68068F40}"/>
+              </a:ext>
+            </a:extLst>
+          </p:cNvPr>
+          <p:cNvSpPr txBox="1"/>
+          <p:nvPr/>
+        </p:nvSpPr>
+        <p:spPr>
+          <a:xfrm>
+            <a:off x="826566" y="1904413"/>
+            <a:ext cx="10325848" cy="2585323"/>
+          </a:xfrm>
+          <a:prstGeom prst="rect">
+            <a:avLst/>
+          </a:prstGeom>
+          <a:noFill/>
+        </p:spPr>
+        <p:txBody>
+          <a:bodyPr wrap="square" rtlCol="0">
+            <a:spAutoFit/>
+          </a:bodyPr>
+          <a:lstStyle/>
+          <a:p>
+            <a:r>
+              <a:rPr lang="en-US" altLang="ko-KR" dirty="0"/>
+              <a:t>IOCP</a:t>
+            </a:r>
+            <a:r>
+              <a:rPr lang="ko-KR" altLang="en-US" dirty="0"/>
+              <a:t>를 활용한 </a:t>
+            </a:r>
+            <a:r>
+              <a:rPr lang="ko-KR" altLang="en-US" dirty="0" err="1"/>
+              <a:t>멀티스레드</a:t>
+            </a:r>
+            <a:r>
+              <a:rPr lang="ko-KR" altLang="en-US" dirty="0"/>
+              <a:t> 서버 구현 </a:t>
+            </a:r>
+            <a:endParaRPr lang="en-US" altLang="ko-KR" dirty="0"/>
+          </a:p>
+          <a:p>
+            <a:endParaRPr lang="en-US" altLang="ko-KR" dirty="0"/>
+          </a:p>
+          <a:p>
+            <a:r>
+              <a:rPr lang="ko-KR" altLang="en-US" dirty="0"/>
+              <a:t>인원 </a:t>
+            </a:r>
+            <a:r>
+              <a:rPr lang="en-US" altLang="ko-KR" dirty="0"/>
+              <a:t>: 3</a:t>
+            </a:r>
+            <a:r>
+              <a:rPr lang="ko-KR" altLang="en-US" dirty="0"/>
+              <a:t>명</a:t>
+            </a:r>
+            <a:endParaRPr lang="en-US" altLang="ko-KR" dirty="0"/>
+          </a:p>
+          <a:p>
+            <a:pPr algn="ctr"/>
+            <a:endParaRPr lang="en-US" altLang="ko-KR" dirty="0"/>
+          </a:p>
+          <a:p>
+            <a:r>
+              <a:rPr lang="en-US" altLang="ko-KR" dirty="0"/>
+              <a:t>Main</a:t>
+            </a:r>
+            <a:r>
+              <a:rPr lang="ko-KR" altLang="en-US" dirty="0"/>
+              <a:t>함수에서 </a:t>
+            </a:r>
+            <a:r>
+              <a:rPr lang="en-US" altLang="ko-KR" dirty="0"/>
+              <a:t>16</a:t>
+            </a:r>
+            <a:r>
+              <a:rPr lang="ko-KR" altLang="en-US" dirty="0"/>
+              <a:t>개의 </a:t>
+            </a:r>
+            <a:r>
+              <a:rPr lang="en-US" altLang="ko-KR" dirty="0"/>
+              <a:t>Worker </a:t>
+            </a:r>
+            <a:r>
+              <a:rPr lang="en-US" altLang="ko-KR" dirty="0" err="1"/>
+              <a:t>Therad</a:t>
+            </a:r>
+            <a:r>
+              <a:rPr lang="ko-KR" altLang="en-US" dirty="0"/>
+              <a:t>를 생성해 각 </a:t>
+            </a:r>
+            <a:r>
+              <a:rPr lang="en-US" altLang="ko-KR" dirty="0"/>
+              <a:t>Worker Thread</a:t>
+            </a:r>
+            <a:r>
+              <a:rPr lang="ko-KR" altLang="en-US" dirty="0"/>
+              <a:t>는 </a:t>
+            </a:r>
+            <a:r>
+              <a:rPr lang="en-US" altLang="ko-KR" dirty="0" err="1"/>
+              <a:t>GetQueuedCompletionStatus</a:t>
+            </a:r>
+            <a:r>
+              <a:rPr lang="en-US" altLang="ko-KR" dirty="0"/>
+              <a:t>() </a:t>
+            </a:r>
+            <a:r>
+              <a:rPr lang="ko-KR" altLang="en-US" dirty="0"/>
+              <a:t>함수를 호출 해  커널 내 완료 처리된 메시지를 읽어 </a:t>
+            </a:r>
+            <a:r>
+              <a:rPr lang="en-US" altLang="ko-KR" dirty="0"/>
+              <a:t>Send/</a:t>
+            </a:r>
+            <a:r>
+              <a:rPr lang="en-US" altLang="ko-KR" dirty="0" err="1"/>
+              <a:t>Recv</a:t>
+            </a:r>
+            <a:r>
+              <a:rPr lang="en-US" altLang="ko-KR" dirty="0"/>
+              <a:t>/Accept </a:t>
+            </a:r>
+            <a:r>
+              <a:rPr lang="ko-KR" altLang="en-US" dirty="0"/>
+              <a:t>작업을 구별해 실행한다</a:t>
+            </a:r>
+            <a:r>
+              <a:rPr lang="en-US" altLang="ko-KR" dirty="0"/>
+              <a:t>.</a:t>
+            </a:r>
+          </a:p>
+          <a:p>
+            <a:endParaRPr lang="en-US" altLang="ko-KR" dirty="0"/>
+          </a:p>
+          <a:p>
+            <a:r>
+              <a:rPr lang="en-US" altLang="ko-KR" dirty="0" err="1"/>
+              <a:t>Recv</a:t>
+            </a:r>
+            <a:r>
+              <a:rPr lang="ko-KR" altLang="en-US" dirty="0"/>
+              <a:t>에서 </a:t>
+            </a:r>
+            <a:r>
+              <a:rPr lang="en-US" altLang="ko-KR" dirty="0" err="1"/>
+              <a:t>buf</a:t>
+            </a:r>
+            <a:r>
+              <a:rPr lang="ko-KR" altLang="en-US" dirty="0"/>
+              <a:t>와 </a:t>
+            </a:r>
+            <a:r>
+              <a:rPr lang="en-US" altLang="ko-KR" dirty="0"/>
+              <a:t>id</a:t>
+            </a:r>
+            <a:r>
+              <a:rPr lang="ko-KR" altLang="en-US" dirty="0"/>
+              <a:t>값을 인자로 받는 패킷 재 조립 함수를 활용해 클라이언트가 요청한 작업을 수행한다</a:t>
+            </a:r>
+            <a:r>
+              <a:rPr lang="en-US" altLang="ko-KR" dirty="0"/>
+              <a:t>. </a:t>
+            </a:r>
+          </a:p>
+          <a:p>
+            <a:pPr algn="ctr"/>
+            <a:endParaRPr lang="ko-KR" altLang="en-US" dirty="0"/>
+          </a:p>
+        </p:txBody>
+      </p:sp>
     </p:spTree>
     <p:extLst>
       <p:ext uri="{BB962C8B-B14F-4D97-AF65-F5344CB8AC3E}">
@@ -4815,6 +4993,474 @@
 </file>
 
 <file path=ppt/slides/slide13.xml><?xml version="1.0" encoding="utf-8"?>
+<p:sld xmlns:a="http://schemas.openxmlformats.org/drawingml/2006/main" xmlns:r="http://schemas.openxmlformats.org/officeDocument/2006/relationships" xmlns:p="http://schemas.openxmlformats.org/presentationml/2006/main">
+  <p:cSld>
+    <p:spTree>
+      <p:nvGrpSpPr>
+        <p:cNvPr id="1" name=""/>
+        <p:cNvGrpSpPr/>
+        <p:nvPr/>
+      </p:nvGrpSpPr>
+      <p:grpSpPr>
+        <a:xfrm>
+          <a:off x="0" y="0"/>
+          <a:ext cx="0" cy="0"/>
+          <a:chOff x="0" y="0"/>
+          <a:chExt cx="0" cy="0"/>
+        </a:xfrm>
+      </p:grpSpPr>
+      <p:sp>
+        <p:nvSpPr>
+          <p:cNvPr id="7" name="직사각형 6">
+            <a:extLst>
+              <a:ext uri="{FF2B5EF4-FFF2-40B4-BE49-F238E27FC236}">
+                <a16:creationId xmlns:a16="http://schemas.microsoft.com/office/drawing/2014/main" id="{39F9EAFD-1666-4ABD-B418-733F8A683880}"/>
+              </a:ext>
+            </a:extLst>
+          </p:cNvPr>
+          <p:cNvSpPr/>
+          <p:nvPr/>
+        </p:nvSpPr>
+        <p:spPr>
+          <a:xfrm rot="16200000">
+            <a:off x="2657633" y="-2657632"/>
+            <a:ext cx="6876736" cy="12192001"/>
+          </a:xfrm>
+          <a:prstGeom prst="rect">
+            <a:avLst/>
+          </a:prstGeom>
+          <a:gradFill flip="none" rotWithShape="1">
+            <a:gsLst>
+              <a:gs pos="0">
+                <a:srgbClr val="2D2941"/>
+              </a:gs>
+              <a:gs pos="100000">
+                <a:srgbClr val="121216"/>
+              </a:gs>
+            </a:gsLst>
+            <a:path path="circle">
+              <a:fillToRect l="50000" t="50000" r="50000" b="50000"/>
+            </a:path>
+            <a:tileRect/>
+          </a:gradFill>
+          <a:ln>
+            <a:noFill/>
+          </a:ln>
+        </p:spPr>
+        <p:style>
+          <a:lnRef idx="2">
+            <a:schemeClr val="accent1">
+              <a:shade val="50000"/>
+            </a:schemeClr>
+          </a:lnRef>
+          <a:fillRef idx="1">
+            <a:schemeClr val="accent1"/>
+          </a:fillRef>
+          <a:effectRef idx="0">
+            <a:schemeClr val="accent1"/>
+          </a:effectRef>
+          <a:fontRef idx="minor">
+            <a:schemeClr val="lt1"/>
+          </a:fontRef>
+        </p:style>
+        <p:txBody>
+          <a:bodyPr rtlCol="0" anchor="ctr"/>
+          <a:lstStyle/>
+          <a:p>
+            <a:pPr algn="ctr"/>
+            <a:endParaRPr lang="ko-KR" altLang="en-US" dirty="0"/>
+          </a:p>
+        </p:txBody>
+      </p:sp>
+      <p:sp>
+        <p:nvSpPr>
+          <p:cNvPr id="8" name="Marcador de contenido 2">
+            <a:extLst>
+              <a:ext uri="{FF2B5EF4-FFF2-40B4-BE49-F238E27FC236}">
+                <a16:creationId xmlns:a16="http://schemas.microsoft.com/office/drawing/2014/main" id="{F56F454A-F156-4605-9CDF-3516A548F791}"/>
+              </a:ext>
+            </a:extLst>
+          </p:cNvPr>
+          <p:cNvSpPr txBox="1">
+            <a:spLocks/>
+          </p:cNvSpPr>
+          <p:nvPr/>
+        </p:nvSpPr>
+        <p:spPr>
+          <a:xfrm>
+            <a:off x="403080" y="286553"/>
+            <a:ext cx="1379621" cy="1022781"/>
+          </a:xfrm>
+          <a:prstGeom prst="rect">
+            <a:avLst/>
+          </a:prstGeom>
+        </p:spPr>
+        <p:txBody>
+          <a:bodyPr vert="horz" lIns="91440" tIns="45720" rIns="91440" bIns="45720" rtlCol="0">
+            <a:normAutofit/>
+          </a:bodyPr>
+          <a:lstStyle>
+            <a:lvl1pPr marL="0" indent="0" algn="ctr" defTabSz="914400" rtl="0" eaLnBrk="1" latinLnBrk="0" hangingPunct="1">
+              <a:lnSpc>
+                <a:spcPct val="90000"/>
+              </a:lnSpc>
+              <a:spcBef>
+                <a:spcPts val="1000"/>
+              </a:spcBef>
+              <a:buFont typeface="Arial" panose="020B0604020202020204" pitchFamily="34" charset="0"/>
+              <a:buNone/>
+              <a:defRPr sz="2400" kern="1200">
+                <a:solidFill>
+                  <a:schemeClr val="bg1"/>
+                </a:solidFill>
+                <a:latin typeface="Source Code Pro" panose="020B0509030403020204" pitchFamily="49" charset="0"/>
+                <a:ea typeface="Source Code Pro" panose="020B0509030403020204" pitchFamily="49" charset="0"/>
+                <a:cs typeface="+mn-cs"/>
+              </a:defRPr>
+            </a:lvl1pPr>
+            <a:lvl2pPr marL="457200" indent="0" algn="ctr" defTabSz="914400" rtl="0" eaLnBrk="1" latinLnBrk="0" hangingPunct="1">
+              <a:lnSpc>
+                <a:spcPct val="90000"/>
+              </a:lnSpc>
+              <a:spcBef>
+                <a:spcPts val="500"/>
+              </a:spcBef>
+              <a:buFont typeface="Arial" panose="020B0604020202020204" pitchFamily="34" charset="0"/>
+              <a:buNone/>
+              <a:defRPr sz="2000" kern="1200">
+                <a:solidFill>
+                  <a:schemeClr val="bg1"/>
+                </a:solidFill>
+                <a:latin typeface="Source Code Pro" panose="020B0509030403020204" pitchFamily="49" charset="0"/>
+                <a:ea typeface="Source Code Pro" panose="020B0509030403020204" pitchFamily="49" charset="0"/>
+                <a:cs typeface="+mn-cs"/>
+              </a:defRPr>
+            </a:lvl2pPr>
+            <a:lvl3pPr marL="914400" indent="0" algn="ctr" defTabSz="914400" rtl="0" eaLnBrk="1" latinLnBrk="0" hangingPunct="1">
+              <a:lnSpc>
+                <a:spcPct val="90000"/>
+              </a:lnSpc>
+              <a:spcBef>
+                <a:spcPts val="500"/>
+              </a:spcBef>
+              <a:buFont typeface="Arial" panose="020B0604020202020204" pitchFamily="34" charset="0"/>
+              <a:buNone/>
+              <a:defRPr sz="1800" kern="1200">
+                <a:solidFill>
+                  <a:schemeClr val="bg1"/>
+                </a:solidFill>
+                <a:latin typeface="Source Code Pro" panose="020B0509030403020204" pitchFamily="49" charset="0"/>
+                <a:ea typeface="Source Code Pro" panose="020B0509030403020204" pitchFamily="49" charset="0"/>
+                <a:cs typeface="+mn-cs"/>
+              </a:defRPr>
+            </a:lvl3pPr>
+            <a:lvl4pPr marL="1371600" indent="0" algn="ctr" defTabSz="914400" rtl="0" eaLnBrk="1" latinLnBrk="0" hangingPunct="1">
+              <a:lnSpc>
+                <a:spcPct val="90000"/>
+              </a:lnSpc>
+              <a:spcBef>
+                <a:spcPts val="500"/>
+              </a:spcBef>
+              <a:buFont typeface="Arial" panose="020B0604020202020204" pitchFamily="34" charset="0"/>
+              <a:buNone/>
+              <a:defRPr sz="1600" kern="1200">
+                <a:solidFill>
+                  <a:schemeClr val="bg1"/>
+                </a:solidFill>
+                <a:latin typeface="Source Code Pro" panose="020B0509030403020204" pitchFamily="49" charset="0"/>
+                <a:ea typeface="Source Code Pro" panose="020B0509030403020204" pitchFamily="49" charset="0"/>
+                <a:cs typeface="+mn-cs"/>
+              </a:defRPr>
+            </a:lvl4pPr>
+            <a:lvl5pPr marL="1828800" indent="0" algn="ctr" defTabSz="914400" rtl="0" eaLnBrk="1" latinLnBrk="0" hangingPunct="1">
+              <a:lnSpc>
+                <a:spcPct val="90000"/>
+              </a:lnSpc>
+              <a:spcBef>
+                <a:spcPts val="500"/>
+              </a:spcBef>
+              <a:buFont typeface="Arial" panose="020B0604020202020204" pitchFamily="34" charset="0"/>
+              <a:buNone/>
+              <a:defRPr sz="1600" kern="1200">
+                <a:solidFill>
+                  <a:schemeClr val="bg1"/>
+                </a:solidFill>
+                <a:latin typeface="Source Code Pro" panose="020B0509030403020204" pitchFamily="49" charset="0"/>
+                <a:ea typeface="Source Code Pro" panose="020B0509030403020204" pitchFamily="49" charset="0"/>
+                <a:cs typeface="+mn-cs"/>
+              </a:defRPr>
+            </a:lvl5pPr>
+            <a:lvl6pPr marL="2286000" indent="0" algn="ctr" defTabSz="914400" rtl="0" eaLnBrk="1" latinLnBrk="0" hangingPunct="1">
+              <a:lnSpc>
+                <a:spcPct val="90000"/>
+              </a:lnSpc>
+              <a:spcBef>
+                <a:spcPts val="500"/>
+              </a:spcBef>
+              <a:buFont typeface="Arial" panose="020B0604020202020204" pitchFamily="34" charset="0"/>
+              <a:buNone/>
+              <a:defRPr sz="1600" kern="1200">
+                <a:solidFill>
+                  <a:schemeClr val="tx1"/>
+                </a:solidFill>
+                <a:latin typeface="+mn-lt"/>
+                <a:ea typeface="+mn-ea"/>
+                <a:cs typeface="+mn-cs"/>
+              </a:defRPr>
+            </a:lvl6pPr>
+            <a:lvl7pPr marL="2743200" indent="0" algn="ctr" defTabSz="914400" rtl="0" eaLnBrk="1" latinLnBrk="0" hangingPunct="1">
+              <a:lnSpc>
+                <a:spcPct val="90000"/>
+              </a:lnSpc>
+              <a:spcBef>
+                <a:spcPts val="500"/>
+              </a:spcBef>
+              <a:buFont typeface="Arial" panose="020B0604020202020204" pitchFamily="34" charset="0"/>
+              <a:buNone/>
+              <a:defRPr sz="1600" kern="1200">
+                <a:solidFill>
+                  <a:schemeClr val="tx1"/>
+                </a:solidFill>
+                <a:latin typeface="+mn-lt"/>
+                <a:ea typeface="+mn-ea"/>
+                <a:cs typeface="+mn-cs"/>
+              </a:defRPr>
+            </a:lvl7pPr>
+            <a:lvl8pPr marL="3200400" indent="0" algn="ctr" defTabSz="914400" rtl="0" eaLnBrk="1" latinLnBrk="0" hangingPunct="1">
+              <a:lnSpc>
+                <a:spcPct val="90000"/>
+              </a:lnSpc>
+              <a:spcBef>
+                <a:spcPts val="500"/>
+              </a:spcBef>
+              <a:buFont typeface="Arial" panose="020B0604020202020204" pitchFamily="34" charset="0"/>
+              <a:buNone/>
+              <a:defRPr sz="1600" kern="1200">
+                <a:solidFill>
+                  <a:schemeClr val="tx1"/>
+                </a:solidFill>
+                <a:latin typeface="+mn-lt"/>
+                <a:ea typeface="+mn-ea"/>
+                <a:cs typeface="+mn-cs"/>
+              </a:defRPr>
+            </a:lvl8pPr>
+            <a:lvl9pPr marL="3657600" indent="0" algn="ctr" defTabSz="914400" rtl="0" eaLnBrk="1" latinLnBrk="0" hangingPunct="1">
+              <a:lnSpc>
+                <a:spcPct val="90000"/>
+              </a:lnSpc>
+              <a:spcBef>
+                <a:spcPts val="500"/>
+              </a:spcBef>
+              <a:buFont typeface="Arial" panose="020B0604020202020204" pitchFamily="34" charset="0"/>
+              <a:buNone/>
+              <a:defRPr sz="1600" kern="1200">
+                <a:solidFill>
+                  <a:schemeClr val="tx1"/>
+                </a:solidFill>
+                <a:latin typeface="+mn-lt"/>
+                <a:ea typeface="+mn-ea"/>
+                <a:cs typeface="+mn-cs"/>
+              </a:defRPr>
+            </a:lvl9pPr>
+          </a:lstStyle>
+          <a:p>
+            <a:pPr algn="l">
+              <a:lnSpc>
+                <a:spcPct val="150000"/>
+              </a:lnSpc>
+            </a:pPr>
+            <a:endParaRPr lang="es-ES" sz="4000" dirty="0">
+              <a:solidFill>
+                <a:schemeClr val="tx1"/>
+              </a:solidFill>
+              <a:latin typeface="Orbitron" pitchFamily="2" charset="0"/>
+            </a:endParaRPr>
+          </a:p>
+        </p:txBody>
+      </p:sp>
+      <p:sp>
+        <p:nvSpPr>
+          <p:cNvPr id="9" name="Título 1">
+            <a:extLst>
+              <a:ext uri="{FF2B5EF4-FFF2-40B4-BE49-F238E27FC236}">
+                <a16:creationId xmlns:a16="http://schemas.microsoft.com/office/drawing/2014/main" id="{F2AD1A11-918B-487E-A8E7-2B8A13298E6D}"/>
+              </a:ext>
+            </a:extLst>
+          </p:cNvPr>
+          <p:cNvSpPr txBox="1">
+            <a:spLocks/>
+          </p:cNvSpPr>
+          <p:nvPr/>
+        </p:nvSpPr>
+        <p:spPr>
+          <a:xfrm>
+            <a:off x="826565" y="186362"/>
+            <a:ext cx="6973821" cy="924212"/>
+          </a:xfrm>
+          <a:prstGeom prst="rect">
+            <a:avLst/>
+          </a:prstGeom>
+        </p:spPr>
+        <p:txBody>
+          <a:bodyPr vert="horz" lIns="91440" tIns="45720" rIns="91440" bIns="45720" rtlCol="0" anchor="ctr">
+            <a:normAutofit fontScale="92500"/>
+          </a:bodyPr>
+          <a:lstStyle>
+            <a:lvl1pPr algn="l" defTabSz="914400" rtl="0" eaLnBrk="1" latinLnBrk="1" hangingPunct="1">
+              <a:lnSpc>
+                <a:spcPct val="90000"/>
+              </a:lnSpc>
+              <a:spcBef>
+                <a:spcPct val="0"/>
+              </a:spcBef>
+              <a:buNone/>
+              <a:defRPr sz="4400" kern="1200">
+                <a:solidFill>
+                  <a:schemeClr val="tx1"/>
+                </a:solidFill>
+                <a:latin typeface="+mj-lt"/>
+                <a:ea typeface="+mj-ea"/>
+                <a:cs typeface="+mj-cs"/>
+              </a:defRPr>
+            </a:lvl1pPr>
+          </a:lstStyle>
+          <a:p>
+            <a:pPr algn="r"/>
+            <a:r>
+              <a:rPr lang="ko-KR" altLang="en-US" sz="3600" spc="300" dirty="0">
+                <a:latin typeface="a피라미드" panose="02020600000000000000" pitchFamily="18" charset="-127"/>
+                <a:ea typeface="a피라미드" panose="02020600000000000000" pitchFamily="18" charset="-127"/>
+              </a:rPr>
+              <a:t>개발 </a:t>
+            </a:r>
+            <a:r>
+              <a:rPr lang="ko-KR" altLang="en-US" sz="3600" spc="300">
+                <a:latin typeface="a피라미드" panose="02020600000000000000" pitchFamily="18" charset="-127"/>
+                <a:ea typeface="a피라미드" panose="02020600000000000000" pitchFamily="18" charset="-127"/>
+              </a:rPr>
+              <a:t>내용 </a:t>
+            </a:r>
+            <a:r>
+              <a:rPr lang="en-US" altLang="ko-KR" sz="3600" spc="300" dirty="0">
+                <a:latin typeface="a피라미드" panose="02020600000000000000" pitchFamily="18" charset="-127"/>
+                <a:ea typeface="a피라미드" panose="02020600000000000000" pitchFamily="18" charset="-127"/>
+              </a:rPr>
+              <a:t>– </a:t>
+            </a:r>
+            <a:r>
+              <a:rPr lang="ko-KR" altLang="en-US" sz="3600" spc="300" dirty="0">
+                <a:latin typeface="a피라미드" panose="02020600000000000000" pitchFamily="18" charset="-127"/>
+                <a:ea typeface="a피라미드" panose="02020600000000000000" pitchFamily="18" charset="-127"/>
+              </a:rPr>
+              <a:t>게임시작 전 흐름도</a:t>
+            </a:r>
+            <a:endParaRPr lang="es-ES" sz="3600" spc="300" dirty="0">
+              <a:latin typeface="a피라미드" panose="02020600000000000000" pitchFamily="18" charset="-127"/>
+              <a:ea typeface="a피라미드" panose="02020600000000000000" pitchFamily="18" charset="-127"/>
+            </a:endParaRPr>
+          </a:p>
+        </p:txBody>
+      </p:sp>
+      <p:cxnSp>
+        <p:nvCxnSpPr>
+          <p:cNvPr id="10" name="Conector recto 12">
+            <a:extLst>
+              <a:ext uri="{FF2B5EF4-FFF2-40B4-BE49-F238E27FC236}">
+                <a16:creationId xmlns:a16="http://schemas.microsoft.com/office/drawing/2014/main" id="{21A62DFE-F4DE-41DB-8242-F873BBD0D01C}"/>
+              </a:ext>
+            </a:extLst>
+          </p:cNvPr>
+          <p:cNvCxnSpPr>
+            <a:cxnSpLocks/>
+          </p:cNvCxnSpPr>
+          <p:nvPr/>
+        </p:nvCxnSpPr>
+        <p:spPr>
+          <a:xfrm flipV="1">
+            <a:off x="510134" y="387037"/>
+            <a:ext cx="0" cy="522862"/>
+          </a:xfrm>
+          <a:prstGeom prst="line">
+            <a:avLst/>
+          </a:prstGeom>
+          <a:ln w="66675" cmpd="dbl">
+            <a:solidFill>
+              <a:srgbClr val="00B0F0"/>
+            </a:solidFill>
+            <a:prstDash val="solid"/>
+          </a:ln>
+          <a:effectLst>
+            <a:glow rad="317500">
+              <a:srgbClr val="00B0F0">
+                <a:alpha val="36000"/>
+              </a:srgbClr>
+            </a:glow>
+            <a:outerShdw blurRad="914400" dist="838200" dir="8700000" sx="123000" sy="123000" algn="t" rotWithShape="0">
+              <a:srgbClr val="00B0F0">
+                <a:alpha val="0"/>
+              </a:srgbClr>
+            </a:outerShdw>
+          </a:effectLst>
+        </p:spPr>
+        <p:style>
+          <a:lnRef idx="1">
+            <a:schemeClr val="accent1"/>
+          </a:lnRef>
+          <a:fillRef idx="0">
+            <a:schemeClr val="accent1"/>
+          </a:fillRef>
+          <a:effectRef idx="0">
+            <a:schemeClr val="accent1"/>
+          </a:effectRef>
+          <a:fontRef idx="minor">
+            <a:schemeClr val="tx1"/>
+          </a:fontRef>
+        </p:style>
+      </p:cxnSp>
+      <p:pic>
+        <p:nvPicPr>
+          <p:cNvPr id="13" name="그림 12">
+            <a:extLst>
+              <a:ext uri="{FF2B5EF4-FFF2-40B4-BE49-F238E27FC236}">
+                <a16:creationId xmlns:a16="http://schemas.microsoft.com/office/drawing/2014/main" id="{245FB08A-F471-8A79-142B-F93C4233C0B7}"/>
+              </a:ext>
+            </a:extLst>
+          </p:cNvPr>
+          <p:cNvPicPr>
+            <a:picLocks noChangeAspect="1"/>
+          </p:cNvPicPr>
+          <p:nvPr/>
+        </p:nvPicPr>
+        <p:blipFill>
+          <a:blip r:embed="rId2"/>
+          <a:stretch>
+            <a:fillRect/>
+          </a:stretch>
+        </p:blipFill>
+        <p:spPr>
+          <a:xfrm>
+            <a:off x="582450" y="1099813"/>
+            <a:ext cx="6713802" cy="5471634"/>
+          </a:xfrm>
+          <a:prstGeom prst="rect">
+            <a:avLst/>
+          </a:prstGeom>
+        </p:spPr>
+      </p:pic>
+    </p:spTree>
+    <p:extLst>
+      <p:ext uri="{BB962C8B-B14F-4D97-AF65-F5344CB8AC3E}">
+        <p14:creationId xmlns:p14="http://schemas.microsoft.com/office/powerpoint/2010/main" val="3527284045"/>
+      </p:ext>
+    </p:extLst>
+  </p:cSld>
+  <p:clrMapOvr>
+    <a:masterClrMapping/>
+  </p:clrMapOvr>
+</p:sld>
+</file>
+
+<file path=ppt/slides/slide14.xml><?xml version="1.0" encoding="utf-8"?>
 <p:sld xmlns:a="http://schemas.openxmlformats.org/drawingml/2006/main" xmlns:r="http://schemas.openxmlformats.org/officeDocument/2006/relationships" xmlns:p="http://schemas.openxmlformats.org/presentationml/2006/main">
   <p:cSld>
     <p:spTree>
@@ -5324,7 +5970,7 @@
 </p:sld>
 </file>
 
-<file path=ppt/slides/slide14.xml><?xml version="1.0" encoding="utf-8"?>
+<file path=ppt/slides/slide15.xml><?xml version="1.0" encoding="utf-8"?>
 <p:sld xmlns:a="http://schemas.openxmlformats.org/drawingml/2006/main" xmlns:r="http://schemas.openxmlformats.org/officeDocument/2006/relationships" xmlns:p="http://schemas.openxmlformats.org/presentationml/2006/main">
   <p:cSld>
     <p:spTree>
@@ -7974,7 +8620,7 @@
 </p:sld>
 </file>
 
-<file path=ppt/slides/slide15.xml><?xml version="1.0" encoding="utf-8"?>
+<file path=ppt/slides/slide16.xml><?xml version="1.0" encoding="utf-8"?>
 <p:sld xmlns:a="http://schemas.openxmlformats.org/drawingml/2006/main" xmlns:r="http://schemas.openxmlformats.org/officeDocument/2006/relationships" xmlns:p="http://schemas.openxmlformats.org/presentationml/2006/main">
   <p:cSld>
     <p:spTree>

--- a/작업일지 && 졸작자료/중간평가.pptx
+++ b/작업일지 && 졸작자료/중간평가.pptx
@@ -258,7 +258,7 @@
           <a:p>
             <a:fld id="{C46B1875-E175-407C-8E9E-4E3B5D817DF0}" type="datetimeFigureOut">
               <a:rPr lang="ko-KR" altLang="en-US" smtClean="0"/>
-              <a:t>2024-05-06</a:t>
+              <a:t>2024-05-07</a:t>
             </a:fld>
             <a:endParaRPr lang="ko-KR" altLang="en-US"/>
           </a:p>
@@ -428,7 +428,7 @@
           <a:p>
             <a:fld id="{C46B1875-E175-407C-8E9E-4E3B5D817DF0}" type="datetimeFigureOut">
               <a:rPr lang="ko-KR" altLang="en-US" smtClean="0"/>
-              <a:t>2024-05-06</a:t>
+              <a:t>2024-05-07</a:t>
             </a:fld>
             <a:endParaRPr lang="ko-KR" altLang="en-US"/>
           </a:p>
@@ -608,7 +608,7 @@
           <a:p>
             <a:fld id="{C46B1875-E175-407C-8E9E-4E3B5D817DF0}" type="datetimeFigureOut">
               <a:rPr lang="ko-KR" altLang="en-US" smtClean="0"/>
-              <a:t>2024-05-06</a:t>
+              <a:t>2024-05-07</a:t>
             </a:fld>
             <a:endParaRPr lang="ko-KR" altLang="en-US"/>
           </a:p>
@@ -778,7 +778,7 @@
           <a:p>
             <a:fld id="{C46B1875-E175-407C-8E9E-4E3B5D817DF0}" type="datetimeFigureOut">
               <a:rPr lang="ko-KR" altLang="en-US" smtClean="0"/>
-              <a:t>2024-05-06</a:t>
+              <a:t>2024-05-07</a:t>
             </a:fld>
             <a:endParaRPr lang="ko-KR" altLang="en-US"/>
           </a:p>
@@ -1024,7 +1024,7 @@
           <a:p>
             <a:fld id="{C46B1875-E175-407C-8E9E-4E3B5D817DF0}" type="datetimeFigureOut">
               <a:rPr lang="ko-KR" altLang="en-US" smtClean="0"/>
-              <a:t>2024-05-06</a:t>
+              <a:t>2024-05-07</a:t>
             </a:fld>
             <a:endParaRPr lang="ko-KR" altLang="en-US"/>
           </a:p>
@@ -1256,7 +1256,7 @@
           <a:p>
             <a:fld id="{C46B1875-E175-407C-8E9E-4E3B5D817DF0}" type="datetimeFigureOut">
               <a:rPr lang="ko-KR" altLang="en-US" smtClean="0"/>
-              <a:t>2024-05-06</a:t>
+              <a:t>2024-05-07</a:t>
             </a:fld>
             <a:endParaRPr lang="ko-KR" altLang="en-US"/>
           </a:p>
@@ -1623,7 +1623,7 @@
           <a:p>
             <a:fld id="{C46B1875-E175-407C-8E9E-4E3B5D817DF0}" type="datetimeFigureOut">
               <a:rPr lang="ko-KR" altLang="en-US" smtClean="0"/>
-              <a:t>2024-05-06</a:t>
+              <a:t>2024-05-07</a:t>
             </a:fld>
             <a:endParaRPr lang="ko-KR" altLang="en-US"/>
           </a:p>
@@ -1741,7 +1741,7 @@
           <a:p>
             <a:fld id="{C46B1875-E175-407C-8E9E-4E3B5D817DF0}" type="datetimeFigureOut">
               <a:rPr lang="ko-KR" altLang="en-US" smtClean="0"/>
-              <a:t>2024-05-06</a:t>
+              <a:t>2024-05-07</a:t>
             </a:fld>
             <a:endParaRPr lang="ko-KR" altLang="en-US"/>
           </a:p>
@@ -1836,7 +1836,7 @@
           <a:p>
             <a:fld id="{C46B1875-E175-407C-8E9E-4E3B5D817DF0}" type="datetimeFigureOut">
               <a:rPr lang="ko-KR" altLang="en-US" smtClean="0"/>
-              <a:t>2024-05-06</a:t>
+              <a:t>2024-05-07</a:t>
             </a:fld>
             <a:endParaRPr lang="ko-KR" altLang="en-US"/>
           </a:p>
@@ -2113,7 +2113,7 @@
           <a:p>
             <a:fld id="{C46B1875-E175-407C-8E9E-4E3B5D817DF0}" type="datetimeFigureOut">
               <a:rPr lang="ko-KR" altLang="en-US" smtClean="0"/>
-              <a:t>2024-05-06</a:t>
+              <a:t>2024-05-07</a:t>
             </a:fld>
             <a:endParaRPr lang="ko-KR" altLang="en-US"/>
           </a:p>
@@ -2370,7 +2370,7 @@
           <a:p>
             <a:fld id="{C46B1875-E175-407C-8E9E-4E3B5D817DF0}" type="datetimeFigureOut">
               <a:rPr lang="ko-KR" altLang="en-US" smtClean="0"/>
-              <a:t>2024-05-06</a:t>
+              <a:t>2024-05-07</a:t>
             </a:fld>
             <a:endParaRPr lang="ko-KR" altLang="en-US"/>
           </a:p>
@@ -2583,7 +2583,7 @@
           <a:p>
             <a:fld id="{C46B1875-E175-407C-8E9E-4E3B5D817DF0}" type="datetimeFigureOut">
               <a:rPr lang="ko-KR" altLang="en-US" smtClean="0"/>
-              <a:t>2024-05-06</a:t>
+              <a:t>2024-05-07</a:t>
             </a:fld>
             <a:endParaRPr lang="ko-KR" altLang="en-US"/>
           </a:p>
@@ -5439,7 +5439,7 @@
         </p:blipFill>
         <p:spPr>
           <a:xfrm>
-            <a:off x="582450" y="1099813"/>
+            <a:off x="610442" y="1099813"/>
             <a:ext cx="6713802" cy="5471634"/>
           </a:xfrm>
           <a:prstGeom prst="rect">
@@ -5954,6 +5954,103 @@
               <a:rPr lang="ko-KR" altLang="en-US" dirty="0"/>
               <a:t>남은 기간동안 게임에 여러 상호작용 오브젝트 추가  </a:t>
             </a:r>
+          </a:p>
+        </p:txBody>
+      </p:sp>
+      <p:sp>
+        <p:nvSpPr>
+          <p:cNvPr id="3" name="TextBox 2">
+            <a:extLst>
+              <a:ext uri="{FF2B5EF4-FFF2-40B4-BE49-F238E27FC236}">
+                <a16:creationId xmlns:a16="http://schemas.microsoft.com/office/drawing/2014/main" id="{E92FCE86-EF2C-2953-AEFA-AC1AC26F4F94}"/>
+              </a:ext>
+            </a:extLst>
+          </p:cNvPr>
+          <p:cNvSpPr txBox="1"/>
+          <p:nvPr/>
+        </p:nvSpPr>
+        <p:spPr>
+          <a:xfrm>
+            <a:off x="6571129" y="2312894"/>
+            <a:ext cx="4756234" cy="2585323"/>
+          </a:xfrm>
+          <a:prstGeom prst="rect">
+            <a:avLst/>
+          </a:prstGeom>
+          <a:noFill/>
+        </p:spPr>
+        <p:txBody>
+          <a:bodyPr wrap="square" rtlCol="0">
+            <a:spAutoFit/>
+          </a:bodyPr>
+          <a:lstStyle/>
+          <a:p>
+            <a:pPr algn="ctr"/>
+            <a:r>
+              <a:rPr lang="ko-KR" altLang="en-US" dirty="0"/>
+              <a:t>서버</a:t>
+            </a:r>
+            <a:endParaRPr lang="en-US" altLang="ko-KR" dirty="0"/>
+          </a:p>
+          <a:p>
+            <a:pPr algn="ctr"/>
+            <a:endParaRPr lang="en-US" altLang="ko-KR" dirty="0"/>
+          </a:p>
+          <a:p>
+            <a:r>
+              <a:rPr lang="ko-KR" altLang="en-US" dirty="0"/>
+              <a:t>문제점 </a:t>
+            </a:r>
+            <a:r>
+              <a:rPr lang="en-US" altLang="ko-KR" dirty="0"/>
+              <a:t>: </a:t>
+            </a:r>
+            <a:r>
+              <a:rPr lang="ko-KR" altLang="en-US"/>
+              <a:t>불안전한 다중 </a:t>
+            </a:r>
+            <a:r>
+              <a:rPr lang="ko-KR" altLang="en-US" dirty="0"/>
+              <a:t>접속 처리 </a:t>
+            </a:r>
+            <a:r>
+              <a:rPr lang="en-US" altLang="ko-KR" dirty="0"/>
+              <a:t>&amp;&amp; </a:t>
+            </a:r>
+            <a:r>
+              <a:rPr lang="ko-KR" altLang="en-US" dirty="0"/>
+              <a:t>서버에서 처리하는 볼륨 미흡</a:t>
+            </a:r>
+            <a:endParaRPr lang="en-US" altLang="ko-KR" dirty="0"/>
+          </a:p>
+          <a:p>
+            <a:endParaRPr lang="en-US" altLang="ko-KR" dirty="0"/>
+          </a:p>
+          <a:p>
+            <a:r>
+              <a:rPr lang="ko-KR" altLang="en-US" dirty="0"/>
+              <a:t>보완책 </a:t>
+            </a:r>
+            <a:r>
+              <a:rPr lang="en-US" altLang="ko-KR" dirty="0"/>
+              <a:t>: Disconnect </a:t>
+            </a:r>
+            <a:r>
+              <a:rPr lang="ko-KR" altLang="en-US" dirty="0"/>
+              <a:t>처리 및 더미 클라이언트와의 테스트를 통한 다중 접속 테스트 진행</a:t>
+            </a:r>
+            <a:endParaRPr lang="en-US" altLang="ko-KR" dirty="0"/>
+          </a:p>
+          <a:p>
+            <a:r>
+              <a:rPr lang="en-US" altLang="ko-KR" dirty="0"/>
+              <a:t>NPC , DB</a:t>
+            </a:r>
+            <a:r>
+              <a:rPr lang="ko-KR" altLang="en-US" dirty="0"/>
+              <a:t>등 여러 서버에서 관리하는 기능 추가</a:t>
+            </a:r>
+            <a:endParaRPr lang="en-US" altLang="ko-KR" dirty="0"/>
           </a:p>
         </p:txBody>
       </p:sp>
@@ -16672,7 +16769,7 @@
                   <a:schemeClr val="lt1"/>
                 </a:solidFill>
                 <a:latin typeface="HY태백B"/>
-                <a:ea typeface="HY태백B"/>
+                <a:ea typeface="a라이트" panose="02020600000000000000"/>
               </a:rPr>
               <a:t>IOCP </a:t>
             </a:r>
@@ -16682,7 +16779,7 @@
                   <a:schemeClr val="lt1"/>
                 </a:solidFill>
                 <a:latin typeface="HY태백B"/>
-                <a:ea typeface="HY태백B"/>
+                <a:ea typeface="a라이트" panose="02020600000000000000"/>
               </a:rPr>
               <a:t>활용 멀티 스레드</a:t>
             </a:r>
@@ -16691,7 +16788,7 @@
                 <a:schemeClr val="lt1"/>
               </a:solidFill>
               <a:latin typeface="HY태백B"/>
-              <a:ea typeface="HY태백B"/>
+              <a:ea typeface="a라이트" panose="02020600000000000000"/>
             </a:endParaRPr>
           </a:p>
           <a:p>
@@ -16706,7 +16803,7 @@
                   <a:schemeClr val="lt1"/>
                 </a:solidFill>
                 <a:latin typeface="HY태백B"/>
-                <a:ea typeface="HY태백B"/>
+                <a:ea typeface="a라이트" panose="02020600000000000000"/>
               </a:rPr>
               <a:t>서버 구현 및 연동</a:t>
             </a:r>
@@ -16715,7 +16812,7 @@
                 <a:schemeClr val="lt1"/>
               </a:solidFill>
               <a:latin typeface="HY태백B"/>
-              <a:ea typeface="HY태백B"/>
+              <a:ea typeface="a라이트" panose="02020600000000000000"/>
             </a:endParaRPr>
           </a:p>
         </p:txBody>

--- a/작업일지 && 졸작자료/중간평가.pptx
+++ b/작업일지 && 졸작자료/중간평가.pptx
@@ -3898,8 +3898,8 @@
         </p:blipFill>
         <p:spPr>
           <a:xfrm>
-            <a:off x="826566" y="1877892"/>
-            <a:ext cx="5311140" cy="4023360"/>
+            <a:off x="403080" y="1406533"/>
+            <a:ext cx="5734626" cy="5064430"/>
           </a:xfrm>
           <a:prstGeom prst="rect">
             <a:avLst/>
@@ -3934,8 +3934,8 @@
         </p:blipFill>
         <p:spPr>
           <a:xfrm>
-            <a:off x="6321929" y="1877892"/>
-            <a:ext cx="5311140" cy="4023360"/>
+            <a:off x="6321928" y="1406533"/>
+            <a:ext cx="5538377" cy="5064430"/>
           </a:xfrm>
           <a:prstGeom prst="rect">
             <a:avLst/>
@@ -4372,6 +4372,222 @@
           </a:fontRef>
         </p:style>
       </p:cxnSp>
+      <p:sp>
+        <p:nvSpPr>
+          <p:cNvPr id="3" name="TextBox 2">
+            <a:extLst>
+              <a:ext uri="{FF2B5EF4-FFF2-40B4-BE49-F238E27FC236}">
+                <a16:creationId xmlns:a16="http://schemas.microsoft.com/office/drawing/2014/main" id="{7946FF28-2B12-C4F3-FCBF-7825EDDB6672}"/>
+              </a:ext>
+            </a:extLst>
+          </p:cNvPr>
+          <p:cNvSpPr txBox="1"/>
+          <p:nvPr/>
+        </p:nvSpPr>
+        <p:spPr>
+          <a:xfrm>
+            <a:off x="666161" y="1442954"/>
+            <a:ext cx="10859678" cy="3524042"/>
+          </a:xfrm>
+          <a:prstGeom prst="rect">
+            <a:avLst/>
+          </a:prstGeom>
+          <a:noFill/>
+        </p:spPr>
+        <p:txBody>
+          <a:bodyPr wrap="square" rtlCol="0">
+            <a:spAutoFit/>
+          </a:bodyPr>
+          <a:lstStyle/>
+          <a:p>
+            <a:pPr algn="ctr"/>
+            <a:r>
+              <a:rPr lang="ko-KR" altLang="en-US" sz="2500" b="1" dirty="0"/>
+              <a:t>구현 방법</a:t>
+            </a:r>
+            <a:endParaRPr lang="en-US" altLang="ko-KR" sz="2500" b="1" dirty="0"/>
+          </a:p>
+          <a:p>
+            <a:pPr algn="ctr"/>
+            <a:endParaRPr lang="en-US" altLang="ko-KR" dirty="0"/>
+          </a:p>
+          <a:p>
+            <a:pPr algn="ctr"/>
+            <a:endParaRPr lang="en-US" altLang="ko-KR" dirty="0"/>
+          </a:p>
+          <a:p>
+            <a:pPr marL="342900" indent="-342900">
+              <a:buAutoNum type="arabicPeriod"/>
+            </a:pPr>
+            <a:r>
+              <a:rPr lang="ko-KR" altLang="en-US" dirty="0">
+                <a:latin typeface="나눔고딕" pitchFamily="2" charset="-127"/>
+                <a:ea typeface="나눔고딕" pitchFamily="2" charset="-127"/>
+              </a:rPr>
+              <a:t>기본 적으로는 </a:t>
+            </a:r>
+            <a:r>
+              <a:rPr lang="ko-KR" altLang="en-US" dirty="0" err="1">
+                <a:latin typeface="나눔고딕" pitchFamily="2" charset="-127"/>
+                <a:ea typeface="나눔고딕" pitchFamily="2" charset="-127"/>
+              </a:rPr>
+              <a:t>언리얼</a:t>
+            </a:r>
+            <a:r>
+              <a:rPr lang="ko-KR" altLang="en-US" dirty="0">
+                <a:latin typeface="나눔고딕" pitchFamily="2" charset="-127"/>
+                <a:ea typeface="나눔고딕" pitchFamily="2" charset="-127"/>
+              </a:rPr>
+              <a:t> 에디터상에서 사용하는 </a:t>
+            </a:r>
+            <a:r>
+              <a:rPr lang="ko-KR" altLang="en-US" dirty="0" err="1">
+                <a:latin typeface="나눔고딕" pitchFamily="2" charset="-127"/>
+                <a:ea typeface="나눔고딕" pitchFamily="2" charset="-127"/>
+              </a:rPr>
+              <a:t>모델링툴의</a:t>
+            </a:r>
+            <a:r>
+              <a:rPr lang="ko-KR" altLang="en-US" dirty="0">
+                <a:latin typeface="나눔고딕" pitchFamily="2" charset="-127"/>
+                <a:ea typeface="나눔고딕" pitchFamily="2" charset="-127"/>
+              </a:rPr>
+              <a:t> </a:t>
+            </a:r>
+            <a:r>
+              <a:rPr lang="ko-KR" altLang="en-US" dirty="0" err="1">
+                <a:latin typeface="나눔고딕" pitchFamily="2" charset="-127"/>
+                <a:ea typeface="나눔고딕" pitchFamily="2" charset="-127"/>
+              </a:rPr>
+              <a:t>기능중에</a:t>
+            </a:r>
+            <a:r>
+              <a:rPr lang="ko-KR" altLang="en-US" dirty="0">
+                <a:latin typeface="나눔고딕" pitchFamily="2" charset="-127"/>
+                <a:ea typeface="나눔고딕" pitchFamily="2" charset="-127"/>
+              </a:rPr>
+              <a:t> </a:t>
+            </a:r>
+            <a:r>
+              <a:rPr lang="en-US" altLang="ko-KR" dirty="0">
+                <a:latin typeface="나눔고딕" pitchFamily="2" charset="-127"/>
+                <a:ea typeface="나눔고딕" pitchFamily="2" charset="-127"/>
+              </a:rPr>
+              <a:t>Boolean</a:t>
+            </a:r>
+            <a:r>
+              <a:rPr lang="ko-KR" altLang="en-US" dirty="0">
+                <a:latin typeface="나눔고딕" pitchFamily="2" charset="-127"/>
+                <a:ea typeface="나눔고딕" pitchFamily="2" charset="-127"/>
+              </a:rPr>
+              <a:t>기능을 코드상으로 가져와서 사용하면서 원하는 기능으로 사용하기 위해 몇몇 부분들을 추가해서 구현했습니다</a:t>
+            </a:r>
+            <a:r>
+              <a:rPr lang="en-US" altLang="ko-KR" dirty="0">
+                <a:latin typeface="나눔고딕" pitchFamily="2" charset="-127"/>
+                <a:ea typeface="나눔고딕" pitchFamily="2" charset="-127"/>
+              </a:rPr>
+              <a:t>.</a:t>
+            </a:r>
+          </a:p>
+          <a:p>
+            <a:pPr marL="342900" indent="-342900">
+              <a:buAutoNum type="arabicPeriod"/>
+            </a:pPr>
+            <a:endParaRPr lang="en-US" altLang="ko-KR" b="0" i="0" dirty="0">
+              <a:effectLst/>
+              <a:latin typeface="나눔고딕" pitchFamily="2" charset="-127"/>
+              <a:ea typeface="나눔고딕" pitchFamily="2" charset="-127"/>
+            </a:endParaRPr>
+          </a:p>
+          <a:p>
+            <a:pPr marL="342900" indent="-342900">
+              <a:buAutoNum type="arabicPeriod"/>
+            </a:pPr>
+            <a:endParaRPr lang="en-US" altLang="ko-KR" dirty="0"/>
+          </a:p>
+          <a:p>
+            <a:pPr marL="342900" indent="-342900">
+              <a:buAutoNum type="arabicPeriod"/>
+            </a:pPr>
+            <a:r>
+              <a:rPr lang="ko-KR" altLang="en-US" dirty="0"/>
+              <a:t>우선 실제 총알 구멍처럼 균일하게 만들어지지 않고 어느정도 </a:t>
+            </a:r>
+            <a:r>
+              <a:rPr lang="en-US" altLang="ko-KR" dirty="0"/>
+              <a:t>Min</a:t>
+            </a:r>
+            <a:r>
+              <a:rPr lang="ko-KR" altLang="en-US" dirty="0"/>
+              <a:t>값과 </a:t>
+            </a:r>
+            <a:r>
+              <a:rPr lang="en-US" altLang="ko-KR" dirty="0"/>
+              <a:t>Max</a:t>
+            </a:r>
+            <a:r>
+              <a:rPr lang="ko-KR" altLang="en-US" dirty="0"/>
+              <a:t>값을 넣어서</a:t>
+            </a:r>
+            <a:r>
+              <a:rPr lang="en-US" altLang="ko-KR" dirty="0"/>
+              <a:t> 6</a:t>
+            </a:r>
+            <a:r>
+              <a:rPr lang="ko-KR" altLang="en-US" dirty="0"/>
+              <a:t>각형 기둥의 </a:t>
+            </a:r>
+            <a:r>
+              <a:rPr lang="ko-KR" altLang="en-US" dirty="0" err="1"/>
+              <a:t>버텍스의</a:t>
+            </a:r>
+            <a:r>
+              <a:rPr lang="ko-KR" altLang="en-US" dirty="0"/>
+              <a:t> 값을 변경하여 만들었습니다</a:t>
+            </a:r>
+            <a:r>
+              <a:rPr lang="en-US" altLang="ko-KR" dirty="0"/>
+              <a:t>.</a:t>
+            </a:r>
+          </a:p>
+          <a:p>
+            <a:pPr marL="342900" indent="-342900">
+              <a:buAutoNum type="arabicPeriod"/>
+            </a:pPr>
+            <a:endParaRPr lang="en-US" altLang="ko-KR" dirty="0"/>
+          </a:p>
+          <a:p>
+            <a:pPr marL="342900" indent="-342900">
+              <a:buAutoNum type="arabicPeriod"/>
+            </a:pPr>
+            <a:r>
+              <a:rPr lang="ko-KR" altLang="en-US" dirty="0"/>
+              <a:t>아무래도 런타임에 사용하려고 만들어진 기능이 아니라 </a:t>
+            </a:r>
+            <a:r>
+              <a:rPr lang="en-US" altLang="ko-KR" dirty="0"/>
+              <a:t>Boolean</a:t>
+            </a:r>
+            <a:r>
+              <a:rPr lang="ko-KR" altLang="en-US" dirty="0"/>
+              <a:t>기능을 사용해서 구멍을 계속 만들면 프레임이 뚝뚝 끊겨서 일정 데미지를 받으면 해당벽이 </a:t>
+            </a:r>
+            <a:r>
+              <a:rPr lang="en-US" altLang="ko-KR" dirty="0"/>
+              <a:t>4x4</a:t>
+            </a:r>
+            <a:r>
+              <a:rPr lang="ko-KR" altLang="en-US" dirty="0"/>
+              <a:t>로 나눠져서 부셔지도록 만들었습니다</a:t>
+            </a:r>
+            <a:r>
+              <a:rPr lang="en-US" altLang="ko-KR" dirty="0"/>
+              <a:t>.</a:t>
+            </a:r>
+          </a:p>
+        </p:txBody>
+      </p:sp>
     </p:spTree>
     <p:extLst>
       <p:ext uri="{BB962C8B-B14F-4D97-AF65-F5344CB8AC3E}">
@@ -18107,8 +18323,8 @@
         </p:nvSpPr>
         <p:spPr>
           <a:xfrm>
-            <a:off x="666161" y="1210765"/>
-            <a:ext cx="10859678" cy="5355312"/>
+            <a:off x="666161" y="1442954"/>
+            <a:ext cx="10859678" cy="3801041"/>
           </a:xfrm>
           <a:prstGeom prst="rect">
             <a:avLst/>
@@ -18121,77 +18337,19 @@
           </a:bodyPr>
           <a:lstStyle/>
           <a:p>
-            <a:r>
-              <a:rPr lang="ko-KR" altLang="en-US" dirty="0"/>
-              <a:t>처음 결과는 생각과 달랐다</a:t>
-            </a:r>
-            <a:r>
-              <a:rPr lang="en-US" altLang="ko-KR" dirty="0"/>
-              <a:t>.</a:t>
-            </a:r>
-          </a:p>
-          <a:p>
+            <a:pPr algn="ctr"/>
+            <a:r>
+              <a:rPr lang="ko-KR" altLang="en-US" sz="2500" b="1" dirty="0"/>
+              <a:t>구현 방법</a:t>
+            </a:r>
+            <a:endParaRPr lang="en-US" altLang="ko-KR" sz="2500" b="1" dirty="0"/>
+          </a:p>
+          <a:p>
+            <a:pPr algn="ctr"/>
             <a:endParaRPr lang="en-US" altLang="ko-KR" dirty="0"/>
           </a:p>
           <a:p>
-            <a:r>
-              <a:rPr lang="ko-KR" altLang="en-US" dirty="0"/>
-              <a:t>일단 삼각형을 이루는 </a:t>
-            </a:r>
-            <a:r>
-              <a:rPr lang="ko-KR" altLang="en-US" dirty="0" err="1"/>
-              <a:t>버텍스들이</a:t>
-            </a:r>
-            <a:r>
-              <a:rPr lang="ko-KR" altLang="en-US" dirty="0"/>
-              <a:t> 서로 매칭이 </a:t>
-            </a:r>
-            <a:r>
-              <a:rPr lang="ko-KR" altLang="en-US" dirty="0" err="1"/>
-              <a:t>잘안된</a:t>
-            </a:r>
-            <a:r>
-              <a:rPr lang="ko-KR" altLang="en-US" dirty="0"/>
-              <a:t> </a:t>
-            </a:r>
-            <a:r>
-              <a:rPr lang="ko-KR" altLang="en-US" dirty="0" err="1"/>
-              <a:t>상태고</a:t>
-            </a:r>
-            <a:r>
-              <a:rPr lang="en-US" altLang="ko-KR" dirty="0"/>
-              <a:t>,</a:t>
-            </a:r>
-          </a:p>
-          <a:p>
-            <a:r>
-              <a:rPr lang="ko-KR" altLang="en-US" dirty="0"/>
-              <a:t>기본적으로 두개의 정보는 </a:t>
-            </a:r>
-            <a:r>
-              <a:rPr lang="ko-KR" altLang="en-US" dirty="0" err="1"/>
-              <a:t>버텍스가</a:t>
-            </a:r>
-            <a:r>
-              <a:rPr lang="ko-KR" altLang="en-US" dirty="0"/>
-              <a:t> 달랐다</a:t>
-            </a:r>
-            <a:r>
-              <a:rPr lang="en-US" altLang="ko-KR" dirty="0"/>
-              <a:t>.</a:t>
-            </a:r>
-          </a:p>
-          <a:p>
-            <a:endParaRPr lang="en-US" altLang="ko-KR" dirty="0"/>
-          </a:p>
-          <a:p>
-            <a:r>
-              <a:rPr lang="ko-KR" altLang="en-US" dirty="0"/>
-              <a:t>해결방안은 우선</a:t>
-            </a:r>
-            <a:endParaRPr lang="en-US" altLang="ko-KR" dirty="0"/>
-          </a:p>
-          <a:p>
+            <a:pPr algn="ctr"/>
             <a:endParaRPr lang="en-US" altLang="ko-KR" dirty="0"/>
           </a:p>
           <a:p>
@@ -18382,6 +18540,20 @@
               </a:rPr>
               <a:t>.</a:t>
             </a:r>
+            <a:endParaRPr lang="en-US" altLang="ko-KR" dirty="0">
+              <a:latin typeface="나눔고딕" pitchFamily="2" charset="-127"/>
+              <a:ea typeface="나눔고딕" pitchFamily="2" charset="-127"/>
+            </a:endParaRPr>
+          </a:p>
+          <a:p>
+            <a:pPr marL="342900" indent="-342900">
+              <a:buAutoNum type="arabicPeriod"/>
+            </a:pPr>
+            <a:endParaRPr lang="en-US" altLang="ko-KR" b="0" i="0" dirty="0">
+              <a:effectLst/>
+              <a:latin typeface="나눔고딕" pitchFamily="2" charset="-127"/>
+              <a:ea typeface="나눔고딕" pitchFamily="2" charset="-127"/>
+            </a:endParaRPr>
           </a:p>
           <a:p>
             <a:pPr marL="342900" indent="-342900">
@@ -18498,7 +18670,7 @@
                 <a:latin typeface="나눔고딕" pitchFamily="2" charset="-127"/>
                 <a:ea typeface="나눔고딕" pitchFamily="2" charset="-127"/>
               </a:rPr>
-              <a:t> 중에 랜덤으로 선택해서 값을 넣어주고 나머지는 </a:t>
+              <a:t> 중에 랜덤으로 선택해서 값을 넣어주었다</a:t>
             </a:r>
             <a:r>
               <a:rPr lang="en-US" altLang="ko-KR" b="0" i="0" dirty="0">
@@ -18506,22 +18678,6 @@
                 <a:latin typeface="나눔고딕" pitchFamily="2" charset="-127"/>
                 <a:ea typeface="나눔고딕" pitchFamily="2" charset="-127"/>
               </a:rPr>
-              <a:t>0.f</a:t>
-            </a:r>
-            <a:r>
-              <a:rPr lang="ko-KR" altLang="en-US" b="0" i="0" dirty="0">
-                <a:effectLst/>
-                <a:latin typeface="나눔고딕" pitchFamily="2" charset="-127"/>
-                <a:ea typeface="나눔고딕" pitchFamily="2" charset="-127"/>
-              </a:rPr>
-              <a:t>값을 다 넣어주었다</a:t>
-            </a:r>
-            <a:r>
-              <a:rPr lang="en-US" altLang="ko-KR" b="0" i="0" dirty="0">
-                <a:effectLst/>
-                <a:latin typeface="나눔고딕" pitchFamily="2" charset="-127"/>
-                <a:ea typeface="나눔고딕" pitchFamily="2" charset="-127"/>
-              </a:rPr>
               <a:t>.</a:t>
             </a:r>
           </a:p>
@@ -18530,20 +18686,6 @@
               <a:buAutoNum type="arabicPeriod"/>
             </a:pPr>
             <a:endParaRPr lang="en-US" altLang="ko-KR" dirty="0"/>
-          </a:p>
-          <a:p>
-            <a:endParaRPr lang="en-US" altLang="ko-KR" dirty="0"/>
-          </a:p>
-          <a:p>
-            <a:r>
-              <a:rPr lang="ko-KR" altLang="en-US" dirty="0"/>
-              <a:t>해당 과정들을 통해서 원하는 느낌으로 완성되었다</a:t>
-            </a:r>
-            <a:r>
-              <a:rPr lang="en-US" altLang="ko-KR" dirty="0"/>
-              <a:t>.</a:t>
-            </a:r>
-            <a:endParaRPr lang="ko-KR" altLang="en-US" dirty="0"/>
           </a:p>
         </p:txBody>
       </p:sp>

--- a/작업일지 && 졸작자료/중간평가.pptx
+++ b/작업일지 && 졸작자료/중간평가.pptx
@@ -1,6 +1,6 @@
 
 <file path=ppt/presentation.xml><?xml version="1.0" encoding="utf-8"?>
-<p:presentation xmlns:a="http://schemas.openxmlformats.org/drawingml/2006/main" xmlns:r="http://schemas.openxmlformats.org/officeDocument/2006/relationships" xmlns:p="http://schemas.openxmlformats.org/presentationml/2006/main" saveSubsetFonts="1">
+<p:presentation xmlns:a="http://schemas.openxmlformats.org/drawingml/2006/main" xmlns:r="http://schemas.openxmlformats.org/officeDocument/2006/relationships" xmlns:p="http://schemas.openxmlformats.org/presentationml/2006/main" embedTrueTypeFonts="1" saveSubsetFonts="1">
   <p:sldMasterIdLst>
     <p:sldMasterId id="2147483660" r:id="rId1"/>
   </p:sldMasterIdLst>
@@ -24,6 +24,47 @@
   </p:sldIdLst>
   <p:sldSz cx="12192000" cy="6858000"/>
   <p:notesSz cx="9144000" cy="6858000"/>
+  <p:embeddedFontLst>
+    <p:embeddedFont>
+      <p:font typeface="a라이트" panose="02020600000000000000" pitchFamily="18" charset="-127"/>
+      <p:regular r:id="rId18"/>
+    </p:embeddedFont>
+    <p:embeddedFont>
+      <p:font typeface="a로케트" panose="02020600000000000000" pitchFamily="18" charset="-127"/>
+      <p:regular r:id="rId19"/>
+    </p:embeddedFont>
+    <p:embeddedFont>
+      <p:font typeface="a피라미드" panose="02020600000000000000" pitchFamily="18" charset="-127"/>
+      <p:regular r:id="rId20"/>
+    </p:embeddedFont>
+    <p:embeddedFont>
+      <p:font typeface="나눔고딕" panose="020D0604000000000000" pitchFamily="50" charset="-127"/>
+      <p:regular r:id="rId21"/>
+      <p:bold r:id="rId22"/>
+    </p:embeddedFont>
+    <p:embeddedFont>
+      <p:font typeface="함초롬바탕" panose="02030604000101010101" pitchFamily="18" charset="-127"/>
+      <p:regular r:id="rId23"/>
+      <p:bold r:id="rId24"/>
+    </p:embeddedFont>
+    <p:embeddedFont>
+      <p:font typeface="Calibri" panose="020F0502020204030204" pitchFamily="34" charset="0"/>
+      <p:regular r:id="rId25"/>
+      <p:bold r:id="rId26"/>
+      <p:italic r:id="rId27"/>
+      <p:boldItalic r:id="rId28"/>
+    </p:embeddedFont>
+    <p:embeddedFont>
+      <p:font typeface="Calibri Light" panose="020F0302020204030204" pitchFamily="34" charset="0"/>
+      <p:regular r:id="rId29"/>
+      <p:italic r:id="rId30"/>
+    </p:embeddedFont>
+    <p:embeddedFont>
+      <p:font typeface="Orbitron" pitchFamily="2" charset="0"/>
+      <p:regular r:id="rId31"/>
+      <p:bold r:id="rId32"/>
+    </p:embeddedFont>
+  </p:embeddedFontLst>
   <p:defaultTextStyle>
     <a:defPPr>
       <a:defRPr lang="en-US"/>
@@ -258,7 +299,7 @@
           <a:p>
             <a:fld id="{C46B1875-E175-407C-8E9E-4E3B5D817DF0}" type="datetimeFigureOut">
               <a:rPr lang="ko-KR" altLang="en-US" smtClean="0"/>
-              <a:t>2024-05-07</a:t>
+              <a:t>2024-05-08</a:t>
             </a:fld>
             <a:endParaRPr lang="ko-KR" altLang="en-US"/>
           </a:p>
@@ -428,7 +469,7 @@
           <a:p>
             <a:fld id="{C46B1875-E175-407C-8E9E-4E3B5D817DF0}" type="datetimeFigureOut">
               <a:rPr lang="ko-KR" altLang="en-US" smtClean="0"/>
-              <a:t>2024-05-07</a:t>
+              <a:t>2024-05-08</a:t>
             </a:fld>
             <a:endParaRPr lang="ko-KR" altLang="en-US"/>
           </a:p>
@@ -608,7 +649,7 @@
           <a:p>
             <a:fld id="{C46B1875-E175-407C-8E9E-4E3B5D817DF0}" type="datetimeFigureOut">
               <a:rPr lang="ko-KR" altLang="en-US" smtClean="0"/>
-              <a:t>2024-05-07</a:t>
+              <a:t>2024-05-08</a:t>
             </a:fld>
             <a:endParaRPr lang="ko-KR" altLang="en-US"/>
           </a:p>
@@ -778,7 +819,7 @@
           <a:p>
             <a:fld id="{C46B1875-E175-407C-8E9E-4E3B5D817DF0}" type="datetimeFigureOut">
               <a:rPr lang="ko-KR" altLang="en-US" smtClean="0"/>
-              <a:t>2024-05-07</a:t>
+              <a:t>2024-05-08</a:t>
             </a:fld>
             <a:endParaRPr lang="ko-KR" altLang="en-US"/>
           </a:p>
@@ -1024,7 +1065,7 @@
           <a:p>
             <a:fld id="{C46B1875-E175-407C-8E9E-4E3B5D817DF0}" type="datetimeFigureOut">
               <a:rPr lang="ko-KR" altLang="en-US" smtClean="0"/>
-              <a:t>2024-05-07</a:t>
+              <a:t>2024-05-08</a:t>
             </a:fld>
             <a:endParaRPr lang="ko-KR" altLang="en-US"/>
           </a:p>
@@ -1256,7 +1297,7 @@
           <a:p>
             <a:fld id="{C46B1875-E175-407C-8E9E-4E3B5D817DF0}" type="datetimeFigureOut">
               <a:rPr lang="ko-KR" altLang="en-US" smtClean="0"/>
-              <a:t>2024-05-07</a:t>
+              <a:t>2024-05-08</a:t>
             </a:fld>
             <a:endParaRPr lang="ko-KR" altLang="en-US"/>
           </a:p>
@@ -1623,7 +1664,7 @@
           <a:p>
             <a:fld id="{C46B1875-E175-407C-8E9E-4E3B5D817DF0}" type="datetimeFigureOut">
               <a:rPr lang="ko-KR" altLang="en-US" smtClean="0"/>
-              <a:t>2024-05-07</a:t>
+              <a:t>2024-05-08</a:t>
             </a:fld>
             <a:endParaRPr lang="ko-KR" altLang="en-US"/>
           </a:p>
@@ -1741,7 +1782,7 @@
           <a:p>
             <a:fld id="{C46B1875-E175-407C-8E9E-4E3B5D817DF0}" type="datetimeFigureOut">
               <a:rPr lang="ko-KR" altLang="en-US" smtClean="0"/>
-              <a:t>2024-05-07</a:t>
+              <a:t>2024-05-08</a:t>
             </a:fld>
             <a:endParaRPr lang="ko-KR" altLang="en-US"/>
           </a:p>
@@ -1836,7 +1877,7 @@
           <a:p>
             <a:fld id="{C46B1875-E175-407C-8E9E-4E3B5D817DF0}" type="datetimeFigureOut">
               <a:rPr lang="ko-KR" altLang="en-US" smtClean="0"/>
-              <a:t>2024-05-07</a:t>
+              <a:t>2024-05-08</a:t>
             </a:fld>
             <a:endParaRPr lang="ko-KR" altLang="en-US"/>
           </a:p>
@@ -2113,7 +2154,7 @@
           <a:p>
             <a:fld id="{C46B1875-E175-407C-8E9E-4E3B5D817DF0}" type="datetimeFigureOut">
               <a:rPr lang="ko-KR" altLang="en-US" smtClean="0"/>
-              <a:t>2024-05-07</a:t>
+              <a:t>2024-05-08</a:t>
             </a:fld>
             <a:endParaRPr lang="ko-KR" altLang="en-US"/>
           </a:p>
@@ -2370,7 +2411,7 @@
           <a:p>
             <a:fld id="{C46B1875-E175-407C-8E9E-4E3B5D817DF0}" type="datetimeFigureOut">
               <a:rPr lang="ko-KR" altLang="en-US" smtClean="0"/>
-              <a:t>2024-05-07</a:t>
+              <a:t>2024-05-08</a:t>
             </a:fld>
             <a:endParaRPr lang="ko-KR" altLang="en-US"/>
           </a:p>
@@ -2583,7 +2624,7 @@
           <a:p>
             <a:fld id="{C46B1875-E175-407C-8E9E-4E3B5D817DF0}" type="datetimeFigureOut">
               <a:rPr lang="ko-KR" altLang="en-US" smtClean="0"/>
-              <a:t>2024-05-07</a:t>
+              <a:t>2024-05-08</a:t>
             </a:fld>
             <a:endParaRPr lang="ko-KR" altLang="en-US"/>
           </a:p>
@@ -3756,7 +3797,7 @@
         <p:spPr>
           <a:xfrm>
             <a:off x="826566" y="186362"/>
-            <a:ext cx="4632940" cy="924212"/>
+            <a:ext cx="5045914" cy="924212"/>
           </a:xfrm>
           <a:prstGeom prst="rect">
             <a:avLst/>
@@ -3764,7 +3805,7 @@
         </p:spPr>
         <p:txBody>
           <a:bodyPr vert="horz" lIns="91440" tIns="45720" rIns="91440" bIns="45720" rtlCol="0" anchor="ctr">
-            <a:normAutofit fontScale="92500"/>
+            <a:noAutofit/>
           </a:bodyPr>
           <a:lstStyle>
             <a:lvl1pPr algn="l" defTabSz="914400" rtl="0" eaLnBrk="1" latinLnBrk="1" hangingPunct="1">
@@ -3791,7 +3832,7 @@
                 <a:latin typeface="a피라미드" panose="02020600000000000000" pitchFamily="18" charset="-127"/>
                 <a:ea typeface="a피라미드" panose="02020600000000000000" pitchFamily="18" charset="-127"/>
               </a:rPr>
-              <a:t>개발 내용</a:t>
+              <a:t>개발 내용 </a:t>
             </a:r>
             <a:r>
               <a:rPr lang="en-US" altLang="ko-KR" sz="3600" spc="300" dirty="0">
@@ -3898,12 +3939,23 @@
         </p:blipFill>
         <p:spPr>
           <a:xfrm>
-            <a:off x="403080" y="1406533"/>
-            <a:ext cx="5734626" cy="5064430"/>
+            <a:off x="510134" y="1883807"/>
+            <a:ext cx="5734626" cy="4210291"/>
           </a:xfrm>
           <a:prstGeom prst="rect">
             <a:avLst/>
           </a:prstGeom>
+          <a:effectLst>
+            <a:outerShdw blurRad="50800" dist="38100" dir="13500000" algn="br" rotWithShape="0">
+              <a:prstClr val="black">
+                <a:alpha val="40000"/>
+              </a:prstClr>
+            </a:outerShdw>
+          </a:effectLst>
+          <a:scene3d>
+            <a:camera prst="perspectiveRight"/>
+            <a:lightRig rig="threePt" dir="t"/>
+          </a:scene3d>
         </p:spPr>
       </p:pic>
       <p:pic>
@@ -3934,12 +3986,26 @@
         </p:blipFill>
         <p:spPr>
           <a:xfrm>
-            <a:off x="6321928" y="1406533"/>
-            <a:ext cx="5538377" cy="5064430"/>
+            <a:off x="5959267" y="3143634"/>
+            <a:ext cx="5722599" cy="2855902"/>
           </a:xfrm>
           <a:prstGeom prst="rect">
             <a:avLst/>
           </a:prstGeom>
+          <a:solidFill>
+            <a:srgbClr val="FFC000"/>
+          </a:solidFill>
+          <a:effectLst>
+            <a:outerShdw blurRad="50800" dist="38100" algn="l" rotWithShape="0">
+              <a:prstClr val="black">
+                <a:alpha val="40000"/>
+              </a:prstClr>
+            </a:outerShdw>
+          </a:effectLst>
+          <a:scene3d>
+            <a:camera prst="perspectiveLeft"/>
+            <a:lightRig rig="threePt" dir="t"/>
+          </a:scene3d>
         </p:spPr>
       </p:pic>
     </p:spTree>
@@ -4258,7 +4324,7 @@
         <p:spPr>
           <a:xfrm>
             <a:off x="826566" y="186362"/>
-            <a:ext cx="4632940" cy="924212"/>
+            <a:ext cx="5269434" cy="924212"/>
           </a:xfrm>
           <a:prstGeom prst="rect">
             <a:avLst/>
@@ -4266,7 +4332,7 @@
         </p:spPr>
         <p:txBody>
           <a:bodyPr vert="horz" lIns="91440" tIns="45720" rIns="91440" bIns="45720" rtlCol="0" anchor="ctr">
-            <a:normAutofit fontScale="92500"/>
+            <a:noAutofit/>
           </a:bodyPr>
           <a:lstStyle>
             <a:lvl1pPr algn="l" defTabSz="914400" rtl="0" eaLnBrk="1" latinLnBrk="1" hangingPunct="1">
@@ -4293,7 +4359,7 @@
                 <a:latin typeface="a피라미드" panose="02020600000000000000" pitchFamily="18" charset="-127"/>
                 <a:ea typeface="a피라미드" panose="02020600000000000000" pitchFamily="18" charset="-127"/>
               </a:rPr>
-              <a:t>개발 내용</a:t>
+              <a:t>개발 내용 </a:t>
             </a:r>
             <a:r>
               <a:rPr lang="en-US" altLang="ko-KR" sz="3600" spc="300" dirty="0">
@@ -4386,7 +4452,7 @@
         </p:nvSpPr>
         <p:spPr>
           <a:xfrm>
-            <a:off x="666161" y="1442954"/>
+            <a:off x="666161" y="1909298"/>
             <a:ext cx="10859678" cy="3524042"/>
           </a:xfrm>
           <a:prstGeom prst="rect">
@@ -4904,7 +4970,7 @@
         <p:spPr>
           <a:xfrm>
             <a:off x="826566" y="186362"/>
-            <a:ext cx="5269434" cy="924212"/>
+            <a:ext cx="5543754" cy="924212"/>
           </a:xfrm>
           <a:prstGeom prst="rect">
             <a:avLst/>
@@ -4912,7 +4978,7 @@
         </p:spPr>
         <p:txBody>
           <a:bodyPr vert="horz" lIns="91440" tIns="45720" rIns="91440" bIns="45720" rtlCol="0" anchor="ctr">
-            <a:normAutofit fontScale="92500"/>
+            <a:noAutofit/>
           </a:bodyPr>
           <a:lstStyle>
             <a:lvl1pPr algn="l" defTabSz="914400" rtl="0" eaLnBrk="1" latinLnBrk="1" hangingPunct="1">
@@ -5032,7 +5098,7 @@
         </p:nvSpPr>
         <p:spPr>
           <a:xfrm>
-            <a:off x="826566" y="1904413"/>
+            <a:off x="826566" y="2966053"/>
             <a:ext cx="10325848" cy="2585323"/>
           </a:xfrm>
           <a:prstGeom prst="rect">
@@ -5047,22 +5113,22 @@
           <a:lstStyle/>
           <a:p>
             <a:r>
-              <a:rPr lang="en-US" altLang="ko-KR" dirty="0"/>
+              <a:rPr lang="en-US" altLang="ko-KR" b="1" dirty="0"/>
               <a:t>IOCP</a:t>
             </a:r>
             <a:r>
-              <a:rPr lang="ko-KR" altLang="en-US" dirty="0"/>
+              <a:rPr lang="ko-KR" altLang="en-US" b="1" dirty="0"/>
               <a:t>를 활용한 </a:t>
             </a:r>
             <a:r>
-              <a:rPr lang="ko-KR" altLang="en-US" dirty="0" err="1"/>
+              <a:rPr lang="ko-KR" altLang="en-US" b="1" dirty="0" err="1"/>
               <a:t>멀티스레드</a:t>
             </a:r>
             <a:r>
-              <a:rPr lang="ko-KR" altLang="en-US" dirty="0"/>
+              <a:rPr lang="ko-KR" altLang="en-US" b="1" dirty="0"/>
               <a:t> 서버 구현 </a:t>
             </a:r>
-            <a:endParaRPr lang="en-US" altLang="ko-KR" dirty="0"/>
+            <a:endParaRPr lang="en-US" altLang="ko-KR" b="1" dirty="0"/>
           </a:p>
           <a:p>
             <a:endParaRPr lang="en-US" altLang="ko-KR" dirty="0"/>
@@ -5494,89 +5560,6 @@
           </a:p>
         </p:txBody>
       </p:sp>
-      <p:sp>
-        <p:nvSpPr>
-          <p:cNvPr id="9" name="Título 1">
-            <a:extLst>
-              <a:ext uri="{FF2B5EF4-FFF2-40B4-BE49-F238E27FC236}">
-                <a16:creationId xmlns:a16="http://schemas.microsoft.com/office/drawing/2014/main" id="{F2AD1A11-918B-487E-A8E7-2B8A13298E6D}"/>
-              </a:ext>
-            </a:extLst>
-          </p:cNvPr>
-          <p:cNvSpPr txBox="1">
-            <a:spLocks/>
-          </p:cNvSpPr>
-          <p:nvPr/>
-        </p:nvSpPr>
-        <p:spPr>
-          <a:xfrm>
-            <a:off x="826565" y="186362"/>
-            <a:ext cx="6973821" cy="924212"/>
-          </a:xfrm>
-          <a:prstGeom prst="rect">
-            <a:avLst/>
-          </a:prstGeom>
-        </p:spPr>
-        <p:txBody>
-          <a:bodyPr vert="horz" lIns="91440" tIns="45720" rIns="91440" bIns="45720" rtlCol="0" anchor="ctr">
-            <a:normAutofit fontScale="92500"/>
-          </a:bodyPr>
-          <a:lstStyle>
-            <a:lvl1pPr algn="l" defTabSz="914400" rtl="0" eaLnBrk="1" latinLnBrk="1" hangingPunct="1">
-              <a:lnSpc>
-                <a:spcPct val="90000"/>
-              </a:lnSpc>
-              <a:spcBef>
-                <a:spcPct val="0"/>
-              </a:spcBef>
-              <a:buNone/>
-              <a:defRPr sz="4400" kern="1200">
-                <a:solidFill>
-                  <a:schemeClr val="tx1"/>
-                </a:solidFill>
-                <a:latin typeface="+mj-lt"/>
-                <a:ea typeface="+mj-ea"/>
-                <a:cs typeface="+mj-cs"/>
-              </a:defRPr>
-            </a:lvl1pPr>
-          </a:lstStyle>
-          <a:p>
-            <a:pPr algn="r"/>
-            <a:r>
-              <a:rPr lang="ko-KR" altLang="en-US" sz="3600" spc="300" dirty="0">
-                <a:latin typeface="a피라미드" panose="02020600000000000000" pitchFamily="18" charset="-127"/>
-                <a:ea typeface="a피라미드" panose="02020600000000000000" pitchFamily="18" charset="-127"/>
-              </a:rPr>
-              <a:t>개발 </a:t>
-            </a:r>
-            <a:r>
-              <a:rPr lang="ko-KR" altLang="en-US" sz="3600" spc="300">
-                <a:latin typeface="a피라미드" panose="02020600000000000000" pitchFamily="18" charset="-127"/>
-                <a:ea typeface="a피라미드" panose="02020600000000000000" pitchFamily="18" charset="-127"/>
-              </a:rPr>
-              <a:t>내용 </a:t>
-            </a:r>
-            <a:r>
-              <a:rPr lang="en-US" altLang="ko-KR" sz="3600" spc="300" dirty="0">
-                <a:latin typeface="a피라미드" panose="02020600000000000000" pitchFamily="18" charset="-127"/>
-                <a:ea typeface="a피라미드" panose="02020600000000000000" pitchFamily="18" charset="-127"/>
-              </a:rPr>
-              <a:t>– </a:t>
-            </a:r>
-            <a:r>
-              <a:rPr lang="ko-KR" altLang="en-US" sz="3600" spc="300" dirty="0">
-                <a:latin typeface="a피라미드" panose="02020600000000000000" pitchFamily="18" charset="-127"/>
-                <a:ea typeface="a피라미드" panose="02020600000000000000" pitchFamily="18" charset="-127"/>
-              </a:rPr>
-              <a:t>게임시작 전 흐름도</a:t>
-            </a:r>
-            <a:endParaRPr lang="es-ES" sz="3600" spc="300" dirty="0">
-              <a:latin typeface="a피라미드" panose="02020600000000000000" pitchFamily="18" charset="-127"/>
-              <a:ea typeface="a피라미드" panose="02020600000000000000" pitchFamily="18" charset="-127"/>
-            </a:endParaRPr>
-          </a:p>
-        </p:txBody>
-      </p:sp>
       <p:cxnSp>
         <p:nvCxnSpPr>
           <p:cNvPr id="10" name="Conector recto 12">
@@ -5655,14 +5638,104 @@
         </p:blipFill>
         <p:spPr>
           <a:xfrm>
-            <a:off x="610442" y="1099813"/>
-            <a:ext cx="6713802" cy="5471634"/>
+            <a:off x="403080" y="1397127"/>
+            <a:ext cx="6190760" cy="5045364"/>
+          </a:xfrm>
+          <a:prstGeom prst="rect">
+            <a:avLst/>
+          </a:prstGeom>
+          <a:solidFill>
+            <a:srgbClr val="FFC000"/>
+          </a:solidFill>
+          <a:ln>
+            <a:solidFill>
+              <a:schemeClr val="accent1"/>
+            </a:solidFill>
+          </a:ln>
+          <a:scene3d>
+            <a:camera prst="orthographicFront"/>
+            <a:lightRig rig="threePt" dir="t"/>
+          </a:scene3d>
+          <a:sp3d>
+            <a:bevelT/>
+          </a:sp3d>
+        </p:spPr>
+      </p:pic>
+      <p:sp>
+        <p:nvSpPr>
+          <p:cNvPr id="14" name="Título 1">
+            <a:extLst>
+              <a:ext uri="{FF2B5EF4-FFF2-40B4-BE49-F238E27FC236}">
+                <a16:creationId xmlns:a16="http://schemas.microsoft.com/office/drawing/2014/main" id="{91AC195E-BC74-47F0-885B-7683AAE76532}"/>
+              </a:ext>
+            </a:extLst>
+          </p:cNvPr>
+          <p:cNvSpPr txBox="1">
+            <a:spLocks/>
+          </p:cNvSpPr>
+          <p:nvPr/>
+        </p:nvSpPr>
+        <p:spPr>
+          <a:xfrm>
+            <a:off x="826566" y="186362"/>
+            <a:ext cx="7646874" cy="924212"/>
           </a:xfrm>
           <a:prstGeom prst="rect">
             <a:avLst/>
           </a:prstGeom>
         </p:spPr>
-      </p:pic>
+        <p:txBody>
+          <a:bodyPr vert="horz" lIns="91440" tIns="45720" rIns="91440" bIns="45720" rtlCol="0" anchor="ctr">
+            <a:noAutofit/>
+          </a:bodyPr>
+          <a:lstStyle>
+            <a:lvl1pPr algn="l" defTabSz="914400" rtl="0" eaLnBrk="1" latinLnBrk="1" hangingPunct="1">
+              <a:lnSpc>
+                <a:spcPct val="90000"/>
+              </a:lnSpc>
+              <a:spcBef>
+                <a:spcPct val="0"/>
+              </a:spcBef>
+              <a:buNone/>
+              <a:defRPr sz="4400" kern="1200">
+                <a:solidFill>
+                  <a:schemeClr val="tx1"/>
+                </a:solidFill>
+                <a:latin typeface="+mj-lt"/>
+                <a:ea typeface="+mj-ea"/>
+                <a:cs typeface="+mj-cs"/>
+              </a:defRPr>
+            </a:lvl1pPr>
+          </a:lstStyle>
+          <a:p>
+            <a:r>
+              <a:rPr lang="ko-KR" altLang="en-US" sz="3600" spc="300" dirty="0">
+                <a:latin typeface="a피라미드" panose="02020600000000000000" pitchFamily="18" charset="-127"/>
+                <a:ea typeface="a피라미드" panose="02020600000000000000" pitchFamily="18" charset="-127"/>
+              </a:rPr>
+              <a:t>개발 내용 </a:t>
+            </a:r>
+            <a:r>
+              <a:rPr lang="en-US" altLang="ko-KR" sz="3600" spc="300" dirty="0">
+                <a:latin typeface="a피라미드" panose="02020600000000000000" pitchFamily="18" charset="-127"/>
+                <a:ea typeface="a피라미드" panose="02020600000000000000" pitchFamily="18" charset="-127"/>
+              </a:rPr>
+              <a:t>- </a:t>
+            </a:r>
+            <a:r>
+              <a:rPr lang="ko-KR" altLang="en-US" sz="3600" spc="300" dirty="0">
+                <a:latin typeface="a피라미드" panose="02020600000000000000" pitchFamily="18" charset="-127"/>
+                <a:ea typeface="a피라미드" panose="02020600000000000000" pitchFamily="18" charset="-127"/>
+              </a:rPr>
+              <a:t>게임시작 전 흐름도</a:t>
+            </a:r>
+            <a:endParaRPr lang="es-ES" sz="3600" spc="300" dirty="0">
+              <a:latin typeface="a피라미드" panose="02020600000000000000" pitchFamily="18" charset="-127"/>
+              <a:ea typeface="a피라미드" panose="02020600000000000000" pitchFamily="18" charset="-127"/>
+            </a:endParaRPr>
+          </a:p>
+        </p:txBody>
+      </p:sp>
     </p:spTree>
     <p:extLst>
       <p:ext uri="{BB962C8B-B14F-4D97-AF65-F5344CB8AC3E}">
@@ -5978,8 +6051,8 @@
         </p:nvSpPr>
         <p:spPr>
           <a:xfrm>
-            <a:off x="826566" y="186362"/>
-            <a:ext cx="4704658" cy="924212"/>
+            <a:off x="826565" y="186362"/>
+            <a:ext cx="5269433" cy="924212"/>
           </a:xfrm>
           <a:prstGeom prst="rect">
             <a:avLst/>
@@ -5987,7 +6060,7 @@
         </p:spPr>
         <p:txBody>
           <a:bodyPr vert="horz" lIns="91440" tIns="45720" rIns="91440" bIns="45720" rtlCol="0" anchor="ctr">
-            <a:normAutofit fontScale="92500"/>
+            <a:noAutofit/>
           </a:bodyPr>
           <a:lstStyle>
             <a:lvl1pPr algn="l" defTabSz="914400" rtl="0" eaLnBrk="1" latinLnBrk="1" hangingPunct="1">
@@ -6107,8 +6180,8 @@
         </p:nvSpPr>
         <p:spPr>
           <a:xfrm>
-            <a:off x="1057836" y="2312894"/>
-            <a:ext cx="4563035" cy="1754326"/>
+            <a:off x="648754" y="3150465"/>
+            <a:ext cx="4704658" cy="2400657"/>
           </a:xfrm>
           <a:prstGeom prst="rect">
             <a:avLst/>
@@ -6121,11 +6194,13 @@
           </a:bodyPr>
           <a:lstStyle/>
           <a:p>
-            <a:pPr algn="ctr"/>
-            <a:r>
-              <a:rPr lang="ko-KR" altLang="en-US" dirty="0"/>
+            <a:r>
+              <a:rPr lang="ko-KR" altLang="en-US" sz="2400" b="1" dirty="0"/>
               <a:t>게임의 전체적인 볼륨</a:t>
             </a:r>
+            <a:endParaRPr lang="en-US" altLang="ko-KR" sz="2400" b="1" dirty="0"/>
+          </a:p>
+          <a:p>
             <a:endParaRPr lang="en-US" altLang="ko-KR" dirty="0"/>
           </a:p>
           <a:p>
@@ -6158,6 +6233,9 @@
             <a:endParaRPr lang="en-US" altLang="ko-KR" dirty="0"/>
           </a:p>
           <a:p>
+            <a:endParaRPr lang="en-US" altLang="ko-KR" dirty="0"/>
+          </a:p>
+          <a:p>
             <a:r>
               <a:rPr lang="ko-KR" altLang="en-US" dirty="0"/>
               <a:t>보완책 </a:t>
@@ -6168,7 +6246,15 @@
             </a:r>
             <a:r>
               <a:rPr lang="ko-KR" altLang="en-US" dirty="0"/>
-              <a:t>남은 기간동안 게임에 여러 상호작용 오브젝트 추가  </a:t>
+              <a:t>남은 기간동안 게임에 여러 상호작용 </a:t>
+            </a:r>
+            <a:r>
+              <a:rPr lang="en-US" altLang="ko-KR" dirty="0"/>
+              <a:t>		        </a:t>
+            </a:r>
+            <a:r>
+              <a:rPr lang="ko-KR" altLang="en-US" dirty="0"/>
+              <a:t>오브젝트 추가  </a:t>
             </a:r>
           </a:p>
         </p:txBody>
@@ -6187,8 +6273,8 @@
         </p:nvSpPr>
         <p:spPr>
           <a:xfrm>
-            <a:off x="6571129" y="2312894"/>
-            <a:ext cx="4756234" cy="2585323"/>
+            <a:off x="6095999" y="3150465"/>
+            <a:ext cx="6189832" cy="2677656"/>
           </a:xfrm>
           <a:prstGeom prst="rect">
             <a:avLst/>
@@ -6201,38 +6287,43 @@
           </a:bodyPr>
           <a:lstStyle/>
           <a:p>
-            <a:pPr algn="ctr"/>
-            <a:r>
-              <a:rPr lang="ko-KR" altLang="en-US" dirty="0"/>
+            <a:r>
+              <a:rPr lang="ko-KR" altLang="en-US" sz="2400" b="1" dirty="0"/>
               <a:t>서버</a:t>
             </a:r>
-            <a:endParaRPr lang="en-US" altLang="ko-KR" dirty="0"/>
+            <a:endParaRPr lang="en-US" altLang="ko-KR" b="1" dirty="0"/>
           </a:p>
           <a:p>
             <a:pPr algn="ctr"/>
             <a:endParaRPr lang="en-US" altLang="ko-KR" dirty="0"/>
           </a:p>
           <a:p>
+            <a:pPr algn="ctr"/>
+            <a:endParaRPr lang="en-US" altLang="ko-KR" dirty="0"/>
+          </a:p>
+          <a:p>
             <a:r>
               <a:rPr lang="ko-KR" altLang="en-US" dirty="0"/>
               <a:t>문제점 </a:t>
             </a:r>
             <a:r>
               <a:rPr lang="en-US" altLang="ko-KR" dirty="0"/>
-              <a:t>: </a:t>
-            </a:r>
-            <a:r>
-              <a:rPr lang="ko-KR" altLang="en-US"/>
-              <a:t>불안전한 다중 </a:t>
+              <a:t>:  </a:t>
             </a:r>
             <a:r>
               <a:rPr lang="ko-KR" altLang="en-US" dirty="0"/>
-              <a:t>접속 처리 </a:t>
+              <a:t>불안전한 다중 접속 처리 </a:t>
             </a:r>
             <a:r>
               <a:rPr lang="en-US" altLang="ko-KR" dirty="0"/>
               <a:t>&amp;&amp; </a:t>
             </a:r>
+          </a:p>
+          <a:p>
+            <a:r>
+              <a:rPr lang="en-US" altLang="ko-KR" dirty="0"/>
+              <a:t>		</a:t>
+            </a:r>
             <a:r>
               <a:rPr lang="ko-KR" altLang="en-US" dirty="0"/>
               <a:t>서버에서 처리하는 볼륨 미흡</a:t>
@@ -6249,18 +6340,29 @@
             </a:r>
             <a:r>
               <a:rPr lang="en-US" altLang="ko-KR" dirty="0"/>
-              <a:t>: Disconnect </a:t>
+              <a:t>:  Disconnect </a:t>
             </a:r>
             <a:r>
               <a:rPr lang="ko-KR" altLang="en-US" dirty="0"/>
-              <a:t>처리 및 더미 클라이언트와의 테스트를 통한 다중 접속 테스트 진행</a:t>
+              <a:t>처리 및 더미 클라이언트와의 </a:t>
             </a:r>
             <a:endParaRPr lang="en-US" altLang="ko-KR" dirty="0"/>
           </a:p>
           <a:p>
             <a:r>
               <a:rPr lang="en-US" altLang="ko-KR" dirty="0"/>
-              <a:t>NPC , DB</a:t>
+              <a:t>		</a:t>
+            </a:r>
+            <a:r>
+              <a:rPr lang="ko-KR" altLang="en-US" dirty="0"/>
+              <a:t>테스트를 통한 다중 접속 테스트 진행</a:t>
+            </a:r>
+            <a:endParaRPr lang="en-US" altLang="ko-KR" dirty="0"/>
+          </a:p>
+          <a:p>
+            <a:r>
+              <a:rPr lang="en-US" altLang="ko-KR" dirty="0"/>
+              <a:t>		NPC , DB</a:t>
             </a:r>
             <a:r>
               <a:rPr lang="ko-KR" altLang="en-US" dirty="0"/>
@@ -6314,7 +6416,7 @@
         </p:nvSpPr>
         <p:spPr>
           <a:xfrm rot="16200000">
-            <a:off x="2657631" y="-2657632"/>
+            <a:off x="2657633" y="-2676369"/>
             <a:ext cx="6876736" cy="12192001"/>
           </a:xfrm>
           <a:prstGeom prst="rect">
@@ -6701,14 +6803,14 @@
           <p:nvPr>
             <p:extLst>
               <p:ext uri="{D42A27DB-BD31-4B8C-83A1-F6EECF244321}">
-                <p14:modId xmlns:p14="http://schemas.microsoft.com/office/powerpoint/2010/main" val="2153445394"/>
+                <p14:modId xmlns:p14="http://schemas.microsoft.com/office/powerpoint/2010/main" val="3210663332"/>
               </p:ext>
             </p:extLst>
           </p:nvPr>
         </p:nvGraphicFramePr>
         <p:xfrm>
-          <a:off x="719665" y="1482097"/>
-          <a:ext cx="10449077" cy="2834640"/>
+          <a:off x="871460" y="2027695"/>
+          <a:ext cx="10449077" cy="3992880"/>
         </p:xfrm>
         <a:graphic>
           <a:graphicData uri="http://schemas.openxmlformats.org/drawingml/2006/table">
@@ -6753,15 +6855,15 @@
                   </a:extLst>
                 </a:gridCol>
               </a:tblGrid>
-              <a:tr h="424787">
+              <a:tr h="266532">
                 <a:tc>
                   <a:txBody>
                     <a:bodyPr/>
                     <a:lstStyle/>
                     <a:p>
-                      <a:pPr latinLnBrk="1"/>
+                      <a:pPr algn="ctr" latinLnBrk="1"/>
                       <a:r>
-                        <a:rPr lang="ko-KR" altLang="en-US" dirty="0"/>
+                        <a:rPr lang="ko-KR" altLang="en-US" sz="2000" b="1" dirty="0"/>
                         <a:t>일정</a:t>
                       </a:r>
                     </a:p>
@@ -6818,7 +6920,7 @@
                     <a:bodyPr/>
                     <a:lstStyle/>
                     <a:p>
-                      <a:pPr marL="0" marR="0" lvl="0" indent="0" algn="l" defTabSz="914400" rtl="0" eaLnBrk="1" fontAlgn="auto" latinLnBrk="1" hangingPunct="1">
+                      <a:pPr marL="0" marR="0" lvl="0" indent="0" algn="ctr" defTabSz="914400" rtl="0" eaLnBrk="1" fontAlgn="auto" latinLnBrk="1" hangingPunct="1">
                         <a:lnSpc>
                           <a:spcPct val="100000"/>
                         </a:lnSpc>
@@ -6836,11 +6938,11 @@
                         <a:defRPr/>
                       </a:pPr>
                       <a:r>
-                        <a:rPr lang="en-US" altLang="ko-KR" dirty="0"/>
+                        <a:rPr lang="en-US" altLang="ko-KR" sz="2000" b="1" dirty="0"/>
                         <a:t>5</a:t>
                       </a:r>
                       <a:r>
-                        <a:rPr lang="ko-KR" altLang="en-US" dirty="0"/>
+                        <a:rPr lang="ko-KR" altLang="en-US" sz="2000" b="1" dirty="0"/>
                         <a:t>월</a:t>
                       </a:r>
                     </a:p>
@@ -6897,7 +6999,7 @@
                     <a:bodyPr/>
                     <a:lstStyle/>
                     <a:p>
-                      <a:pPr marL="0" marR="0" lvl="0" indent="0" algn="l" defTabSz="914400" rtl="0" eaLnBrk="1" fontAlgn="auto" latinLnBrk="1" hangingPunct="1">
+                      <a:pPr marL="0" marR="0" lvl="0" indent="0" algn="ctr" defTabSz="914400" rtl="0" eaLnBrk="1" fontAlgn="auto" latinLnBrk="1" hangingPunct="1">
                         <a:lnSpc>
                           <a:spcPct val="100000"/>
                         </a:lnSpc>
@@ -6915,17 +7017,17 @@
                         <a:defRPr/>
                       </a:pPr>
                       <a:r>
-                        <a:rPr lang="en-US" altLang="ko-KR" dirty="0"/>
+                        <a:rPr lang="en-US" altLang="ko-KR" sz="2000" b="1" dirty="0"/>
                         <a:t>6</a:t>
                       </a:r>
                       <a:r>
-                        <a:rPr lang="ko-KR" altLang="en-US" dirty="0"/>
+                        <a:rPr lang="ko-KR" altLang="en-US" sz="2000" b="1" dirty="0"/>
                         <a:t>월</a:t>
                       </a:r>
                     </a:p>
                     <a:p>
-                      <a:pPr algn="l" latinLnBrk="1"/>
-                      <a:endParaRPr lang="ko-KR" altLang="en-US" dirty="0"/>
+                      <a:pPr algn="ctr" latinLnBrk="1"/>
+                      <a:endParaRPr lang="ko-KR" altLang="en-US" sz="2000" b="1" dirty="0"/>
                     </a:p>
                   </a:txBody>
                   <a:tcPr>
@@ -6980,7 +7082,7 @@
                     <a:bodyPr/>
                     <a:lstStyle/>
                     <a:p>
-                      <a:pPr marL="0" marR="0" lvl="0" indent="0" algn="l" defTabSz="914400" rtl="0" eaLnBrk="1" fontAlgn="auto" latinLnBrk="1" hangingPunct="1">
+                      <a:pPr marL="0" marR="0" lvl="0" indent="0" algn="ctr" defTabSz="914400" rtl="0" eaLnBrk="1" fontAlgn="auto" latinLnBrk="1" hangingPunct="1">
                         <a:lnSpc>
                           <a:spcPct val="100000"/>
                         </a:lnSpc>
@@ -6998,17 +7100,17 @@
                         <a:defRPr/>
                       </a:pPr>
                       <a:r>
-                        <a:rPr lang="en-US" altLang="ko-KR" dirty="0"/>
+                        <a:rPr lang="en-US" altLang="ko-KR" sz="2000" b="1" dirty="0"/>
                         <a:t>7</a:t>
                       </a:r>
                       <a:r>
-                        <a:rPr lang="ko-KR" altLang="en-US" dirty="0"/>
+                        <a:rPr lang="ko-KR" altLang="en-US" sz="2000" b="1" dirty="0"/>
                         <a:t>월</a:t>
                       </a:r>
                     </a:p>
                     <a:p>
-                      <a:pPr algn="l" latinLnBrk="1"/>
-                      <a:endParaRPr lang="ko-KR" altLang="en-US" dirty="0"/>
+                      <a:pPr algn="ctr" latinLnBrk="1"/>
+                      <a:endParaRPr lang="ko-KR" altLang="en-US" sz="2000" b="1" dirty="0"/>
                     </a:p>
                   </a:txBody>
                   <a:tcPr>
@@ -7063,13 +7165,13 @@
                     <a:bodyPr/>
                     <a:lstStyle/>
                     <a:p>
-                      <a:pPr algn="l" latinLnBrk="1"/>
+                      <a:pPr algn="ctr" latinLnBrk="1"/>
                       <a:r>
-                        <a:rPr lang="en-US" altLang="ko-KR" dirty="0"/>
+                        <a:rPr lang="en-US" altLang="ko-KR" sz="2000" b="1" dirty="0"/>
                         <a:t>8</a:t>
                       </a:r>
                       <a:r>
-                        <a:rPr lang="ko-KR" altLang="en-US" dirty="0"/>
+                        <a:rPr lang="ko-KR" altLang="en-US" sz="2000" b="1" dirty="0"/>
                         <a:t>월</a:t>
                       </a:r>
                     </a:p>
@@ -8913,6 +9015,933 @@
                 <a:extLst>
                   <a:ext uri="{0D108BD9-81ED-4DB2-BD59-A6C34878D82A}">
                     <a16:rowId xmlns:a16="http://schemas.microsoft.com/office/drawing/2014/main" val="3128062375"/>
+                  </a:ext>
+                </a:extLst>
+              </a:tr>
+              <a:tr h="308440">
+                <a:tc>
+                  <a:txBody>
+                    <a:bodyPr/>
+                    <a:lstStyle/>
+                    <a:p>
+                      <a:pPr latinLnBrk="1"/>
+                      <a:r>
+                        <a:rPr lang="ko-KR" altLang="en-US" dirty="0"/>
+                        <a:t>내부 오브젝트 제작</a:t>
+                      </a:r>
+                      <a:endParaRPr lang="en-US" altLang="ko-KR" dirty="0"/>
+                    </a:p>
+                  </a:txBody>
+                  <a:tcPr>
+                    <a:lnL w="12700" cap="flat" cmpd="sng" algn="ctr">
+                      <a:solidFill>
+                        <a:schemeClr val="tx1"/>
+                      </a:solidFill>
+                      <a:prstDash val="solid"/>
+                      <a:round/>
+                      <a:headEnd type="none" w="med" len="med"/>
+                      <a:tailEnd type="none" w="med" len="med"/>
+                    </a:lnL>
+                    <a:lnR w="12700" cap="flat" cmpd="sng" algn="ctr">
+                      <a:solidFill>
+                        <a:schemeClr val="tx1"/>
+                      </a:solidFill>
+                      <a:prstDash val="solid"/>
+                      <a:round/>
+                      <a:headEnd type="none" w="med" len="med"/>
+                      <a:tailEnd type="none" w="med" len="med"/>
+                    </a:lnR>
+                    <a:lnT w="12700" cap="flat" cmpd="sng" algn="ctr">
+                      <a:solidFill>
+                        <a:schemeClr val="tx1"/>
+                      </a:solidFill>
+                      <a:prstDash val="solid"/>
+                      <a:round/>
+                      <a:headEnd type="none" w="med" len="med"/>
+                      <a:tailEnd type="none" w="med" len="med"/>
+                    </a:lnT>
+                    <a:lnB w="12700" cap="flat" cmpd="sng" algn="ctr">
+                      <a:solidFill>
+                        <a:schemeClr val="tx1"/>
+                      </a:solidFill>
+                      <a:prstDash val="solid"/>
+                      <a:round/>
+                      <a:headEnd type="none" w="med" len="med"/>
+                      <a:tailEnd type="none" w="med" len="med"/>
+                    </a:lnB>
+                    <a:lnTlToBr w="12700" cmpd="sng">
+                      <a:noFill/>
+                      <a:prstDash val="solid"/>
+                    </a:lnTlToBr>
+                    <a:lnBlToTr w="12700" cmpd="sng">
+                      <a:noFill/>
+                      <a:prstDash val="solid"/>
+                    </a:lnBlToTr>
+                  </a:tcPr>
+                </a:tc>
+                <a:tc>
+                  <a:txBody>
+                    <a:bodyPr/>
+                    <a:lstStyle/>
+                    <a:p>
+                      <a:pPr latinLnBrk="1"/>
+                      <a:endParaRPr lang="ko-KR" altLang="en-US" dirty="0"/>
+                    </a:p>
+                  </a:txBody>
+                  <a:tcPr>
+                    <a:lnL w="12700" cap="flat" cmpd="sng" algn="ctr">
+                      <a:solidFill>
+                        <a:schemeClr val="tx1"/>
+                      </a:solidFill>
+                      <a:prstDash val="solid"/>
+                      <a:round/>
+                      <a:headEnd type="none" w="med" len="med"/>
+                      <a:tailEnd type="none" w="med" len="med"/>
+                    </a:lnL>
+                    <a:lnR w="12700" cap="flat" cmpd="sng" algn="ctr">
+                      <a:solidFill>
+                        <a:schemeClr val="tx1"/>
+                      </a:solidFill>
+                      <a:prstDash val="solid"/>
+                      <a:round/>
+                      <a:headEnd type="none" w="med" len="med"/>
+                      <a:tailEnd type="none" w="med" len="med"/>
+                    </a:lnR>
+                    <a:lnT w="12700" cap="flat" cmpd="sng" algn="ctr">
+                      <a:solidFill>
+                        <a:schemeClr val="tx1"/>
+                      </a:solidFill>
+                      <a:prstDash val="solid"/>
+                      <a:round/>
+                      <a:headEnd type="none" w="med" len="med"/>
+                      <a:tailEnd type="none" w="med" len="med"/>
+                    </a:lnT>
+                    <a:lnB w="12700" cap="flat" cmpd="sng" algn="ctr">
+                      <a:solidFill>
+                        <a:schemeClr val="tx1"/>
+                      </a:solidFill>
+                      <a:prstDash val="solid"/>
+                      <a:round/>
+                      <a:headEnd type="none" w="med" len="med"/>
+                      <a:tailEnd type="none" w="med" len="med"/>
+                    </a:lnB>
+                    <a:lnTlToBr w="12700" cmpd="sng">
+                      <a:noFill/>
+                      <a:prstDash val="solid"/>
+                    </a:lnTlToBr>
+                    <a:lnBlToTr w="12700" cmpd="sng">
+                      <a:noFill/>
+                      <a:prstDash val="solid"/>
+                    </a:lnBlToTr>
+                    <a:solidFill>
+                      <a:srgbClr val="FFC000"/>
+                    </a:solidFill>
+                  </a:tcPr>
+                </a:tc>
+                <a:tc>
+                  <a:txBody>
+                    <a:bodyPr/>
+                    <a:lstStyle/>
+                    <a:p>
+                      <a:pPr latinLnBrk="1"/>
+                      <a:endParaRPr lang="ko-KR" altLang="en-US" dirty="0"/>
+                    </a:p>
+                  </a:txBody>
+                  <a:tcPr>
+                    <a:lnL w="12700" cap="flat" cmpd="sng" algn="ctr">
+                      <a:solidFill>
+                        <a:schemeClr val="tx1"/>
+                      </a:solidFill>
+                      <a:prstDash val="solid"/>
+                      <a:round/>
+                      <a:headEnd type="none" w="med" len="med"/>
+                      <a:tailEnd type="none" w="med" len="med"/>
+                    </a:lnL>
+                    <a:lnR w="12700" cap="flat" cmpd="sng" algn="ctr">
+                      <a:solidFill>
+                        <a:schemeClr val="tx1"/>
+                      </a:solidFill>
+                      <a:prstDash val="solid"/>
+                      <a:round/>
+                      <a:headEnd type="none" w="med" len="med"/>
+                      <a:tailEnd type="none" w="med" len="med"/>
+                    </a:lnR>
+                    <a:lnT w="12700" cap="flat" cmpd="sng" algn="ctr">
+                      <a:solidFill>
+                        <a:schemeClr val="tx1"/>
+                      </a:solidFill>
+                      <a:prstDash val="solid"/>
+                      <a:round/>
+                      <a:headEnd type="none" w="med" len="med"/>
+                      <a:tailEnd type="none" w="med" len="med"/>
+                    </a:lnT>
+                    <a:lnB w="12700" cap="flat" cmpd="sng" algn="ctr">
+                      <a:solidFill>
+                        <a:schemeClr val="tx1"/>
+                      </a:solidFill>
+                      <a:prstDash val="solid"/>
+                      <a:round/>
+                      <a:headEnd type="none" w="med" len="med"/>
+                      <a:tailEnd type="none" w="med" len="med"/>
+                    </a:lnB>
+                    <a:lnTlToBr w="12700" cmpd="sng">
+                      <a:noFill/>
+                      <a:prstDash val="solid"/>
+                    </a:lnTlToBr>
+                    <a:lnBlToTr w="12700" cmpd="sng">
+                      <a:noFill/>
+                      <a:prstDash val="solid"/>
+                    </a:lnBlToTr>
+                    <a:solidFill>
+                      <a:srgbClr val="FFC000"/>
+                    </a:solidFill>
+                  </a:tcPr>
+                </a:tc>
+                <a:tc>
+                  <a:txBody>
+                    <a:bodyPr/>
+                    <a:lstStyle/>
+                    <a:p>
+                      <a:pPr latinLnBrk="1"/>
+                      <a:endParaRPr lang="ko-KR" altLang="en-US" dirty="0">
+                        <a:highlight>
+                          <a:srgbClr val="0070C0"/>
+                        </a:highlight>
+                      </a:endParaRPr>
+                    </a:p>
+                  </a:txBody>
+                  <a:tcPr>
+                    <a:lnL w="12700" cap="flat" cmpd="sng" algn="ctr">
+                      <a:solidFill>
+                        <a:schemeClr val="tx1"/>
+                      </a:solidFill>
+                      <a:prstDash val="solid"/>
+                      <a:round/>
+                      <a:headEnd type="none" w="med" len="med"/>
+                      <a:tailEnd type="none" w="med" len="med"/>
+                    </a:lnL>
+                    <a:lnR w="12700" cap="flat" cmpd="sng" algn="ctr">
+                      <a:solidFill>
+                        <a:schemeClr val="tx1"/>
+                      </a:solidFill>
+                      <a:prstDash val="solid"/>
+                      <a:round/>
+                      <a:headEnd type="none" w="med" len="med"/>
+                      <a:tailEnd type="none" w="med" len="med"/>
+                    </a:lnR>
+                    <a:lnT w="12700" cap="flat" cmpd="sng" algn="ctr">
+                      <a:solidFill>
+                        <a:schemeClr val="tx1"/>
+                      </a:solidFill>
+                      <a:prstDash val="solid"/>
+                      <a:round/>
+                      <a:headEnd type="none" w="med" len="med"/>
+                      <a:tailEnd type="none" w="med" len="med"/>
+                    </a:lnT>
+                    <a:lnB w="12700" cap="flat" cmpd="sng" algn="ctr">
+                      <a:solidFill>
+                        <a:schemeClr val="tx1"/>
+                      </a:solidFill>
+                      <a:prstDash val="solid"/>
+                      <a:round/>
+                      <a:headEnd type="none" w="med" len="med"/>
+                      <a:tailEnd type="none" w="med" len="med"/>
+                    </a:lnB>
+                    <a:lnTlToBr w="12700" cmpd="sng">
+                      <a:noFill/>
+                      <a:prstDash val="solid"/>
+                    </a:lnTlToBr>
+                    <a:lnBlToTr w="12700" cmpd="sng">
+                      <a:noFill/>
+                      <a:prstDash val="solid"/>
+                    </a:lnBlToTr>
+                    <a:solidFill>
+                      <a:srgbClr val="FFC000"/>
+                    </a:solidFill>
+                  </a:tcPr>
+                </a:tc>
+                <a:tc>
+                  <a:txBody>
+                    <a:bodyPr/>
+                    <a:lstStyle/>
+                    <a:p>
+                      <a:pPr latinLnBrk="1"/>
+                      <a:endParaRPr lang="ko-KR" altLang="en-US" dirty="0">
+                        <a:highlight>
+                          <a:srgbClr val="0070C0"/>
+                        </a:highlight>
+                      </a:endParaRPr>
+                    </a:p>
+                  </a:txBody>
+                  <a:tcPr>
+                    <a:lnL w="12700" cap="flat" cmpd="sng" algn="ctr">
+                      <a:solidFill>
+                        <a:schemeClr val="tx1"/>
+                      </a:solidFill>
+                      <a:prstDash val="solid"/>
+                      <a:round/>
+                      <a:headEnd type="none" w="med" len="med"/>
+                      <a:tailEnd type="none" w="med" len="med"/>
+                    </a:lnL>
+                    <a:lnR w="12700" cap="flat" cmpd="sng" algn="ctr">
+                      <a:solidFill>
+                        <a:schemeClr val="tx1"/>
+                      </a:solidFill>
+                      <a:prstDash val="solid"/>
+                      <a:round/>
+                      <a:headEnd type="none" w="med" len="med"/>
+                      <a:tailEnd type="none" w="med" len="med"/>
+                    </a:lnR>
+                    <a:lnT w="12700" cap="flat" cmpd="sng" algn="ctr">
+                      <a:solidFill>
+                        <a:schemeClr val="tx1"/>
+                      </a:solidFill>
+                      <a:prstDash val="solid"/>
+                      <a:round/>
+                      <a:headEnd type="none" w="med" len="med"/>
+                      <a:tailEnd type="none" w="med" len="med"/>
+                    </a:lnT>
+                    <a:lnB w="12700" cap="flat" cmpd="sng" algn="ctr">
+                      <a:solidFill>
+                        <a:schemeClr val="tx1"/>
+                      </a:solidFill>
+                      <a:prstDash val="solid"/>
+                      <a:round/>
+                      <a:headEnd type="none" w="med" len="med"/>
+                      <a:tailEnd type="none" w="med" len="med"/>
+                    </a:lnB>
+                    <a:lnTlToBr w="12700" cmpd="sng">
+                      <a:noFill/>
+                      <a:prstDash val="solid"/>
+                    </a:lnTlToBr>
+                    <a:lnBlToTr w="12700" cmpd="sng">
+                      <a:noFill/>
+                      <a:prstDash val="solid"/>
+                    </a:lnBlToTr>
+                    <a:noFill/>
+                  </a:tcPr>
+                </a:tc>
+                <a:extLst>
+                  <a:ext uri="{0D108BD9-81ED-4DB2-BD59-A6C34878D82A}">
+                    <a16:rowId xmlns:a16="http://schemas.microsoft.com/office/drawing/2014/main" val="3980560181"/>
+                  </a:ext>
+                </a:extLst>
+              </a:tr>
+              <a:tr h="308440">
+                <a:tc>
+                  <a:txBody>
+                    <a:bodyPr/>
+                    <a:lstStyle/>
+                    <a:p>
+                      <a:pPr latinLnBrk="1"/>
+                      <a:r>
+                        <a:rPr lang="ko-KR" altLang="en-US" dirty="0"/>
+                        <a:t>추가 애니메이션 제작</a:t>
+                      </a:r>
+                      <a:endParaRPr lang="en-US" altLang="ko-KR" dirty="0"/>
+                    </a:p>
+                  </a:txBody>
+                  <a:tcPr>
+                    <a:lnL w="12700" cap="flat" cmpd="sng" algn="ctr">
+                      <a:solidFill>
+                        <a:schemeClr val="tx1"/>
+                      </a:solidFill>
+                      <a:prstDash val="solid"/>
+                      <a:round/>
+                      <a:headEnd type="none" w="med" len="med"/>
+                      <a:tailEnd type="none" w="med" len="med"/>
+                    </a:lnL>
+                    <a:lnR w="12700" cap="flat" cmpd="sng" algn="ctr">
+                      <a:solidFill>
+                        <a:schemeClr val="tx1"/>
+                      </a:solidFill>
+                      <a:prstDash val="solid"/>
+                      <a:round/>
+                      <a:headEnd type="none" w="med" len="med"/>
+                      <a:tailEnd type="none" w="med" len="med"/>
+                    </a:lnR>
+                    <a:lnT w="12700" cap="flat" cmpd="sng" algn="ctr">
+                      <a:solidFill>
+                        <a:schemeClr val="tx1"/>
+                      </a:solidFill>
+                      <a:prstDash val="solid"/>
+                      <a:round/>
+                      <a:headEnd type="none" w="med" len="med"/>
+                      <a:tailEnd type="none" w="med" len="med"/>
+                    </a:lnT>
+                    <a:lnB w="12700" cap="flat" cmpd="sng" algn="ctr">
+                      <a:solidFill>
+                        <a:schemeClr val="tx1"/>
+                      </a:solidFill>
+                      <a:prstDash val="solid"/>
+                      <a:round/>
+                      <a:headEnd type="none" w="med" len="med"/>
+                      <a:tailEnd type="none" w="med" len="med"/>
+                    </a:lnB>
+                    <a:lnTlToBr w="12700" cmpd="sng">
+                      <a:noFill/>
+                      <a:prstDash val="solid"/>
+                    </a:lnTlToBr>
+                    <a:lnBlToTr w="12700" cmpd="sng">
+                      <a:noFill/>
+                      <a:prstDash val="solid"/>
+                    </a:lnBlToTr>
+                  </a:tcPr>
+                </a:tc>
+                <a:tc>
+                  <a:txBody>
+                    <a:bodyPr/>
+                    <a:lstStyle/>
+                    <a:p>
+                      <a:pPr latinLnBrk="1"/>
+                      <a:endParaRPr lang="ko-KR" altLang="en-US" dirty="0"/>
+                    </a:p>
+                  </a:txBody>
+                  <a:tcPr>
+                    <a:lnL w="12700" cap="flat" cmpd="sng" algn="ctr">
+                      <a:solidFill>
+                        <a:schemeClr val="tx1"/>
+                      </a:solidFill>
+                      <a:prstDash val="solid"/>
+                      <a:round/>
+                      <a:headEnd type="none" w="med" len="med"/>
+                      <a:tailEnd type="none" w="med" len="med"/>
+                    </a:lnL>
+                    <a:lnR w="12700" cap="flat" cmpd="sng" algn="ctr">
+                      <a:solidFill>
+                        <a:schemeClr val="tx1"/>
+                      </a:solidFill>
+                      <a:prstDash val="solid"/>
+                      <a:round/>
+                      <a:headEnd type="none" w="med" len="med"/>
+                      <a:tailEnd type="none" w="med" len="med"/>
+                    </a:lnR>
+                    <a:lnT w="12700" cap="flat" cmpd="sng" algn="ctr">
+                      <a:solidFill>
+                        <a:schemeClr val="tx1"/>
+                      </a:solidFill>
+                      <a:prstDash val="solid"/>
+                      <a:round/>
+                      <a:headEnd type="none" w="med" len="med"/>
+                      <a:tailEnd type="none" w="med" len="med"/>
+                    </a:lnT>
+                    <a:lnB w="12700" cap="flat" cmpd="sng" algn="ctr">
+                      <a:solidFill>
+                        <a:schemeClr val="tx1"/>
+                      </a:solidFill>
+                      <a:prstDash val="solid"/>
+                      <a:round/>
+                      <a:headEnd type="none" w="med" len="med"/>
+                      <a:tailEnd type="none" w="med" len="med"/>
+                    </a:lnB>
+                    <a:lnTlToBr w="12700" cmpd="sng">
+                      <a:noFill/>
+                      <a:prstDash val="solid"/>
+                    </a:lnTlToBr>
+                    <a:lnBlToTr w="12700" cmpd="sng">
+                      <a:noFill/>
+                      <a:prstDash val="solid"/>
+                    </a:lnBlToTr>
+                    <a:solidFill>
+                      <a:srgbClr val="FFC000"/>
+                    </a:solidFill>
+                  </a:tcPr>
+                </a:tc>
+                <a:tc>
+                  <a:txBody>
+                    <a:bodyPr/>
+                    <a:lstStyle/>
+                    <a:p>
+                      <a:pPr latinLnBrk="1"/>
+                      <a:endParaRPr lang="ko-KR" altLang="en-US" dirty="0"/>
+                    </a:p>
+                  </a:txBody>
+                  <a:tcPr>
+                    <a:lnL w="12700" cap="flat" cmpd="sng" algn="ctr">
+                      <a:solidFill>
+                        <a:schemeClr val="tx1"/>
+                      </a:solidFill>
+                      <a:prstDash val="solid"/>
+                      <a:round/>
+                      <a:headEnd type="none" w="med" len="med"/>
+                      <a:tailEnd type="none" w="med" len="med"/>
+                    </a:lnL>
+                    <a:lnR w="12700" cap="flat" cmpd="sng" algn="ctr">
+                      <a:solidFill>
+                        <a:schemeClr val="tx1"/>
+                      </a:solidFill>
+                      <a:prstDash val="solid"/>
+                      <a:round/>
+                      <a:headEnd type="none" w="med" len="med"/>
+                      <a:tailEnd type="none" w="med" len="med"/>
+                    </a:lnR>
+                    <a:lnT w="12700" cap="flat" cmpd="sng" algn="ctr">
+                      <a:solidFill>
+                        <a:schemeClr val="tx1"/>
+                      </a:solidFill>
+                      <a:prstDash val="solid"/>
+                      <a:round/>
+                      <a:headEnd type="none" w="med" len="med"/>
+                      <a:tailEnd type="none" w="med" len="med"/>
+                    </a:lnT>
+                    <a:lnB w="12700" cap="flat" cmpd="sng" algn="ctr">
+                      <a:solidFill>
+                        <a:schemeClr val="tx1"/>
+                      </a:solidFill>
+                      <a:prstDash val="solid"/>
+                      <a:round/>
+                      <a:headEnd type="none" w="med" len="med"/>
+                      <a:tailEnd type="none" w="med" len="med"/>
+                    </a:lnB>
+                    <a:lnTlToBr w="12700" cmpd="sng">
+                      <a:noFill/>
+                      <a:prstDash val="solid"/>
+                    </a:lnTlToBr>
+                    <a:lnBlToTr w="12700" cmpd="sng">
+                      <a:noFill/>
+                      <a:prstDash val="solid"/>
+                    </a:lnBlToTr>
+                    <a:solidFill>
+                      <a:srgbClr val="FFC000"/>
+                    </a:solidFill>
+                  </a:tcPr>
+                </a:tc>
+                <a:tc>
+                  <a:txBody>
+                    <a:bodyPr/>
+                    <a:lstStyle/>
+                    <a:p>
+                      <a:pPr latinLnBrk="1"/>
+                      <a:endParaRPr lang="ko-KR" altLang="en-US" dirty="0">
+                        <a:highlight>
+                          <a:srgbClr val="0070C0"/>
+                        </a:highlight>
+                      </a:endParaRPr>
+                    </a:p>
+                  </a:txBody>
+                  <a:tcPr>
+                    <a:lnL w="12700" cap="flat" cmpd="sng" algn="ctr">
+                      <a:solidFill>
+                        <a:schemeClr val="tx1"/>
+                      </a:solidFill>
+                      <a:prstDash val="solid"/>
+                      <a:round/>
+                      <a:headEnd type="none" w="med" len="med"/>
+                      <a:tailEnd type="none" w="med" len="med"/>
+                    </a:lnL>
+                    <a:lnR w="12700" cap="flat" cmpd="sng" algn="ctr">
+                      <a:solidFill>
+                        <a:schemeClr val="tx1"/>
+                      </a:solidFill>
+                      <a:prstDash val="solid"/>
+                      <a:round/>
+                      <a:headEnd type="none" w="med" len="med"/>
+                      <a:tailEnd type="none" w="med" len="med"/>
+                    </a:lnR>
+                    <a:lnT w="12700" cap="flat" cmpd="sng" algn="ctr">
+                      <a:solidFill>
+                        <a:schemeClr val="tx1"/>
+                      </a:solidFill>
+                      <a:prstDash val="solid"/>
+                      <a:round/>
+                      <a:headEnd type="none" w="med" len="med"/>
+                      <a:tailEnd type="none" w="med" len="med"/>
+                    </a:lnT>
+                    <a:lnB w="12700" cap="flat" cmpd="sng" algn="ctr">
+                      <a:solidFill>
+                        <a:schemeClr val="tx1"/>
+                      </a:solidFill>
+                      <a:prstDash val="solid"/>
+                      <a:round/>
+                      <a:headEnd type="none" w="med" len="med"/>
+                      <a:tailEnd type="none" w="med" len="med"/>
+                    </a:lnB>
+                    <a:lnTlToBr w="12700" cmpd="sng">
+                      <a:noFill/>
+                      <a:prstDash val="solid"/>
+                    </a:lnTlToBr>
+                    <a:lnBlToTr w="12700" cmpd="sng">
+                      <a:noFill/>
+                      <a:prstDash val="solid"/>
+                    </a:lnBlToTr>
+                    <a:noFill/>
+                  </a:tcPr>
+                </a:tc>
+                <a:tc>
+                  <a:txBody>
+                    <a:bodyPr/>
+                    <a:lstStyle/>
+                    <a:p>
+                      <a:pPr latinLnBrk="1"/>
+                      <a:endParaRPr lang="ko-KR" altLang="en-US" dirty="0">
+                        <a:highlight>
+                          <a:srgbClr val="0070C0"/>
+                        </a:highlight>
+                      </a:endParaRPr>
+                    </a:p>
+                  </a:txBody>
+                  <a:tcPr>
+                    <a:lnL w="12700" cap="flat" cmpd="sng" algn="ctr">
+                      <a:solidFill>
+                        <a:schemeClr val="tx1"/>
+                      </a:solidFill>
+                      <a:prstDash val="solid"/>
+                      <a:round/>
+                      <a:headEnd type="none" w="med" len="med"/>
+                      <a:tailEnd type="none" w="med" len="med"/>
+                    </a:lnL>
+                    <a:lnR w="12700" cap="flat" cmpd="sng" algn="ctr">
+                      <a:solidFill>
+                        <a:schemeClr val="tx1"/>
+                      </a:solidFill>
+                      <a:prstDash val="solid"/>
+                      <a:round/>
+                      <a:headEnd type="none" w="med" len="med"/>
+                      <a:tailEnd type="none" w="med" len="med"/>
+                    </a:lnR>
+                    <a:lnT w="12700" cap="flat" cmpd="sng" algn="ctr">
+                      <a:solidFill>
+                        <a:schemeClr val="tx1"/>
+                      </a:solidFill>
+                      <a:prstDash val="solid"/>
+                      <a:round/>
+                      <a:headEnd type="none" w="med" len="med"/>
+                      <a:tailEnd type="none" w="med" len="med"/>
+                    </a:lnT>
+                    <a:lnB w="12700" cap="flat" cmpd="sng" algn="ctr">
+                      <a:solidFill>
+                        <a:schemeClr val="tx1"/>
+                      </a:solidFill>
+                      <a:prstDash val="solid"/>
+                      <a:round/>
+                      <a:headEnd type="none" w="med" len="med"/>
+                      <a:tailEnd type="none" w="med" len="med"/>
+                    </a:lnB>
+                    <a:lnTlToBr w="12700" cmpd="sng">
+                      <a:noFill/>
+                      <a:prstDash val="solid"/>
+                    </a:lnTlToBr>
+                    <a:lnBlToTr w="12700" cmpd="sng">
+                      <a:noFill/>
+                      <a:prstDash val="solid"/>
+                    </a:lnBlToTr>
+                    <a:noFill/>
+                  </a:tcPr>
+                </a:tc>
+                <a:extLst>
+                  <a:ext uri="{0D108BD9-81ED-4DB2-BD59-A6C34878D82A}">
+                    <a16:rowId xmlns:a16="http://schemas.microsoft.com/office/drawing/2014/main" val="2071963504"/>
+                  </a:ext>
+                </a:extLst>
+              </a:tr>
+              <a:tr h="308440">
+                <a:tc>
+                  <a:txBody>
+                    <a:bodyPr/>
+                    <a:lstStyle/>
+                    <a:p>
+                      <a:pPr latinLnBrk="1"/>
+                      <a:r>
+                        <a:rPr lang="en-US" altLang="ko-KR" dirty="0"/>
+                        <a:t>UI</a:t>
+                      </a:r>
+                      <a:r>
+                        <a:rPr lang="ko-KR" altLang="en-US" dirty="0"/>
+                        <a:t> 제작</a:t>
+                      </a:r>
+                      <a:endParaRPr lang="en-US" altLang="ko-KR" dirty="0"/>
+                    </a:p>
+                  </a:txBody>
+                  <a:tcPr>
+                    <a:lnL w="12700" cap="flat" cmpd="sng" algn="ctr">
+                      <a:solidFill>
+                        <a:schemeClr val="tx1"/>
+                      </a:solidFill>
+                      <a:prstDash val="solid"/>
+                      <a:round/>
+                      <a:headEnd type="none" w="med" len="med"/>
+                      <a:tailEnd type="none" w="med" len="med"/>
+                    </a:lnL>
+                    <a:lnR w="12700" cap="flat" cmpd="sng" algn="ctr">
+                      <a:solidFill>
+                        <a:schemeClr val="tx1"/>
+                      </a:solidFill>
+                      <a:prstDash val="solid"/>
+                      <a:round/>
+                      <a:headEnd type="none" w="med" len="med"/>
+                      <a:tailEnd type="none" w="med" len="med"/>
+                    </a:lnR>
+                    <a:lnT w="12700" cap="flat" cmpd="sng" algn="ctr">
+                      <a:solidFill>
+                        <a:schemeClr val="tx1"/>
+                      </a:solidFill>
+                      <a:prstDash val="solid"/>
+                      <a:round/>
+                      <a:headEnd type="none" w="med" len="med"/>
+                      <a:tailEnd type="none" w="med" len="med"/>
+                    </a:lnT>
+                    <a:lnB w="12700" cap="flat" cmpd="sng" algn="ctr">
+                      <a:solidFill>
+                        <a:schemeClr val="tx1"/>
+                      </a:solidFill>
+                      <a:prstDash val="solid"/>
+                      <a:round/>
+                      <a:headEnd type="none" w="med" len="med"/>
+                      <a:tailEnd type="none" w="med" len="med"/>
+                    </a:lnB>
+                    <a:lnTlToBr w="12700" cmpd="sng">
+                      <a:noFill/>
+                      <a:prstDash val="solid"/>
+                    </a:lnTlToBr>
+                    <a:lnBlToTr w="12700" cmpd="sng">
+                      <a:noFill/>
+                      <a:prstDash val="solid"/>
+                    </a:lnBlToTr>
+                  </a:tcPr>
+                </a:tc>
+                <a:tc>
+                  <a:txBody>
+                    <a:bodyPr/>
+                    <a:lstStyle/>
+                    <a:p>
+                      <a:pPr latinLnBrk="1"/>
+                      <a:endParaRPr lang="ko-KR" altLang="en-US" dirty="0"/>
+                    </a:p>
+                  </a:txBody>
+                  <a:tcPr>
+                    <a:lnL w="12700" cap="flat" cmpd="sng" algn="ctr">
+                      <a:solidFill>
+                        <a:schemeClr val="tx1"/>
+                      </a:solidFill>
+                      <a:prstDash val="solid"/>
+                      <a:round/>
+                      <a:headEnd type="none" w="med" len="med"/>
+                      <a:tailEnd type="none" w="med" len="med"/>
+                    </a:lnL>
+                    <a:lnR w="12700" cap="flat" cmpd="sng" algn="ctr">
+                      <a:solidFill>
+                        <a:schemeClr val="tx1"/>
+                      </a:solidFill>
+                      <a:prstDash val="solid"/>
+                      <a:round/>
+                      <a:headEnd type="none" w="med" len="med"/>
+                      <a:tailEnd type="none" w="med" len="med"/>
+                    </a:lnR>
+                    <a:lnT w="12700" cap="flat" cmpd="sng" algn="ctr">
+                      <a:solidFill>
+                        <a:schemeClr val="tx1"/>
+                      </a:solidFill>
+                      <a:prstDash val="solid"/>
+                      <a:round/>
+                      <a:headEnd type="none" w="med" len="med"/>
+                      <a:tailEnd type="none" w="med" len="med"/>
+                    </a:lnT>
+                    <a:lnB w="12700" cap="flat" cmpd="sng" algn="ctr">
+                      <a:solidFill>
+                        <a:schemeClr val="tx1"/>
+                      </a:solidFill>
+                      <a:prstDash val="solid"/>
+                      <a:round/>
+                      <a:headEnd type="none" w="med" len="med"/>
+                      <a:tailEnd type="none" w="med" len="med"/>
+                    </a:lnB>
+                    <a:lnTlToBr w="12700" cmpd="sng">
+                      <a:noFill/>
+                      <a:prstDash val="solid"/>
+                    </a:lnTlToBr>
+                    <a:lnBlToTr w="12700" cmpd="sng">
+                      <a:noFill/>
+                      <a:prstDash val="solid"/>
+                    </a:lnBlToTr>
+                    <a:solidFill>
+                      <a:srgbClr val="FFC000"/>
+                    </a:solidFill>
+                  </a:tcPr>
+                </a:tc>
+                <a:tc>
+                  <a:txBody>
+                    <a:bodyPr/>
+                    <a:lstStyle/>
+                    <a:p>
+                      <a:pPr latinLnBrk="1"/>
+                      <a:endParaRPr lang="ko-KR" altLang="en-US" dirty="0"/>
+                    </a:p>
+                  </a:txBody>
+                  <a:tcPr>
+                    <a:lnL w="12700" cap="flat" cmpd="sng" algn="ctr">
+                      <a:solidFill>
+                        <a:schemeClr val="tx1"/>
+                      </a:solidFill>
+                      <a:prstDash val="solid"/>
+                      <a:round/>
+                      <a:headEnd type="none" w="med" len="med"/>
+                      <a:tailEnd type="none" w="med" len="med"/>
+                    </a:lnL>
+                    <a:lnR w="12700" cap="flat" cmpd="sng" algn="ctr">
+                      <a:solidFill>
+                        <a:schemeClr val="tx1"/>
+                      </a:solidFill>
+                      <a:prstDash val="solid"/>
+                      <a:round/>
+                      <a:headEnd type="none" w="med" len="med"/>
+                      <a:tailEnd type="none" w="med" len="med"/>
+                    </a:lnR>
+                    <a:lnT w="12700" cap="flat" cmpd="sng" algn="ctr">
+                      <a:solidFill>
+                        <a:schemeClr val="tx1"/>
+                      </a:solidFill>
+                      <a:prstDash val="solid"/>
+                      <a:round/>
+                      <a:headEnd type="none" w="med" len="med"/>
+                      <a:tailEnd type="none" w="med" len="med"/>
+                    </a:lnT>
+                    <a:lnB w="12700" cap="flat" cmpd="sng" algn="ctr">
+                      <a:solidFill>
+                        <a:schemeClr val="tx1"/>
+                      </a:solidFill>
+                      <a:prstDash val="solid"/>
+                      <a:round/>
+                      <a:headEnd type="none" w="med" len="med"/>
+                      <a:tailEnd type="none" w="med" len="med"/>
+                    </a:lnB>
+                    <a:lnTlToBr w="12700" cmpd="sng">
+                      <a:noFill/>
+                      <a:prstDash val="solid"/>
+                    </a:lnTlToBr>
+                    <a:lnBlToTr w="12700" cmpd="sng">
+                      <a:noFill/>
+                      <a:prstDash val="solid"/>
+                    </a:lnBlToTr>
+                    <a:solidFill>
+                      <a:srgbClr val="FFC000"/>
+                    </a:solidFill>
+                  </a:tcPr>
+                </a:tc>
+                <a:tc>
+                  <a:txBody>
+                    <a:bodyPr/>
+                    <a:lstStyle/>
+                    <a:p>
+                      <a:pPr latinLnBrk="1"/>
+                      <a:endParaRPr lang="ko-KR" altLang="en-US" dirty="0">
+                        <a:highlight>
+                          <a:srgbClr val="0070C0"/>
+                        </a:highlight>
+                      </a:endParaRPr>
+                    </a:p>
+                  </a:txBody>
+                  <a:tcPr>
+                    <a:lnL w="12700" cap="flat" cmpd="sng" algn="ctr">
+                      <a:solidFill>
+                        <a:schemeClr val="tx1"/>
+                      </a:solidFill>
+                      <a:prstDash val="solid"/>
+                      <a:round/>
+                      <a:headEnd type="none" w="med" len="med"/>
+                      <a:tailEnd type="none" w="med" len="med"/>
+                    </a:lnL>
+                    <a:lnR w="12700" cap="flat" cmpd="sng" algn="ctr">
+                      <a:solidFill>
+                        <a:schemeClr val="tx1"/>
+                      </a:solidFill>
+                      <a:prstDash val="solid"/>
+                      <a:round/>
+                      <a:headEnd type="none" w="med" len="med"/>
+                      <a:tailEnd type="none" w="med" len="med"/>
+                    </a:lnR>
+                    <a:lnT w="12700" cap="flat" cmpd="sng" algn="ctr">
+                      <a:solidFill>
+                        <a:schemeClr val="tx1"/>
+                      </a:solidFill>
+                      <a:prstDash val="solid"/>
+                      <a:round/>
+                      <a:headEnd type="none" w="med" len="med"/>
+                      <a:tailEnd type="none" w="med" len="med"/>
+                    </a:lnT>
+                    <a:lnB w="12700" cap="flat" cmpd="sng" algn="ctr">
+                      <a:solidFill>
+                        <a:schemeClr val="tx1"/>
+                      </a:solidFill>
+                      <a:prstDash val="solid"/>
+                      <a:round/>
+                      <a:headEnd type="none" w="med" len="med"/>
+                      <a:tailEnd type="none" w="med" len="med"/>
+                    </a:lnB>
+                    <a:lnTlToBr w="12700" cmpd="sng">
+                      <a:noFill/>
+                      <a:prstDash val="solid"/>
+                    </a:lnTlToBr>
+                    <a:lnBlToTr w="12700" cmpd="sng">
+                      <a:noFill/>
+                      <a:prstDash val="solid"/>
+                    </a:lnBlToTr>
+                    <a:noFill/>
+                  </a:tcPr>
+                </a:tc>
+                <a:tc>
+                  <a:txBody>
+                    <a:bodyPr/>
+                    <a:lstStyle/>
+                    <a:p>
+                      <a:pPr latinLnBrk="1"/>
+                      <a:endParaRPr lang="ko-KR" altLang="en-US" dirty="0">
+                        <a:highlight>
+                          <a:srgbClr val="0070C0"/>
+                        </a:highlight>
+                      </a:endParaRPr>
+                    </a:p>
+                  </a:txBody>
+                  <a:tcPr>
+                    <a:lnL w="12700" cap="flat" cmpd="sng" algn="ctr">
+                      <a:solidFill>
+                        <a:schemeClr val="tx1"/>
+                      </a:solidFill>
+                      <a:prstDash val="solid"/>
+                      <a:round/>
+                      <a:headEnd type="none" w="med" len="med"/>
+                      <a:tailEnd type="none" w="med" len="med"/>
+                    </a:lnL>
+                    <a:lnR w="12700" cap="flat" cmpd="sng" algn="ctr">
+                      <a:solidFill>
+                        <a:schemeClr val="tx1"/>
+                      </a:solidFill>
+                      <a:prstDash val="solid"/>
+                      <a:round/>
+                      <a:headEnd type="none" w="med" len="med"/>
+                      <a:tailEnd type="none" w="med" len="med"/>
+                    </a:lnR>
+                    <a:lnT w="12700" cap="flat" cmpd="sng" algn="ctr">
+                      <a:solidFill>
+                        <a:schemeClr val="tx1"/>
+                      </a:solidFill>
+                      <a:prstDash val="solid"/>
+                      <a:round/>
+                      <a:headEnd type="none" w="med" len="med"/>
+                      <a:tailEnd type="none" w="med" len="med"/>
+                    </a:lnT>
+                    <a:lnB w="12700" cap="flat" cmpd="sng" algn="ctr">
+                      <a:solidFill>
+                        <a:schemeClr val="tx1"/>
+                      </a:solidFill>
+                      <a:prstDash val="solid"/>
+                      <a:round/>
+                      <a:headEnd type="none" w="med" len="med"/>
+                      <a:tailEnd type="none" w="med" len="med"/>
+                    </a:lnB>
+                    <a:lnTlToBr w="12700" cmpd="sng">
+                      <a:noFill/>
+                      <a:prstDash val="solid"/>
+                    </a:lnTlToBr>
+                    <a:lnBlToTr w="12700" cmpd="sng">
+                      <a:noFill/>
+                      <a:prstDash val="solid"/>
+                    </a:lnBlToTr>
+                    <a:noFill/>
+                  </a:tcPr>
+                </a:tc>
+                <a:extLst>
+                  <a:ext uri="{0D108BD9-81ED-4DB2-BD59-A6C34878D82A}">
+                    <a16:rowId xmlns:a16="http://schemas.microsoft.com/office/drawing/2014/main" val="3676151741"/>
                   </a:ext>
                 </a:extLst>
               </a:tr>
@@ -12374,27 +13403,27 @@
               <a:buNone/>
             </a:pPr>
             <a:r>
-              <a:rPr lang="ko-KR" altLang="en-US" sz="2400" b="1" dirty="0">
+              <a:rPr lang="ko-KR" altLang="en-US" sz="2600" b="1" dirty="0">
                 <a:latin typeface="a라이트" panose="02020600000000000000" pitchFamily="18" charset="-127"/>
                 <a:ea typeface="a라이트" panose="02020600000000000000" pitchFamily="18" charset="-127"/>
               </a:rPr>
               <a:t>장르 </a:t>
             </a:r>
             <a:r>
-              <a:rPr lang="en-US" altLang="ko-KR" sz="2400" b="1" dirty="0">
+              <a:rPr lang="en-US" altLang="ko-KR" sz="2600" b="1" dirty="0">
                 <a:latin typeface="a라이트" panose="02020600000000000000" pitchFamily="18" charset="-127"/>
                 <a:ea typeface="a라이트" panose="02020600000000000000" pitchFamily="18" charset="-127"/>
               </a:rPr>
               <a:t>: 3</a:t>
             </a:r>
             <a:r>
-              <a:rPr lang="ko-KR" altLang="en-US" sz="2400" b="1" dirty="0">
+              <a:rPr lang="ko-KR" altLang="en-US" sz="2600" b="1" dirty="0">
                 <a:latin typeface="a라이트" panose="02020600000000000000" pitchFamily="18" charset="-127"/>
                 <a:ea typeface="a라이트" panose="02020600000000000000" pitchFamily="18" charset="-127"/>
               </a:rPr>
               <a:t>인칭 슈팅게임</a:t>
             </a:r>
-            <a:endParaRPr lang="en-US" altLang="ko-KR" sz="2400" b="1" dirty="0">
+            <a:endParaRPr lang="en-US" altLang="ko-KR" sz="2600" b="1" dirty="0">
               <a:latin typeface="a라이트" panose="02020600000000000000" pitchFamily="18" charset="-127"/>
               <a:ea typeface="a라이트" panose="02020600000000000000" pitchFamily="18" charset="-127"/>
             </a:endParaRPr>
@@ -13038,7 +14067,7 @@
         </p:nvSpPr>
         <p:spPr>
           <a:xfrm>
-            <a:off x="1782701" y="3506996"/>
+            <a:off x="1782701" y="3593027"/>
             <a:ext cx="3871539" cy="707886"/>
           </a:xfrm>
           <a:prstGeom prst="rect">
@@ -13112,7 +14141,7 @@
         </p:nvSpPr>
         <p:spPr>
           <a:xfrm>
-            <a:off x="6541950" y="2042339"/>
+            <a:off x="6541950" y="2128370"/>
             <a:ext cx="4612374" cy="707886"/>
           </a:xfrm>
           <a:prstGeom prst="rect">
@@ -13202,7 +14231,7 @@
         </p:nvSpPr>
         <p:spPr>
           <a:xfrm>
-            <a:off x="6541950" y="3506996"/>
+            <a:off x="6541950" y="3593027"/>
             <a:ext cx="4612374" cy="707886"/>
           </a:xfrm>
           <a:prstGeom prst="rect">
@@ -13276,7 +14305,7 @@
         </p:nvSpPr>
         <p:spPr>
           <a:xfrm>
-            <a:off x="6705512" y="5028782"/>
+            <a:off x="6705512" y="5114813"/>
             <a:ext cx="4285250" cy="698692"/>
           </a:xfrm>
           <a:prstGeom prst="rect">
@@ -13390,7 +14419,7 @@
         </p:nvSpPr>
         <p:spPr>
           <a:xfrm>
-            <a:off x="2369594" y="5180652"/>
+            <a:off x="2369594" y="5266683"/>
             <a:ext cx="2697751" cy="394952"/>
           </a:xfrm>
           <a:prstGeom prst="rect">
@@ -13469,7 +14498,7 @@
         </p:nvSpPr>
         <p:spPr>
           <a:xfrm>
-            <a:off x="1782701" y="2060438"/>
+            <a:off x="1782701" y="2146469"/>
             <a:ext cx="3871539" cy="400110"/>
           </a:xfrm>
           <a:prstGeom prst="rect">
@@ -13906,7 +14935,7 @@
         </p:nvCxnSpPr>
         <p:spPr>
           <a:xfrm>
-            <a:off x="3718471" y="2460548"/>
+            <a:off x="3718471" y="2546579"/>
             <a:ext cx="0" cy="1046448"/>
           </a:xfrm>
           <a:prstGeom prst="straightConnector1">
@@ -13952,7 +14981,7 @@
         </p:nvCxnSpPr>
         <p:spPr>
           <a:xfrm>
-            <a:off x="5654240" y="3860939"/>
+            <a:off x="5654240" y="3946970"/>
             <a:ext cx="887710" cy="0"/>
           </a:xfrm>
           <a:prstGeom prst="straightConnector1">
@@ -13996,7 +15025,7 @@
         </p:nvCxnSpPr>
         <p:spPr>
           <a:xfrm>
-            <a:off x="8477747" y="2777676"/>
+            <a:off x="8477747" y="2863707"/>
             <a:ext cx="0" cy="729320"/>
           </a:xfrm>
           <a:prstGeom prst="straightConnector1">
@@ -14040,7 +15069,7 @@
         </p:nvCxnSpPr>
         <p:spPr>
           <a:xfrm flipV="1">
-            <a:off x="9160653" y="2750225"/>
+            <a:off x="9160653" y="2836256"/>
             <a:ext cx="0" cy="732328"/>
           </a:xfrm>
           <a:prstGeom prst="straightConnector1">
@@ -14086,7 +15115,7 @@
         </p:nvCxnSpPr>
         <p:spPr>
           <a:xfrm>
-            <a:off x="8848137" y="4214882"/>
+            <a:off x="8848137" y="4300913"/>
             <a:ext cx="0" cy="813900"/>
           </a:xfrm>
           <a:prstGeom prst="straightConnector1">
@@ -14132,7 +15161,7 @@
         </p:nvCxnSpPr>
         <p:spPr>
           <a:xfrm flipH="1">
-            <a:off x="5067345" y="5378128"/>
+            <a:off x="5067345" y="5464159"/>
             <a:ext cx="1638167" cy="0"/>
           </a:xfrm>
           <a:prstGeom prst="straightConnector1">
@@ -14178,7 +15207,7 @@
         </p:nvCxnSpPr>
         <p:spPr>
           <a:xfrm rot="10800000">
-            <a:off x="1782702" y="2260494"/>
+            <a:off x="1782702" y="2346525"/>
             <a:ext cx="586893" cy="3117635"/>
           </a:xfrm>
           <a:prstGeom prst="bentConnector3">
@@ -14252,7 +15281,7 @@
         </p:nvSpPr>
         <p:spPr>
           <a:xfrm rot="16200000">
-            <a:off x="2657632" y="-2657632"/>
+            <a:off x="2657631" y="-2546688"/>
             <a:ext cx="6876736" cy="12192001"/>
           </a:xfrm>
           <a:prstGeom prst="rect">
@@ -14638,8 +15667,8 @@
         </p:nvSpPr>
         <p:spPr>
           <a:xfrm>
-            <a:off x="2338388" y="2772739"/>
-            <a:ext cx="2547754" cy="369332"/>
+            <a:off x="2356224" y="2784780"/>
+            <a:ext cx="2775114" cy="369332"/>
           </a:xfrm>
           <a:prstGeom prst="rect">
             <a:avLst/>
@@ -14663,7 +15692,7 @@
                 <a:latin typeface="a라이트" panose="02020600000000000000" pitchFamily="18" charset="-127"/>
                 <a:ea typeface="a라이트" panose="02020600000000000000" pitchFamily="18" charset="-127"/>
               </a:rPr>
-              <a:t>W,A,S,D	  -	 </a:t>
+              <a:t>W,A,S,D		-	 </a:t>
             </a:r>
             <a:r>
               <a:rPr lang="ko-KR" altLang="en-US" b="1" dirty="0">
@@ -14692,7 +15721,7 @@
         </p:nvSpPr>
         <p:spPr>
           <a:xfrm>
-            <a:off x="2331314" y="3220492"/>
+            <a:off x="2338386" y="3260205"/>
             <a:ext cx="3035434" cy="369332"/>
           </a:xfrm>
           <a:prstGeom prst="rect">
@@ -14717,7 +15746,7 @@
                 <a:latin typeface="a라이트" panose="02020600000000000000" pitchFamily="18" charset="-127"/>
                 <a:ea typeface="a라이트" panose="02020600000000000000" pitchFamily="18" charset="-127"/>
               </a:rPr>
-              <a:t>Shift	  -	 </a:t>
+              <a:t>Shift		-	</a:t>
             </a:r>
             <a:r>
               <a:rPr lang="ko-KR" altLang="en-US" b="1" dirty="0">
@@ -14746,7 +15775,7 @@
         </p:nvSpPr>
         <p:spPr>
           <a:xfrm>
-            <a:off x="2352297" y="4038960"/>
+            <a:off x="2356224" y="4180634"/>
             <a:ext cx="3304431" cy="369332"/>
           </a:xfrm>
           <a:prstGeom prst="rect">
@@ -14771,7 +15800,7 @@
                 <a:latin typeface="a라이트" panose="02020600000000000000" pitchFamily="18" charset="-127"/>
                 <a:ea typeface="a라이트" panose="02020600000000000000" pitchFamily="18" charset="-127"/>
               </a:rPr>
-              <a:t>E		  -	 </a:t>
+              <a:t>E			-	</a:t>
             </a:r>
             <a:r>
               <a:rPr lang="ko-KR" altLang="en-US" b="1" dirty="0">
@@ -14800,8 +15829,8 @@
         </p:nvSpPr>
         <p:spPr>
           <a:xfrm>
-            <a:off x="7252815" y="3179981"/>
-            <a:ext cx="2699314" cy="369332"/>
+            <a:off x="7252814" y="3231416"/>
+            <a:ext cx="3232305" cy="369332"/>
           </a:xfrm>
           <a:prstGeom prst="rect">
             <a:avLst/>
@@ -14825,7 +15854,7 @@
                 <a:latin typeface="a라이트" panose="02020600000000000000" pitchFamily="18" charset="-127"/>
                 <a:ea typeface="a라이트" panose="02020600000000000000" pitchFamily="18" charset="-127"/>
               </a:rPr>
-              <a:t>F		  -    </a:t>
+              <a:t>F			-	</a:t>
             </a:r>
             <a:r>
               <a:rPr lang="ko-KR" altLang="en-US" b="1" dirty="0">
@@ -14899,7 +15928,7 @@
                 <a:latin typeface="a라이트" panose="02020600000000000000" pitchFamily="18" charset="-127"/>
                 <a:ea typeface="a라이트" panose="02020600000000000000" pitchFamily="18" charset="-127"/>
               </a:rPr>
-              <a:t>Left	    -	   </a:t>
+              <a:t>Left	-	</a:t>
             </a:r>
             <a:r>
               <a:rPr lang="ko-KR" altLang="en-US" b="1" dirty="0">
@@ -14980,7 +16009,7 @@
         </p:nvSpPr>
         <p:spPr>
           <a:xfrm>
-            <a:off x="2164532" y="3217315"/>
+            <a:off x="2167780" y="3257028"/>
             <a:ext cx="173854" cy="359664"/>
           </a:xfrm>
           <a:prstGeom prst="rect">
@@ -15032,7 +16061,7 @@
         </p:nvSpPr>
         <p:spPr>
           <a:xfrm>
-            <a:off x="2331314" y="3629726"/>
+            <a:off x="2356224" y="3718242"/>
             <a:ext cx="3035434" cy="369332"/>
           </a:xfrm>
           <a:prstGeom prst="rect">
@@ -15057,7 +16086,7 @@
                 <a:latin typeface="a라이트" panose="02020600000000000000" pitchFamily="18" charset="-127"/>
                 <a:ea typeface="a라이트" panose="02020600000000000000" pitchFamily="18" charset="-127"/>
               </a:rPr>
-              <a:t>Space	  -	 </a:t>
+              <a:t>Space		-	</a:t>
             </a:r>
             <a:r>
               <a:rPr lang="ko-KR" altLang="en-US" b="1" dirty="0">
@@ -15086,7 +16115,7 @@
         </p:nvSpPr>
         <p:spPr>
           <a:xfrm>
-            <a:off x="2160824" y="3646436"/>
+            <a:off x="2164072" y="3717042"/>
             <a:ext cx="181270" cy="359664"/>
           </a:xfrm>
           <a:prstGeom prst="rect">
@@ -15138,7 +16167,7 @@
         </p:nvSpPr>
         <p:spPr>
           <a:xfrm>
-            <a:off x="2157116" y="4075558"/>
+            <a:off x="2164072" y="4185468"/>
             <a:ext cx="181270" cy="359664"/>
           </a:xfrm>
           <a:prstGeom prst="rect">
@@ -15190,7 +16219,7 @@
         </p:nvSpPr>
         <p:spPr>
           <a:xfrm>
-            <a:off x="7060663" y="3237576"/>
+            <a:off x="7060663" y="3255590"/>
             <a:ext cx="181270" cy="359664"/>
           </a:xfrm>
           <a:prstGeom prst="rect">
@@ -15242,7 +16271,7 @@
         </p:nvSpPr>
         <p:spPr>
           <a:xfrm>
-            <a:off x="7060663" y="2755458"/>
+            <a:off x="7071545" y="2776967"/>
             <a:ext cx="173854" cy="359664"/>
           </a:xfrm>
           <a:prstGeom prst="rect">
@@ -15294,7 +16323,7 @@
         </p:nvSpPr>
         <p:spPr>
           <a:xfrm>
-            <a:off x="7252815" y="3629726"/>
+            <a:off x="7252815" y="3717042"/>
             <a:ext cx="2699314" cy="369332"/>
           </a:xfrm>
           <a:prstGeom prst="rect">
@@ -15319,7 +16348,7 @@
                 <a:latin typeface="a라이트" panose="02020600000000000000" pitchFamily="18" charset="-127"/>
                 <a:ea typeface="a라이트" panose="02020600000000000000" pitchFamily="18" charset="-127"/>
               </a:rPr>
-              <a:t>Q		  -    </a:t>
+              <a:t>Q			- 	</a:t>
             </a:r>
             <a:r>
               <a:rPr lang="ko-KR" altLang="en-US" b="1" dirty="0">
@@ -15348,7 +16377,7 @@
         </p:nvSpPr>
         <p:spPr>
           <a:xfrm>
-            <a:off x="7060663" y="3687321"/>
+            <a:off x="7060663" y="3718474"/>
             <a:ext cx="181270" cy="359664"/>
           </a:xfrm>
           <a:prstGeom prst="rect">
@@ -15400,8 +16429,8 @@
         </p:nvSpPr>
         <p:spPr>
           <a:xfrm>
-            <a:off x="7259989" y="4085598"/>
-            <a:ext cx="2699314" cy="369332"/>
+            <a:off x="7266452" y="4180634"/>
+            <a:ext cx="3492987" cy="369332"/>
           </a:xfrm>
           <a:prstGeom prst="rect">
             <a:avLst/>
@@ -15425,7 +16454,7 @@
                 <a:latin typeface="a라이트" panose="02020600000000000000" pitchFamily="18" charset="-127"/>
                 <a:ea typeface="a라이트" panose="02020600000000000000" pitchFamily="18" charset="-127"/>
               </a:rPr>
-              <a:t>G		  -    </a:t>
+              <a:t>G			-	</a:t>
             </a:r>
             <a:r>
               <a:rPr lang="ko-KR" altLang="en-US" b="1" dirty="0">
@@ -15454,7 +16483,7 @@
         </p:nvSpPr>
         <p:spPr>
           <a:xfrm>
-            <a:off x="7067837" y="4143193"/>
+            <a:off x="7067837" y="4185468"/>
             <a:ext cx="181270" cy="359664"/>
           </a:xfrm>
           <a:prstGeom prst="rect">
@@ -15922,7 +16951,7 @@
         </p:nvSpPr>
         <p:spPr>
           <a:xfrm>
-            <a:off x="1853405" y="1950155"/>
+            <a:off x="2219165" y="2326796"/>
             <a:ext cx="2011352" cy="400110"/>
           </a:xfrm>
           <a:prstGeom prst="rect">
@@ -15966,7 +16995,7 @@
         </p:nvSpPr>
         <p:spPr>
           <a:xfrm>
-            <a:off x="1224586" y="2514328"/>
+            <a:off x="1590346" y="2890969"/>
             <a:ext cx="3132583" cy="584775"/>
           </a:xfrm>
           <a:prstGeom prst="rect">
@@ -16071,7 +17100,7 @@
         </p:nvSpPr>
         <p:spPr>
           <a:xfrm>
-            <a:off x="8190838" y="1703130"/>
+            <a:off x="7961484" y="2187436"/>
             <a:ext cx="2147757" cy="707886"/>
           </a:xfrm>
           <a:prstGeom prst="rect">
@@ -16145,7 +17174,7 @@
         </p:nvSpPr>
         <p:spPr>
           <a:xfrm>
-            <a:off x="7698425" y="2598003"/>
+            <a:off x="7469071" y="3082309"/>
             <a:ext cx="3132583" cy="830997"/>
           </a:xfrm>
           <a:prstGeom prst="rect">
@@ -16257,7 +17286,7 @@
         </p:nvSpPr>
         <p:spPr>
           <a:xfrm>
-            <a:off x="4890556" y="4502857"/>
+            <a:off x="5236063" y="4418441"/>
             <a:ext cx="1665868" cy="400110"/>
           </a:xfrm>
           <a:prstGeom prst="rect">
@@ -16301,7 +17330,7 @@
         </p:nvSpPr>
         <p:spPr>
           <a:xfrm>
-            <a:off x="3918194" y="5124486"/>
+            <a:off x="4263701" y="5040070"/>
             <a:ext cx="3664597" cy="1077218"/>
           </a:xfrm>
           <a:prstGeom prst="rect">
@@ -16807,7 +17836,7 @@
         </p:nvSpPr>
         <p:spPr>
           <a:xfrm>
-            <a:off x="1781951" y="2501318"/>
+            <a:off x="1833691" y="2726965"/>
             <a:ext cx="1455562" cy="523220"/>
           </a:xfrm>
           <a:prstGeom prst="rect">
@@ -16858,7 +17887,7 @@
         </p:nvSpPr>
         <p:spPr>
           <a:xfrm>
-            <a:off x="5367279" y="2501317"/>
+            <a:off x="5419019" y="2726964"/>
             <a:ext cx="1455562" cy="523220"/>
           </a:xfrm>
           <a:prstGeom prst="rect">
@@ -16909,7 +17938,7 @@
         </p:nvSpPr>
         <p:spPr>
           <a:xfrm>
-            <a:off x="8778743" y="2501317"/>
+            <a:off x="8830483" y="2726964"/>
             <a:ext cx="1455562" cy="523220"/>
           </a:xfrm>
           <a:prstGeom prst="rect">
@@ -16960,7 +17989,7 @@
         </p:nvSpPr>
         <p:spPr>
           <a:xfrm>
-            <a:off x="1631610" y="3575718"/>
+            <a:off x="1683350" y="3801365"/>
             <a:ext cx="3211805" cy="646331"/>
           </a:xfrm>
           <a:prstGeom prst="rect">
@@ -17047,7 +18076,7 @@
         </p:nvSpPr>
         <p:spPr>
           <a:xfrm>
-            <a:off x="5210188" y="3578744"/>
+            <a:off x="5261928" y="3804391"/>
             <a:ext cx="2746691" cy="923330"/>
           </a:xfrm>
           <a:prstGeom prst="rect">
@@ -17141,7 +18170,7 @@
         </p:nvSpPr>
         <p:spPr>
           <a:xfrm>
-            <a:off x="8646486" y="3578745"/>
+            <a:off x="8698226" y="3804392"/>
             <a:ext cx="2554735" cy="646331"/>
           </a:xfrm>
           <a:prstGeom prst="rect">
@@ -17661,8 +18690,8 @@
         </p:blipFill>
         <p:spPr>
           <a:xfrm>
-            <a:off x="3998069" y="700391"/>
-            <a:ext cx="5019472" cy="5233481"/>
+            <a:off x="3674774" y="1210765"/>
+            <a:ext cx="5067333" cy="5233481"/>
           </a:xfrm>
           <a:custGeom>
             <a:avLst/>
@@ -17728,8 +18757,8 @@
         </p:blipFill>
         <p:spPr>
           <a:xfrm>
-            <a:off x="359923" y="1484189"/>
-            <a:ext cx="3806458" cy="3889622"/>
+            <a:off x="265920" y="1990356"/>
+            <a:ext cx="3638146" cy="4001806"/>
           </a:xfrm>
           <a:custGeom>
             <a:avLst/>
@@ -17817,8 +18846,8 @@
         </p:blipFill>
         <p:spPr>
           <a:xfrm>
-            <a:off x="8940020" y="1484189"/>
-            <a:ext cx="3034729" cy="3889622"/>
+            <a:off x="8555972" y="2046448"/>
+            <a:ext cx="3340372" cy="3889622"/>
           </a:xfrm>
           <a:custGeom>
             <a:avLst/>
@@ -18323,7 +19352,7 @@
         </p:nvSpPr>
         <p:spPr>
           <a:xfrm>
-            <a:off x="666161" y="1442954"/>
+            <a:off x="666161" y="1989052"/>
             <a:ext cx="10859678" cy="3801041"/>
           </a:xfrm>
           <a:prstGeom prst="rect">

--- a/작업일지 && 졸작자료/중간평가.pptx
+++ b/작업일지 && 졸작자료/중간평가.pptx
@@ -26,43 +26,19 @@
   <p:notesSz cx="9144000" cy="6858000"/>
   <p:embeddedFontLst>
     <p:embeddedFont>
-      <p:font typeface="a라이트" panose="02020600000000000000" pitchFamily="18" charset="-127"/>
+      <p:font typeface="Orbitron" panose="020B0600000101010101" charset="0"/>
       <p:regular r:id="rId18"/>
-    </p:embeddedFont>
-    <p:embeddedFont>
-      <p:font typeface="a로케트" panose="02020600000000000000" pitchFamily="18" charset="-127"/>
-      <p:regular r:id="rId19"/>
-    </p:embeddedFont>
-    <p:embeddedFont>
-      <p:font typeface="a피라미드" panose="02020600000000000000" pitchFamily="18" charset="-127"/>
-      <p:regular r:id="rId20"/>
+      <p:bold r:id="rId19"/>
     </p:embeddedFont>
     <p:embeddedFont>
       <p:font typeface="나눔고딕" panose="020D0604000000000000" pitchFamily="50" charset="-127"/>
-      <p:regular r:id="rId21"/>
-      <p:bold r:id="rId22"/>
+      <p:regular r:id="rId20"/>
+      <p:bold r:id="rId21"/>
     </p:embeddedFont>
     <p:embeddedFont>
       <p:font typeface="함초롬바탕" panose="02030604000101010101" pitchFamily="18" charset="-127"/>
-      <p:regular r:id="rId23"/>
-      <p:bold r:id="rId24"/>
-    </p:embeddedFont>
-    <p:embeddedFont>
-      <p:font typeface="Calibri" panose="020F0502020204030204" pitchFamily="34" charset="0"/>
-      <p:regular r:id="rId25"/>
-      <p:bold r:id="rId26"/>
-      <p:italic r:id="rId27"/>
-      <p:boldItalic r:id="rId28"/>
-    </p:embeddedFont>
-    <p:embeddedFont>
-      <p:font typeface="Calibri Light" panose="020F0302020204030204" pitchFamily="34" charset="0"/>
-      <p:regular r:id="rId29"/>
-      <p:italic r:id="rId30"/>
-    </p:embeddedFont>
-    <p:embeddedFont>
-      <p:font typeface="Orbitron" pitchFamily="2" charset="0"/>
-      <p:regular r:id="rId31"/>
-      <p:bold r:id="rId32"/>
+      <p:regular r:id="rId22"/>
+      <p:bold r:id="rId23"/>
     </p:embeddedFont>
   </p:embeddedFontLst>
   <p:defaultTextStyle>
@@ -5019,7 +4995,7 @@
                 <a:latin typeface="a피라미드" panose="02020600000000000000" pitchFamily="18" charset="-127"/>
                 <a:ea typeface="a피라미드" panose="02020600000000000000" pitchFamily="18" charset="-127"/>
               </a:rPr>
-              <a:t>멀티플레이</a:t>
+              <a:t>서버</a:t>
             </a:r>
             <a:endParaRPr lang="es-ES" sz="3600" spc="300" dirty="0">
               <a:latin typeface="a피라미드" panose="02020600000000000000" pitchFamily="18" charset="-127"/>
@@ -5099,7 +5075,7 @@
         <p:spPr>
           <a:xfrm>
             <a:off x="826566" y="2966053"/>
-            <a:ext cx="10325848" cy="2585323"/>
+            <a:ext cx="10325848" cy="3139321"/>
           </a:xfrm>
           <a:prstGeom prst="rect">
             <a:avLst/>
@@ -5153,6 +5129,32 @@
             <a:endParaRPr lang="en-US" altLang="ko-KR" dirty="0"/>
           </a:p>
           <a:p>
+            <a:endParaRPr lang="en-US" altLang="ko-KR" dirty="0"/>
+          </a:p>
+          <a:p>
+            <a:r>
+              <a:rPr lang="en-US" altLang="ko-KR" dirty="0"/>
+              <a:t>IOCP</a:t>
+            </a:r>
+            <a:r>
+              <a:rPr lang="ko-KR" altLang="en-US" dirty="0"/>
+              <a:t>기반의 로직을 통해 </a:t>
+            </a:r>
+            <a:r>
+              <a:rPr lang="ko-KR" altLang="en-US" dirty="0" err="1"/>
+              <a:t>서버ㆍ클라이언트</a:t>
+            </a:r>
+            <a:r>
+              <a:rPr lang="ko-KR" altLang="en-US" dirty="0"/>
+              <a:t> 간 데이터 송수신 처리 </a:t>
+            </a:r>
+            <a:endParaRPr lang="en-US" altLang="ko-KR" dirty="0"/>
+          </a:p>
+          <a:p>
+            <a:pPr algn="ctr"/>
+            <a:endParaRPr lang="en-US" altLang="ko-KR" dirty="0"/>
+          </a:p>
+          <a:p>
             <a:r>
               <a:rPr lang="en-US" altLang="ko-KR" dirty="0"/>
               <a:t>Main</a:t>
@@ -5187,19 +5189,7 @@
             </a:r>
             <a:r>
               <a:rPr lang="ko-KR" altLang="en-US" dirty="0"/>
-              <a:t>는 </a:t>
-            </a:r>
-            <a:r>
-              <a:rPr lang="en-US" altLang="ko-KR" dirty="0" err="1"/>
-              <a:t>GetQueuedCompletionStatus</a:t>
-            </a:r>
-            <a:r>
-              <a:rPr lang="en-US" altLang="ko-KR" dirty="0"/>
-              <a:t>() </a:t>
-            </a:r>
-            <a:r>
-              <a:rPr lang="ko-KR" altLang="en-US" dirty="0"/>
-              <a:t>함수를 호출 해  커널 내 완료 처리된 메시지를 읽어 </a:t>
+              <a:t>에서 완료 처리된 메시지를 읽어 </a:t>
             </a:r>
             <a:r>
               <a:rPr lang="en-US" altLang="ko-KR" dirty="0"/>
@@ -5215,45 +5205,12 @@
             </a:r>
             <a:r>
               <a:rPr lang="ko-KR" altLang="en-US" dirty="0"/>
-              <a:t>작업을 구별해 실행한다</a:t>
-            </a:r>
-            <a:r>
-              <a:rPr lang="en-US" altLang="ko-KR" dirty="0"/>
-              <a:t>.</a:t>
-            </a:r>
-          </a:p>
-          <a:p>
+              <a:t>작업을 구별해 실행</a:t>
+            </a:r>
             <a:endParaRPr lang="en-US" altLang="ko-KR" dirty="0"/>
           </a:p>
           <a:p>
-            <a:r>
-              <a:rPr lang="en-US" altLang="ko-KR" dirty="0" err="1"/>
-              <a:t>Recv</a:t>
-            </a:r>
-            <a:r>
-              <a:rPr lang="ko-KR" altLang="en-US" dirty="0"/>
-              <a:t>에서 </a:t>
-            </a:r>
-            <a:r>
-              <a:rPr lang="en-US" altLang="ko-KR" dirty="0" err="1"/>
-              <a:t>buf</a:t>
-            </a:r>
-            <a:r>
-              <a:rPr lang="ko-KR" altLang="en-US" dirty="0"/>
-              <a:t>와 </a:t>
-            </a:r>
-            <a:r>
-              <a:rPr lang="en-US" altLang="ko-KR" dirty="0"/>
-              <a:t>id</a:t>
-            </a:r>
-            <a:r>
-              <a:rPr lang="ko-KR" altLang="en-US" dirty="0"/>
-              <a:t>값을 인자로 받는 패킷 재 조립 함수를 활용해 클라이언트가 요청한 작업을 수행한다</a:t>
-            </a:r>
-            <a:r>
-              <a:rPr lang="en-US" altLang="ko-KR" dirty="0"/>
-              <a:t>. </a:t>
-            </a:r>
+            <a:endParaRPr lang="en-US" altLang="ko-KR" dirty="0"/>
           </a:p>
           <a:p>
             <a:pPr algn="ctr"/>
@@ -5638,8 +5595,8 @@
         </p:blipFill>
         <p:spPr>
           <a:xfrm>
-            <a:off x="403080" y="1397127"/>
-            <a:ext cx="6190760" cy="5045364"/>
+            <a:off x="403080" y="1397126"/>
+            <a:ext cx="5177902" cy="4905179"/>
           </a:xfrm>
           <a:prstGeom prst="rect">
             <a:avLst/>
@@ -5727,11 +5684,243 @@
                 <a:latin typeface="a피라미드" panose="02020600000000000000" pitchFamily="18" charset="-127"/>
                 <a:ea typeface="a피라미드" panose="02020600000000000000" pitchFamily="18" charset="-127"/>
               </a:rPr>
-              <a:t>게임시작 전 흐름도</a:t>
+              <a:t>서버</a:t>
             </a:r>
             <a:endParaRPr lang="es-ES" sz="3600" spc="300" dirty="0">
               <a:latin typeface="a피라미드" panose="02020600000000000000" pitchFamily="18" charset="-127"/>
               <a:ea typeface="a피라미드" panose="02020600000000000000" pitchFamily="18" charset="-127"/>
+            </a:endParaRPr>
+          </a:p>
+        </p:txBody>
+      </p:sp>
+      <p:pic>
+        <p:nvPicPr>
+          <p:cNvPr id="3" name="그림 2">
+            <a:extLst>
+              <a:ext uri="{FF2B5EF4-FFF2-40B4-BE49-F238E27FC236}">
+                <a16:creationId xmlns:a16="http://schemas.microsoft.com/office/drawing/2014/main" id="{7058F499-5164-D95F-B374-8842FFBACEE2}"/>
+              </a:ext>
+            </a:extLst>
+          </p:cNvPr>
+          <p:cNvPicPr>
+            <a:picLocks noChangeAspect="1"/>
+          </p:cNvPicPr>
+          <p:nvPr/>
+        </p:nvPicPr>
+        <p:blipFill>
+          <a:blip r:embed="rId3"/>
+          <a:stretch>
+            <a:fillRect/>
+          </a:stretch>
+        </p:blipFill>
+        <p:spPr>
+          <a:xfrm>
+            <a:off x="5698562" y="1397127"/>
+            <a:ext cx="2863121" cy="2353779"/>
+          </a:xfrm>
+          <a:prstGeom prst="rect">
+            <a:avLst/>
+          </a:prstGeom>
+        </p:spPr>
+      </p:pic>
+      <p:pic>
+        <p:nvPicPr>
+          <p:cNvPr id="5" name="그림 4">
+            <a:extLst>
+              <a:ext uri="{FF2B5EF4-FFF2-40B4-BE49-F238E27FC236}">
+                <a16:creationId xmlns:a16="http://schemas.microsoft.com/office/drawing/2014/main" id="{FE3420E3-B332-BCED-4963-54B1DCBA96EA}"/>
+              </a:ext>
+            </a:extLst>
+          </p:cNvPr>
+          <p:cNvPicPr>
+            <a:picLocks noChangeAspect="1"/>
+          </p:cNvPicPr>
+          <p:nvPr/>
+        </p:nvPicPr>
+        <p:blipFill>
+          <a:blip r:embed="rId4"/>
+          <a:stretch>
+            <a:fillRect/>
+          </a:stretch>
+        </p:blipFill>
+        <p:spPr>
+          <a:xfrm>
+            <a:off x="8679263" y="1397127"/>
+            <a:ext cx="3011994" cy="2295887"/>
+          </a:xfrm>
+          <a:prstGeom prst="rect">
+            <a:avLst/>
+          </a:prstGeom>
+        </p:spPr>
+      </p:pic>
+      <p:sp>
+        <p:nvSpPr>
+          <p:cNvPr id="6" name="TextBox 7">
+            <a:extLst>
+              <a:ext uri="{FF2B5EF4-FFF2-40B4-BE49-F238E27FC236}">
+                <a16:creationId xmlns:a16="http://schemas.microsoft.com/office/drawing/2014/main" id="{E4230FB2-B4AD-0738-D8A9-04655D91E343}"/>
+              </a:ext>
+            </a:extLst>
+          </p:cNvPr>
+          <p:cNvSpPr txBox="1"/>
+          <p:nvPr/>
+        </p:nvSpPr>
+        <p:spPr>
+          <a:xfrm>
+            <a:off x="1386128" y="6370777"/>
+            <a:ext cx="3211805" cy="369332"/>
+          </a:xfrm>
+          <a:prstGeom prst="rect">
+            <a:avLst/>
+          </a:prstGeom>
+          <a:noFill/>
+        </p:spPr>
+        <p:txBody>
+          <a:bodyPr wrap="square">
+            <a:spAutoFit/>
+          </a:bodyPr>
+          <a:lstStyle/>
+          <a:p>
+            <a:pPr lvl="0" algn="ctr">
+              <a:defRPr/>
+            </a:pPr>
+            <a:r>
+              <a:rPr lang="en-US" altLang="ko-KR" sz="1800" dirty="0">
+                <a:solidFill>
+                  <a:schemeClr val="lt1"/>
+                </a:solidFill>
+                <a:latin typeface="HY태백B"/>
+                <a:ea typeface="a라이트" panose="02020600000000000000"/>
+              </a:rPr>
+              <a:t>&lt;</a:t>
+            </a:r>
+            <a:r>
+              <a:rPr lang="ko-KR" altLang="en-US" sz="1800" dirty="0">
+                <a:solidFill>
+                  <a:schemeClr val="lt1"/>
+                </a:solidFill>
+                <a:latin typeface="HY태백B"/>
+                <a:ea typeface="a라이트" panose="02020600000000000000"/>
+              </a:rPr>
+              <a:t>게임 시작 전 흐름도</a:t>
+            </a:r>
+            <a:r>
+              <a:rPr lang="en-US" altLang="ko-KR" sz="1800" dirty="0">
+                <a:solidFill>
+                  <a:schemeClr val="lt1"/>
+                </a:solidFill>
+                <a:latin typeface="HY태백B"/>
+                <a:ea typeface="a라이트" panose="02020600000000000000"/>
+              </a:rPr>
+              <a:t>&gt;</a:t>
+            </a:r>
+            <a:endParaRPr lang="ko-KR" altLang="en-US" sz="1800" dirty="0">
+              <a:solidFill>
+                <a:schemeClr val="lt1"/>
+              </a:solidFill>
+              <a:latin typeface="HY태백B"/>
+              <a:ea typeface="a라이트" panose="02020600000000000000"/>
+            </a:endParaRPr>
+          </a:p>
+        </p:txBody>
+      </p:sp>
+      <p:pic>
+        <p:nvPicPr>
+          <p:cNvPr id="11" name="그림 10">
+            <a:extLst>
+              <a:ext uri="{FF2B5EF4-FFF2-40B4-BE49-F238E27FC236}">
+                <a16:creationId xmlns:a16="http://schemas.microsoft.com/office/drawing/2014/main" id="{21A62C5F-3E68-C8A2-87FF-981928150A38}"/>
+              </a:ext>
+            </a:extLst>
+          </p:cNvPr>
+          <p:cNvPicPr>
+            <a:picLocks noChangeAspect="1"/>
+          </p:cNvPicPr>
+          <p:nvPr/>
+        </p:nvPicPr>
+        <p:blipFill>
+          <a:blip r:embed="rId5"/>
+          <a:stretch>
+            <a:fillRect/>
+          </a:stretch>
+        </p:blipFill>
+        <p:spPr>
+          <a:xfrm>
+            <a:off x="7287056" y="3857861"/>
+            <a:ext cx="3011994" cy="2464560"/>
+          </a:xfrm>
+          <a:prstGeom prst="rect">
+            <a:avLst/>
+          </a:prstGeom>
+        </p:spPr>
+      </p:pic>
+      <p:sp>
+        <p:nvSpPr>
+          <p:cNvPr id="12" name="TextBox 7">
+            <a:extLst>
+              <a:ext uri="{FF2B5EF4-FFF2-40B4-BE49-F238E27FC236}">
+                <a16:creationId xmlns:a16="http://schemas.microsoft.com/office/drawing/2014/main" id="{CFB71B4C-8654-18F5-2AE6-9266901268FC}"/>
+              </a:ext>
+            </a:extLst>
+          </p:cNvPr>
+          <p:cNvSpPr txBox="1"/>
+          <p:nvPr/>
+        </p:nvSpPr>
+        <p:spPr>
+          <a:xfrm>
+            <a:off x="7187150" y="6352700"/>
+            <a:ext cx="3211805" cy="369332"/>
+          </a:xfrm>
+          <a:prstGeom prst="rect">
+            <a:avLst/>
+          </a:prstGeom>
+          <a:noFill/>
+        </p:spPr>
+        <p:txBody>
+          <a:bodyPr wrap="square">
+            <a:spAutoFit/>
+          </a:bodyPr>
+          <a:lstStyle/>
+          <a:p>
+            <a:pPr lvl="0" algn="ctr">
+              <a:defRPr/>
+            </a:pPr>
+            <a:r>
+              <a:rPr lang="en-US" altLang="ko-KR" sz="1800" dirty="0">
+                <a:solidFill>
+                  <a:schemeClr val="lt1"/>
+                </a:solidFill>
+                <a:latin typeface="HY태백B"/>
+                <a:ea typeface="a라이트" panose="02020600000000000000"/>
+              </a:rPr>
+              <a:t>&lt;</a:t>
+            </a:r>
+            <a:r>
+              <a:rPr lang="ko-KR" altLang="en-US" sz="1800" dirty="0">
+                <a:solidFill>
+                  <a:schemeClr val="lt1"/>
+                </a:solidFill>
+                <a:latin typeface="HY태백B"/>
+                <a:ea typeface="a라이트" panose="02020600000000000000"/>
+              </a:rPr>
+              <a:t>동기화 작업</a:t>
+            </a:r>
+            <a:r>
+              <a:rPr lang="en-US" altLang="ko-KR" sz="1800" dirty="0">
+                <a:solidFill>
+                  <a:schemeClr val="lt1"/>
+                </a:solidFill>
+                <a:latin typeface="HY태백B"/>
+                <a:ea typeface="a라이트" panose="02020600000000000000"/>
+              </a:rPr>
+              <a:t>&gt;</a:t>
+            </a:r>
+            <a:endParaRPr lang="ko-KR" altLang="en-US" sz="1800" dirty="0">
+              <a:solidFill>
+                <a:schemeClr val="lt1"/>
+              </a:solidFill>
+              <a:latin typeface="HY태백B"/>
+              <a:ea typeface="a라이트" panose="02020600000000000000"/>
             </a:endParaRPr>
           </a:p>
         </p:txBody>
@@ -6340,22 +6529,19 @@
             </a:r>
             <a:r>
               <a:rPr lang="en-US" altLang="ko-KR" dirty="0"/>
-              <a:t>:  Disconnect </a:t>
+              <a:t>:  </a:t>
             </a:r>
             <a:r>
               <a:rPr lang="ko-KR" altLang="en-US" dirty="0"/>
-              <a:t>처리 및 더미 클라이언트와의 </a:t>
-            </a:r>
-            <a:endParaRPr lang="en-US" altLang="ko-KR" dirty="0"/>
-          </a:p>
-          <a:p>
+              <a:t>더미 클라이언트와의 테스트를 통한 다중 접속 </a:t>
+            </a:r>
             <a:r>
               <a:rPr lang="en-US" altLang="ko-KR" dirty="0"/>
-              <a:t>		</a:t>
+              <a:t>			</a:t>
             </a:r>
             <a:r>
               <a:rPr lang="ko-KR" altLang="en-US" dirty="0"/>
-              <a:t>테스트를 통한 다중 접속 테스트 진행</a:t>
+              <a:t>테스트 진행</a:t>
             </a:r>
             <a:endParaRPr lang="en-US" altLang="ko-KR" dirty="0"/>
           </a:p>

--- a/작업일지 && 졸작자료/중간평가.pptx
+++ b/작업일지 && 졸작자료/중간평가.pptx
@@ -31,7 +31,7 @@
       <p:bold r:id="rId19"/>
     </p:embeddedFont>
     <p:embeddedFont>
-      <p:font typeface="나눔고딕" panose="020D0604000000000000" pitchFamily="50" charset="-127"/>
+      <p:font typeface="나눔고딕" pitchFamily="2" charset="-127"/>
       <p:regular r:id="rId20"/>
       <p:bold r:id="rId21"/>
     </p:embeddedFont>
@@ -13238,7 +13238,7 @@
         </p:nvSpPr>
         <p:spPr>
           <a:xfrm rot="16200000">
-            <a:off x="2657631" y="-2667001"/>
+            <a:off x="2657633" y="-2657632"/>
             <a:ext cx="6876736" cy="12192001"/>
           </a:xfrm>
           <a:prstGeom prst="rect">
@@ -13417,7 +13417,7 @@
         </p:spPr>
         <p:txBody>
           <a:bodyPr vert="horz" lIns="91440" tIns="45720" rIns="91440" bIns="45720" rtlCol="0">
-            <a:normAutofit fontScale="70000" lnSpcReduction="20000"/>
+            <a:normAutofit lnSpcReduction="10000"/>
           </a:bodyPr>
           <a:lstStyle>
             <a:lvl1pPr marL="228600" indent="-228600" algn="l" defTabSz="914400" rtl="0" eaLnBrk="1" latinLnBrk="1" hangingPunct="1">
@@ -13631,178 +13631,100 @@
                 <a:latin typeface="a라이트" panose="02020600000000000000" pitchFamily="18" charset="-127"/>
                 <a:ea typeface="a라이트" panose="02020600000000000000" pitchFamily="18" charset="-127"/>
               </a:rPr>
-              <a:t>플레이어들을 </a:t>
+              <a:t>인원수 </a:t>
             </a:r>
             <a:r>
               <a:rPr lang="en-US" altLang="ko-KR" sz="2400" dirty="0">
                 <a:latin typeface="a라이트" panose="02020600000000000000" pitchFamily="18" charset="-127"/>
                 <a:ea typeface="a라이트" panose="02020600000000000000" pitchFamily="18" charset="-127"/>
               </a:rPr>
-              <a:t>10</a:t>
+              <a:t>: 2-4</a:t>
             </a:r>
             <a:r>
               <a:rPr lang="ko-KR" altLang="en-US" sz="2400" dirty="0">
                 <a:latin typeface="a라이트" panose="02020600000000000000" pitchFamily="18" charset="-127"/>
                 <a:ea typeface="a라이트" panose="02020600000000000000" pitchFamily="18" charset="-127"/>
               </a:rPr>
-              <a:t>개의 탈출 도구를 모으기 위해</a:t>
+              <a:t>명</a:t>
+            </a:r>
+            <a:endParaRPr lang="en-US" altLang="ko-KR" sz="2400" dirty="0">
+              <a:latin typeface="a라이트" panose="02020600000000000000" pitchFamily="18" charset="-127"/>
+              <a:ea typeface="a라이트" panose="02020600000000000000" pitchFamily="18" charset="-127"/>
+            </a:endParaRPr>
+          </a:p>
+          <a:p>
+            <a:pPr algn="just"/>
+            <a:r>
+              <a:rPr lang="ko-KR" altLang="en-US" sz="2400" dirty="0">
+                <a:latin typeface="a라이트" panose="02020600000000000000" pitchFamily="18" charset="-127"/>
+                <a:ea typeface="a라이트" panose="02020600000000000000" pitchFamily="18" charset="-127"/>
+              </a:rPr>
+              <a:t>기본적인 </a:t>
             </a:r>
             <a:r>
               <a:rPr lang="en-US" altLang="ko-KR" sz="2400" dirty="0">
                 <a:latin typeface="a라이트" panose="02020600000000000000" pitchFamily="18" charset="-127"/>
                 <a:ea typeface="a라이트" panose="02020600000000000000" pitchFamily="18" charset="-127"/>
               </a:rPr>
-              <a:t> </a:t>
-            </a:r>
-            <a:r>
-              <a:rPr lang="ko-KR" altLang="en-US" sz="2400" dirty="0" err="1">
-                <a:latin typeface="a라이트" panose="02020600000000000000" pitchFamily="18" charset="-127"/>
-                <a:ea typeface="a라이트" panose="02020600000000000000" pitchFamily="18" charset="-127"/>
-              </a:rPr>
-              <a:t>맵에</a:t>
+              <a:t>TPS </a:t>
             </a:r>
             <a:r>
               <a:rPr lang="ko-KR" altLang="en-US" sz="2400" dirty="0">
                 <a:latin typeface="a라이트" panose="02020600000000000000" pitchFamily="18" charset="-127"/>
                 <a:ea typeface="a라이트" panose="02020600000000000000" pitchFamily="18" charset="-127"/>
               </a:rPr>
-              <a:t> 존재하는 탈출 도구를 찾거나 적 플레이어의 탈출도구를 </a:t>
-            </a:r>
-            <a:r>
-              <a:rPr lang="ko-KR" altLang="en-US" sz="2400" dirty="0" err="1">
+              <a:t>게임의 형태에 스킬들을 추가하고 새로운 승리 조건을 적용</a:t>
+            </a:r>
+            <a:endParaRPr lang="en-US" altLang="ko-KR" sz="2400" dirty="0">
+              <a:latin typeface="a라이트" panose="02020600000000000000" pitchFamily="18" charset="-127"/>
+              <a:ea typeface="a라이트" panose="02020600000000000000" pitchFamily="18" charset="-127"/>
+            </a:endParaRPr>
+          </a:p>
+          <a:p>
+            <a:pPr algn="just"/>
+            <a:r>
+              <a:rPr lang="ko-KR" altLang="en-US" sz="2400" dirty="0">
                 <a:latin typeface="a라이트" panose="02020600000000000000" pitchFamily="18" charset="-127"/>
                 <a:ea typeface="a라이트" panose="02020600000000000000" pitchFamily="18" charset="-127"/>
               </a:rPr>
-              <a:t>빼았는다</a:t>
+              <a:t>승리조건 </a:t>
             </a:r>
             <a:r>
               <a:rPr lang="en-US" altLang="ko-KR" sz="2400" dirty="0">
                 <a:latin typeface="a라이트" panose="02020600000000000000" pitchFamily="18" charset="-127"/>
                 <a:ea typeface="a라이트" panose="02020600000000000000" pitchFamily="18" charset="-127"/>
               </a:rPr>
-              <a:t>.</a:t>
-            </a:r>
-          </a:p>
-          <a:p>
-            <a:pPr algn="just"/>
-            <a:r>
-              <a:rPr lang="ko-KR" altLang="en-US" sz="2400" dirty="0" err="1">
-                <a:latin typeface="a라이트" panose="02020600000000000000" pitchFamily="18" charset="-127"/>
-                <a:ea typeface="a라이트" panose="02020600000000000000" pitchFamily="18" charset="-127"/>
-              </a:rPr>
-              <a:t>맵에</a:t>
+              <a:t>: </a:t>
             </a:r>
             <a:r>
               <a:rPr lang="ko-KR" altLang="en-US" sz="2400" dirty="0">
                 <a:latin typeface="a라이트" panose="02020600000000000000" pitchFamily="18" charset="-127"/>
                 <a:ea typeface="a라이트" panose="02020600000000000000" pitchFamily="18" charset="-127"/>
               </a:rPr>
-              <a:t> 존재하는 탈출도구들은 기존 </a:t>
-            </a:r>
-            <a:r>
-              <a:rPr lang="ko-KR" altLang="en-US" sz="2400" dirty="0" err="1">
+              <a:t>탈출도구를 </a:t>
+            </a:r>
+            <a:r>
+              <a:rPr lang="en-US" altLang="ko-KR" sz="2400" dirty="0">
                 <a:latin typeface="a라이트" panose="02020600000000000000" pitchFamily="18" charset="-127"/>
                 <a:ea typeface="a라이트" panose="02020600000000000000" pitchFamily="18" charset="-127"/>
               </a:rPr>
-              <a:t>맵의</a:t>
+              <a:t>10</a:t>
             </a:r>
             <a:r>
               <a:rPr lang="ko-KR" altLang="en-US" sz="2400" dirty="0">
                 <a:latin typeface="a라이트" panose="02020600000000000000" pitchFamily="18" charset="-127"/>
                 <a:ea typeface="a라이트" panose="02020600000000000000" pitchFamily="18" charset="-127"/>
               </a:rPr>
-              <a:t> 소품들로 위장하여 있다</a:t>
-            </a:r>
-            <a:r>
-              <a:rPr lang="en-US" altLang="ko-KR" sz="2400" dirty="0">
-                <a:latin typeface="a라이트" panose="02020600000000000000" pitchFamily="18" charset="-127"/>
-                <a:ea typeface="a라이트" panose="02020600000000000000" pitchFamily="18" charset="-127"/>
-              </a:rPr>
-              <a:t>.</a:t>
-            </a:r>
+              <a:t>개 획득해서 탈출하면 승리</a:t>
+            </a:r>
+            <a:endParaRPr lang="en-US" altLang="ko-KR" sz="2400" dirty="0">
+              <a:latin typeface="a라이트" panose="02020600000000000000" pitchFamily="18" charset="-127"/>
+              <a:ea typeface="a라이트" panose="02020600000000000000" pitchFamily="18" charset="-127"/>
+            </a:endParaRPr>
           </a:p>
           <a:p>
             <a:pPr algn="just"/>
-            <a:r>
-              <a:rPr lang="en-US" altLang="ko-KR" sz="2400" dirty="0">
-                <a:latin typeface="a라이트" panose="02020600000000000000" pitchFamily="18" charset="-127"/>
-                <a:ea typeface="a라이트" panose="02020600000000000000" pitchFamily="18" charset="-127"/>
-              </a:rPr>
-              <a:t>10</a:t>
-            </a:r>
-            <a:r>
-              <a:rPr lang="ko-KR" altLang="en-US" sz="2400" dirty="0">
-                <a:latin typeface="a라이트" panose="02020600000000000000" pitchFamily="18" charset="-127"/>
-                <a:ea typeface="a라이트" panose="02020600000000000000" pitchFamily="18" charset="-127"/>
-              </a:rPr>
-              <a:t>개 이상의 탈출도구를 획득한 상태에서 적에게 처치 당하면 </a:t>
-            </a:r>
-            <a:r>
-              <a:rPr lang="en-US" altLang="ko-KR" sz="2400" dirty="0">
-                <a:latin typeface="a라이트" panose="02020600000000000000" pitchFamily="18" charset="-127"/>
-                <a:ea typeface="a라이트" panose="02020600000000000000" pitchFamily="18" charset="-127"/>
-              </a:rPr>
-              <a:t>4</a:t>
-            </a:r>
-            <a:r>
-              <a:rPr lang="ko-KR" altLang="en-US" sz="2400" dirty="0">
-                <a:latin typeface="a라이트" panose="02020600000000000000" pitchFamily="18" charset="-127"/>
-                <a:ea typeface="a라이트" panose="02020600000000000000" pitchFamily="18" charset="-127"/>
-              </a:rPr>
-              <a:t>개의 탈출도구를 적에게 </a:t>
-            </a:r>
-            <a:r>
-              <a:rPr lang="ko-KR" altLang="en-US" sz="2400" dirty="0" err="1">
-                <a:latin typeface="a라이트" panose="02020600000000000000" pitchFamily="18" charset="-127"/>
-                <a:ea typeface="a라이트" panose="02020600000000000000" pitchFamily="18" charset="-127"/>
-              </a:rPr>
-              <a:t>빼았긴다</a:t>
-            </a:r>
-            <a:r>
-              <a:rPr lang="en-US" altLang="ko-KR" sz="2400" dirty="0">
-                <a:latin typeface="a라이트" panose="02020600000000000000" pitchFamily="18" charset="-127"/>
-                <a:ea typeface="a라이트" panose="02020600000000000000" pitchFamily="18" charset="-127"/>
-              </a:rPr>
-              <a:t>.</a:t>
-            </a:r>
-          </a:p>
-          <a:p>
-            <a:pPr algn="just"/>
-            <a:r>
-              <a:rPr lang="ko-KR" altLang="en-US" sz="2400" dirty="0">
-                <a:latin typeface="a라이트" panose="02020600000000000000" pitchFamily="18" charset="-127"/>
-                <a:ea typeface="a라이트" panose="02020600000000000000" pitchFamily="18" charset="-127"/>
-              </a:rPr>
-              <a:t>총 </a:t>
-            </a:r>
-            <a:r>
-              <a:rPr lang="en-US" altLang="ko-KR" sz="2400" dirty="0">
-                <a:latin typeface="a라이트" panose="02020600000000000000" pitchFamily="18" charset="-127"/>
-                <a:ea typeface="a라이트" panose="02020600000000000000" pitchFamily="18" charset="-127"/>
-              </a:rPr>
-              <a:t>10</a:t>
-            </a:r>
-            <a:r>
-              <a:rPr lang="ko-KR" altLang="en-US" sz="2400" dirty="0">
-                <a:latin typeface="a라이트" panose="02020600000000000000" pitchFamily="18" charset="-127"/>
-                <a:ea typeface="a라이트" panose="02020600000000000000" pitchFamily="18" charset="-127"/>
-              </a:rPr>
-              <a:t>개 이상의 탈출 도구를 모았다면 맵 중앙에 있는 우주선을 타고 탈출한다</a:t>
-            </a:r>
-            <a:r>
-              <a:rPr lang="en-US" altLang="ko-KR" sz="2400" dirty="0">
-                <a:latin typeface="a라이트" panose="02020600000000000000" pitchFamily="18" charset="-127"/>
-                <a:ea typeface="a라이트" panose="02020600000000000000" pitchFamily="18" charset="-127"/>
-              </a:rPr>
-              <a:t>.</a:t>
-            </a:r>
-          </a:p>
-          <a:p>
-            <a:pPr marL="0" indent="0" algn="ctr">
-              <a:buFont typeface="Arial" panose="020B0604020202020204" pitchFamily="34" charset="0"/>
-              <a:buNone/>
-            </a:pPr>
-            <a:endParaRPr lang="ko-KR" altLang="en-US" sz="2400" dirty="0">
+            <a:endParaRPr lang="en-US" altLang="ko-KR" sz="2400" dirty="0">
               <a:latin typeface="a라이트" panose="02020600000000000000" pitchFamily="18" charset="-127"/>
               <a:ea typeface="a라이트" panose="02020600000000000000" pitchFamily="18" charset="-127"/>
             </a:endParaRPr>
